--- a/report/DesignReport/Presentation1.pptx
+++ b/report/DesignReport/Presentation1.pptx
@@ -4,8 +4,22 @@
   <p:sldMasterIdLst>
     <p:sldMasterId id="2147483648" r:id="rId1"/>
   </p:sldMasterIdLst>
+  <p:notesMasterIdLst>
+    <p:notesMasterId r:id="rId14"/>
+  </p:notesMasterIdLst>
   <p:sldIdLst>
     <p:sldId id="256" r:id="rId2"/>
+    <p:sldId id="257" r:id="rId3"/>
+    <p:sldId id="258" r:id="rId4"/>
+    <p:sldId id="259" r:id="rId5"/>
+    <p:sldId id="260" r:id="rId6"/>
+    <p:sldId id="261" r:id="rId7"/>
+    <p:sldId id="262" r:id="rId8"/>
+    <p:sldId id="263" r:id="rId9"/>
+    <p:sldId id="264" r:id="rId10"/>
+    <p:sldId id="265" r:id="rId11"/>
+    <p:sldId id="266" r:id="rId12"/>
+    <p:sldId id="267" r:id="rId13"/>
   </p:sldIdLst>
   <p:sldSz cx="9144000" cy="6858000" type="screen4x3"/>
   <p:notesSz cx="6858000" cy="9144000"/>
@@ -107,6 +121,1175 @@
 </p:presentation>
 </file>
 
+<file path=ppt/notesMasters/notesMaster1.xml><?xml version="1.0" encoding="utf-8"?>
+<p:notesMaster xmlns:a="http://schemas.openxmlformats.org/drawingml/2006/main" xmlns:r="http://schemas.openxmlformats.org/officeDocument/2006/relationships" xmlns:p="http://schemas.openxmlformats.org/presentationml/2006/main">
+  <p:cSld>
+    <p:bg>
+      <p:bgRef idx="1001">
+        <a:schemeClr val="bg1"/>
+      </p:bgRef>
+    </p:bg>
+    <p:spTree>
+      <p:nvGrpSpPr>
+        <p:cNvPr id="1" name=""/>
+        <p:cNvGrpSpPr/>
+        <p:nvPr/>
+      </p:nvGrpSpPr>
+      <p:grpSpPr>
+        <a:xfrm>
+          <a:off x="0" y="0"/>
+          <a:ext cx="0" cy="0"/>
+          <a:chOff x="0" y="0"/>
+          <a:chExt cx="0" cy="0"/>
+        </a:xfrm>
+      </p:grpSpPr>
+      <p:sp>
+        <p:nvSpPr>
+          <p:cNvPr id="2" name="Header Placeholder 1"/>
+          <p:cNvSpPr>
+            <a:spLocks noGrp="1"/>
+          </p:cNvSpPr>
+          <p:nvPr>
+            <p:ph type="hdr" sz="quarter"/>
+          </p:nvPr>
+        </p:nvSpPr>
+        <p:spPr>
+          <a:xfrm>
+            <a:off x="0" y="0"/>
+            <a:ext cx="2971800" cy="457200"/>
+          </a:xfrm>
+          <a:prstGeom prst="rect">
+            <a:avLst/>
+          </a:prstGeom>
+        </p:spPr>
+        <p:txBody>
+          <a:bodyPr vert="horz" lIns="91440" tIns="45720" rIns="91440" bIns="45720" rtlCol="0"/>
+          <a:lstStyle>
+            <a:lvl1pPr algn="l">
+              <a:defRPr sz="1200"/>
+            </a:lvl1pPr>
+          </a:lstStyle>
+          <a:p>
+            <a:endParaRPr lang="nb-NO"/>
+          </a:p>
+        </p:txBody>
+      </p:sp>
+      <p:sp>
+        <p:nvSpPr>
+          <p:cNvPr id="3" name="Date Placeholder 2"/>
+          <p:cNvSpPr>
+            <a:spLocks noGrp="1"/>
+          </p:cNvSpPr>
+          <p:nvPr>
+            <p:ph type="dt" idx="1"/>
+          </p:nvPr>
+        </p:nvSpPr>
+        <p:spPr>
+          <a:xfrm>
+            <a:off x="3884613" y="0"/>
+            <a:ext cx="2971800" cy="457200"/>
+          </a:xfrm>
+          <a:prstGeom prst="rect">
+            <a:avLst/>
+          </a:prstGeom>
+        </p:spPr>
+        <p:txBody>
+          <a:bodyPr vert="horz" lIns="91440" tIns="45720" rIns="91440" bIns="45720" rtlCol="0"/>
+          <a:lstStyle>
+            <a:lvl1pPr algn="r">
+              <a:defRPr sz="1200"/>
+            </a:lvl1pPr>
+          </a:lstStyle>
+          <a:p>
+            <a:fld id="{D3FA4D68-0C65-4A9B-94D6-CEB301447A54}" type="datetimeFigureOut">
+              <a:rPr lang="nb-NO" smtClean="0"/>
+              <a:pPr/>
+              <a:t>04.11.2011</a:t>
+            </a:fld>
+            <a:endParaRPr lang="nb-NO"/>
+          </a:p>
+        </p:txBody>
+      </p:sp>
+      <p:sp>
+        <p:nvSpPr>
+          <p:cNvPr id="4" name="Slide Image Placeholder 3"/>
+          <p:cNvSpPr>
+            <a:spLocks noGrp="1" noRot="1" noChangeAspect="1"/>
+          </p:cNvSpPr>
+          <p:nvPr>
+            <p:ph type="sldImg" idx="2"/>
+          </p:nvPr>
+        </p:nvSpPr>
+        <p:spPr>
+          <a:xfrm>
+            <a:off x="1143000" y="685800"/>
+            <a:ext cx="4572000" cy="3429000"/>
+          </a:xfrm>
+          <a:prstGeom prst="rect">
+            <a:avLst/>
+          </a:prstGeom>
+          <a:noFill/>
+          <a:ln w="12700">
+            <a:solidFill>
+              <a:prstClr val="black"/>
+            </a:solidFill>
+          </a:ln>
+        </p:spPr>
+        <p:txBody>
+          <a:bodyPr vert="horz" lIns="91440" tIns="45720" rIns="91440" bIns="45720" rtlCol="0" anchor="ctr"/>
+          <a:lstStyle/>
+          <a:p>
+            <a:endParaRPr lang="nb-NO"/>
+          </a:p>
+        </p:txBody>
+      </p:sp>
+      <p:sp>
+        <p:nvSpPr>
+          <p:cNvPr id="5" name="Notes Placeholder 4"/>
+          <p:cNvSpPr>
+            <a:spLocks noGrp="1"/>
+          </p:cNvSpPr>
+          <p:nvPr>
+            <p:ph type="body" sz="quarter" idx="3"/>
+          </p:nvPr>
+        </p:nvSpPr>
+        <p:spPr>
+          <a:xfrm>
+            <a:off x="685800" y="4343400"/>
+            <a:ext cx="5486400" cy="4114800"/>
+          </a:xfrm>
+          <a:prstGeom prst="rect">
+            <a:avLst/>
+          </a:prstGeom>
+        </p:spPr>
+        <p:txBody>
+          <a:bodyPr vert="horz" lIns="91440" tIns="45720" rIns="91440" bIns="45720" rtlCol="0">
+            <a:normAutofit/>
+          </a:bodyPr>
+          <a:lstStyle/>
+          <a:p>
+            <a:pPr lvl="0"/>
+            <a:r>
+              <a:rPr lang="en-US" smtClean="0"/>
+              <a:t>Click to edit Master text styles</a:t>
+            </a:r>
+          </a:p>
+          <a:p>
+            <a:pPr lvl="1"/>
+            <a:r>
+              <a:rPr lang="en-US" smtClean="0"/>
+              <a:t>Second level</a:t>
+            </a:r>
+          </a:p>
+          <a:p>
+            <a:pPr lvl="2"/>
+            <a:r>
+              <a:rPr lang="en-US" smtClean="0"/>
+              <a:t>Third level</a:t>
+            </a:r>
+          </a:p>
+          <a:p>
+            <a:pPr lvl="3"/>
+            <a:r>
+              <a:rPr lang="en-US" smtClean="0"/>
+              <a:t>Fourth level</a:t>
+            </a:r>
+          </a:p>
+          <a:p>
+            <a:pPr lvl="4"/>
+            <a:r>
+              <a:rPr lang="en-US" smtClean="0"/>
+              <a:t>Fifth level</a:t>
+            </a:r>
+            <a:endParaRPr lang="nb-NO"/>
+          </a:p>
+        </p:txBody>
+      </p:sp>
+      <p:sp>
+        <p:nvSpPr>
+          <p:cNvPr id="6" name="Footer Placeholder 5"/>
+          <p:cNvSpPr>
+            <a:spLocks noGrp="1"/>
+          </p:cNvSpPr>
+          <p:nvPr>
+            <p:ph type="ftr" sz="quarter" idx="4"/>
+          </p:nvPr>
+        </p:nvSpPr>
+        <p:spPr>
+          <a:xfrm>
+            <a:off x="0" y="8685213"/>
+            <a:ext cx="2971800" cy="457200"/>
+          </a:xfrm>
+          <a:prstGeom prst="rect">
+            <a:avLst/>
+          </a:prstGeom>
+        </p:spPr>
+        <p:txBody>
+          <a:bodyPr vert="horz" lIns="91440" tIns="45720" rIns="91440" bIns="45720" rtlCol="0" anchor="b"/>
+          <a:lstStyle>
+            <a:lvl1pPr algn="l">
+              <a:defRPr sz="1200"/>
+            </a:lvl1pPr>
+          </a:lstStyle>
+          <a:p>
+            <a:endParaRPr lang="nb-NO"/>
+          </a:p>
+        </p:txBody>
+      </p:sp>
+      <p:sp>
+        <p:nvSpPr>
+          <p:cNvPr id="7" name="Slide Number Placeholder 6"/>
+          <p:cNvSpPr>
+            <a:spLocks noGrp="1"/>
+          </p:cNvSpPr>
+          <p:nvPr>
+            <p:ph type="sldNum" sz="quarter" idx="5"/>
+          </p:nvPr>
+        </p:nvSpPr>
+        <p:spPr>
+          <a:xfrm>
+            <a:off x="3884613" y="8685213"/>
+            <a:ext cx="2971800" cy="457200"/>
+          </a:xfrm>
+          <a:prstGeom prst="rect">
+            <a:avLst/>
+          </a:prstGeom>
+        </p:spPr>
+        <p:txBody>
+          <a:bodyPr vert="horz" lIns="91440" tIns="45720" rIns="91440" bIns="45720" rtlCol="0" anchor="b"/>
+          <a:lstStyle>
+            <a:lvl1pPr algn="r">
+              <a:defRPr sz="1200"/>
+            </a:lvl1pPr>
+          </a:lstStyle>
+          <a:p>
+            <a:fld id="{F3A828CE-9294-44F0-A1DF-388494478F7B}" type="slidenum">
+              <a:rPr lang="nb-NO" smtClean="0"/>
+              <a:pPr/>
+              <a:t>‹#›</a:t>
+            </a:fld>
+            <a:endParaRPr lang="nb-NO"/>
+          </a:p>
+        </p:txBody>
+      </p:sp>
+    </p:spTree>
+  </p:cSld>
+  <p:clrMap bg1="lt1" tx1="dk1" bg2="lt2" tx2="dk2" accent1="accent1" accent2="accent2" accent3="accent3" accent4="accent4" accent5="accent5" accent6="accent6" hlink="hlink" folHlink="folHlink"/>
+  <p:notesStyle>
+    <a:lvl1pPr marL="0" algn="l" defTabSz="914400" rtl="0" eaLnBrk="1" latinLnBrk="0" hangingPunct="1">
+      <a:defRPr sz="1200" kern="1200">
+        <a:solidFill>
+          <a:schemeClr val="tx1"/>
+        </a:solidFill>
+        <a:latin typeface="+mn-lt"/>
+        <a:ea typeface="+mn-ea"/>
+        <a:cs typeface="+mn-cs"/>
+      </a:defRPr>
+    </a:lvl1pPr>
+    <a:lvl2pPr marL="457200" algn="l" defTabSz="914400" rtl="0" eaLnBrk="1" latinLnBrk="0" hangingPunct="1">
+      <a:defRPr sz="1200" kern="1200">
+        <a:solidFill>
+          <a:schemeClr val="tx1"/>
+        </a:solidFill>
+        <a:latin typeface="+mn-lt"/>
+        <a:ea typeface="+mn-ea"/>
+        <a:cs typeface="+mn-cs"/>
+      </a:defRPr>
+    </a:lvl2pPr>
+    <a:lvl3pPr marL="914400" algn="l" defTabSz="914400" rtl="0" eaLnBrk="1" latinLnBrk="0" hangingPunct="1">
+      <a:defRPr sz="1200" kern="1200">
+        <a:solidFill>
+          <a:schemeClr val="tx1"/>
+        </a:solidFill>
+        <a:latin typeface="+mn-lt"/>
+        <a:ea typeface="+mn-ea"/>
+        <a:cs typeface="+mn-cs"/>
+      </a:defRPr>
+    </a:lvl3pPr>
+    <a:lvl4pPr marL="1371600" algn="l" defTabSz="914400" rtl="0" eaLnBrk="1" latinLnBrk="0" hangingPunct="1">
+      <a:defRPr sz="1200" kern="1200">
+        <a:solidFill>
+          <a:schemeClr val="tx1"/>
+        </a:solidFill>
+        <a:latin typeface="+mn-lt"/>
+        <a:ea typeface="+mn-ea"/>
+        <a:cs typeface="+mn-cs"/>
+      </a:defRPr>
+    </a:lvl4pPr>
+    <a:lvl5pPr marL="1828800" algn="l" defTabSz="914400" rtl="0" eaLnBrk="1" latinLnBrk="0" hangingPunct="1">
+      <a:defRPr sz="1200" kern="1200">
+        <a:solidFill>
+          <a:schemeClr val="tx1"/>
+        </a:solidFill>
+        <a:latin typeface="+mn-lt"/>
+        <a:ea typeface="+mn-ea"/>
+        <a:cs typeface="+mn-cs"/>
+      </a:defRPr>
+    </a:lvl5pPr>
+    <a:lvl6pPr marL="2286000" algn="l" defTabSz="914400" rtl="0" eaLnBrk="1" latinLnBrk="0" hangingPunct="1">
+      <a:defRPr sz="1200" kern="1200">
+        <a:solidFill>
+          <a:schemeClr val="tx1"/>
+        </a:solidFill>
+        <a:latin typeface="+mn-lt"/>
+        <a:ea typeface="+mn-ea"/>
+        <a:cs typeface="+mn-cs"/>
+      </a:defRPr>
+    </a:lvl6pPr>
+    <a:lvl7pPr marL="2743200" algn="l" defTabSz="914400" rtl="0" eaLnBrk="1" latinLnBrk="0" hangingPunct="1">
+      <a:defRPr sz="1200" kern="1200">
+        <a:solidFill>
+          <a:schemeClr val="tx1"/>
+        </a:solidFill>
+        <a:latin typeface="+mn-lt"/>
+        <a:ea typeface="+mn-ea"/>
+        <a:cs typeface="+mn-cs"/>
+      </a:defRPr>
+    </a:lvl7pPr>
+    <a:lvl8pPr marL="3200400" algn="l" defTabSz="914400" rtl="0" eaLnBrk="1" latinLnBrk="0" hangingPunct="1">
+      <a:defRPr sz="1200" kern="1200">
+        <a:solidFill>
+          <a:schemeClr val="tx1"/>
+        </a:solidFill>
+        <a:latin typeface="+mn-lt"/>
+        <a:ea typeface="+mn-ea"/>
+        <a:cs typeface="+mn-cs"/>
+      </a:defRPr>
+    </a:lvl8pPr>
+    <a:lvl9pPr marL="3657600" algn="l" defTabSz="914400" rtl="0" eaLnBrk="1" latinLnBrk="0" hangingPunct="1">
+      <a:defRPr sz="1200" kern="1200">
+        <a:solidFill>
+          <a:schemeClr val="tx1"/>
+        </a:solidFill>
+        <a:latin typeface="+mn-lt"/>
+        <a:ea typeface="+mn-ea"/>
+        <a:cs typeface="+mn-cs"/>
+      </a:defRPr>
+    </a:lvl9pPr>
+  </p:notesStyle>
+</p:notesMaster>
+</file>
+
+<file path=ppt/notesSlides/notesSlide1.xml><?xml version="1.0" encoding="utf-8"?>
+<p:notes xmlns:a="http://schemas.openxmlformats.org/drawingml/2006/main" xmlns:r="http://schemas.openxmlformats.org/officeDocument/2006/relationships" xmlns:p="http://schemas.openxmlformats.org/presentationml/2006/main">
+  <p:cSld>
+    <p:spTree>
+      <p:nvGrpSpPr>
+        <p:cNvPr id="1" name=""/>
+        <p:cNvGrpSpPr/>
+        <p:nvPr/>
+      </p:nvGrpSpPr>
+      <p:grpSpPr>
+        <a:xfrm>
+          <a:off x="0" y="0"/>
+          <a:ext cx="0" cy="0"/>
+          <a:chOff x="0" y="0"/>
+          <a:chExt cx="0" cy="0"/>
+        </a:xfrm>
+      </p:grpSpPr>
+      <p:sp>
+        <p:nvSpPr>
+          <p:cNvPr id="2" name="Slide Image Placeholder 1"/>
+          <p:cNvSpPr>
+            <a:spLocks noGrp="1" noRot="1" noChangeAspect="1"/>
+          </p:cNvSpPr>
+          <p:nvPr>
+            <p:ph type="sldImg"/>
+          </p:nvPr>
+        </p:nvSpPr>
+        <p:spPr/>
+      </p:sp>
+      <p:sp>
+        <p:nvSpPr>
+          <p:cNvPr id="3" name="Notes Placeholder 2"/>
+          <p:cNvSpPr>
+            <a:spLocks noGrp="1"/>
+          </p:cNvSpPr>
+          <p:nvPr>
+            <p:ph type="body" idx="1"/>
+          </p:nvPr>
+        </p:nvSpPr>
+        <p:spPr/>
+        <p:txBody>
+          <a:bodyPr>
+            <a:normAutofit/>
+          </a:bodyPr>
+          <a:lstStyle/>
+          <a:p>
+            <a:endParaRPr lang="nb-NO" dirty="0"/>
+          </a:p>
+        </p:txBody>
+      </p:sp>
+      <p:sp>
+        <p:nvSpPr>
+          <p:cNvPr id="4" name="Slide Number Placeholder 3"/>
+          <p:cNvSpPr>
+            <a:spLocks noGrp="1"/>
+          </p:cNvSpPr>
+          <p:nvPr>
+            <p:ph type="sldNum" sz="quarter" idx="10"/>
+          </p:nvPr>
+        </p:nvSpPr>
+        <p:spPr/>
+        <p:txBody>
+          <a:bodyPr/>
+          <a:lstStyle/>
+          <a:p>
+            <a:fld id="{F3A828CE-9294-44F0-A1DF-388494478F7B}" type="slidenum">
+              <a:rPr lang="nb-NO" smtClean="0"/>
+              <a:pPr/>
+              <a:t>3</a:t>
+            </a:fld>
+            <a:endParaRPr lang="nb-NO"/>
+          </a:p>
+        </p:txBody>
+      </p:sp>
+    </p:spTree>
+  </p:cSld>
+  <p:clrMapOvr>
+    <a:masterClrMapping/>
+  </p:clrMapOvr>
+</p:notes>
+</file>
+
+<file path=ppt/notesSlides/notesSlide10.xml><?xml version="1.0" encoding="utf-8"?>
+<p:notes xmlns:a="http://schemas.openxmlformats.org/drawingml/2006/main" xmlns:r="http://schemas.openxmlformats.org/officeDocument/2006/relationships" xmlns:p="http://schemas.openxmlformats.org/presentationml/2006/main">
+  <p:cSld>
+    <p:spTree>
+      <p:nvGrpSpPr>
+        <p:cNvPr id="1" name=""/>
+        <p:cNvGrpSpPr/>
+        <p:nvPr/>
+      </p:nvGrpSpPr>
+      <p:grpSpPr>
+        <a:xfrm>
+          <a:off x="0" y="0"/>
+          <a:ext cx="0" cy="0"/>
+          <a:chOff x="0" y="0"/>
+          <a:chExt cx="0" cy="0"/>
+        </a:xfrm>
+      </p:grpSpPr>
+      <p:sp>
+        <p:nvSpPr>
+          <p:cNvPr id="2" name="Slide Image Placeholder 1"/>
+          <p:cNvSpPr>
+            <a:spLocks noGrp="1" noRot="1" noChangeAspect="1"/>
+          </p:cNvSpPr>
+          <p:nvPr>
+            <p:ph type="sldImg"/>
+          </p:nvPr>
+        </p:nvSpPr>
+        <p:spPr/>
+      </p:sp>
+      <p:sp>
+        <p:nvSpPr>
+          <p:cNvPr id="3" name="Notes Placeholder 2"/>
+          <p:cNvSpPr>
+            <a:spLocks noGrp="1"/>
+          </p:cNvSpPr>
+          <p:nvPr>
+            <p:ph type="body" idx="1"/>
+          </p:nvPr>
+        </p:nvSpPr>
+        <p:spPr/>
+        <p:txBody>
+          <a:bodyPr>
+            <a:normAutofit/>
+          </a:bodyPr>
+          <a:lstStyle/>
+          <a:p>
+            <a:endParaRPr lang="nb-NO" dirty="0"/>
+          </a:p>
+        </p:txBody>
+      </p:sp>
+      <p:sp>
+        <p:nvSpPr>
+          <p:cNvPr id="4" name="Slide Number Placeholder 3"/>
+          <p:cNvSpPr>
+            <a:spLocks noGrp="1"/>
+          </p:cNvSpPr>
+          <p:nvPr>
+            <p:ph type="sldNum" sz="quarter" idx="10"/>
+          </p:nvPr>
+        </p:nvSpPr>
+        <p:spPr/>
+        <p:txBody>
+          <a:bodyPr/>
+          <a:lstStyle/>
+          <a:p>
+            <a:fld id="{F3A828CE-9294-44F0-A1DF-388494478F7B}" type="slidenum">
+              <a:rPr lang="nb-NO" smtClean="0"/>
+              <a:pPr/>
+              <a:t>12</a:t>
+            </a:fld>
+            <a:endParaRPr lang="nb-NO"/>
+          </a:p>
+        </p:txBody>
+      </p:sp>
+    </p:spTree>
+  </p:cSld>
+  <p:clrMapOvr>
+    <a:masterClrMapping/>
+  </p:clrMapOvr>
+</p:notes>
+</file>
+
+<file path=ppt/notesSlides/notesSlide2.xml><?xml version="1.0" encoding="utf-8"?>
+<p:notes xmlns:a="http://schemas.openxmlformats.org/drawingml/2006/main" xmlns:r="http://schemas.openxmlformats.org/officeDocument/2006/relationships" xmlns:p="http://schemas.openxmlformats.org/presentationml/2006/main">
+  <p:cSld>
+    <p:spTree>
+      <p:nvGrpSpPr>
+        <p:cNvPr id="1" name=""/>
+        <p:cNvGrpSpPr/>
+        <p:nvPr/>
+      </p:nvGrpSpPr>
+      <p:grpSpPr>
+        <a:xfrm>
+          <a:off x="0" y="0"/>
+          <a:ext cx="0" cy="0"/>
+          <a:chOff x="0" y="0"/>
+          <a:chExt cx="0" cy="0"/>
+        </a:xfrm>
+      </p:grpSpPr>
+      <p:sp>
+        <p:nvSpPr>
+          <p:cNvPr id="2" name="Slide Image Placeholder 1"/>
+          <p:cNvSpPr>
+            <a:spLocks noGrp="1" noRot="1" noChangeAspect="1"/>
+          </p:cNvSpPr>
+          <p:nvPr>
+            <p:ph type="sldImg"/>
+          </p:nvPr>
+        </p:nvSpPr>
+        <p:spPr/>
+      </p:sp>
+      <p:sp>
+        <p:nvSpPr>
+          <p:cNvPr id="3" name="Notes Placeholder 2"/>
+          <p:cNvSpPr>
+            <a:spLocks noGrp="1"/>
+          </p:cNvSpPr>
+          <p:nvPr>
+            <p:ph type="body" idx="1"/>
+          </p:nvPr>
+        </p:nvSpPr>
+        <p:spPr/>
+        <p:txBody>
+          <a:bodyPr>
+            <a:normAutofit/>
+          </a:bodyPr>
+          <a:lstStyle/>
+          <a:p>
+            <a:endParaRPr lang="nb-NO" dirty="0"/>
+          </a:p>
+        </p:txBody>
+      </p:sp>
+      <p:sp>
+        <p:nvSpPr>
+          <p:cNvPr id="4" name="Slide Number Placeholder 3"/>
+          <p:cNvSpPr>
+            <a:spLocks noGrp="1"/>
+          </p:cNvSpPr>
+          <p:nvPr>
+            <p:ph type="sldNum" sz="quarter" idx="10"/>
+          </p:nvPr>
+        </p:nvSpPr>
+        <p:spPr/>
+        <p:txBody>
+          <a:bodyPr/>
+          <a:lstStyle/>
+          <a:p>
+            <a:fld id="{F3A828CE-9294-44F0-A1DF-388494478F7B}" type="slidenum">
+              <a:rPr lang="nb-NO" smtClean="0"/>
+              <a:pPr/>
+              <a:t>4</a:t>
+            </a:fld>
+            <a:endParaRPr lang="nb-NO"/>
+          </a:p>
+        </p:txBody>
+      </p:sp>
+    </p:spTree>
+  </p:cSld>
+  <p:clrMapOvr>
+    <a:masterClrMapping/>
+  </p:clrMapOvr>
+</p:notes>
+</file>
+
+<file path=ppt/notesSlides/notesSlide3.xml><?xml version="1.0" encoding="utf-8"?>
+<p:notes xmlns:a="http://schemas.openxmlformats.org/drawingml/2006/main" xmlns:r="http://schemas.openxmlformats.org/officeDocument/2006/relationships" xmlns:p="http://schemas.openxmlformats.org/presentationml/2006/main">
+  <p:cSld>
+    <p:spTree>
+      <p:nvGrpSpPr>
+        <p:cNvPr id="1" name=""/>
+        <p:cNvGrpSpPr/>
+        <p:nvPr/>
+      </p:nvGrpSpPr>
+      <p:grpSpPr>
+        <a:xfrm>
+          <a:off x="0" y="0"/>
+          <a:ext cx="0" cy="0"/>
+          <a:chOff x="0" y="0"/>
+          <a:chExt cx="0" cy="0"/>
+        </a:xfrm>
+      </p:grpSpPr>
+      <p:sp>
+        <p:nvSpPr>
+          <p:cNvPr id="2" name="Slide Image Placeholder 1"/>
+          <p:cNvSpPr>
+            <a:spLocks noGrp="1" noRot="1" noChangeAspect="1"/>
+          </p:cNvSpPr>
+          <p:nvPr>
+            <p:ph type="sldImg"/>
+          </p:nvPr>
+        </p:nvSpPr>
+        <p:spPr/>
+      </p:sp>
+      <p:sp>
+        <p:nvSpPr>
+          <p:cNvPr id="3" name="Notes Placeholder 2"/>
+          <p:cNvSpPr>
+            <a:spLocks noGrp="1"/>
+          </p:cNvSpPr>
+          <p:nvPr>
+            <p:ph type="body" idx="1"/>
+          </p:nvPr>
+        </p:nvSpPr>
+        <p:spPr/>
+        <p:txBody>
+          <a:bodyPr>
+            <a:normAutofit/>
+          </a:bodyPr>
+          <a:lstStyle/>
+          <a:p>
+            <a:endParaRPr lang="nb-NO" dirty="0"/>
+          </a:p>
+        </p:txBody>
+      </p:sp>
+      <p:sp>
+        <p:nvSpPr>
+          <p:cNvPr id="4" name="Slide Number Placeholder 3"/>
+          <p:cNvSpPr>
+            <a:spLocks noGrp="1"/>
+          </p:cNvSpPr>
+          <p:nvPr>
+            <p:ph type="sldNum" sz="quarter" idx="10"/>
+          </p:nvPr>
+        </p:nvSpPr>
+        <p:spPr/>
+        <p:txBody>
+          <a:bodyPr/>
+          <a:lstStyle/>
+          <a:p>
+            <a:fld id="{F3A828CE-9294-44F0-A1DF-388494478F7B}" type="slidenum">
+              <a:rPr lang="nb-NO" smtClean="0"/>
+              <a:pPr/>
+              <a:t>5</a:t>
+            </a:fld>
+            <a:endParaRPr lang="nb-NO"/>
+          </a:p>
+        </p:txBody>
+      </p:sp>
+    </p:spTree>
+  </p:cSld>
+  <p:clrMapOvr>
+    <a:masterClrMapping/>
+  </p:clrMapOvr>
+</p:notes>
+</file>
+
+<file path=ppt/notesSlides/notesSlide4.xml><?xml version="1.0" encoding="utf-8"?>
+<p:notes xmlns:a="http://schemas.openxmlformats.org/drawingml/2006/main" xmlns:r="http://schemas.openxmlformats.org/officeDocument/2006/relationships" xmlns:p="http://schemas.openxmlformats.org/presentationml/2006/main">
+  <p:cSld>
+    <p:spTree>
+      <p:nvGrpSpPr>
+        <p:cNvPr id="1" name=""/>
+        <p:cNvGrpSpPr/>
+        <p:nvPr/>
+      </p:nvGrpSpPr>
+      <p:grpSpPr>
+        <a:xfrm>
+          <a:off x="0" y="0"/>
+          <a:ext cx="0" cy="0"/>
+          <a:chOff x="0" y="0"/>
+          <a:chExt cx="0" cy="0"/>
+        </a:xfrm>
+      </p:grpSpPr>
+      <p:sp>
+        <p:nvSpPr>
+          <p:cNvPr id="2" name="Slide Image Placeholder 1"/>
+          <p:cNvSpPr>
+            <a:spLocks noGrp="1" noRot="1" noChangeAspect="1"/>
+          </p:cNvSpPr>
+          <p:nvPr>
+            <p:ph type="sldImg"/>
+          </p:nvPr>
+        </p:nvSpPr>
+        <p:spPr/>
+      </p:sp>
+      <p:sp>
+        <p:nvSpPr>
+          <p:cNvPr id="3" name="Notes Placeholder 2"/>
+          <p:cNvSpPr>
+            <a:spLocks noGrp="1"/>
+          </p:cNvSpPr>
+          <p:nvPr>
+            <p:ph type="body" idx="1"/>
+          </p:nvPr>
+        </p:nvSpPr>
+        <p:spPr/>
+        <p:txBody>
+          <a:bodyPr>
+            <a:normAutofit/>
+          </a:bodyPr>
+          <a:lstStyle/>
+          <a:p>
+            <a:endParaRPr lang="nb-NO" dirty="0"/>
+          </a:p>
+        </p:txBody>
+      </p:sp>
+      <p:sp>
+        <p:nvSpPr>
+          <p:cNvPr id="4" name="Slide Number Placeholder 3"/>
+          <p:cNvSpPr>
+            <a:spLocks noGrp="1"/>
+          </p:cNvSpPr>
+          <p:nvPr>
+            <p:ph type="sldNum" sz="quarter" idx="10"/>
+          </p:nvPr>
+        </p:nvSpPr>
+        <p:spPr/>
+        <p:txBody>
+          <a:bodyPr/>
+          <a:lstStyle/>
+          <a:p>
+            <a:fld id="{F3A828CE-9294-44F0-A1DF-388494478F7B}" type="slidenum">
+              <a:rPr lang="nb-NO" smtClean="0"/>
+              <a:pPr/>
+              <a:t>6</a:t>
+            </a:fld>
+            <a:endParaRPr lang="nb-NO"/>
+          </a:p>
+        </p:txBody>
+      </p:sp>
+    </p:spTree>
+  </p:cSld>
+  <p:clrMapOvr>
+    <a:masterClrMapping/>
+  </p:clrMapOvr>
+</p:notes>
+</file>
+
+<file path=ppt/notesSlides/notesSlide5.xml><?xml version="1.0" encoding="utf-8"?>
+<p:notes xmlns:a="http://schemas.openxmlformats.org/drawingml/2006/main" xmlns:r="http://schemas.openxmlformats.org/officeDocument/2006/relationships" xmlns:p="http://schemas.openxmlformats.org/presentationml/2006/main">
+  <p:cSld>
+    <p:spTree>
+      <p:nvGrpSpPr>
+        <p:cNvPr id="1" name=""/>
+        <p:cNvGrpSpPr/>
+        <p:nvPr/>
+      </p:nvGrpSpPr>
+      <p:grpSpPr>
+        <a:xfrm>
+          <a:off x="0" y="0"/>
+          <a:ext cx="0" cy="0"/>
+          <a:chOff x="0" y="0"/>
+          <a:chExt cx="0" cy="0"/>
+        </a:xfrm>
+      </p:grpSpPr>
+      <p:sp>
+        <p:nvSpPr>
+          <p:cNvPr id="2" name="Slide Image Placeholder 1"/>
+          <p:cNvSpPr>
+            <a:spLocks noGrp="1" noRot="1" noChangeAspect="1"/>
+          </p:cNvSpPr>
+          <p:nvPr>
+            <p:ph type="sldImg"/>
+          </p:nvPr>
+        </p:nvSpPr>
+        <p:spPr/>
+      </p:sp>
+      <p:sp>
+        <p:nvSpPr>
+          <p:cNvPr id="3" name="Notes Placeholder 2"/>
+          <p:cNvSpPr>
+            <a:spLocks noGrp="1"/>
+          </p:cNvSpPr>
+          <p:nvPr>
+            <p:ph type="body" idx="1"/>
+          </p:nvPr>
+        </p:nvSpPr>
+        <p:spPr/>
+        <p:txBody>
+          <a:bodyPr>
+            <a:normAutofit/>
+          </a:bodyPr>
+          <a:lstStyle/>
+          <a:p>
+            <a:endParaRPr lang="nb-NO" dirty="0"/>
+          </a:p>
+        </p:txBody>
+      </p:sp>
+      <p:sp>
+        <p:nvSpPr>
+          <p:cNvPr id="4" name="Slide Number Placeholder 3"/>
+          <p:cNvSpPr>
+            <a:spLocks noGrp="1"/>
+          </p:cNvSpPr>
+          <p:nvPr>
+            <p:ph type="sldNum" sz="quarter" idx="10"/>
+          </p:nvPr>
+        </p:nvSpPr>
+        <p:spPr/>
+        <p:txBody>
+          <a:bodyPr/>
+          <a:lstStyle/>
+          <a:p>
+            <a:fld id="{F3A828CE-9294-44F0-A1DF-388494478F7B}" type="slidenum">
+              <a:rPr lang="nb-NO" smtClean="0"/>
+              <a:pPr/>
+              <a:t>7</a:t>
+            </a:fld>
+            <a:endParaRPr lang="nb-NO"/>
+          </a:p>
+        </p:txBody>
+      </p:sp>
+    </p:spTree>
+  </p:cSld>
+  <p:clrMapOvr>
+    <a:masterClrMapping/>
+  </p:clrMapOvr>
+</p:notes>
+</file>
+
+<file path=ppt/notesSlides/notesSlide6.xml><?xml version="1.0" encoding="utf-8"?>
+<p:notes xmlns:a="http://schemas.openxmlformats.org/drawingml/2006/main" xmlns:r="http://schemas.openxmlformats.org/officeDocument/2006/relationships" xmlns:p="http://schemas.openxmlformats.org/presentationml/2006/main">
+  <p:cSld>
+    <p:spTree>
+      <p:nvGrpSpPr>
+        <p:cNvPr id="1" name=""/>
+        <p:cNvGrpSpPr/>
+        <p:nvPr/>
+      </p:nvGrpSpPr>
+      <p:grpSpPr>
+        <a:xfrm>
+          <a:off x="0" y="0"/>
+          <a:ext cx="0" cy="0"/>
+          <a:chOff x="0" y="0"/>
+          <a:chExt cx="0" cy="0"/>
+        </a:xfrm>
+      </p:grpSpPr>
+      <p:sp>
+        <p:nvSpPr>
+          <p:cNvPr id="2" name="Slide Image Placeholder 1"/>
+          <p:cNvSpPr>
+            <a:spLocks noGrp="1" noRot="1" noChangeAspect="1"/>
+          </p:cNvSpPr>
+          <p:nvPr>
+            <p:ph type="sldImg"/>
+          </p:nvPr>
+        </p:nvSpPr>
+        <p:spPr/>
+      </p:sp>
+      <p:sp>
+        <p:nvSpPr>
+          <p:cNvPr id="3" name="Notes Placeholder 2"/>
+          <p:cNvSpPr>
+            <a:spLocks noGrp="1"/>
+          </p:cNvSpPr>
+          <p:nvPr>
+            <p:ph type="body" idx="1"/>
+          </p:nvPr>
+        </p:nvSpPr>
+        <p:spPr/>
+        <p:txBody>
+          <a:bodyPr>
+            <a:normAutofit/>
+          </a:bodyPr>
+          <a:lstStyle/>
+          <a:p>
+            <a:endParaRPr lang="nb-NO" dirty="0"/>
+          </a:p>
+        </p:txBody>
+      </p:sp>
+      <p:sp>
+        <p:nvSpPr>
+          <p:cNvPr id="4" name="Slide Number Placeholder 3"/>
+          <p:cNvSpPr>
+            <a:spLocks noGrp="1"/>
+          </p:cNvSpPr>
+          <p:nvPr>
+            <p:ph type="sldNum" sz="quarter" idx="10"/>
+          </p:nvPr>
+        </p:nvSpPr>
+        <p:spPr/>
+        <p:txBody>
+          <a:bodyPr/>
+          <a:lstStyle/>
+          <a:p>
+            <a:fld id="{F3A828CE-9294-44F0-A1DF-388494478F7B}" type="slidenum">
+              <a:rPr lang="nb-NO" smtClean="0"/>
+              <a:pPr/>
+              <a:t>8</a:t>
+            </a:fld>
+            <a:endParaRPr lang="nb-NO"/>
+          </a:p>
+        </p:txBody>
+      </p:sp>
+    </p:spTree>
+  </p:cSld>
+  <p:clrMapOvr>
+    <a:masterClrMapping/>
+  </p:clrMapOvr>
+</p:notes>
+</file>
+
+<file path=ppt/notesSlides/notesSlide7.xml><?xml version="1.0" encoding="utf-8"?>
+<p:notes xmlns:a="http://schemas.openxmlformats.org/drawingml/2006/main" xmlns:r="http://schemas.openxmlformats.org/officeDocument/2006/relationships" xmlns:p="http://schemas.openxmlformats.org/presentationml/2006/main">
+  <p:cSld>
+    <p:spTree>
+      <p:nvGrpSpPr>
+        <p:cNvPr id="1" name=""/>
+        <p:cNvGrpSpPr/>
+        <p:nvPr/>
+      </p:nvGrpSpPr>
+      <p:grpSpPr>
+        <a:xfrm>
+          <a:off x="0" y="0"/>
+          <a:ext cx="0" cy="0"/>
+          <a:chOff x="0" y="0"/>
+          <a:chExt cx="0" cy="0"/>
+        </a:xfrm>
+      </p:grpSpPr>
+      <p:sp>
+        <p:nvSpPr>
+          <p:cNvPr id="2" name="Slide Image Placeholder 1"/>
+          <p:cNvSpPr>
+            <a:spLocks noGrp="1" noRot="1" noChangeAspect="1"/>
+          </p:cNvSpPr>
+          <p:nvPr>
+            <p:ph type="sldImg"/>
+          </p:nvPr>
+        </p:nvSpPr>
+        <p:spPr/>
+      </p:sp>
+      <p:sp>
+        <p:nvSpPr>
+          <p:cNvPr id="3" name="Notes Placeholder 2"/>
+          <p:cNvSpPr>
+            <a:spLocks noGrp="1"/>
+          </p:cNvSpPr>
+          <p:nvPr>
+            <p:ph type="body" idx="1"/>
+          </p:nvPr>
+        </p:nvSpPr>
+        <p:spPr/>
+        <p:txBody>
+          <a:bodyPr>
+            <a:normAutofit/>
+          </a:bodyPr>
+          <a:lstStyle/>
+          <a:p>
+            <a:endParaRPr lang="nb-NO" dirty="0"/>
+          </a:p>
+        </p:txBody>
+      </p:sp>
+      <p:sp>
+        <p:nvSpPr>
+          <p:cNvPr id="4" name="Slide Number Placeholder 3"/>
+          <p:cNvSpPr>
+            <a:spLocks noGrp="1"/>
+          </p:cNvSpPr>
+          <p:nvPr>
+            <p:ph type="sldNum" sz="quarter" idx="10"/>
+          </p:nvPr>
+        </p:nvSpPr>
+        <p:spPr/>
+        <p:txBody>
+          <a:bodyPr/>
+          <a:lstStyle/>
+          <a:p>
+            <a:fld id="{F3A828CE-9294-44F0-A1DF-388494478F7B}" type="slidenum">
+              <a:rPr lang="nb-NO" smtClean="0"/>
+              <a:pPr/>
+              <a:t>9</a:t>
+            </a:fld>
+            <a:endParaRPr lang="nb-NO"/>
+          </a:p>
+        </p:txBody>
+      </p:sp>
+    </p:spTree>
+  </p:cSld>
+  <p:clrMapOvr>
+    <a:masterClrMapping/>
+  </p:clrMapOvr>
+</p:notes>
+</file>
+
+<file path=ppt/notesSlides/notesSlide8.xml><?xml version="1.0" encoding="utf-8"?>
+<p:notes xmlns:a="http://schemas.openxmlformats.org/drawingml/2006/main" xmlns:r="http://schemas.openxmlformats.org/officeDocument/2006/relationships" xmlns:p="http://schemas.openxmlformats.org/presentationml/2006/main">
+  <p:cSld>
+    <p:spTree>
+      <p:nvGrpSpPr>
+        <p:cNvPr id="1" name=""/>
+        <p:cNvGrpSpPr/>
+        <p:nvPr/>
+      </p:nvGrpSpPr>
+      <p:grpSpPr>
+        <a:xfrm>
+          <a:off x="0" y="0"/>
+          <a:ext cx="0" cy="0"/>
+          <a:chOff x="0" y="0"/>
+          <a:chExt cx="0" cy="0"/>
+        </a:xfrm>
+      </p:grpSpPr>
+      <p:sp>
+        <p:nvSpPr>
+          <p:cNvPr id="2" name="Slide Image Placeholder 1"/>
+          <p:cNvSpPr>
+            <a:spLocks noGrp="1" noRot="1" noChangeAspect="1"/>
+          </p:cNvSpPr>
+          <p:nvPr>
+            <p:ph type="sldImg"/>
+          </p:nvPr>
+        </p:nvSpPr>
+        <p:spPr/>
+      </p:sp>
+      <p:sp>
+        <p:nvSpPr>
+          <p:cNvPr id="3" name="Notes Placeholder 2"/>
+          <p:cNvSpPr>
+            <a:spLocks noGrp="1"/>
+          </p:cNvSpPr>
+          <p:nvPr>
+            <p:ph type="body" idx="1"/>
+          </p:nvPr>
+        </p:nvSpPr>
+        <p:spPr/>
+        <p:txBody>
+          <a:bodyPr>
+            <a:normAutofit/>
+          </a:bodyPr>
+          <a:lstStyle/>
+          <a:p>
+            <a:endParaRPr lang="nb-NO" dirty="0"/>
+          </a:p>
+        </p:txBody>
+      </p:sp>
+      <p:sp>
+        <p:nvSpPr>
+          <p:cNvPr id="4" name="Slide Number Placeholder 3"/>
+          <p:cNvSpPr>
+            <a:spLocks noGrp="1"/>
+          </p:cNvSpPr>
+          <p:nvPr>
+            <p:ph type="sldNum" sz="quarter" idx="10"/>
+          </p:nvPr>
+        </p:nvSpPr>
+        <p:spPr/>
+        <p:txBody>
+          <a:bodyPr/>
+          <a:lstStyle/>
+          <a:p>
+            <a:fld id="{F3A828CE-9294-44F0-A1DF-388494478F7B}" type="slidenum">
+              <a:rPr lang="nb-NO" smtClean="0"/>
+              <a:pPr/>
+              <a:t>10</a:t>
+            </a:fld>
+            <a:endParaRPr lang="nb-NO"/>
+          </a:p>
+        </p:txBody>
+      </p:sp>
+    </p:spTree>
+  </p:cSld>
+  <p:clrMapOvr>
+    <a:masterClrMapping/>
+  </p:clrMapOvr>
+</p:notes>
+</file>
+
+<file path=ppt/notesSlides/notesSlide9.xml><?xml version="1.0" encoding="utf-8"?>
+<p:notes xmlns:a="http://schemas.openxmlformats.org/drawingml/2006/main" xmlns:r="http://schemas.openxmlformats.org/officeDocument/2006/relationships" xmlns:p="http://schemas.openxmlformats.org/presentationml/2006/main">
+  <p:cSld>
+    <p:spTree>
+      <p:nvGrpSpPr>
+        <p:cNvPr id="1" name=""/>
+        <p:cNvGrpSpPr/>
+        <p:nvPr/>
+      </p:nvGrpSpPr>
+      <p:grpSpPr>
+        <a:xfrm>
+          <a:off x="0" y="0"/>
+          <a:ext cx="0" cy="0"/>
+          <a:chOff x="0" y="0"/>
+          <a:chExt cx="0" cy="0"/>
+        </a:xfrm>
+      </p:grpSpPr>
+      <p:sp>
+        <p:nvSpPr>
+          <p:cNvPr id="2" name="Slide Image Placeholder 1"/>
+          <p:cNvSpPr>
+            <a:spLocks noGrp="1" noRot="1" noChangeAspect="1"/>
+          </p:cNvSpPr>
+          <p:nvPr>
+            <p:ph type="sldImg"/>
+          </p:nvPr>
+        </p:nvSpPr>
+        <p:spPr/>
+      </p:sp>
+      <p:sp>
+        <p:nvSpPr>
+          <p:cNvPr id="3" name="Notes Placeholder 2"/>
+          <p:cNvSpPr>
+            <a:spLocks noGrp="1"/>
+          </p:cNvSpPr>
+          <p:nvPr>
+            <p:ph type="body" idx="1"/>
+          </p:nvPr>
+        </p:nvSpPr>
+        <p:spPr/>
+        <p:txBody>
+          <a:bodyPr>
+            <a:normAutofit/>
+          </a:bodyPr>
+          <a:lstStyle/>
+          <a:p>
+            <a:endParaRPr lang="nb-NO" dirty="0"/>
+          </a:p>
+        </p:txBody>
+      </p:sp>
+      <p:sp>
+        <p:nvSpPr>
+          <p:cNvPr id="4" name="Slide Number Placeholder 3"/>
+          <p:cNvSpPr>
+            <a:spLocks noGrp="1"/>
+          </p:cNvSpPr>
+          <p:nvPr>
+            <p:ph type="sldNum" sz="quarter" idx="10"/>
+          </p:nvPr>
+        </p:nvSpPr>
+        <p:spPr/>
+        <p:txBody>
+          <a:bodyPr/>
+          <a:lstStyle/>
+          <a:p>
+            <a:fld id="{F3A828CE-9294-44F0-A1DF-388494478F7B}" type="slidenum">
+              <a:rPr lang="nb-NO" smtClean="0"/>
+              <a:pPr/>
+              <a:t>11</a:t>
+            </a:fld>
+            <a:endParaRPr lang="nb-NO"/>
+          </a:p>
+        </p:txBody>
+      </p:sp>
+    </p:spTree>
+  </p:cSld>
+  <p:clrMapOvr>
+    <a:masterClrMapping/>
+  </p:clrMapOvr>
+</p:notes>
+</file>
+
 <file path=ppt/slideLayouts/slideLayout1.xml><?xml version="1.0" encoding="utf-8"?>
 <p:sldLayout xmlns:a="http://schemas.openxmlformats.org/drawingml/2006/main" xmlns:r="http://schemas.openxmlformats.org/officeDocument/2006/relationships" xmlns:p="http://schemas.openxmlformats.org/presentationml/2006/main" type="title" preserve="1">
   <p:cSld name="Title Slide">
@@ -288,7 +1471,8 @@
           <a:p>
             <a:fld id="{936BC739-4DDC-4C6E-B585-4FAA5E6E3267}" type="datetimeFigureOut">
               <a:rPr lang="en-US" smtClean="0"/>
-              <a:t>11/1/2011</a:t>
+              <a:pPr/>
+              <a:t>11/4/2011</a:t>
             </a:fld>
             <a:endParaRPr lang="en-US"/>
           </a:p>
@@ -330,6 +1514,7 @@
           <a:p>
             <a:fld id="{D6DB7DF8-F2F9-4963-BA9F-F79B34F2C388}" type="slidenum">
               <a:rPr lang="en-US" smtClean="0"/>
+              <a:pPr/>
               <a:t>‹#›</a:t>
             </a:fld>
             <a:endParaRPr lang="en-US"/>
@@ -453,7 +1638,8 @@
           <a:p>
             <a:fld id="{936BC739-4DDC-4C6E-B585-4FAA5E6E3267}" type="datetimeFigureOut">
               <a:rPr lang="en-US" smtClean="0"/>
-              <a:t>11/1/2011</a:t>
+              <a:pPr/>
+              <a:t>11/4/2011</a:t>
             </a:fld>
             <a:endParaRPr lang="en-US"/>
           </a:p>
@@ -495,6 +1681,7 @@
           <a:p>
             <a:fld id="{D6DB7DF8-F2F9-4963-BA9F-F79B34F2C388}" type="slidenum">
               <a:rPr lang="en-US" smtClean="0"/>
+              <a:pPr/>
               <a:t>‹#›</a:t>
             </a:fld>
             <a:endParaRPr lang="en-US"/>
@@ -628,7 +1815,8 @@
           <a:p>
             <a:fld id="{936BC739-4DDC-4C6E-B585-4FAA5E6E3267}" type="datetimeFigureOut">
               <a:rPr lang="en-US" smtClean="0"/>
-              <a:t>11/1/2011</a:t>
+              <a:pPr/>
+              <a:t>11/4/2011</a:t>
             </a:fld>
             <a:endParaRPr lang="en-US"/>
           </a:p>
@@ -670,6 +1858,7 @@
           <a:p>
             <a:fld id="{D6DB7DF8-F2F9-4963-BA9F-F79B34F2C388}" type="slidenum">
               <a:rPr lang="en-US" smtClean="0"/>
+              <a:pPr/>
               <a:t>‹#›</a:t>
             </a:fld>
             <a:endParaRPr lang="en-US"/>
@@ -793,7 +1982,8 @@
           <a:p>
             <a:fld id="{936BC739-4DDC-4C6E-B585-4FAA5E6E3267}" type="datetimeFigureOut">
               <a:rPr lang="en-US" smtClean="0"/>
-              <a:t>11/1/2011</a:t>
+              <a:pPr/>
+              <a:t>11/4/2011</a:t>
             </a:fld>
             <a:endParaRPr lang="en-US"/>
           </a:p>
@@ -835,6 +2025,7 @@
           <a:p>
             <a:fld id="{D6DB7DF8-F2F9-4963-BA9F-F79B34F2C388}" type="slidenum">
               <a:rPr lang="en-US" smtClean="0"/>
+              <a:pPr/>
               <a:t>‹#›</a:t>
             </a:fld>
             <a:endParaRPr lang="en-US"/>
@@ -1034,7 +2225,8 @@
           <a:p>
             <a:fld id="{936BC739-4DDC-4C6E-B585-4FAA5E6E3267}" type="datetimeFigureOut">
               <a:rPr lang="en-US" smtClean="0"/>
-              <a:t>11/1/2011</a:t>
+              <a:pPr/>
+              <a:t>11/4/2011</a:t>
             </a:fld>
             <a:endParaRPr lang="en-US"/>
           </a:p>
@@ -1076,6 +2268,7 @@
           <a:p>
             <a:fld id="{D6DB7DF8-F2F9-4963-BA9F-F79B34F2C388}" type="slidenum">
               <a:rPr lang="en-US" smtClean="0"/>
+              <a:pPr/>
               <a:t>‹#›</a:t>
             </a:fld>
             <a:endParaRPr lang="en-US"/>
@@ -1317,7 +2510,8 @@
           <a:p>
             <a:fld id="{936BC739-4DDC-4C6E-B585-4FAA5E6E3267}" type="datetimeFigureOut">
               <a:rPr lang="en-US" smtClean="0"/>
-              <a:t>11/1/2011</a:t>
+              <a:pPr/>
+              <a:t>11/4/2011</a:t>
             </a:fld>
             <a:endParaRPr lang="en-US"/>
           </a:p>
@@ -1359,6 +2553,7 @@
           <a:p>
             <a:fld id="{D6DB7DF8-F2F9-4963-BA9F-F79B34F2C388}" type="slidenum">
               <a:rPr lang="en-US" smtClean="0"/>
+              <a:pPr/>
               <a:t>‹#›</a:t>
             </a:fld>
             <a:endParaRPr lang="en-US"/>
@@ -1734,7 +2929,8 @@
           <a:p>
             <a:fld id="{936BC739-4DDC-4C6E-B585-4FAA5E6E3267}" type="datetimeFigureOut">
               <a:rPr lang="en-US" smtClean="0"/>
-              <a:t>11/1/2011</a:t>
+              <a:pPr/>
+              <a:t>11/4/2011</a:t>
             </a:fld>
             <a:endParaRPr lang="en-US"/>
           </a:p>
@@ -1776,6 +2972,7 @@
           <a:p>
             <a:fld id="{D6DB7DF8-F2F9-4963-BA9F-F79B34F2C388}" type="slidenum">
               <a:rPr lang="en-US" smtClean="0"/>
+              <a:pPr/>
               <a:t>‹#›</a:t>
             </a:fld>
             <a:endParaRPr lang="en-US"/>
@@ -1847,7 +3044,8 @@
           <a:p>
             <a:fld id="{936BC739-4DDC-4C6E-B585-4FAA5E6E3267}" type="datetimeFigureOut">
               <a:rPr lang="en-US" smtClean="0"/>
-              <a:t>11/1/2011</a:t>
+              <a:pPr/>
+              <a:t>11/4/2011</a:t>
             </a:fld>
             <a:endParaRPr lang="en-US"/>
           </a:p>
@@ -1889,6 +3087,7 @@
           <a:p>
             <a:fld id="{D6DB7DF8-F2F9-4963-BA9F-F79B34F2C388}" type="slidenum">
               <a:rPr lang="en-US" smtClean="0"/>
+              <a:pPr/>
               <a:t>‹#›</a:t>
             </a:fld>
             <a:endParaRPr lang="en-US"/>
@@ -1937,7 +3136,8 @@
           <a:p>
             <a:fld id="{936BC739-4DDC-4C6E-B585-4FAA5E6E3267}" type="datetimeFigureOut">
               <a:rPr lang="en-US" smtClean="0"/>
-              <a:t>11/1/2011</a:t>
+              <a:pPr/>
+              <a:t>11/4/2011</a:t>
             </a:fld>
             <a:endParaRPr lang="en-US"/>
           </a:p>
@@ -1979,6 +3179,7 @@
           <a:p>
             <a:fld id="{D6DB7DF8-F2F9-4963-BA9F-F79B34F2C388}" type="slidenum">
               <a:rPr lang="en-US" smtClean="0"/>
+              <a:pPr/>
               <a:t>‹#›</a:t>
             </a:fld>
             <a:endParaRPr lang="en-US"/>
@@ -2209,7 +3410,8 @@
           <a:p>
             <a:fld id="{936BC739-4DDC-4C6E-B585-4FAA5E6E3267}" type="datetimeFigureOut">
               <a:rPr lang="en-US" smtClean="0"/>
-              <a:t>11/1/2011</a:t>
+              <a:pPr/>
+              <a:t>11/4/2011</a:t>
             </a:fld>
             <a:endParaRPr lang="en-US"/>
           </a:p>
@@ -2251,6 +3453,7 @@
           <a:p>
             <a:fld id="{D6DB7DF8-F2F9-4963-BA9F-F79B34F2C388}" type="slidenum">
               <a:rPr lang="en-US" smtClean="0"/>
+              <a:pPr/>
               <a:t>‹#›</a:t>
             </a:fld>
             <a:endParaRPr lang="en-US"/>
@@ -2457,7 +3660,8 @@
           <a:p>
             <a:fld id="{936BC739-4DDC-4C6E-B585-4FAA5E6E3267}" type="datetimeFigureOut">
               <a:rPr lang="en-US" smtClean="0"/>
-              <a:t>11/1/2011</a:t>
+              <a:pPr/>
+              <a:t>11/4/2011</a:t>
             </a:fld>
             <a:endParaRPr lang="en-US"/>
           </a:p>
@@ -2499,6 +3703,7 @@
           <a:p>
             <a:fld id="{D6DB7DF8-F2F9-4963-BA9F-F79B34F2C388}" type="slidenum">
               <a:rPr lang="en-US" smtClean="0"/>
+              <a:pPr/>
               <a:t>‹#›</a:t>
             </a:fld>
             <a:endParaRPr lang="en-US"/>
@@ -2665,7 +3870,8 @@
           <a:p>
             <a:fld id="{936BC739-4DDC-4C6E-B585-4FAA5E6E3267}" type="datetimeFigureOut">
               <a:rPr lang="en-US" smtClean="0"/>
-              <a:t>11/1/2011</a:t>
+              <a:pPr/>
+              <a:t>11/4/2011</a:t>
             </a:fld>
             <a:endParaRPr lang="en-US"/>
           </a:p>
@@ -2743,6 +3949,7 @@
           <a:p>
             <a:fld id="{D6DB7DF8-F2F9-4963-BA9F-F79B34F2C388}" type="slidenum">
               <a:rPr lang="en-US" smtClean="0"/>
+              <a:pPr/>
               <a:t>‹#›</a:t>
             </a:fld>
             <a:endParaRPr lang="en-US"/>
@@ -3044,7 +4251,7 @@
           <p:nvPr/>
         </p:nvPicPr>
         <p:blipFill>
-          <a:blip r:embed="rId2"/>
+          <a:blip r:embed="rId2" cstate="print"/>
           <a:srcRect/>
           <a:stretch>
             <a:fillRect/>
@@ -3087,11 +4294,2894 @@
           </a:p>
         </p:txBody>
       </p:sp>
+      <p:sp>
+        <p:nvSpPr>
+          <p:cNvPr id="4" name="TextBox 3"/>
+          <p:cNvSpPr txBox="1"/>
+          <p:nvPr/>
+        </p:nvSpPr>
+        <p:spPr>
+          <a:xfrm>
+            <a:off x="2133600" y="1219200"/>
+            <a:ext cx="3581400" cy="646331"/>
+          </a:xfrm>
+          <a:prstGeom prst="rect">
+            <a:avLst/>
+          </a:prstGeom>
+          <a:noFill/>
+        </p:spPr>
+        <p:txBody>
+          <a:bodyPr wrap="square" rtlCol="0">
+            <a:spAutoFit/>
+          </a:bodyPr>
+          <a:lstStyle/>
+          <a:p>
+            <a:pPr algn="ctr"/>
+            <a:r>
+              <a:rPr lang="en-US" b="1" dirty="0" smtClean="0">
+                <a:latin typeface="Comic Sans MS" pitchFamily="66" charset="0"/>
+              </a:rPr>
+              <a:t>TDT4290-Customer Driven Project</a:t>
+            </a:r>
+            <a:endParaRPr lang="nb-NO" dirty="0"/>
+          </a:p>
+        </p:txBody>
+      </p:sp>
+      <p:sp>
+        <p:nvSpPr>
+          <p:cNvPr id="6" name="TextBox 5"/>
+          <p:cNvSpPr txBox="1"/>
+          <p:nvPr/>
+        </p:nvSpPr>
+        <p:spPr>
+          <a:xfrm>
+            <a:off x="2133600" y="2286000"/>
+            <a:ext cx="3429000" cy="738664"/>
+          </a:xfrm>
+          <a:prstGeom prst="rect">
+            <a:avLst/>
+          </a:prstGeom>
+          <a:noFill/>
+        </p:spPr>
+        <p:txBody>
+          <a:bodyPr wrap="square" rtlCol="0">
+            <a:spAutoFit/>
+          </a:bodyPr>
+          <a:lstStyle/>
+          <a:p>
+            <a:r>
+              <a:rPr lang="en-US" sz="2400" dirty="0" smtClean="0">
+                <a:solidFill>
+                  <a:schemeClr val="tx2"/>
+                </a:solidFill>
+                <a:latin typeface="Comic Sans MS" pitchFamily="66" charset="0"/>
+              </a:rPr>
+              <a:t>PRIVACY ADVISOR</a:t>
+            </a:r>
+          </a:p>
+          <a:p>
+            <a:endParaRPr lang="nb-NO" dirty="0"/>
+          </a:p>
+        </p:txBody>
+      </p:sp>
+      <p:sp>
+        <p:nvSpPr>
+          <p:cNvPr id="7" name="TextBox 6"/>
+          <p:cNvSpPr txBox="1"/>
+          <p:nvPr/>
+        </p:nvSpPr>
+        <p:spPr>
+          <a:xfrm>
+            <a:off x="1371600" y="3733800"/>
+            <a:ext cx="6044732" cy="1200329"/>
+          </a:xfrm>
+          <a:prstGeom prst="rect">
+            <a:avLst/>
+          </a:prstGeom>
+          <a:noFill/>
+        </p:spPr>
+        <p:txBody>
+          <a:bodyPr wrap="none" rtlCol="0">
+            <a:spAutoFit/>
+          </a:bodyPr>
+          <a:lstStyle/>
+          <a:p>
+            <a:r>
+              <a:rPr lang="en-US" dirty="0" smtClean="0">
+                <a:latin typeface="Comic Sans MS" pitchFamily="66" charset="0"/>
+              </a:rPr>
+              <a:t>		     GROUP 4	</a:t>
+            </a:r>
+            <a:endParaRPr lang="nb-NO" dirty="0" smtClean="0"/>
+          </a:p>
+          <a:p>
+            <a:r>
+              <a:rPr lang="nb-NO" dirty="0" smtClean="0"/>
+              <a:t>Ulf Nore, Nicholas Gerstle, Henrik Knutsen, Dimitry Kongevold,</a:t>
+            </a:r>
+          </a:p>
+          <a:p>
+            <a:r>
+              <a:rPr lang="fi-FI" dirty="0" smtClean="0"/>
+              <a:t>     Einar Aouni, Neshahvan Karunakaran, Amanpreet Kaur</a:t>
+            </a:r>
+            <a:endParaRPr lang="en-US" dirty="0" smtClean="0">
+              <a:latin typeface="Comic Sans MS" pitchFamily="66" charset="0"/>
+            </a:endParaRPr>
+          </a:p>
+          <a:p>
+            <a:endParaRPr lang="nb-NO" dirty="0"/>
+          </a:p>
+        </p:txBody>
+      </p:sp>
     </p:spTree>
   </p:cSld>
   <p:clrMapOvr>
     <a:masterClrMapping/>
   </p:clrMapOvr>
+  <p:timing>
+    <p:tnLst>
+      <p:par>
+        <p:cTn id="1" dur="indefinite" restart="never" nodeType="tmRoot"/>
+      </p:par>
+    </p:tnLst>
+  </p:timing>
+</p:sld>
+</file>
+
+<file path=ppt/slides/slide10.xml><?xml version="1.0" encoding="utf-8"?>
+<p:sld xmlns:a="http://schemas.openxmlformats.org/drawingml/2006/main" xmlns:r="http://schemas.openxmlformats.org/officeDocument/2006/relationships" xmlns:p="http://schemas.openxmlformats.org/presentationml/2006/main">
+  <p:cSld>
+    <p:spTree>
+      <p:nvGrpSpPr>
+        <p:cNvPr id="1" name=""/>
+        <p:cNvGrpSpPr/>
+        <p:nvPr/>
+      </p:nvGrpSpPr>
+      <p:grpSpPr>
+        <a:xfrm>
+          <a:off x="0" y="0"/>
+          <a:ext cx="0" cy="0"/>
+          <a:chOff x="0" y="0"/>
+          <a:chExt cx="0" cy="0"/>
+        </a:xfrm>
+      </p:grpSpPr>
+      <p:pic>
+        <p:nvPicPr>
+          <p:cNvPr id="1026" name="Picture 2" descr="C:\Users\Administrator\Desktop\Presentation1.jpg"/>
+          <p:cNvPicPr>
+            <a:picLocks noChangeAspect="1" noChangeArrowheads="1"/>
+          </p:cNvPicPr>
+          <p:nvPr/>
+        </p:nvPicPr>
+        <p:blipFill>
+          <a:blip r:embed="rId3" cstate="print"/>
+          <a:srcRect/>
+          <a:stretch>
+            <a:fillRect/>
+          </a:stretch>
+        </p:blipFill>
+        <p:spPr bwMode="auto">
+          <a:xfrm>
+            <a:off x="0" y="-152400"/>
+            <a:ext cx="9144000" cy="6858000"/>
+          </a:xfrm>
+          <a:prstGeom prst="rect">
+            <a:avLst/>
+          </a:prstGeom>
+          <a:noFill/>
+        </p:spPr>
+      </p:pic>
+      <p:sp>
+        <p:nvSpPr>
+          <p:cNvPr id="5" name="TextBox 4"/>
+          <p:cNvSpPr txBox="1"/>
+          <p:nvPr/>
+        </p:nvSpPr>
+        <p:spPr>
+          <a:xfrm>
+            <a:off x="533400" y="2057400"/>
+            <a:ext cx="6781800" cy="369332"/>
+          </a:xfrm>
+          <a:prstGeom prst="rect">
+            <a:avLst/>
+          </a:prstGeom>
+          <a:noFill/>
+        </p:spPr>
+        <p:txBody>
+          <a:bodyPr wrap="square" rtlCol="0">
+            <a:spAutoFit/>
+          </a:bodyPr>
+          <a:lstStyle/>
+          <a:p>
+            <a:endParaRPr lang="en-US"/>
+          </a:p>
+        </p:txBody>
+      </p:sp>
+      <p:sp>
+        <p:nvSpPr>
+          <p:cNvPr id="6" name="TextBox 5"/>
+          <p:cNvSpPr txBox="1"/>
+          <p:nvPr/>
+        </p:nvSpPr>
+        <p:spPr>
+          <a:xfrm>
+            <a:off x="762000" y="1219200"/>
+            <a:ext cx="6553200" cy="769441"/>
+          </a:xfrm>
+          <a:prstGeom prst="rect">
+            <a:avLst/>
+          </a:prstGeom>
+          <a:noFill/>
+        </p:spPr>
+        <p:txBody>
+          <a:bodyPr wrap="square" rtlCol="0">
+            <a:spAutoFit/>
+          </a:bodyPr>
+          <a:lstStyle/>
+          <a:p>
+            <a:r>
+              <a:rPr lang="en-US" sz="4400" dirty="0" smtClean="0">
+                <a:solidFill>
+                  <a:schemeClr val="tx2"/>
+                </a:solidFill>
+                <a:latin typeface="Comic Sans MS" pitchFamily="66" charset="0"/>
+              </a:rPr>
+              <a:t>Implementation</a:t>
+            </a:r>
+            <a:endParaRPr lang="nb-NO" sz="4400" dirty="0">
+              <a:solidFill>
+                <a:schemeClr val="tx2"/>
+              </a:solidFill>
+            </a:endParaRPr>
+          </a:p>
+        </p:txBody>
+      </p:sp>
+      <p:sp>
+        <p:nvSpPr>
+          <p:cNvPr id="7" name="TextBox 6"/>
+          <p:cNvSpPr txBox="1"/>
+          <p:nvPr/>
+        </p:nvSpPr>
+        <p:spPr>
+          <a:xfrm>
+            <a:off x="1066800" y="2514600"/>
+            <a:ext cx="6858000" cy="338554"/>
+          </a:xfrm>
+          <a:prstGeom prst="rect">
+            <a:avLst/>
+          </a:prstGeom>
+          <a:noFill/>
+        </p:spPr>
+        <p:txBody>
+          <a:bodyPr wrap="square" rtlCol="0">
+            <a:spAutoFit/>
+          </a:bodyPr>
+          <a:lstStyle/>
+          <a:p>
+            <a:pPr>
+              <a:lnSpc>
+                <a:spcPct val="80000"/>
+              </a:lnSpc>
+            </a:pPr>
+            <a:endParaRPr lang="en-US" sz="2000" dirty="0">
+              <a:latin typeface="Times New Roman" pitchFamily="18" charset="0"/>
+            </a:endParaRPr>
+          </a:p>
+        </p:txBody>
+      </p:sp>
+      <p:sp>
+        <p:nvSpPr>
+          <p:cNvPr id="8" name="TextBox 7"/>
+          <p:cNvSpPr txBox="1"/>
+          <p:nvPr/>
+        </p:nvSpPr>
+        <p:spPr>
+          <a:xfrm>
+            <a:off x="1219200" y="2438400"/>
+            <a:ext cx="5666824" cy="1754326"/>
+          </a:xfrm>
+          <a:prstGeom prst="rect">
+            <a:avLst/>
+          </a:prstGeom>
+          <a:noFill/>
+        </p:spPr>
+        <p:txBody>
+          <a:bodyPr wrap="square" rtlCol="0">
+            <a:spAutoFit/>
+          </a:bodyPr>
+          <a:lstStyle/>
+          <a:p>
+            <a:pPr>
+              <a:buFont typeface="Arial" pitchFamily="34" charset="0"/>
+              <a:buChar char="•"/>
+            </a:pPr>
+            <a:r>
+              <a:rPr lang="en-US" sz="2400" dirty="0" smtClean="0">
+                <a:latin typeface="Times New Roman" pitchFamily="18" charset="0"/>
+              </a:rPr>
+              <a:t>Algorithms</a:t>
+            </a:r>
+          </a:p>
+          <a:p>
+            <a:pPr>
+              <a:buFont typeface="Arial" pitchFamily="34" charset="0"/>
+              <a:buChar char="•"/>
+            </a:pPr>
+            <a:r>
+              <a:rPr lang="en-US" sz="2400" dirty="0" smtClean="0">
+                <a:latin typeface="Times New Roman" pitchFamily="18" charset="0"/>
+              </a:rPr>
+              <a:t>Data Storage</a:t>
+            </a:r>
+          </a:p>
+          <a:p>
+            <a:pPr>
+              <a:buFont typeface="Arial" pitchFamily="34" charset="0"/>
+              <a:buChar char="•"/>
+            </a:pPr>
+            <a:r>
+              <a:rPr lang="en-US" sz="2400" dirty="0" smtClean="0">
+                <a:latin typeface="Times New Roman" pitchFamily="18" charset="0"/>
+              </a:rPr>
+              <a:t>User Interface</a:t>
+            </a:r>
+          </a:p>
+          <a:p>
+            <a:pPr>
+              <a:buNone/>
+            </a:pPr>
+            <a:endParaRPr lang="en-US" dirty="0" smtClean="0">
+              <a:latin typeface="Times New Roman" pitchFamily="18" charset="0"/>
+            </a:endParaRPr>
+          </a:p>
+          <a:p>
+            <a:endParaRPr lang="nb-NO" dirty="0"/>
+          </a:p>
+        </p:txBody>
+      </p:sp>
+    </p:spTree>
+  </p:cSld>
+  <p:clrMapOvr>
+    <a:masterClrMapping/>
+  </p:clrMapOvr>
+  <p:timing>
+    <p:tnLst>
+      <p:par>
+        <p:cTn id="1" dur="indefinite" restart="never" nodeType="tmRoot"/>
+      </p:par>
+    </p:tnLst>
+  </p:timing>
+</p:sld>
+</file>
+
+<file path=ppt/slides/slide11.xml><?xml version="1.0" encoding="utf-8"?>
+<p:sld xmlns:a="http://schemas.openxmlformats.org/drawingml/2006/main" xmlns:r="http://schemas.openxmlformats.org/officeDocument/2006/relationships" xmlns:p="http://schemas.openxmlformats.org/presentationml/2006/main">
+  <p:cSld>
+    <p:spTree>
+      <p:nvGrpSpPr>
+        <p:cNvPr id="1" name=""/>
+        <p:cNvGrpSpPr/>
+        <p:nvPr/>
+      </p:nvGrpSpPr>
+      <p:grpSpPr>
+        <a:xfrm>
+          <a:off x="0" y="0"/>
+          <a:ext cx="0" cy="0"/>
+          <a:chOff x="0" y="0"/>
+          <a:chExt cx="0" cy="0"/>
+        </a:xfrm>
+      </p:grpSpPr>
+      <p:pic>
+        <p:nvPicPr>
+          <p:cNvPr id="1026" name="Picture 2" descr="C:\Users\Administrator\Desktop\Presentation1.jpg"/>
+          <p:cNvPicPr>
+            <a:picLocks noChangeAspect="1" noChangeArrowheads="1"/>
+          </p:cNvPicPr>
+          <p:nvPr/>
+        </p:nvPicPr>
+        <p:blipFill>
+          <a:blip r:embed="rId3" cstate="print"/>
+          <a:srcRect/>
+          <a:stretch>
+            <a:fillRect/>
+          </a:stretch>
+        </p:blipFill>
+        <p:spPr bwMode="auto">
+          <a:xfrm>
+            <a:off x="0" y="-152400"/>
+            <a:ext cx="9144000" cy="6858000"/>
+          </a:xfrm>
+          <a:prstGeom prst="rect">
+            <a:avLst/>
+          </a:prstGeom>
+          <a:noFill/>
+        </p:spPr>
+      </p:pic>
+      <p:sp>
+        <p:nvSpPr>
+          <p:cNvPr id="5" name="TextBox 4"/>
+          <p:cNvSpPr txBox="1"/>
+          <p:nvPr/>
+        </p:nvSpPr>
+        <p:spPr>
+          <a:xfrm>
+            <a:off x="533400" y="2057400"/>
+            <a:ext cx="6781800" cy="369332"/>
+          </a:xfrm>
+          <a:prstGeom prst="rect">
+            <a:avLst/>
+          </a:prstGeom>
+          <a:noFill/>
+        </p:spPr>
+        <p:txBody>
+          <a:bodyPr wrap="square" rtlCol="0">
+            <a:spAutoFit/>
+          </a:bodyPr>
+          <a:lstStyle/>
+          <a:p>
+            <a:endParaRPr lang="en-US"/>
+          </a:p>
+        </p:txBody>
+      </p:sp>
+      <p:sp>
+        <p:nvSpPr>
+          <p:cNvPr id="6" name="TextBox 5"/>
+          <p:cNvSpPr txBox="1"/>
+          <p:nvPr/>
+        </p:nvSpPr>
+        <p:spPr>
+          <a:xfrm>
+            <a:off x="762000" y="1219200"/>
+            <a:ext cx="6553200" cy="769441"/>
+          </a:xfrm>
+          <a:prstGeom prst="rect">
+            <a:avLst/>
+          </a:prstGeom>
+          <a:noFill/>
+        </p:spPr>
+        <p:txBody>
+          <a:bodyPr wrap="square" rtlCol="0">
+            <a:spAutoFit/>
+          </a:bodyPr>
+          <a:lstStyle/>
+          <a:p>
+            <a:r>
+              <a:rPr lang="nb-NO" sz="4400" dirty="0" smtClean="0">
+                <a:solidFill>
+                  <a:schemeClr val="tx2"/>
+                </a:solidFill>
+              </a:rPr>
+              <a:t>Results</a:t>
+            </a:r>
+            <a:endParaRPr lang="nb-NO" sz="4400" dirty="0">
+              <a:solidFill>
+                <a:schemeClr val="tx2"/>
+              </a:solidFill>
+            </a:endParaRPr>
+          </a:p>
+        </p:txBody>
+      </p:sp>
+      <p:sp>
+        <p:nvSpPr>
+          <p:cNvPr id="7" name="TextBox 6"/>
+          <p:cNvSpPr txBox="1"/>
+          <p:nvPr/>
+        </p:nvSpPr>
+        <p:spPr>
+          <a:xfrm>
+            <a:off x="1066800" y="2514600"/>
+            <a:ext cx="6858000" cy="338554"/>
+          </a:xfrm>
+          <a:prstGeom prst="rect">
+            <a:avLst/>
+          </a:prstGeom>
+          <a:noFill/>
+        </p:spPr>
+        <p:txBody>
+          <a:bodyPr wrap="square" rtlCol="0">
+            <a:spAutoFit/>
+          </a:bodyPr>
+          <a:lstStyle/>
+          <a:p>
+            <a:pPr>
+              <a:lnSpc>
+                <a:spcPct val="80000"/>
+              </a:lnSpc>
+            </a:pPr>
+            <a:endParaRPr lang="en-US" sz="2000" dirty="0">
+              <a:latin typeface="Times New Roman" pitchFamily="18" charset="0"/>
+            </a:endParaRPr>
+          </a:p>
+        </p:txBody>
+      </p:sp>
+    </p:spTree>
+  </p:cSld>
+  <p:clrMapOvr>
+    <a:masterClrMapping/>
+  </p:clrMapOvr>
+  <p:timing>
+    <p:tnLst>
+      <p:par>
+        <p:cTn id="1" dur="indefinite" restart="never" nodeType="tmRoot"/>
+      </p:par>
+    </p:tnLst>
+  </p:timing>
+</p:sld>
+</file>
+
+<file path=ppt/slides/slide12.xml><?xml version="1.0" encoding="utf-8"?>
+<p:sld xmlns:a="http://schemas.openxmlformats.org/drawingml/2006/main" xmlns:r="http://schemas.openxmlformats.org/officeDocument/2006/relationships" xmlns:p="http://schemas.openxmlformats.org/presentationml/2006/main">
+  <p:cSld>
+    <p:spTree>
+      <p:nvGrpSpPr>
+        <p:cNvPr id="1" name=""/>
+        <p:cNvGrpSpPr/>
+        <p:nvPr/>
+      </p:nvGrpSpPr>
+      <p:grpSpPr>
+        <a:xfrm>
+          <a:off x="0" y="0"/>
+          <a:ext cx="0" cy="0"/>
+          <a:chOff x="0" y="0"/>
+          <a:chExt cx="0" cy="0"/>
+        </a:xfrm>
+      </p:grpSpPr>
+      <p:pic>
+        <p:nvPicPr>
+          <p:cNvPr id="1026" name="Picture 2" descr="C:\Users\Administrator\Desktop\Presentation1.jpg"/>
+          <p:cNvPicPr>
+            <a:picLocks noChangeAspect="1" noChangeArrowheads="1"/>
+          </p:cNvPicPr>
+          <p:nvPr/>
+        </p:nvPicPr>
+        <p:blipFill>
+          <a:blip r:embed="rId3" cstate="print"/>
+          <a:srcRect/>
+          <a:stretch>
+            <a:fillRect/>
+          </a:stretch>
+        </p:blipFill>
+        <p:spPr bwMode="auto">
+          <a:xfrm>
+            <a:off x="0" y="-152400"/>
+            <a:ext cx="9144000" cy="6858000"/>
+          </a:xfrm>
+          <a:prstGeom prst="rect">
+            <a:avLst/>
+          </a:prstGeom>
+          <a:noFill/>
+        </p:spPr>
+      </p:pic>
+      <p:sp>
+        <p:nvSpPr>
+          <p:cNvPr id="5" name="TextBox 4"/>
+          <p:cNvSpPr txBox="1"/>
+          <p:nvPr/>
+        </p:nvSpPr>
+        <p:spPr>
+          <a:xfrm>
+            <a:off x="533400" y="2057400"/>
+            <a:ext cx="6781800" cy="369332"/>
+          </a:xfrm>
+          <a:prstGeom prst="rect">
+            <a:avLst/>
+          </a:prstGeom>
+          <a:noFill/>
+        </p:spPr>
+        <p:txBody>
+          <a:bodyPr wrap="square" rtlCol="0">
+            <a:spAutoFit/>
+          </a:bodyPr>
+          <a:lstStyle/>
+          <a:p>
+            <a:endParaRPr lang="en-US"/>
+          </a:p>
+        </p:txBody>
+      </p:sp>
+      <p:sp>
+        <p:nvSpPr>
+          <p:cNvPr id="6" name="TextBox 5"/>
+          <p:cNvSpPr txBox="1"/>
+          <p:nvPr/>
+        </p:nvSpPr>
+        <p:spPr>
+          <a:xfrm>
+            <a:off x="762000" y="1219200"/>
+            <a:ext cx="6553200" cy="769441"/>
+          </a:xfrm>
+          <a:prstGeom prst="rect">
+            <a:avLst/>
+          </a:prstGeom>
+          <a:noFill/>
+        </p:spPr>
+        <p:txBody>
+          <a:bodyPr wrap="square" rtlCol="0">
+            <a:spAutoFit/>
+          </a:bodyPr>
+          <a:lstStyle/>
+          <a:p>
+            <a:r>
+              <a:rPr lang="nb-NO" sz="4400" dirty="0" smtClean="0">
+                <a:solidFill>
+                  <a:schemeClr val="tx2"/>
+                </a:solidFill>
+              </a:rPr>
+              <a:t>Future Work</a:t>
+            </a:r>
+            <a:endParaRPr lang="nb-NO" sz="4400" dirty="0">
+              <a:solidFill>
+                <a:schemeClr val="tx2"/>
+              </a:solidFill>
+            </a:endParaRPr>
+          </a:p>
+        </p:txBody>
+      </p:sp>
+      <p:sp>
+        <p:nvSpPr>
+          <p:cNvPr id="7" name="TextBox 6"/>
+          <p:cNvSpPr txBox="1"/>
+          <p:nvPr/>
+        </p:nvSpPr>
+        <p:spPr>
+          <a:xfrm>
+            <a:off x="1066800" y="2514600"/>
+            <a:ext cx="6858000" cy="338554"/>
+          </a:xfrm>
+          <a:prstGeom prst="rect">
+            <a:avLst/>
+          </a:prstGeom>
+          <a:noFill/>
+        </p:spPr>
+        <p:txBody>
+          <a:bodyPr wrap="square" rtlCol="0">
+            <a:spAutoFit/>
+          </a:bodyPr>
+          <a:lstStyle/>
+          <a:p>
+            <a:pPr>
+              <a:lnSpc>
+                <a:spcPct val="80000"/>
+              </a:lnSpc>
+            </a:pPr>
+            <a:endParaRPr lang="en-US" sz="2000" dirty="0">
+              <a:latin typeface="Times New Roman" pitchFamily="18" charset="0"/>
+            </a:endParaRPr>
+          </a:p>
+        </p:txBody>
+      </p:sp>
+    </p:spTree>
+  </p:cSld>
+  <p:clrMapOvr>
+    <a:masterClrMapping/>
+  </p:clrMapOvr>
+  <p:timing>
+    <p:tnLst>
+      <p:par>
+        <p:cTn id="1" dur="indefinite" restart="never" nodeType="tmRoot"/>
+      </p:par>
+    </p:tnLst>
+  </p:timing>
+</p:sld>
+</file>
+
+<file path=ppt/slides/slide2.xml><?xml version="1.0" encoding="utf-8"?>
+<p:sld xmlns:a="http://schemas.openxmlformats.org/drawingml/2006/main" xmlns:r="http://schemas.openxmlformats.org/officeDocument/2006/relationships" xmlns:p="http://schemas.openxmlformats.org/presentationml/2006/main">
+  <p:cSld>
+    <p:spTree>
+      <p:nvGrpSpPr>
+        <p:cNvPr id="1" name=""/>
+        <p:cNvGrpSpPr/>
+        <p:nvPr/>
+      </p:nvGrpSpPr>
+      <p:grpSpPr>
+        <a:xfrm>
+          <a:off x="0" y="0"/>
+          <a:ext cx="0" cy="0"/>
+          <a:chOff x="0" y="0"/>
+          <a:chExt cx="0" cy="0"/>
+        </a:xfrm>
+      </p:grpSpPr>
+      <p:pic>
+        <p:nvPicPr>
+          <p:cNvPr id="1026" name="Picture 2" descr="C:\Users\Administrator\Desktop\Presentation1.jpg"/>
+          <p:cNvPicPr>
+            <a:picLocks noChangeAspect="1" noChangeArrowheads="1"/>
+          </p:cNvPicPr>
+          <p:nvPr/>
+        </p:nvPicPr>
+        <p:blipFill>
+          <a:blip r:embed="rId2" cstate="print"/>
+          <a:srcRect/>
+          <a:stretch>
+            <a:fillRect/>
+          </a:stretch>
+        </p:blipFill>
+        <p:spPr bwMode="auto">
+          <a:xfrm>
+            <a:off x="0" y="0"/>
+            <a:ext cx="9144000" cy="6858000"/>
+          </a:xfrm>
+          <a:prstGeom prst="rect">
+            <a:avLst/>
+          </a:prstGeom>
+          <a:noFill/>
+        </p:spPr>
+      </p:pic>
+      <p:sp>
+        <p:nvSpPr>
+          <p:cNvPr id="5" name="TextBox 4"/>
+          <p:cNvSpPr txBox="1"/>
+          <p:nvPr/>
+        </p:nvSpPr>
+        <p:spPr>
+          <a:xfrm>
+            <a:off x="533400" y="2057400"/>
+            <a:ext cx="6781800" cy="369332"/>
+          </a:xfrm>
+          <a:prstGeom prst="rect">
+            <a:avLst/>
+          </a:prstGeom>
+          <a:noFill/>
+        </p:spPr>
+        <p:txBody>
+          <a:bodyPr wrap="square" rtlCol="0">
+            <a:spAutoFit/>
+          </a:bodyPr>
+          <a:lstStyle/>
+          <a:p>
+            <a:endParaRPr lang="en-US"/>
+          </a:p>
+        </p:txBody>
+      </p:sp>
+      <p:sp>
+        <p:nvSpPr>
+          <p:cNvPr id="6" name="TextBox 5"/>
+          <p:cNvSpPr txBox="1"/>
+          <p:nvPr/>
+        </p:nvSpPr>
+        <p:spPr>
+          <a:xfrm>
+            <a:off x="1752600" y="1143000"/>
+            <a:ext cx="3429000" cy="984885"/>
+          </a:xfrm>
+          <a:prstGeom prst="rect">
+            <a:avLst/>
+          </a:prstGeom>
+          <a:noFill/>
+        </p:spPr>
+        <p:txBody>
+          <a:bodyPr wrap="square" rtlCol="0">
+            <a:spAutoFit/>
+          </a:bodyPr>
+          <a:lstStyle/>
+          <a:p>
+            <a:r>
+              <a:rPr lang="en-US" sz="4000" dirty="0" smtClean="0">
+                <a:solidFill>
+                  <a:schemeClr val="tx2"/>
+                </a:solidFill>
+                <a:latin typeface="Comic Sans MS" pitchFamily="66" charset="0"/>
+              </a:rPr>
+              <a:t>Overview</a:t>
+            </a:r>
+          </a:p>
+          <a:p>
+            <a:endParaRPr lang="nb-NO" dirty="0"/>
+          </a:p>
+        </p:txBody>
+      </p:sp>
+      <p:sp>
+        <p:nvSpPr>
+          <p:cNvPr id="7" name="TextBox 6"/>
+          <p:cNvSpPr txBox="1"/>
+          <p:nvPr/>
+        </p:nvSpPr>
+        <p:spPr>
+          <a:xfrm>
+            <a:off x="1066800" y="2286000"/>
+            <a:ext cx="6044732" cy="2585323"/>
+          </a:xfrm>
+          <a:prstGeom prst="rect">
+            <a:avLst/>
+          </a:prstGeom>
+          <a:noFill/>
+        </p:spPr>
+        <p:txBody>
+          <a:bodyPr wrap="square" rtlCol="0">
+            <a:spAutoFit/>
+          </a:bodyPr>
+          <a:lstStyle/>
+          <a:p>
+            <a:pPr>
+              <a:lnSpc>
+                <a:spcPct val="90000"/>
+              </a:lnSpc>
+              <a:buFont typeface="Arial" pitchFamily="34" charset="0"/>
+              <a:buChar char="•"/>
+            </a:pPr>
+            <a:r>
+              <a:rPr lang="en-US" sz="2000" dirty="0" smtClean="0">
+                <a:latin typeface="Times New Roman" pitchFamily="18" charset="0"/>
+              </a:rPr>
+              <a:t>Introduction - AIM and Objectives</a:t>
+            </a:r>
+          </a:p>
+          <a:p>
+            <a:pPr>
+              <a:lnSpc>
+                <a:spcPct val="90000"/>
+              </a:lnSpc>
+              <a:buFont typeface="Arial" pitchFamily="34" charset="0"/>
+              <a:buChar char="•"/>
+            </a:pPr>
+            <a:r>
+              <a:rPr lang="en-US" sz="2000" dirty="0" smtClean="0">
+                <a:latin typeface="Times New Roman" pitchFamily="18" charset="0"/>
+              </a:rPr>
+              <a:t>Approach -  What tools are used</a:t>
+            </a:r>
+          </a:p>
+          <a:p>
+            <a:pPr>
+              <a:lnSpc>
+                <a:spcPct val="90000"/>
+              </a:lnSpc>
+              <a:buFont typeface="Arial" pitchFamily="34" charset="0"/>
+              <a:buChar char="•"/>
+            </a:pPr>
+            <a:r>
+              <a:rPr lang="en-US" sz="2000" dirty="0" smtClean="0">
+                <a:latin typeface="Times New Roman" pitchFamily="18" charset="0"/>
+              </a:rPr>
+              <a:t>Architecture</a:t>
+            </a:r>
+          </a:p>
+          <a:p>
+            <a:pPr>
+              <a:lnSpc>
+                <a:spcPct val="90000"/>
+              </a:lnSpc>
+              <a:buFont typeface="Arial" pitchFamily="34" charset="0"/>
+              <a:buChar char="•"/>
+            </a:pPr>
+            <a:r>
+              <a:rPr lang="en-US" sz="2000" dirty="0" smtClean="0">
+                <a:latin typeface="Times New Roman" pitchFamily="18" charset="0"/>
+              </a:rPr>
+              <a:t>Implementation</a:t>
+            </a:r>
+          </a:p>
+          <a:p>
+            <a:pPr>
+              <a:lnSpc>
+                <a:spcPct val="90000"/>
+              </a:lnSpc>
+              <a:buFont typeface="Arial" pitchFamily="34" charset="0"/>
+              <a:buChar char="•"/>
+            </a:pPr>
+            <a:r>
+              <a:rPr lang="en-US" sz="2000" dirty="0" smtClean="0">
+                <a:latin typeface="Times New Roman" pitchFamily="18" charset="0"/>
+              </a:rPr>
+              <a:t>Testing</a:t>
+            </a:r>
+          </a:p>
+          <a:p>
+            <a:pPr>
+              <a:lnSpc>
+                <a:spcPct val="90000"/>
+              </a:lnSpc>
+              <a:buFont typeface="Arial" pitchFamily="34" charset="0"/>
+              <a:buChar char="•"/>
+            </a:pPr>
+            <a:r>
+              <a:rPr lang="en-US" sz="2000" dirty="0" smtClean="0">
+                <a:latin typeface="Times New Roman" pitchFamily="18" charset="0"/>
+              </a:rPr>
+              <a:t>Results </a:t>
+            </a:r>
+          </a:p>
+          <a:p>
+            <a:pPr>
+              <a:lnSpc>
+                <a:spcPct val="90000"/>
+              </a:lnSpc>
+              <a:buFont typeface="Arial" pitchFamily="34" charset="0"/>
+              <a:buChar char="•"/>
+            </a:pPr>
+            <a:r>
+              <a:rPr lang="en-US" sz="2000" dirty="0" smtClean="0">
+                <a:latin typeface="Times New Roman" pitchFamily="18" charset="0"/>
+              </a:rPr>
+              <a:t>Conclusion</a:t>
+            </a:r>
+          </a:p>
+          <a:p>
+            <a:pPr>
+              <a:lnSpc>
+                <a:spcPct val="90000"/>
+              </a:lnSpc>
+              <a:buFont typeface="Arial" pitchFamily="34" charset="0"/>
+              <a:buChar char="•"/>
+            </a:pPr>
+            <a:r>
+              <a:rPr lang="en-US" sz="2000" dirty="0" smtClean="0">
+                <a:latin typeface="Times New Roman" pitchFamily="18" charset="0"/>
+              </a:rPr>
+              <a:t>Future work </a:t>
+            </a:r>
+          </a:p>
+          <a:p>
+            <a:endParaRPr lang="nb-NO" dirty="0"/>
+          </a:p>
+        </p:txBody>
+      </p:sp>
+    </p:spTree>
+  </p:cSld>
+  <p:clrMapOvr>
+    <a:masterClrMapping/>
+  </p:clrMapOvr>
+  <p:timing>
+    <p:tnLst>
+      <p:par>
+        <p:cTn id="1" dur="indefinite" restart="never" nodeType="tmRoot"/>
+      </p:par>
+    </p:tnLst>
+  </p:timing>
+</p:sld>
+</file>
+
+<file path=ppt/slides/slide3.xml><?xml version="1.0" encoding="utf-8"?>
+<p:sld xmlns:a="http://schemas.openxmlformats.org/drawingml/2006/main" xmlns:r="http://schemas.openxmlformats.org/officeDocument/2006/relationships" xmlns:p="http://schemas.openxmlformats.org/presentationml/2006/main">
+  <p:cSld>
+    <p:spTree>
+      <p:nvGrpSpPr>
+        <p:cNvPr id="1" name=""/>
+        <p:cNvGrpSpPr/>
+        <p:nvPr/>
+      </p:nvGrpSpPr>
+      <p:grpSpPr>
+        <a:xfrm>
+          <a:off x="0" y="0"/>
+          <a:ext cx="0" cy="0"/>
+          <a:chOff x="0" y="0"/>
+          <a:chExt cx="0" cy="0"/>
+        </a:xfrm>
+      </p:grpSpPr>
+      <p:pic>
+        <p:nvPicPr>
+          <p:cNvPr id="1026" name="Picture 2" descr="C:\Users\Administrator\Desktop\Presentation1.jpg"/>
+          <p:cNvPicPr>
+            <a:picLocks noChangeAspect="1" noChangeArrowheads="1"/>
+          </p:cNvPicPr>
+          <p:nvPr/>
+        </p:nvPicPr>
+        <p:blipFill>
+          <a:blip r:embed="rId3" cstate="print"/>
+          <a:srcRect/>
+          <a:stretch>
+            <a:fillRect/>
+          </a:stretch>
+        </p:blipFill>
+        <p:spPr bwMode="auto">
+          <a:xfrm>
+            <a:off x="0" y="0"/>
+            <a:ext cx="9144000" cy="6858000"/>
+          </a:xfrm>
+          <a:prstGeom prst="rect">
+            <a:avLst/>
+          </a:prstGeom>
+          <a:noFill/>
+        </p:spPr>
+      </p:pic>
+      <p:sp>
+        <p:nvSpPr>
+          <p:cNvPr id="5" name="TextBox 4"/>
+          <p:cNvSpPr txBox="1"/>
+          <p:nvPr/>
+        </p:nvSpPr>
+        <p:spPr>
+          <a:xfrm>
+            <a:off x="533400" y="2057400"/>
+            <a:ext cx="6781800" cy="369332"/>
+          </a:xfrm>
+          <a:prstGeom prst="rect">
+            <a:avLst/>
+          </a:prstGeom>
+          <a:noFill/>
+        </p:spPr>
+        <p:txBody>
+          <a:bodyPr wrap="square" rtlCol="0">
+            <a:spAutoFit/>
+          </a:bodyPr>
+          <a:lstStyle/>
+          <a:p>
+            <a:endParaRPr lang="en-US"/>
+          </a:p>
+        </p:txBody>
+      </p:sp>
+      <p:sp>
+        <p:nvSpPr>
+          <p:cNvPr id="6" name="TextBox 5"/>
+          <p:cNvSpPr txBox="1"/>
+          <p:nvPr/>
+        </p:nvSpPr>
+        <p:spPr>
+          <a:xfrm>
+            <a:off x="1752600" y="1143000"/>
+            <a:ext cx="3429000" cy="984885"/>
+          </a:xfrm>
+          <a:prstGeom prst="rect">
+            <a:avLst/>
+          </a:prstGeom>
+          <a:noFill/>
+        </p:spPr>
+        <p:txBody>
+          <a:bodyPr wrap="square" rtlCol="0">
+            <a:spAutoFit/>
+          </a:bodyPr>
+          <a:lstStyle/>
+          <a:p>
+            <a:r>
+              <a:rPr lang="en-US" sz="4000" dirty="0" smtClean="0">
+                <a:solidFill>
+                  <a:schemeClr val="tx2"/>
+                </a:solidFill>
+                <a:latin typeface="Comic Sans MS" pitchFamily="66" charset="0"/>
+              </a:rPr>
+              <a:t>Introduction</a:t>
+            </a:r>
+          </a:p>
+          <a:p>
+            <a:endParaRPr lang="nb-NO" dirty="0"/>
+          </a:p>
+        </p:txBody>
+      </p:sp>
+      <p:sp>
+        <p:nvSpPr>
+          <p:cNvPr id="7" name="TextBox 6"/>
+          <p:cNvSpPr txBox="1"/>
+          <p:nvPr/>
+        </p:nvSpPr>
+        <p:spPr>
+          <a:xfrm>
+            <a:off x="1066800" y="2286001"/>
+            <a:ext cx="6858000" cy="2585323"/>
+          </a:xfrm>
+          <a:prstGeom prst="rect">
+            <a:avLst/>
+          </a:prstGeom>
+          <a:noFill/>
+        </p:spPr>
+        <p:txBody>
+          <a:bodyPr wrap="square" rtlCol="0">
+            <a:spAutoFit/>
+          </a:bodyPr>
+          <a:lstStyle/>
+          <a:p>
+            <a:pPr lvl="1" algn="just">
+              <a:lnSpc>
+                <a:spcPct val="80000"/>
+              </a:lnSpc>
+              <a:buFont typeface="Arial" pitchFamily="34" charset="0"/>
+              <a:buChar char="•"/>
+            </a:pPr>
+            <a:r>
+              <a:rPr lang="en-US" sz="2000" dirty="0" smtClean="0">
+                <a:latin typeface="Times New Roman" pitchFamily="18" charset="0"/>
+                <a:cs typeface="Times New Roman" pitchFamily="18" charset="0"/>
+              </a:rPr>
+              <a:t>The aim of project is to implement the key functionality of privacy agent that advises users in making “ Internet Privacy Decision”.</a:t>
+            </a:r>
+          </a:p>
+          <a:p>
+            <a:pPr lvl="1">
+              <a:lnSpc>
+                <a:spcPct val="80000"/>
+              </a:lnSpc>
+              <a:buFont typeface="Wingdings" pitchFamily="2" charset="2"/>
+              <a:buNone/>
+            </a:pPr>
+            <a:endParaRPr lang="en-US" sz="2000" dirty="0" smtClean="0">
+              <a:latin typeface="Times New Roman" pitchFamily="18" charset="0"/>
+              <a:cs typeface="Times New Roman" pitchFamily="18" charset="0"/>
+            </a:endParaRPr>
+          </a:p>
+          <a:p>
+            <a:pPr lvl="1" algn="just">
+              <a:lnSpc>
+                <a:spcPct val="80000"/>
+              </a:lnSpc>
+              <a:buFont typeface="Arial" pitchFamily="34" charset="0"/>
+              <a:buChar char="•"/>
+            </a:pPr>
+            <a:r>
+              <a:rPr lang="en-US" sz="2000" dirty="0" smtClean="0">
+                <a:latin typeface="Times New Roman" pitchFamily="18" charset="0"/>
+                <a:cs typeface="Times New Roman" pitchFamily="18" charset="0"/>
+              </a:rPr>
+              <a:t>The main focus of this project is on developing a framework that allows for testing the CBR privacy agent framework.</a:t>
+            </a:r>
+          </a:p>
+          <a:p>
+            <a:pPr lvl="1">
+              <a:lnSpc>
+                <a:spcPct val="80000"/>
+              </a:lnSpc>
+            </a:pPr>
+            <a:endParaRPr lang="en-US" sz="2000" dirty="0" smtClean="0">
+              <a:latin typeface="Times New Roman" pitchFamily="18" charset="0"/>
+              <a:cs typeface="Times New Roman" pitchFamily="18" charset="0"/>
+            </a:endParaRPr>
+          </a:p>
+          <a:p>
+            <a:pPr lvl="1" algn="just">
+              <a:lnSpc>
+                <a:spcPct val="80000"/>
+              </a:lnSpc>
+              <a:buFont typeface="Arial" pitchFamily="34" charset="0"/>
+              <a:buChar char="•"/>
+            </a:pPr>
+            <a:r>
+              <a:rPr lang="nb-NO" sz="2000" dirty="0" smtClean="0">
+                <a:latin typeface="Times New Roman" pitchFamily="18" charset="0"/>
+                <a:cs typeface="Times New Roman" pitchFamily="18" charset="0"/>
+              </a:rPr>
+              <a:t>Implementing a browser plugin is given a low priority</a:t>
+            </a:r>
+            <a:endParaRPr lang="en-US" sz="2000" dirty="0" smtClean="0">
+              <a:latin typeface="Times New Roman" pitchFamily="18" charset="0"/>
+              <a:cs typeface="Times New Roman" pitchFamily="18" charset="0"/>
+            </a:endParaRPr>
+          </a:p>
+          <a:p>
+            <a:endParaRPr lang="nb-NO" dirty="0"/>
+          </a:p>
+        </p:txBody>
+      </p:sp>
+    </p:spTree>
+  </p:cSld>
+  <p:clrMapOvr>
+    <a:masterClrMapping/>
+  </p:clrMapOvr>
+  <p:timing>
+    <p:tnLst>
+      <p:par>
+        <p:cTn id="1" dur="indefinite" restart="never" nodeType="tmRoot"/>
+      </p:par>
+    </p:tnLst>
+  </p:timing>
+</p:sld>
+</file>
+
+<file path=ppt/slides/slide4.xml><?xml version="1.0" encoding="utf-8"?>
+<p:sld xmlns:a="http://schemas.openxmlformats.org/drawingml/2006/main" xmlns:r="http://schemas.openxmlformats.org/officeDocument/2006/relationships" xmlns:p="http://schemas.openxmlformats.org/presentationml/2006/main">
+  <p:cSld>
+    <p:spTree>
+      <p:nvGrpSpPr>
+        <p:cNvPr id="1" name=""/>
+        <p:cNvGrpSpPr/>
+        <p:nvPr/>
+      </p:nvGrpSpPr>
+      <p:grpSpPr>
+        <a:xfrm>
+          <a:off x="0" y="0"/>
+          <a:ext cx="0" cy="0"/>
+          <a:chOff x="0" y="0"/>
+          <a:chExt cx="0" cy="0"/>
+        </a:xfrm>
+      </p:grpSpPr>
+      <p:pic>
+        <p:nvPicPr>
+          <p:cNvPr id="1026" name="Picture 2" descr="C:\Users\Administrator\Desktop\Presentation1.jpg"/>
+          <p:cNvPicPr>
+            <a:picLocks noChangeAspect="1" noChangeArrowheads="1"/>
+          </p:cNvPicPr>
+          <p:nvPr/>
+        </p:nvPicPr>
+        <p:blipFill>
+          <a:blip r:embed="rId3" cstate="print"/>
+          <a:srcRect/>
+          <a:stretch>
+            <a:fillRect/>
+          </a:stretch>
+        </p:blipFill>
+        <p:spPr bwMode="auto">
+          <a:xfrm>
+            <a:off x="0" y="-152400"/>
+            <a:ext cx="9144000" cy="6858000"/>
+          </a:xfrm>
+          <a:prstGeom prst="rect">
+            <a:avLst/>
+          </a:prstGeom>
+          <a:noFill/>
+        </p:spPr>
+      </p:pic>
+      <p:sp>
+        <p:nvSpPr>
+          <p:cNvPr id="5" name="TextBox 4"/>
+          <p:cNvSpPr txBox="1"/>
+          <p:nvPr/>
+        </p:nvSpPr>
+        <p:spPr>
+          <a:xfrm>
+            <a:off x="533400" y="2057400"/>
+            <a:ext cx="6781800" cy="369332"/>
+          </a:xfrm>
+          <a:prstGeom prst="rect">
+            <a:avLst/>
+          </a:prstGeom>
+          <a:noFill/>
+        </p:spPr>
+        <p:txBody>
+          <a:bodyPr wrap="square" rtlCol="0">
+            <a:spAutoFit/>
+          </a:bodyPr>
+          <a:lstStyle/>
+          <a:p>
+            <a:endParaRPr lang="en-US"/>
+          </a:p>
+        </p:txBody>
+      </p:sp>
+      <p:sp>
+        <p:nvSpPr>
+          <p:cNvPr id="6" name="TextBox 5"/>
+          <p:cNvSpPr txBox="1"/>
+          <p:nvPr/>
+        </p:nvSpPr>
+        <p:spPr>
+          <a:xfrm>
+            <a:off x="1752600" y="1143001"/>
+            <a:ext cx="4191000" cy="984885"/>
+          </a:xfrm>
+          <a:prstGeom prst="rect">
+            <a:avLst/>
+          </a:prstGeom>
+          <a:noFill/>
+        </p:spPr>
+        <p:txBody>
+          <a:bodyPr wrap="square" rtlCol="0">
+            <a:spAutoFit/>
+          </a:bodyPr>
+          <a:lstStyle/>
+          <a:p>
+            <a:r>
+              <a:rPr lang="en-US" sz="4000" dirty="0" smtClean="0">
+                <a:solidFill>
+                  <a:schemeClr val="tx2"/>
+                </a:solidFill>
+                <a:latin typeface="Comic Sans MS" pitchFamily="66" charset="0"/>
+              </a:rPr>
+              <a:t>Objectives </a:t>
+            </a:r>
+            <a:r>
+              <a:rPr lang="en-US" sz="4000" dirty="0" smtClean="0">
+                <a:latin typeface="Comic Sans MS" pitchFamily="66" charset="0"/>
+              </a:rPr>
+              <a:t>	</a:t>
+            </a:r>
+            <a:endParaRPr lang="en-US" sz="4000" dirty="0" smtClean="0">
+              <a:solidFill>
+                <a:schemeClr val="tx2"/>
+              </a:solidFill>
+              <a:latin typeface="Comic Sans MS" pitchFamily="66" charset="0"/>
+            </a:endParaRPr>
+          </a:p>
+          <a:p>
+            <a:endParaRPr lang="nb-NO" dirty="0"/>
+          </a:p>
+        </p:txBody>
+      </p:sp>
+      <p:sp>
+        <p:nvSpPr>
+          <p:cNvPr id="7" name="TextBox 6"/>
+          <p:cNvSpPr txBox="1"/>
+          <p:nvPr/>
+        </p:nvSpPr>
+        <p:spPr>
+          <a:xfrm>
+            <a:off x="1066800" y="2514600"/>
+            <a:ext cx="6858000" cy="1815882"/>
+          </a:xfrm>
+          <a:prstGeom prst="rect">
+            <a:avLst/>
+          </a:prstGeom>
+          <a:noFill/>
+        </p:spPr>
+        <p:txBody>
+          <a:bodyPr wrap="square" rtlCol="0">
+            <a:spAutoFit/>
+          </a:bodyPr>
+          <a:lstStyle/>
+          <a:p>
+            <a:pPr>
+              <a:lnSpc>
+                <a:spcPct val="80000"/>
+              </a:lnSpc>
+              <a:buFont typeface="Arial" pitchFamily="34" charset="0"/>
+              <a:buChar char="•"/>
+            </a:pPr>
+            <a:r>
+              <a:rPr lang="en-US" sz="2000" dirty="0" smtClean="0">
+                <a:latin typeface="Times New Roman" pitchFamily="18" charset="0"/>
+              </a:rPr>
+              <a:t>Implementing testing framework of CBR based privacy agent.</a:t>
+            </a:r>
+          </a:p>
+          <a:p>
+            <a:pPr>
+              <a:lnSpc>
+                <a:spcPct val="80000"/>
+              </a:lnSpc>
+            </a:pPr>
+            <a:endParaRPr lang="en-US" sz="2000" dirty="0" smtClean="0">
+              <a:latin typeface="Times New Roman" pitchFamily="18" charset="0"/>
+            </a:endParaRPr>
+          </a:p>
+          <a:p>
+            <a:pPr>
+              <a:lnSpc>
+                <a:spcPct val="80000"/>
+              </a:lnSpc>
+              <a:buFont typeface="Arial" pitchFamily="34" charset="0"/>
+              <a:buChar char="•"/>
+            </a:pPr>
+            <a:r>
+              <a:rPr lang="en-US" sz="2000" dirty="0" smtClean="0">
+                <a:latin typeface="Times New Roman" pitchFamily="18" charset="0"/>
+              </a:rPr>
+              <a:t>Implementing community system </a:t>
+            </a:r>
+          </a:p>
+          <a:p>
+            <a:pPr>
+              <a:lnSpc>
+                <a:spcPct val="80000"/>
+              </a:lnSpc>
+            </a:pPr>
+            <a:endParaRPr lang="en-US" sz="2000" dirty="0" smtClean="0">
+              <a:latin typeface="Times New Roman" pitchFamily="18" charset="0"/>
+            </a:endParaRPr>
+          </a:p>
+          <a:p>
+            <a:pPr>
+              <a:lnSpc>
+                <a:spcPct val="80000"/>
+              </a:lnSpc>
+              <a:buFont typeface="Arial" pitchFamily="34" charset="0"/>
+              <a:buChar char="•"/>
+            </a:pPr>
+            <a:r>
+              <a:rPr lang="en-US" sz="2000" dirty="0" smtClean="0">
+                <a:latin typeface="Times New Roman" pitchFamily="18" charset="0"/>
+              </a:rPr>
+              <a:t>Extend the system to other standards</a:t>
+            </a:r>
+          </a:p>
+          <a:p>
+            <a:pPr>
+              <a:lnSpc>
+                <a:spcPct val="80000"/>
+              </a:lnSpc>
+            </a:pPr>
+            <a:endParaRPr lang="en-US" sz="2000" dirty="0" smtClean="0">
+              <a:latin typeface="Times New Roman" pitchFamily="18" charset="0"/>
+            </a:endParaRPr>
+          </a:p>
+          <a:p>
+            <a:pPr>
+              <a:lnSpc>
+                <a:spcPct val="80000"/>
+              </a:lnSpc>
+              <a:buFont typeface="Arial" pitchFamily="34" charset="0"/>
+              <a:buChar char="•"/>
+            </a:pPr>
+            <a:r>
+              <a:rPr lang="en-US" sz="2000" dirty="0" smtClean="0">
+                <a:latin typeface="Times New Roman" pitchFamily="18" charset="0"/>
+              </a:rPr>
+              <a:t>Implements the system as browser </a:t>
+            </a:r>
+            <a:r>
+              <a:rPr lang="en-US" sz="2000" dirty="0" err="1" smtClean="0">
+                <a:latin typeface="Times New Roman" pitchFamily="18" charset="0"/>
+              </a:rPr>
+              <a:t>plugin</a:t>
+            </a:r>
+            <a:endParaRPr lang="en-US" sz="2000" dirty="0">
+              <a:latin typeface="Times New Roman" pitchFamily="18" charset="0"/>
+            </a:endParaRPr>
+          </a:p>
+        </p:txBody>
+      </p:sp>
+    </p:spTree>
+  </p:cSld>
+  <p:clrMapOvr>
+    <a:masterClrMapping/>
+  </p:clrMapOvr>
+  <p:timing>
+    <p:tnLst>
+      <p:par>
+        <p:cTn id="1" dur="indefinite" restart="never" nodeType="tmRoot"/>
+      </p:par>
+    </p:tnLst>
+  </p:timing>
+</p:sld>
+</file>
+
+<file path=ppt/slides/slide5.xml><?xml version="1.0" encoding="utf-8"?>
+<p:sld xmlns:a="http://schemas.openxmlformats.org/drawingml/2006/main" xmlns:r="http://schemas.openxmlformats.org/officeDocument/2006/relationships" xmlns:p="http://schemas.openxmlformats.org/presentationml/2006/main">
+  <p:cSld>
+    <p:spTree>
+      <p:nvGrpSpPr>
+        <p:cNvPr id="1" name=""/>
+        <p:cNvGrpSpPr/>
+        <p:nvPr/>
+      </p:nvGrpSpPr>
+      <p:grpSpPr>
+        <a:xfrm>
+          <a:off x="0" y="0"/>
+          <a:ext cx="0" cy="0"/>
+          <a:chOff x="0" y="0"/>
+          <a:chExt cx="0" cy="0"/>
+        </a:xfrm>
+      </p:grpSpPr>
+      <p:pic>
+        <p:nvPicPr>
+          <p:cNvPr id="1026" name="Picture 2" descr="C:\Users\Administrator\Desktop\Presentation1.jpg"/>
+          <p:cNvPicPr>
+            <a:picLocks noChangeAspect="1" noChangeArrowheads="1"/>
+          </p:cNvPicPr>
+          <p:nvPr/>
+        </p:nvPicPr>
+        <p:blipFill>
+          <a:blip r:embed="rId3" cstate="print"/>
+          <a:srcRect/>
+          <a:stretch>
+            <a:fillRect/>
+          </a:stretch>
+        </p:blipFill>
+        <p:spPr bwMode="auto">
+          <a:xfrm>
+            <a:off x="0" y="-152400"/>
+            <a:ext cx="9144000" cy="6858000"/>
+          </a:xfrm>
+          <a:prstGeom prst="rect">
+            <a:avLst/>
+          </a:prstGeom>
+          <a:noFill/>
+        </p:spPr>
+      </p:pic>
+      <p:sp>
+        <p:nvSpPr>
+          <p:cNvPr id="5" name="TextBox 4"/>
+          <p:cNvSpPr txBox="1"/>
+          <p:nvPr/>
+        </p:nvSpPr>
+        <p:spPr>
+          <a:xfrm>
+            <a:off x="533400" y="2057400"/>
+            <a:ext cx="6781800" cy="369332"/>
+          </a:xfrm>
+          <a:prstGeom prst="rect">
+            <a:avLst/>
+          </a:prstGeom>
+          <a:noFill/>
+        </p:spPr>
+        <p:txBody>
+          <a:bodyPr wrap="square" rtlCol="0">
+            <a:spAutoFit/>
+          </a:bodyPr>
+          <a:lstStyle/>
+          <a:p>
+            <a:endParaRPr lang="en-US"/>
+          </a:p>
+        </p:txBody>
+      </p:sp>
+      <p:sp>
+        <p:nvSpPr>
+          <p:cNvPr id="6" name="TextBox 5"/>
+          <p:cNvSpPr txBox="1"/>
+          <p:nvPr/>
+        </p:nvSpPr>
+        <p:spPr>
+          <a:xfrm>
+            <a:off x="1752600" y="1143001"/>
+            <a:ext cx="4191000" cy="984885"/>
+          </a:xfrm>
+          <a:prstGeom prst="rect">
+            <a:avLst/>
+          </a:prstGeom>
+          <a:noFill/>
+        </p:spPr>
+        <p:txBody>
+          <a:bodyPr wrap="square" rtlCol="0">
+            <a:spAutoFit/>
+          </a:bodyPr>
+          <a:lstStyle/>
+          <a:p>
+            <a:r>
+              <a:rPr lang="nb-NO" sz="4000" dirty="0" smtClean="0">
+                <a:solidFill>
+                  <a:schemeClr val="tx2"/>
+                </a:solidFill>
+              </a:rPr>
+              <a:t>Preliminary Study</a:t>
+            </a:r>
+            <a:r>
+              <a:rPr lang="en-US" sz="4000" dirty="0" smtClean="0">
+                <a:solidFill>
+                  <a:schemeClr val="tx2"/>
+                </a:solidFill>
+                <a:latin typeface="Comic Sans MS" pitchFamily="66" charset="0"/>
+              </a:rPr>
+              <a:t>	</a:t>
+            </a:r>
+          </a:p>
+          <a:p>
+            <a:endParaRPr lang="nb-NO" dirty="0">
+              <a:solidFill>
+                <a:schemeClr val="tx2"/>
+              </a:solidFill>
+            </a:endParaRPr>
+          </a:p>
+        </p:txBody>
+      </p:sp>
+      <p:sp>
+        <p:nvSpPr>
+          <p:cNvPr id="7" name="TextBox 6"/>
+          <p:cNvSpPr txBox="1"/>
+          <p:nvPr/>
+        </p:nvSpPr>
+        <p:spPr>
+          <a:xfrm>
+            <a:off x="1066800" y="2514600"/>
+            <a:ext cx="6858000" cy="1569660"/>
+          </a:xfrm>
+          <a:prstGeom prst="rect">
+            <a:avLst/>
+          </a:prstGeom>
+          <a:noFill/>
+        </p:spPr>
+        <p:txBody>
+          <a:bodyPr wrap="square" rtlCol="0">
+            <a:spAutoFit/>
+          </a:bodyPr>
+          <a:lstStyle/>
+          <a:p>
+            <a:pPr>
+              <a:buFont typeface="Arial" pitchFamily="34" charset="0"/>
+              <a:buChar char="•"/>
+            </a:pPr>
+            <a:r>
+              <a:rPr lang="nb-NO" sz="2000" dirty="0" smtClean="0"/>
+              <a:t>P3P</a:t>
+            </a:r>
+          </a:p>
+          <a:p>
+            <a:pPr>
+              <a:buFont typeface="Arial" pitchFamily="34" charset="0"/>
+              <a:buChar char="•"/>
+            </a:pPr>
+            <a:r>
+              <a:rPr lang="nb-NO" sz="2000" dirty="0" smtClean="0"/>
+              <a:t>CBR</a:t>
+            </a:r>
+          </a:p>
+          <a:p>
+            <a:pPr>
+              <a:buFont typeface="Arial" pitchFamily="34" charset="0"/>
+              <a:buChar char="•"/>
+            </a:pPr>
+            <a:r>
+              <a:rPr lang="nb-NO" sz="2000" dirty="0" smtClean="0"/>
+              <a:t>Project Scope</a:t>
+            </a:r>
+          </a:p>
+          <a:p>
+            <a:pPr>
+              <a:buFont typeface="Arial" pitchFamily="34" charset="0"/>
+              <a:buChar char="•"/>
+            </a:pPr>
+            <a:r>
+              <a:rPr lang="nb-NO" sz="2000" dirty="0" smtClean="0"/>
+              <a:t>Development Model</a:t>
+            </a:r>
+          </a:p>
+          <a:p>
+            <a:pPr>
+              <a:lnSpc>
+                <a:spcPct val="80000"/>
+              </a:lnSpc>
+            </a:pPr>
+            <a:endParaRPr lang="en-US" sz="2000" dirty="0">
+              <a:latin typeface="Times New Roman" pitchFamily="18" charset="0"/>
+            </a:endParaRPr>
+          </a:p>
+        </p:txBody>
+      </p:sp>
+    </p:spTree>
+  </p:cSld>
+  <p:clrMapOvr>
+    <a:masterClrMapping/>
+  </p:clrMapOvr>
+  <p:timing>
+    <p:tnLst>
+      <p:par>
+        <p:cTn id="1" dur="indefinite" restart="never" nodeType="tmRoot"/>
+      </p:par>
+    </p:tnLst>
+  </p:timing>
+</p:sld>
+</file>
+
+<file path=ppt/slides/slide6.xml><?xml version="1.0" encoding="utf-8"?>
+<p:sld xmlns:a="http://schemas.openxmlformats.org/drawingml/2006/main" xmlns:r="http://schemas.openxmlformats.org/officeDocument/2006/relationships" xmlns:p="http://schemas.openxmlformats.org/presentationml/2006/main">
+  <p:cSld>
+    <p:spTree>
+      <p:nvGrpSpPr>
+        <p:cNvPr id="1" name=""/>
+        <p:cNvGrpSpPr/>
+        <p:nvPr/>
+      </p:nvGrpSpPr>
+      <p:grpSpPr>
+        <a:xfrm>
+          <a:off x="0" y="0"/>
+          <a:ext cx="0" cy="0"/>
+          <a:chOff x="0" y="0"/>
+          <a:chExt cx="0" cy="0"/>
+        </a:xfrm>
+      </p:grpSpPr>
+      <p:pic>
+        <p:nvPicPr>
+          <p:cNvPr id="1026" name="Picture 2" descr="C:\Users\Administrator\Desktop\Presentation1.jpg"/>
+          <p:cNvPicPr>
+            <a:picLocks noChangeAspect="1" noChangeArrowheads="1"/>
+          </p:cNvPicPr>
+          <p:nvPr/>
+        </p:nvPicPr>
+        <p:blipFill>
+          <a:blip r:embed="rId3" cstate="print"/>
+          <a:srcRect/>
+          <a:stretch>
+            <a:fillRect/>
+          </a:stretch>
+        </p:blipFill>
+        <p:spPr bwMode="auto">
+          <a:xfrm>
+            <a:off x="0" y="-152400"/>
+            <a:ext cx="9144000" cy="6858000"/>
+          </a:xfrm>
+          <a:prstGeom prst="rect">
+            <a:avLst/>
+          </a:prstGeom>
+          <a:noFill/>
+        </p:spPr>
+      </p:pic>
+      <p:sp>
+        <p:nvSpPr>
+          <p:cNvPr id="5" name="TextBox 4"/>
+          <p:cNvSpPr txBox="1"/>
+          <p:nvPr/>
+        </p:nvSpPr>
+        <p:spPr>
+          <a:xfrm>
+            <a:off x="533400" y="2057400"/>
+            <a:ext cx="6781800" cy="369332"/>
+          </a:xfrm>
+          <a:prstGeom prst="rect">
+            <a:avLst/>
+          </a:prstGeom>
+          <a:noFill/>
+        </p:spPr>
+        <p:txBody>
+          <a:bodyPr wrap="square" rtlCol="0">
+            <a:spAutoFit/>
+          </a:bodyPr>
+          <a:lstStyle/>
+          <a:p>
+            <a:endParaRPr lang="en-US"/>
+          </a:p>
+        </p:txBody>
+      </p:sp>
+      <p:sp>
+        <p:nvSpPr>
+          <p:cNvPr id="6" name="TextBox 5"/>
+          <p:cNvSpPr txBox="1"/>
+          <p:nvPr/>
+        </p:nvSpPr>
+        <p:spPr>
+          <a:xfrm>
+            <a:off x="1752600" y="1143001"/>
+            <a:ext cx="4191000" cy="769441"/>
+          </a:xfrm>
+          <a:prstGeom prst="rect">
+            <a:avLst/>
+          </a:prstGeom>
+          <a:noFill/>
+        </p:spPr>
+        <p:txBody>
+          <a:bodyPr wrap="square" rtlCol="0">
+            <a:spAutoFit/>
+          </a:bodyPr>
+          <a:lstStyle/>
+          <a:p>
+            <a:r>
+              <a:rPr lang="nb-NO" sz="4400" dirty="0" smtClean="0">
+                <a:solidFill>
+                  <a:schemeClr val="tx2"/>
+                </a:solidFill>
+              </a:rPr>
+              <a:t>CBR Cycle</a:t>
+            </a:r>
+            <a:endParaRPr lang="nb-NO" sz="4400" dirty="0">
+              <a:solidFill>
+                <a:schemeClr val="tx2"/>
+              </a:solidFill>
+            </a:endParaRPr>
+          </a:p>
+        </p:txBody>
+      </p:sp>
+      <p:sp>
+        <p:nvSpPr>
+          <p:cNvPr id="7" name="TextBox 6"/>
+          <p:cNvSpPr txBox="1"/>
+          <p:nvPr/>
+        </p:nvSpPr>
+        <p:spPr>
+          <a:xfrm>
+            <a:off x="1066800" y="2514600"/>
+            <a:ext cx="6858000" cy="338554"/>
+          </a:xfrm>
+          <a:prstGeom prst="rect">
+            <a:avLst/>
+          </a:prstGeom>
+          <a:noFill/>
+        </p:spPr>
+        <p:txBody>
+          <a:bodyPr wrap="square" rtlCol="0">
+            <a:spAutoFit/>
+          </a:bodyPr>
+          <a:lstStyle/>
+          <a:p>
+            <a:pPr>
+              <a:lnSpc>
+                <a:spcPct val="80000"/>
+              </a:lnSpc>
+            </a:pPr>
+            <a:endParaRPr lang="en-US" sz="2000" dirty="0">
+              <a:latin typeface="Times New Roman" pitchFamily="18" charset="0"/>
+            </a:endParaRPr>
+          </a:p>
+        </p:txBody>
+      </p:sp>
+      <p:sp>
+        <p:nvSpPr>
+          <p:cNvPr id="10" name="TextBox 9"/>
+          <p:cNvSpPr txBox="1"/>
+          <p:nvPr/>
+        </p:nvSpPr>
+        <p:spPr>
+          <a:xfrm>
+            <a:off x="685800" y="2590800"/>
+            <a:ext cx="6858000" cy="338554"/>
+          </a:xfrm>
+          <a:prstGeom prst="rect">
+            <a:avLst/>
+          </a:prstGeom>
+          <a:noFill/>
+        </p:spPr>
+        <p:txBody>
+          <a:bodyPr wrap="square" rtlCol="0">
+            <a:spAutoFit/>
+          </a:bodyPr>
+          <a:lstStyle/>
+          <a:p>
+            <a:pPr>
+              <a:lnSpc>
+                <a:spcPct val="80000"/>
+              </a:lnSpc>
+            </a:pPr>
+            <a:endParaRPr lang="en-US" sz="2000" dirty="0">
+              <a:latin typeface="Times New Roman" pitchFamily="18" charset="0"/>
+            </a:endParaRPr>
+          </a:p>
+        </p:txBody>
+      </p:sp>
+      <p:pic>
+        <p:nvPicPr>
+          <p:cNvPr id="11" name="Picture 2"/>
+          <p:cNvPicPr>
+            <a:picLocks noChangeAspect="1" noChangeArrowheads="1"/>
+          </p:cNvPicPr>
+          <p:nvPr/>
+        </p:nvPicPr>
+        <p:blipFill>
+          <a:blip r:embed="rId4" cstate="print"/>
+          <a:srcRect/>
+          <a:stretch>
+            <a:fillRect/>
+          </a:stretch>
+        </p:blipFill>
+        <p:spPr bwMode="auto">
+          <a:xfrm>
+            <a:off x="1295400" y="2209800"/>
+            <a:ext cx="5521325" cy="3663950"/>
+          </a:xfrm>
+          <a:prstGeom prst="rect">
+            <a:avLst/>
+          </a:prstGeom>
+          <a:noFill/>
+          <a:ln w="9525">
+            <a:noFill/>
+            <a:miter lim="800000"/>
+            <a:headEnd/>
+            <a:tailEnd/>
+          </a:ln>
+          <a:effectLst/>
+        </p:spPr>
+      </p:pic>
+    </p:spTree>
+  </p:cSld>
+  <p:clrMapOvr>
+    <a:masterClrMapping/>
+  </p:clrMapOvr>
+  <p:timing>
+    <p:tnLst>
+      <p:par>
+        <p:cTn id="1" dur="indefinite" restart="never" nodeType="tmRoot"/>
+      </p:par>
+    </p:tnLst>
+  </p:timing>
+</p:sld>
+</file>
+
+<file path=ppt/slides/slide7.xml><?xml version="1.0" encoding="utf-8"?>
+<p:sld xmlns:a="http://schemas.openxmlformats.org/drawingml/2006/main" xmlns:r="http://schemas.openxmlformats.org/officeDocument/2006/relationships" xmlns:p="http://schemas.openxmlformats.org/presentationml/2006/main">
+  <p:cSld>
+    <p:spTree>
+      <p:nvGrpSpPr>
+        <p:cNvPr id="1" name=""/>
+        <p:cNvGrpSpPr/>
+        <p:nvPr/>
+      </p:nvGrpSpPr>
+      <p:grpSpPr>
+        <a:xfrm>
+          <a:off x="0" y="0"/>
+          <a:ext cx="0" cy="0"/>
+          <a:chOff x="0" y="0"/>
+          <a:chExt cx="0" cy="0"/>
+        </a:xfrm>
+      </p:grpSpPr>
+      <p:pic>
+        <p:nvPicPr>
+          <p:cNvPr id="1026" name="Picture 2" descr="C:\Users\Administrator\Desktop\Presentation1.jpg"/>
+          <p:cNvPicPr>
+            <a:picLocks noChangeAspect="1" noChangeArrowheads="1"/>
+          </p:cNvPicPr>
+          <p:nvPr/>
+        </p:nvPicPr>
+        <p:blipFill>
+          <a:blip r:embed="rId3" cstate="print"/>
+          <a:srcRect/>
+          <a:stretch>
+            <a:fillRect/>
+          </a:stretch>
+        </p:blipFill>
+        <p:spPr bwMode="auto">
+          <a:xfrm>
+            <a:off x="0" y="-152400"/>
+            <a:ext cx="9144000" cy="6858000"/>
+          </a:xfrm>
+          <a:prstGeom prst="rect">
+            <a:avLst/>
+          </a:prstGeom>
+          <a:noFill/>
+        </p:spPr>
+      </p:pic>
+      <p:sp>
+        <p:nvSpPr>
+          <p:cNvPr id="5" name="TextBox 4"/>
+          <p:cNvSpPr txBox="1"/>
+          <p:nvPr/>
+        </p:nvSpPr>
+        <p:spPr>
+          <a:xfrm>
+            <a:off x="533400" y="2057400"/>
+            <a:ext cx="6781800" cy="369332"/>
+          </a:xfrm>
+          <a:prstGeom prst="rect">
+            <a:avLst/>
+          </a:prstGeom>
+          <a:noFill/>
+        </p:spPr>
+        <p:txBody>
+          <a:bodyPr wrap="square" rtlCol="0">
+            <a:spAutoFit/>
+          </a:bodyPr>
+          <a:lstStyle/>
+          <a:p>
+            <a:endParaRPr lang="en-US"/>
+          </a:p>
+        </p:txBody>
+      </p:sp>
+      <p:sp>
+        <p:nvSpPr>
+          <p:cNvPr id="6" name="TextBox 5"/>
+          <p:cNvSpPr txBox="1"/>
+          <p:nvPr/>
+        </p:nvSpPr>
+        <p:spPr>
+          <a:xfrm>
+            <a:off x="762000" y="1219200"/>
+            <a:ext cx="6553200" cy="769441"/>
+          </a:xfrm>
+          <a:prstGeom prst="rect">
+            <a:avLst/>
+          </a:prstGeom>
+          <a:noFill/>
+        </p:spPr>
+        <p:txBody>
+          <a:bodyPr wrap="square" rtlCol="0">
+            <a:spAutoFit/>
+          </a:bodyPr>
+          <a:lstStyle/>
+          <a:p>
+            <a:r>
+              <a:rPr lang="en-US" sz="4400" dirty="0" smtClean="0">
+                <a:solidFill>
+                  <a:schemeClr val="tx2"/>
+                </a:solidFill>
+                <a:latin typeface="Comic Sans MS" pitchFamily="66" charset="0"/>
+              </a:rPr>
+              <a:t>Tools and Technologies</a:t>
+            </a:r>
+            <a:endParaRPr lang="nb-NO" sz="4400" dirty="0">
+              <a:solidFill>
+                <a:schemeClr val="tx2"/>
+              </a:solidFill>
+            </a:endParaRPr>
+          </a:p>
+        </p:txBody>
+      </p:sp>
+      <p:sp>
+        <p:nvSpPr>
+          <p:cNvPr id="7" name="TextBox 6"/>
+          <p:cNvSpPr txBox="1"/>
+          <p:nvPr/>
+        </p:nvSpPr>
+        <p:spPr>
+          <a:xfrm>
+            <a:off x="1066800" y="2514600"/>
+            <a:ext cx="6858000" cy="338554"/>
+          </a:xfrm>
+          <a:prstGeom prst="rect">
+            <a:avLst/>
+          </a:prstGeom>
+          <a:noFill/>
+        </p:spPr>
+        <p:txBody>
+          <a:bodyPr wrap="square" rtlCol="0">
+            <a:spAutoFit/>
+          </a:bodyPr>
+          <a:lstStyle/>
+          <a:p>
+            <a:pPr>
+              <a:lnSpc>
+                <a:spcPct val="80000"/>
+              </a:lnSpc>
+            </a:pPr>
+            <a:endParaRPr lang="en-US" sz="2000" dirty="0">
+              <a:latin typeface="Times New Roman" pitchFamily="18" charset="0"/>
+            </a:endParaRPr>
+          </a:p>
+        </p:txBody>
+      </p:sp>
+      <p:sp>
+        <p:nvSpPr>
+          <p:cNvPr id="8" name="TextBox 7"/>
+          <p:cNvSpPr txBox="1"/>
+          <p:nvPr/>
+        </p:nvSpPr>
+        <p:spPr>
+          <a:xfrm>
+            <a:off x="1219200" y="2438400"/>
+            <a:ext cx="5666824" cy="1846659"/>
+          </a:xfrm>
+          <a:prstGeom prst="rect">
+            <a:avLst/>
+          </a:prstGeom>
+          <a:noFill/>
+        </p:spPr>
+        <p:txBody>
+          <a:bodyPr wrap="square" rtlCol="0">
+            <a:spAutoFit/>
+          </a:bodyPr>
+          <a:lstStyle/>
+          <a:p>
+            <a:pPr>
+              <a:buFont typeface="Arial" pitchFamily="34" charset="0"/>
+              <a:buChar char="•"/>
+            </a:pPr>
+            <a:r>
+              <a:rPr lang="en-US" sz="2400" dirty="0" smtClean="0">
+                <a:latin typeface="Times New Roman" pitchFamily="18" charset="0"/>
+              </a:rPr>
+              <a:t>Document and source code repository</a:t>
+            </a:r>
+          </a:p>
+          <a:p>
+            <a:pPr>
+              <a:buFont typeface="Arial" pitchFamily="34" charset="0"/>
+              <a:buChar char="•"/>
+            </a:pPr>
+            <a:r>
+              <a:rPr lang="en-US" sz="2400" dirty="0" smtClean="0">
+                <a:latin typeface="Times New Roman" pitchFamily="18" charset="0"/>
+              </a:rPr>
+              <a:t>Programming Language</a:t>
+            </a:r>
+          </a:p>
+          <a:p>
+            <a:pPr>
+              <a:buFont typeface="Arial" pitchFamily="34" charset="0"/>
+              <a:buChar char="•"/>
+            </a:pPr>
+            <a:r>
+              <a:rPr lang="en-US" sz="2400" dirty="0" smtClean="0">
+                <a:latin typeface="Times New Roman" pitchFamily="18" charset="0"/>
+              </a:rPr>
+              <a:t>Databases</a:t>
+            </a:r>
+          </a:p>
+          <a:p>
+            <a:pPr>
+              <a:buFont typeface="Arial" pitchFamily="34" charset="0"/>
+              <a:buChar char="•"/>
+            </a:pPr>
+            <a:r>
+              <a:rPr lang="en-US" sz="2400" dirty="0" smtClean="0">
+                <a:latin typeface="Times New Roman" pitchFamily="18" charset="0"/>
+              </a:rPr>
+              <a:t>Third party libraries</a:t>
+            </a:r>
+          </a:p>
+          <a:p>
+            <a:endParaRPr lang="nb-NO" dirty="0"/>
+          </a:p>
+        </p:txBody>
+      </p:sp>
+    </p:spTree>
+  </p:cSld>
+  <p:clrMapOvr>
+    <a:masterClrMapping/>
+  </p:clrMapOvr>
+  <p:timing>
+    <p:tnLst>
+      <p:par>
+        <p:cTn id="1" dur="indefinite" restart="never" nodeType="tmRoot"/>
+      </p:par>
+    </p:tnLst>
+  </p:timing>
+</p:sld>
+</file>
+
+<file path=ppt/slides/slide8.xml><?xml version="1.0" encoding="utf-8"?>
+<p:sld xmlns:a="http://schemas.openxmlformats.org/drawingml/2006/main" xmlns:r="http://schemas.openxmlformats.org/officeDocument/2006/relationships" xmlns:p="http://schemas.openxmlformats.org/presentationml/2006/main">
+  <p:cSld>
+    <p:spTree>
+      <p:nvGrpSpPr>
+        <p:cNvPr id="1" name=""/>
+        <p:cNvGrpSpPr/>
+        <p:nvPr/>
+      </p:nvGrpSpPr>
+      <p:grpSpPr>
+        <a:xfrm>
+          <a:off x="0" y="0"/>
+          <a:ext cx="0" cy="0"/>
+          <a:chOff x="0" y="0"/>
+          <a:chExt cx="0" cy="0"/>
+        </a:xfrm>
+      </p:grpSpPr>
+      <p:pic>
+        <p:nvPicPr>
+          <p:cNvPr id="1026" name="Picture 2" descr="C:\Users\Administrator\Desktop\Presentation1.jpg"/>
+          <p:cNvPicPr>
+            <a:picLocks noChangeAspect="1" noChangeArrowheads="1"/>
+          </p:cNvPicPr>
+          <p:nvPr/>
+        </p:nvPicPr>
+        <p:blipFill>
+          <a:blip r:embed="rId3" cstate="print"/>
+          <a:srcRect/>
+          <a:stretch>
+            <a:fillRect/>
+          </a:stretch>
+        </p:blipFill>
+        <p:spPr bwMode="auto">
+          <a:xfrm>
+            <a:off x="0" y="-152400"/>
+            <a:ext cx="9144000" cy="6858000"/>
+          </a:xfrm>
+          <a:prstGeom prst="rect">
+            <a:avLst/>
+          </a:prstGeom>
+          <a:noFill/>
+        </p:spPr>
+      </p:pic>
+      <p:sp>
+        <p:nvSpPr>
+          <p:cNvPr id="5" name="TextBox 4"/>
+          <p:cNvSpPr txBox="1"/>
+          <p:nvPr/>
+        </p:nvSpPr>
+        <p:spPr>
+          <a:xfrm>
+            <a:off x="533400" y="2057400"/>
+            <a:ext cx="6781800" cy="369332"/>
+          </a:xfrm>
+          <a:prstGeom prst="rect">
+            <a:avLst/>
+          </a:prstGeom>
+          <a:noFill/>
+        </p:spPr>
+        <p:txBody>
+          <a:bodyPr wrap="square" rtlCol="0">
+            <a:spAutoFit/>
+          </a:bodyPr>
+          <a:lstStyle/>
+          <a:p>
+            <a:endParaRPr lang="en-US"/>
+          </a:p>
+        </p:txBody>
+      </p:sp>
+      <p:sp>
+        <p:nvSpPr>
+          <p:cNvPr id="6" name="TextBox 5"/>
+          <p:cNvSpPr txBox="1"/>
+          <p:nvPr/>
+        </p:nvSpPr>
+        <p:spPr>
+          <a:xfrm>
+            <a:off x="762000" y="1219200"/>
+            <a:ext cx="6553200" cy="769441"/>
+          </a:xfrm>
+          <a:prstGeom prst="rect">
+            <a:avLst/>
+          </a:prstGeom>
+          <a:noFill/>
+        </p:spPr>
+        <p:txBody>
+          <a:bodyPr wrap="square" rtlCol="0">
+            <a:spAutoFit/>
+          </a:bodyPr>
+          <a:lstStyle/>
+          <a:p>
+            <a:r>
+              <a:rPr lang="en-US" sz="4400" dirty="0" smtClean="0">
+                <a:solidFill>
+                  <a:schemeClr val="tx2"/>
+                </a:solidFill>
+                <a:latin typeface="Comic Sans MS" pitchFamily="66" charset="0"/>
+              </a:rPr>
+              <a:t> Architecture</a:t>
+            </a:r>
+            <a:endParaRPr lang="nb-NO" sz="4400" dirty="0">
+              <a:solidFill>
+                <a:schemeClr val="tx2"/>
+              </a:solidFill>
+            </a:endParaRPr>
+          </a:p>
+        </p:txBody>
+      </p:sp>
+      <p:sp>
+        <p:nvSpPr>
+          <p:cNvPr id="7" name="TextBox 6"/>
+          <p:cNvSpPr txBox="1"/>
+          <p:nvPr/>
+        </p:nvSpPr>
+        <p:spPr>
+          <a:xfrm>
+            <a:off x="1066800" y="2514600"/>
+            <a:ext cx="6858000" cy="338554"/>
+          </a:xfrm>
+          <a:prstGeom prst="rect">
+            <a:avLst/>
+          </a:prstGeom>
+          <a:noFill/>
+        </p:spPr>
+        <p:txBody>
+          <a:bodyPr wrap="square" rtlCol="0">
+            <a:spAutoFit/>
+          </a:bodyPr>
+          <a:lstStyle/>
+          <a:p>
+            <a:pPr>
+              <a:lnSpc>
+                <a:spcPct val="80000"/>
+              </a:lnSpc>
+            </a:pPr>
+            <a:endParaRPr lang="en-US" sz="2000" dirty="0">
+              <a:latin typeface="Times New Roman" pitchFamily="18" charset="0"/>
+            </a:endParaRPr>
+          </a:p>
+        </p:txBody>
+      </p:sp>
+      <p:sp>
+        <p:nvSpPr>
+          <p:cNvPr id="8" name="TextBox 7"/>
+          <p:cNvSpPr txBox="1"/>
+          <p:nvPr/>
+        </p:nvSpPr>
+        <p:spPr>
+          <a:xfrm>
+            <a:off x="1219200" y="2438400"/>
+            <a:ext cx="5666824" cy="369332"/>
+          </a:xfrm>
+          <a:prstGeom prst="rect">
+            <a:avLst/>
+          </a:prstGeom>
+          <a:noFill/>
+        </p:spPr>
+        <p:txBody>
+          <a:bodyPr wrap="square" rtlCol="0">
+            <a:spAutoFit/>
+          </a:bodyPr>
+          <a:lstStyle/>
+          <a:p>
+            <a:endParaRPr lang="nb-NO" dirty="0"/>
+          </a:p>
+        </p:txBody>
+      </p:sp>
+      <p:sp>
+        <p:nvSpPr>
+          <p:cNvPr id="9" name="Rectangle 3"/>
+          <p:cNvSpPr txBox="1">
+            <a:spLocks noChangeArrowheads="1"/>
+          </p:cNvSpPr>
+          <p:nvPr/>
+        </p:nvSpPr>
+        <p:spPr>
+          <a:xfrm>
+            <a:off x="1182688" y="2017713"/>
+            <a:ext cx="7772400" cy="4114800"/>
+          </a:xfrm>
+          <a:prstGeom prst="rect">
+            <a:avLst/>
+          </a:prstGeom>
+        </p:spPr>
+        <p:txBody>
+          <a:bodyPr vert="horz" lIns="91440" tIns="45720" rIns="91440" bIns="45720" rtlCol="0">
+            <a:normAutofit/>
+          </a:bodyPr>
+          <a:lstStyle/>
+          <a:p>
+            <a:pPr marL="0" marR="0" lvl="0" indent="0" algn="ctr" defTabSz="914400" rtl="0" eaLnBrk="1" fontAlgn="auto" latinLnBrk="0" hangingPunct="1">
+              <a:lnSpc>
+                <a:spcPct val="90000"/>
+              </a:lnSpc>
+              <a:spcBef>
+                <a:spcPct val="20000"/>
+              </a:spcBef>
+              <a:spcAft>
+                <a:spcPts val="0"/>
+              </a:spcAft>
+              <a:buClrTx/>
+              <a:buSzTx/>
+              <a:buFont typeface="Wingdings" pitchFamily="2" charset="2"/>
+              <a:buNone/>
+              <a:tabLst/>
+              <a:defRPr/>
+            </a:pPr>
+            <a:endParaRPr kumimoji="0" lang="en-US" sz="2400" b="0" i="0" u="none" strike="noStrike" kern="1200" cap="none" spc="0" normalizeH="0" baseline="0" noProof="0" smtClean="0">
+              <a:ln>
+                <a:noFill/>
+              </a:ln>
+              <a:solidFill>
+                <a:schemeClr val="tx1">
+                  <a:tint val="75000"/>
+                </a:schemeClr>
+              </a:solidFill>
+              <a:effectLst/>
+              <a:uLnTx/>
+              <a:uFillTx/>
+              <a:latin typeface="Times New Roman" pitchFamily="18" charset="0"/>
+              <a:ea typeface="+mn-ea"/>
+              <a:cs typeface="+mn-cs"/>
+            </a:endParaRPr>
+          </a:p>
+          <a:p>
+            <a:pPr marL="1828800" marR="0" lvl="4" indent="0" algn="ctr" defTabSz="914400" rtl="0" eaLnBrk="1" fontAlgn="auto" latinLnBrk="0" hangingPunct="1">
+              <a:lnSpc>
+                <a:spcPct val="90000"/>
+              </a:lnSpc>
+              <a:spcBef>
+                <a:spcPct val="20000"/>
+              </a:spcBef>
+              <a:spcAft>
+                <a:spcPts val="0"/>
+              </a:spcAft>
+              <a:buClrTx/>
+              <a:buSzTx/>
+              <a:buFont typeface="Wingdings" pitchFamily="2" charset="2"/>
+              <a:buNone/>
+              <a:tabLst/>
+              <a:defRPr/>
+            </a:pPr>
+            <a:endParaRPr kumimoji="0" lang="en-US" sz="1800" b="0" i="0" u="none" strike="noStrike" kern="1200" cap="none" spc="0" normalizeH="0" baseline="0" noProof="0" dirty="0">
+              <a:ln>
+                <a:noFill/>
+              </a:ln>
+              <a:solidFill>
+                <a:schemeClr val="tx1">
+                  <a:tint val="75000"/>
+                </a:schemeClr>
+              </a:solidFill>
+              <a:effectLst/>
+              <a:uLnTx/>
+              <a:uFillTx/>
+              <a:latin typeface="Times New Roman" pitchFamily="18" charset="0"/>
+              <a:ea typeface="+mn-ea"/>
+              <a:cs typeface="+mn-cs"/>
+            </a:endParaRPr>
+          </a:p>
+        </p:txBody>
+      </p:sp>
+      <p:sp>
+        <p:nvSpPr>
+          <p:cNvPr id="10" name="Rectangle 3"/>
+          <p:cNvSpPr txBox="1">
+            <a:spLocks noChangeArrowheads="1"/>
+          </p:cNvSpPr>
+          <p:nvPr/>
+        </p:nvSpPr>
+        <p:spPr>
+          <a:xfrm>
+            <a:off x="1335088" y="2170113"/>
+            <a:ext cx="7772400" cy="4114800"/>
+          </a:xfrm>
+          <a:prstGeom prst="rect">
+            <a:avLst/>
+          </a:prstGeom>
+        </p:spPr>
+        <p:txBody>
+          <a:bodyPr vert="horz" lIns="91440" tIns="45720" rIns="91440" bIns="45720" rtlCol="0">
+            <a:normAutofit/>
+          </a:bodyPr>
+          <a:lstStyle/>
+          <a:p>
+            <a:pPr marL="0" marR="0" lvl="0" indent="0" algn="ctr" defTabSz="914400" rtl="0" eaLnBrk="1" fontAlgn="auto" latinLnBrk="0" hangingPunct="1">
+              <a:lnSpc>
+                <a:spcPct val="90000"/>
+              </a:lnSpc>
+              <a:spcBef>
+                <a:spcPct val="20000"/>
+              </a:spcBef>
+              <a:spcAft>
+                <a:spcPts val="0"/>
+              </a:spcAft>
+              <a:buClrTx/>
+              <a:buSzTx/>
+              <a:buFont typeface="Wingdings" pitchFamily="2" charset="2"/>
+              <a:buNone/>
+              <a:tabLst/>
+              <a:defRPr/>
+            </a:pPr>
+            <a:endParaRPr kumimoji="0" lang="en-US" sz="2400" b="0" i="0" u="none" strike="noStrike" kern="1200" cap="none" spc="0" normalizeH="0" baseline="0" noProof="0" smtClean="0">
+              <a:ln>
+                <a:noFill/>
+              </a:ln>
+              <a:solidFill>
+                <a:schemeClr val="tx1">
+                  <a:tint val="75000"/>
+                </a:schemeClr>
+              </a:solidFill>
+              <a:effectLst/>
+              <a:uLnTx/>
+              <a:uFillTx/>
+              <a:latin typeface="Times New Roman" pitchFamily="18" charset="0"/>
+              <a:ea typeface="+mn-ea"/>
+              <a:cs typeface="+mn-cs"/>
+            </a:endParaRPr>
+          </a:p>
+          <a:p>
+            <a:pPr marL="1828800" marR="0" lvl="4" indent="0" algn="ctr" defTabSz="914400" rtl="0" eaLnBrk="1" fontAlgn="auto" latinLnBrk="0" hangingPunct="1">
+              <a:lnSpc>
+                <a:spcPct val="90000"/>
+              </a:lnSpc>
+              <a:spcBef>
+                <a:spcPct val="20000"/>
+              </a:spcBef>
+              <a:spcAft>
+                <a:spcPts val="0"/>
+              </a:spcAft>
+              <a:buClrTx/>
+              <a:buSzTx/>
+              <a:buFont typeface="Wingdings" pitchFamily="2" charset="2"/>
+              <a:buNone/>
+              <a:tabLst/>
+              <a:defRPr/>
+            </a:pPr>
+            <a:endParaRPr kumimoji="0" lang="en-US" sz="1800" b="0" i="0" u="none" strike="noStrike" kern="1200" cap="none" spc="0" normalizeH="0" baseline="0" noProof="0" dirty="0">
+              <a:ln>
+                <a:noFill/>
+              </a:ln>
+              <a:solidFill>
+                <a:schemeClr val="tx1">
+                  <a:tint val="75000"/>
+                </a:schemeClr>
+              </a:solidFill>
+              <a:effectLst/>
+              <a:uLnTx/>
+              <a:uFillTx/>
+              <a:latin typeface="Times New Roman" pitchFamily="18" charset="0"/>
+              <a:ea typeface="+mn-ea"/>
+              <a:cs typeface="+mn-cs"/>
+            </a:endParaRPr>
+          </a:p>
+        </p:txBody>
+      </p:sp>
+      <p:pic>
+        <p:nvPicPr>
+          <p:cNvPr id="11" name="Picture 4" descr="C:\Users\Aman\Costumer-Driven-Project\report\DesignReport\uml diagrams\flowchart.png"/>
+          <p:cNvPicPr>
+            <a:picLocks noChangeAspect="1" noChangeArrowheads="1"/>
+          </p:cNvPicPr>
+          <p:nvPr/>
+        </p:nvPicPr>
+        <p:blipFill>
+          <a:blip r:embed="rId4" cstate="print"/>
+          <a:srcRect/>
+          <a:stretch>
+            <a:fillRect/>
+          </a:stretch>
+        </p:blipFill>
+        <p:spPr bwMode="auto">
+          <a:xfrm>
+            <a:off x="1600200" y="2286000"/>
+            <a:ext cx="5486400" cy="3962400"/>
+          </a:xfrm>
+          <a:prstGeom prst="rect">
+            <a:avLst/>
+          </a:prstGeom>
+          <a:noFill/>
+        </p:spPr>
+      </p:pic>
+    </p:spTree>
+  </p:cSld>
+  <p:clrMapOvr>
+    <a:masterClrMapping/>
+  </p:clrMapOvr>
+  <p:timing>
+    <p:tnLst>
+      <p:par>
+        <p:cTn id="1" dur="indefinite" restart="never" nodeType="tmRoot"/>
+      </p:par>
+    </p:tnLst>
+  </p:timing>
+</p:sld>
+</file>
+
+<file path=ppt/slides/slide9.xml><?xml version="1.0" encoding="utf-8"?>
+<p:sld xmlns:a="http://schemas.openxmlformats.org/drawingml/2006/main" xmlns:r="http://schemas.openxmlformats.org/officeDocument/2006/relationships" xmlns:p="http://schemas.openxmlformats.org/presentationml/2006/main">
+  <p:cSld>
+    <p:spTree>
+      <p:nvGrpSpPr>
+        <p:cNvPr id="1" name=""/>
+        <p:cNvGrpSpPr/>
+        <p:nvPr/>
+      </p:nvGrpSpPr>
+      <p:grpSpPr>
+        <a:xfrm>
+          <a:off x="0" y="0"/>
+          <a:ext cx="0" cy="0"/>
+          <a:chOff x="0" y="0"/>
+          <a:chExt cx="0" cy="0"/>
+        </a:xfrm>
+      </p:grpSpPr>
+      <p:pic>
+        <p:nvPicPr>
+          <p:cNvPr id="1026" name="Picture 2" descr="C:\Users\Administrator\Desktop\Presentation1.jpg"/>
+          <p:cNvPicPr>
+            <a:picLocks noChangeAspect="1" noChangeArrowheads="1"/>
+          </p:cNvPicPr>
+          <p:nvPr/>
+        </p:nvPicPr>
+        <p:blipFill>
+          <a:blip r:embed="rId3" cstate="print"/>
+          <a:srcRect/>
+          <a:stretch>
+            <a:fillRect/>
+          </a:stretch>
+        </p:blipFill>
+        <p:spPr bwMode="auto">
+          <a:xfrm>
+            <a:off x="0" y="-152400"/>
+            <a:ext cx="9144000" cy="6858000"/>
+          </a:xfrm>
+          <a:prstGeom prst="rect">
+            <a:avLst/>
+          </a:prstGeom>
+          <a:noFill/>
+        </p:spPr>
+      </p:pic>
+      <p:sp>
+        <p:nvSpPr>
+          <p:cNvPr id="5" name="TextBox 4"/>
+          <p:cNvSpPr txBox="1"/>
+          <p:nvPr/>
+        </p:nvSpPr>
+        <p:spPr>
+          <a:xfrm>
+            <a:off x="533400" y="2057400"/>
+            <a:ext cx="6781800" cy="369332"/>
+          </a:xfrm>
+          <a:prstGeom prst="rect">
+            <a:avLst/>
+          </a:prstGeom>
+          <a:noFill/>
+        </p:spPr>
+        <p:txBody>
+          <a:bodyPr wrap="square" rtlCol="0">
+            <a:spAutoFit/>
+          </a:bodyPr>
+          <a:lstStyle/>
+          <a:p>
+            <a:endParaRPr lang="en-US"/>
+          </a:p>
+        </p:txBody>
+      </p:sp>
+      <p:sp>
+        <p:nvSpPr>
+          <p:cNvPr id="6" name="TextBox 5"/>
+          <p:cNvSpPr txBox="1"/>
+          <p:nvPr/>
+        </p:nvSpPr>
+        <p:spPr>
+          <a:xfrm>
+            <a:off x="762000" y="1219200"/>
+            <a:ext cx="6553200" cy="769441"/>
+          </a:xfrm>
+          <a:prstGeom prst="rect">
+            <a:avLst/>
+          </a:prstGeom>
+          <a:noFill/>
+        </p:spPr>
+        <p:txBody>
+          <a:bodyPr wrap="square" rtlCol="0">
+            <a:spAutoFit/>
+          </a:bodyPr>
+          <a:lstStyle/>
+          <a:p>
+            <a:r>
+              <a:rPr lang="en-US" sz="4400" dirty="0" smtClean="0">
+                <a:solidFill>
+                  <a:schemeClr val="tx2"/>
+                </a:solidFill>
+                <a:latin typeface="Comic Sans MS" pitchFamily="66" charset="0"/>
+              </a:rPr>
+              <a:t>System Overview</a:t>
+            </a:r>
+            <a:endParaRPr lang="nb-NO" sz="4400" dirty="0">
+              <a:solidFill>
+                <a:schemeClr val="tx2"/>
+              </a:solidFill>
+            </a:endParaRPr>
+          </a:p>
+        </p:txBody>
+      </p:sp>
+      <p:sp>
+        <p:nvSpPr>
+          <p:cNvPr id="7" name="TextBox 6"/>
+          <p:cNvSpPr txBox="1"/>
+          <p:nvPr/>
+        </p:nvSpPr>
+        <p:spPr>
+          <a:xfrm>
+            <a:off x="1066800" y="2514600"/>
+            <a:ext cx="6858000" cy="338554"/>
+          </a:xfrm>
+          <a:prstGeom prst="rect">
+            <a:avLst/>
+          </a:prstGeom>
+          <a:noFill/>
+        </p:spPr>
+        <p:txBody>
+          <a:bodyPr wrap="square" rtlCol="0">
+            <a:spAutoFit/>
+          </a:bodyPr>
+          <a:lstStyle/>
+          <a:p>
+            <a:pPr>
+              <a:lnSpc>
+                <a:spcPct val="80000"/>
+              </a:lnSpc>
+            </a:pPr>
+            <a:endParaRPr lang="en-US" sz="2000" dirty="0">
+              <a:latin typeface="Times New Roman" pitchFamily="18" charset="0"/>
+            </a:endParaRPr>
+          </a:p>
+        </p:txBody>
+      </p:sp>
+      <p:sp>
+        <p:nvSpPr>
+          <p:cNvPr id="8" name="TextBox 7"/>
+          <p:cNvSpPr txBox="1"/>
+          <p:nvPr/>
+        </p:nvSpPr>
+        <p:spPr>
+          <a:xfrm>
+            <a:off x="1219200" y="2438400"/>
+            <a:ext cx="5666824" cy="369332"/>
+          </a:xfrm>
+          <a:prstGeom prst="rect">
+            <a:avLst/>
+          </a:prstGeom>
+          <a:noFill/>
+        </p:spPr>
+        <p:txBody>
+          <a:bodyPr wrap="square" rtlCol="0">
+            <a:spAutoFit/>
+          </a:bodyPr>
+          <a:lstStyle/>
+          <a:p>
+            <a:endParaRPr lang="nb-NO" dirty="0"/>
+          </a:p>
+        </p:txBody>
+      </p:sp>
+      <p:sp>
+        <p:nvSpPr>
+          <p:cNvPr id="9" name="Rectangle 3"/>
+          <p:cNvSpPr txBox="1">
+            <a:spLocks noChangeArrowheads="1"/>
+          </p:cNvSpPr>
+          <p:nvPr/>
+        </p:nvSpPr>
+        <p:spPr>
+          <a:xfrm>
+            <a:off x="1182688" y="2017713"/>
+            <a:ext cx="7772400" cy="4114800"/>
+          </a:xfrm>
+          <a:prstGeom prst="rect">
+            <a:avLst/>
+          </a:prstGeom>
+        </p:spPr>
+        <p:txBody>
+          <a:bodyPr vert="horz" lIns="91440" tIns="45720" rIns="91440" bIns="45720" rtlCol="0">
+            <a:normAutofit/>
+          </a:bodyPr>
+          <a:lstStyle/>
+          <a:p>
+            <a:pPr marL="0" marR="0" lvl="0" indent="0" algn="ctr" defTabSz="914400" rtl="0" eaLnBrk="1" fontAlgn="auto" latinLnBrk="0" hangingPunct="1">
+              <a:lnSpc>
+                <a:spcPct val="90000"/>
+              </a:lnSpc>
+              <a:spcBef>
+                <a:spcPct val="20000"/>
+              </a:spcBef>
+              <a:spcAft>
+                <a:spcPts val="0"/>
+              </a:spcAft>
+              <a:buClrTx/>
+              <a:buSzTx/>
+              <a:buFont typeface="Wingdings" pitchFamily="2" charset="2"/>
+              <a:buNone/>
+              <a:tabLst/>
+              <a:defRPr/>
+            </a:pPr>
+            <a:endParaRPr kumimoji="0" lang="en-US" sz="2400" b="0" i="0" u="none" strike="noStrike" kern="1200" cap="none" spc="0" normalizeH="0" baseline="0" noProof="0" smtClean="0">
+              <a:ln>
+                <a:noFill/>
+              </a:ln>
+              <a:solidFill>
+                <a:schemeClr val="tx1">
+                  <a:tint val="75000"/>
+                </a:schemeClr>
+              </a:solidFill>
+              <a:effectLst/>
+              <a:uLnTx/>
+              <a:uFillTx/>
+              <a:latin typeface="Times New Roman" pitchFamily="18" charset="0"/>
+              <a:ea typeface="+mn-ea"/>
+              <a:cs typeface="+mn-cs"/>
+            </a:endParaRPr>
+          </a:p>
+          <a:p>
+            <a:pPr marL="1828800" marR="0" lvl="4" indent="0" algn="ctr" defTabSz="914400" rtl="0" eaLnBrk="1" fontAlgn="auto" latinLnBrk="0" hangingPunct="1">
+              <a:lnSpc>
+                <a:spcPct val="90000"/>
+              </a:lnSpc>
+              <a:spcBef>
+                <a:spcPct val="20000"/>
+              </a:spcBef>
+              <a:spcAft>
+                <a:spcPts val="0"/>
+              </a:spcAft>
+              <a:buClrTx/>
+              <a:buSzTx/>
+              <a:buFont typeface="Wingdings" pitchFamily="2" charset="2"/>
+              <a:buNone/>
+              <a:tabLst/>
+              <a:defRPr/>
+            </a:pPr>
+            <a:endParaRPr kumimoji="0" lang="en-US" sz="1800" b="0" i="0" u="none" strike="noStrike" kern="1200" cap="none" spc="0" normalizeH="0" baseline="0" noProof="0" dirty="0">
+              <a:ln>
+                <a:noFill/>
+              </a:ln>
+              <a:solidFill>
+                <a:schemeClr val="tx1">
+                  <a:tint val="75000"/>
+                </a:schemeClr>
+              </a:solidFill>
+              <a:effectLst/>
+              <a:uLnTx/>
+              <a:uFillTx/>
+              <a:latin typeface="Times New Roman" pitchFamily="18" charset="0"/>
+              <a:ea typeface="+mn-ea"/>
+              <a:cs typeface="+mn-cs"/>
+            </a:endParaRPr>
+          </a:p>
+        </p:txBody>
+      </p:sp>
+      <p:sp>
+        <p:nvSpPr>
+          <p:cNvPr id="10" name="Rectangle 3"/>
+          <p:cNvSpPr txBox="1">
+            <a:spLocks noChangeArrowheads="1"/>
+          </p:cNvSpPr>
+          <p:nvPr/>
+        </p:nvSpPr>
+        <p:spPr>
+          <a:xfrm>
+            <a:off x="1335088" y="2170113"/>
+            <a:ext cx="7772400" cy="4114800"/>
+          </a:xfrm>
+          <a:prstGeom prst="rect">
+            <a:avLst/>
+          </a:prstGeom>
+        </p:spPr>
+        <p:txBody>
+          <a:bodyPr vert="horz" lIns="91440" tIns="45720" rIns="91440" bIns="45720" rtlCol="0">
+            <a:normAutofit/>
+          </a:bodyPr>
+          <a:lstStyle/>
+          <a:p>
+            <a:pPr marL="0" marR="0" lvl="0" indent="0" algn="ctr" defTabSz="914400" rtl="0" eaLnBrk="1" fontAlgn="auto" latinLnBrk="0" hangingPunct="1">
+              <a:lnSpc>
+                <a:spcPct val="90000"/>
+              </a:lnSpc>
+              <a:spcBef>
+                <a:spcPct val="20000"/>
+              </a:spcBef>
+              <a:spcAft>
+                <a:spcPts val="0"/>
+              </a:spcAft>
+              <a:buClrTx/>
+              <a:buSzTx/>
+              <a:buFont typeface="Wingdings" pitchFamily="2" charset="2"/>
+              <a:buNone/>
+              <a:tabLst/>
+              <a:defRPr/>
+            </a:pPr>
+            <a:endParaRPr kumimoji="0" lang="en-US" sz="2400" b="0" i="0" u="none" strike="noStrike" kern="1200" cap="none" spc="0" normalizeH="0" baseline="0" noProof="0" smtClean="0">
+              <a:ln>
+                <a:noFill/>
+              </a:ln>
+              <a:solidFill>
+                <a:schemeClr val="tx1">
+                  <a:tint val="75000"/>
+                </a:schemeClr>
+              </a:solidFill>
+              <a:effectLst/>
+              <a:uLnTx/>
+              <a:uFillTx/>
+              <a:latin typeface="Times New Roman" pitchFamily="18" charset="0"/>
+              <a:ea typeface="+mn-ea"/>
+              <a:cs typeface="+mn-cs"/>
+            </a:endParaRPr>
+          </a:p>
+          <a:p>
+            <a:pPr marL="1828800" marR="0" lvl="4" indent="0" algn="ctr" defTabSz="914400" rtl="0" eaLnBrk="1" fontAlgn="auto" latinLnBrk="0" hangingPunct="1">
+              <a:lnSpc>
+                <a:spcPct val="90000"/>
+              </a:lnSpc>
+              <a:spcBef>
+                <a:spcPct val="20000"/>
+              </a:spcBef>
+              <a:spcAft>
+                <a:spcPts val="0"/>
+              </a:spcAft>
+              <a:buClrTx/>
+              <a:buSzTx/>
+              <a:buFont typeface="Wingdings" pitchFamily="2" charset="2"/>
+              <a:buNone/>
+              <a:tabLst/>
+              <a:defRPr/>
+            </a:pPr>
+            <a:endParaRPr kumimoji="0" lang="en-US" sz="1800" b="0" i="0" u="none" strike="noStrike" kern="1200" cap="none" spc="0" normalizeH="0" baseline="0" noProof="0" dirty="0">
+              <a:ln>
+                <a:noFill/>
+              </a:ln>
+              <a:solidFill>
+                <a:schemeClr val="tx1">
+                  <a:tint val="75000"/>
+                </a:schemeClr>
+              </a:solidFill>
+              <a:effectLst/>
+              <a:uLnTx/>
+              <a:uFillTx/>
+              <a:latin typeface="Times New Roman" pitchFamily="18" charset="0"/>
+              <a:ea typeface="+mn-ea"/>
+              <a:cs typeface="+mn-cs"/>
+            </a:endParaRPr>
+          </a:p>
+        </p:txBody>
+      </p:sp>
+      <p:sp>
+        <p:nvSpPr>
+          <p:cNvPr id="12" name="TextBox 11"/>
+          <p:cNvSpPr txBox="1"/>
+          <p:nvPr/>
+        </p:nvSpPr>
+        <p:spPr>
+          <a:xfrm>
+            <a:off x="3124200" y="3352800"/>
+            <a:ext cx="184731" cy="369332"/>
+          </a:xfrm>
+          <a:prstGeom prst="rect">
+            <a:avLst/>
+          </a:prstGeom>
+          <a:noFill/>
+        </p:spPr>
+        <p:txBody>
+          <a:bodyPr wrap="none" rtlCol="0">
+            <a:spAutoFit/>
+          </a:bodyPr>
+          <a:lstStyle/>
+          <a:p>
+            <a:endParaRPr lang="nb-NO" dirty="0"/>
+          </a:p>
+        </p:txBody>
+      </p:sp>
+      <p:pic>
+        <p:nvPicPr>
+          <p:cNvPr id="2" name="Picture 2" descr="C:\Users\Aman\Costumer-Driven-Project\report\DesignReport\uml diagrams\Case.png"/>
+          <p:cNvPicPr>
+            <a:picLocks noChangeAspect="1" noChangeArrowheads="1"/>
+          </p:cNvPicPr>
+          <p:nvPr/>
+        </p:nvPicPr>
+        <p:blipFill>
+          <a:blip r:embed="rId4" cstate="print"/>
+          <a:srcRect/>
+          <a:stretch>
+            <a:fillRect/>
+          </a:stretch>
+        </p:blipFill>
+        <p:spPr bwMode="auto">
+          <a:xfrm>
+            <a:off x="1524000" y="2209800"/>
+            <a:ext cx="5881687" cy="3733800"/>
+          </a:xfrm>
+          <a:prstGeom prst="rect">
+            <a:avLst/>
+          </a:prstGeom>
+          <a:noFill/>
+        </p:spPr>
+      </p:pic>
+    </p:spTree>
+  </p:cSld>
+  <p:clrMapOvr>
+    <a:masterClrMapping/>
+  </p:clrMapOvr>
+  <p:timing>
+    <p:tnLst>
+      <p:par>
+        <p:cTn id="1" dur="indefinite" restart="never" nodeType="tmRoot"/>
+      </p:par>
+    </p:tnLst>
+  </p:timing>
 </p:sld>
 </file>
 
@@ -3376,4 +7466,287 @@
   <a:objectDefaults/>
   <a:extraClrSchemeLst/>
 </a:theme>
+</file>
+
+<file path=ppt/theme/theme2.xml><?xml version="1.0" encoding="utf-8"?>
+<a:theme xmlns:a="http://schemas.openxmlformats.org/drawingml/2006/main" name="Office Theme">
+  <a:themeElements>
+    <a:clrScheme name="Office">
+      <a:dk1>
+        <a:sysClr val="windowText" lastClr="000000"/>
+      </a:dk1>
+      <a:lt1>
+        <a:sysClr val="window" lastClr="FFFFFF"/>
+      </a:lt1>
+      <a:dk2>
+        <a:srgbClr val="1F497D"/>
+      </a:dk2>
+      <a:lt2>
+        <a:srgbClr val="EEECE1"/>
+      </a:lt2>
+      <a:accent1>
+        <a:srgbClr val="4F81BD"/>
+      </a:accent1>
+      <a:accent2>
+        <a:srgbClr val="C0504D"/>
+      </a:accent2>
+      <a:accent3>
+        <a:srgbClr val="9BBB59"/>
+      </a:accent3>
+      <a:accent4>
+        <a:srgbClr val="8064A2"/>
+      </a:accent4>
+      <a:accent5>
+        <a:srgbClr val="4BACC6"/>
+      </a:accent5>
+      <a:accent6>
+        <a:srgbClr val="F79646"/>
+      </a:accent6>
+      <a:hlink>
+        <a:srgbClr val="0000FF"/>
+      </a:hlink>
+      <a:folHlink>
+        <a:srgbClr val="800080"/>
+      </a:folHlink>
+    </a:clrScheme>
+    <a:fontScheme name="Office">
+      <a:majorFont>
+        <a:latin typeface="Calibri"/>
+        <a:ea typeface=""/>
+        <a:cs typeface=""/>
+        <a:font script="Jpan" typeface="ＭＳ Ｐゴシック"/>
+        <a:font script="Hang" typeface="맑은 고딕"/>
+        <a:font script="Hans" typeface="宋体"/>
+        <a:font script="Hant" typeface="新細明體"/>
+        <a:font script="Arab" typeface="Times New Roman"/>
+        <a:font script="Hebr" typeface="Times New Roman"/>
+        <a:font script="Thai" typeface="Angsana New"/>
+        <a:font script="Ethi" typeface="Nyala"/>
+        <a:font script="Beng" typeface="Vrinda"/>
+        <a:font script="Gujr" typeface="Shruti"/>
+        <a:font script="Khmr" typeface="MoolBoran"/>
+        <a:font script="Knda" typeface="Tunga"/>
+        <a:font script="Guru" typeface="Raavi"/>
+        <a:font script="Cans" typeface="Euphemia"/>
+        <a:font script="Cher" typeface="Plantagenet Cherokee"/>
+        <a:font script="Yiii" typeface="Microsoft Yi Baiti"/>
+        <a:font script="Tibt" typeface="Microsoft Himalaya"/>
+        <a:font script="Thaa" typeface="MV Boli"/>
+        <a:font script="Deva" typeface="Mangal"/>
+        <a:font script="Telu" typeface="Gautami"/>
+        <a:font script="Taml" typeface="Latha"/>
+        <a:font script="Syrc" typeface="Estrangelo Edessa"/>
+        <a:font script="Orya" typeface="Kalinga"/>
+        <a:font script="Mlym" typeface="Kartika"/>
+        <a:font script="Laoo" typeface="DokChampa"/>
+        <a:font script="Sinh" typeface="Iskoola Pota"/>
+        <a:font script="Mong" typeface="Mongolian Baiti"/>
+        <a:font script="Viet" typeface="Times New Roman"/>
+        <a:font script="Uigh" typeface="Microsoft Uighur"/>
+      </a:majorFont>
+      <a:minorFont>
+        <a:latin typeface="Calibri"/>
+        <a:ea typeface=""/>
+        <a:cs typeface=""/>
+        <a:font script="Jpan" typeface="ＭＳ Ｐゴシック"/>
+        <a:font script="Hang" typeface="맑은 고딕"/>
+        <a:font script="Hans" typeface="宋体"/>
+        <a:font script="Hant" typeface="新細明體"/>
+        <a:font script="Arab" typeface="Arial"/>
+        <a:font script="Hebr" typeface="Arial"/>
+        <a:font script="Thai" typeface="Cordia New"/>
+        <a:font script="Ethi" typeface="Nyala"/>
+        <a:font script="Beng" typeface="Vrinda"/>
+        <a:font script="Gujr" typeface="Shruti"/>
+        <a:font script="Khmr" typeface="DaunPenh"/>
+        <a:font script="Knda" typeface="Tunga"/>
+        <a:font script="Guru" typeface="Raavi"/>
+        <a:font script="Cans" typeface="Euphemia"/>
+        <a:font script="Cher" typeface="Plantagenet Cherokee"/>
+        <a:font script="Yiii" typeface="Microsoft Yi Baiti"/>
+        <a:font script="Tibt" typeface="Microsoft Himalaya"/>
+        <a:font script="Thaa" typeface="MV Boli"/>
+        <a:font script="Deva" typeface="Mangal"/>
+        <a:font script="Telu" typeface="Gautami"/>
+        <a:font script="Taml" typeface="Latha"/>
+        <a:font script="Syrc" typeface="Estrangelo Edessa"/>
+        <a:font script="Orya" typeface="Kalinga"/>
+        <a:font script="Mlym" typeface="Kartika"/>
+        <a:font script="Laoo" typeface="DokChampa"/>
+        <a:font script="Sinh" typeface="Iskoola Pota"/>
+        <a:font script="Mong" typeface="Mongolian Baiti"/>
+        <a:font script="Viet" typeface="Arial"/>
+        <a:font script="Uigh" typeface="Microsoft Uighur"/>
+      </a:minorFont>
+    </a:fontScheme>
+    <a:fmtScheme name="Office">
+      <a:fillStyleLst>
+        <a:solidFill>
+          <a:schemeClr val="phClr"/>
+        </a:solidFill>
+        <a:gradFill rotWithShape="1">
+          <a:gsLst>
+            <a:gs pos="0">
+              <a:schemeClr val="phClr">
+                <a:tint val="50000"/>
+                <a:satMod val="300000"/>
+              </a:schemeClr>
+            </a:gs>
+            <a:gs pos="35000">
+              <a:schemeClr val="phClr">
+                <a:tint val="37000"/>
+                <a:satMod val="300000"/>
+              </a:schemeClr>
+            </a:gs>
+            <a:gs pos="100000">
+              <a:schemeClr val="phClr">
+                <a:tint val="15000"/>
+                <a:satMod val="350000"/>
+              </a:schemeClr>
+            </a:gs>
+          </a:gsLst>
+          <a:lin ang="16200000" scaled="1"/>
+        </a:gradFill>
+        <a:gradFill rotWithShape="1">
+          <a:gsLst>
+            <a:gs pos="0">
+              <a:schemeClr val="phClr">
+                <a:shade val="51000"/>
+                <a:satMod val="130000"/>
+              </a:schemeClr>
+            </a:gs>
+            <a:gs pos="80000">
+              <a:schemeClr val="phClr">
+                <a:shade val="93000"/>
+                <a:satMod val="130000"/>
+              </a:schemeClr>
+            </a:gs>
+            <a:gs pos="100000">
+              <a:schemeClr val="phClr">
+                <a:shade val="94000"/>
+                <a:satMod val="135000"/>
+              </a:schemeClr>
+            </a:gs>
+          </a:gsLst>
+          <a:lin ang="16200000" scaled="0"/>
+        </a:gradFill>
+      </a:fillStyleLst>
+      <a:lnStyleLst>
+        <a:ln w="9525" cap="flat" cmpd="sng" algn="ctr">
+          <a:solidFill>
+            <a:schemeClr val="phClr">
+              <a:shade val="95000"/>
+              <a:satMod val="105000"/>
+            </a:schemeClr>
+          </a:solidFill>
+          <a:prstDash val="solid"/>
+        </a:ln>
+        <a:ln w="25400" cap="flat" cmpd="sng" algn="ctr">
+          <a:solidFill>
+            <a:schemeClr val="phClr"/>
+          </a:solidFill>
+          <a:prstDash val="solid"/>
+        </a:ln>
+        <a:ln w="38100" cap="flat" cmpd="sng" algn="ctr">
+          <a:solidFill>
+            <a:schemeClr val="phClr"/>
+          </a:solidFill>
+          <a:prstDash val="solid"/>
+        </a:ln>
+      </a:lnStyleLst>
+      <a:effectStyleLst>
+        <a:effectStyle>
+          <a:effectLst>
+            <a:outerShdw blurRad="40000" dist="20000" dir="5400000" rotWithShape="0">
+              <a:srgbClr val="000000">
+                <a:alpha val="38000"/>
+              </a:srgbClr>
+            </a:outerShdw>
+          </a:effectLst>
+        </a:effectStyle>
+        <a:effectStyle>
+          <a:effectLst>
+            <a:outerShdw blurRad="40000" dist="23000" dir="5400000" rotWithShape="0">
+              <a:srgbClr val="000000">
+                <a:alpha val="35000"/>
+              </a:srgbClr>
+            </a:outerShdw>
+          </a:effectLst>
+        </a:effectStyle>
+        <a:effectStyle>
+          <a:effectLst>
+            <a:outerShdw blurRad="40000" dist="23000" dir="5400000" rotWithShape="0">
+              <a:srgbClr val="000000">
+                <a:alpha val="35000"/>
+              </a:srgbClr>
+            </a:outerShdw>
+          </a:effectLst>
+          <a:scene3d>
+            <a:camera prst="orthographicFront">
+              <a:rot lat="0" lon="0" rev="0"/>
+            </a:camera>
+            <a:lightRig rig="threePt" dir="t">
+              <a:rot lat="0" lon="0" rev="1200000"/>
+            </a:lightRig>
+          </a:scene3d>
+          <a:sp3d>
+            <a:bevelT w="63500" h="25400"/>
+          </a:sp3d>
+        </a:effectStyle>
+      </a:effectStyleLst>
+      <a:bgFillStyleLst>
+        <a:solidFill>
+          <a:schemeClr val="phClr"/>
+        </a:solidFill>
+        <a:gradFill rotWithShape="1">
+          <a:gsLst>
+            <a:gs pos="0">
+              <a:schemeClr val="phClr">
+                <a:tint val="40000"/>
+                <a:satMod val="350000"/>
+              </a:schemeClr>
+            </a:gs>
+            <a:gs pos="40000">
+              <a:schemeClr val="phClr">
+                <a:tint val="45000"/>
+                <a:shade val="99000"/>
+                <a:satMod val="350000"/>
+              </a:schemeClr>
+            </a:gs>
+            <a:gs pos="100000">
+              <a:schemeClr val="phClr">
+                <a:shade val="20000"/>
+                <a:satMod val="255000"/>
+              </a:schemeClr>
+            </a:gs>
+          </a:gsLst>
+          <a:path path="circle">
+            <a:fillToRect l="50000" t="-80000" r="50000" b="180000"/>
+          </a:path>
+        </a:gradFill>
+        <a:gradFill rotWithShape="1">
+          <a:gsLst>
+            <a:gs pos="0">
+              <a:schemeClr val="phClr">
+                <a:tint val="80000"/>
+                <a:satMod val="300000"/>
+              </a:schemeClr>
+            </a:gs>
+            <a:gs pos="100000">
+              <a:schemeClr val="phClr">
+                <a:shade val="30000"/>
+                <a:satMod val="200000"/>
+              </a:schemeClr>
+            </a:gs>
+          </a:gsLst>
+          <a:path path="circle">
+            <a:fillToRect l="50000" t="50000" r="50000" b="50000"/>
+          </a:path>
+        </a:gradFill>
+      </a:bgFillStyleLst>
+    </a:fmtScheme>
+  </a:themeElements>
+  <a:objectDefaults/>
+  <a:extraClrSchemeLst/>
+</a:theme>
 </file>
--- a/report/DesignReport/Presentation1.pptx
+++ b/report/DesignReport/Presentation1.pptx
@@ -204,7 +204,7 @@
             <a:fld id="{D3FA4D68-0C65-4A9B-94D6-CEB301447A54}" type="datetimeFigureOut">
               <a:rPr lang="nb-NO" smtClean="0"/>
               <a:pPr/>
-              <a:t>04.11.2011</a:t>
+              <a:t>05.11.2011</a:t>
             </a:fld>
             <a:endParaRPr lang="nb-NO"/>
           </a:p>
@@ -1472,7 +1472,7 @@
             <a:fld id="{936BC739-4DDC-4C6E-B585-4FAA5E6E3267}" type="datetimeFigureOut">
               <a:rPr lang="en-US" smtClean="0"/>
               <a:pPr/>
-              <a:t>11/4/2011</a:t>
+              <a:t>11/5/2011</a:t>
             </a:fld>
             <a:endParaRPr lang="en-US"/>
           </a:p>
@@ -1639,7 +1639,7 @@
             <a:fld id="{936BC739-4DDC-4C6E-B585-4FAA5E6E3267}" type="datetimeFigureOut">
               <a:rPr lang="en-US" smtClean="0"/>
               <a:pPr/>
-              <a:t>11/4/2011</a:t>
+              <a:t>11/5/2011</a:t>
             </a:fld>
             <a:endParaRPr lang="en-US"/>
           </a:p>
@@ -1816,7 +1816,7 @@
             <a:fld id="{936BC739-4DDC-4C6E-B585-4FAA5E6E3267}" type="datetimeFigureOut">
               <a:rPr lang="en-US" smtClean="0"/>
               <a:pPr/>
-              <a:t>11/4/2011</a:t>
+              <a:t>11/5/2011</a:t>
             </a:fld>
             <a:endParaRPr lang="en-US"/>
           </a:p>
@@ -1983,7 +1983,7 @@
             <a:fld id="{936BC739-4DDC-4C6E-B585-4FAA5E6E3267}" type="datetimeFigureOut">
               <a:rPr lang="en-US" smtClean="0"/>
               <a:pPr/>
-              <a:t>11/4/2011</a:t>
+              <a:t>11/5/2011</a:t>
             </a:fld>
             <a:endParaRPr lang="en-US"/>
           </a:p>
@@ -2226,7 +2226,7 @@
             <a:fld id="{936BC739-4DDC-4C6E-B585-4FAA5E6E3267}" type="datetimeFigureOut">
               <a:rPr lang="en-US" smtClean="0"/>
               <a:pPr/>
-              <a:t>11/4/2011</a:t>
+              <a:t>11/5/2011</a:t>
             </a:fld>
             <a:endParaRPr lang="en-US"/>
           </a:p>
@@ -2511,7 +2511,7 @@
             <a:fld id="{936BC739-4DDC-4C6E-B585-4FAA5E6E3267}" type="datetimeFigureOut">
               <a:rPr lang="en-US" smtClean="0"/>
               <a:pPr/>
-              <a:t>11/4/2011</a:t>
+              <a:t>11/5/2011</a:t>
             </a:fld>
             <a:endParaRPr lang="en-US"/>
           </a:p>
@@ -2930,7 +2930,7 @@
             <a:fld id="{936BC739-4DDC-4C6E-B585-4FAA5E6E3267}" type="datetimeFigureOut">
               <a:rPr lang="en-US" smtClean="0"/>
               <a:pPr/>
-              <a:t>11/4/2011</a:t>
+              <a:t>11/5/2011</a:t>
             </a:fld>
             <a:endParaRPr lang="en-US"/>
           </a:p>
@@ -3045,7 +3045,7 @@
             <a:fld id="{936BC739-4DDC-4C6E-B585-4FAA5E6E3267}" type="datetimeFigureOut">
               <a:rPr lang="en-US" smtClean="0"/>
               <a:pPr/>
-              <a:t>11/4/2011</a:t>
+              <a:t>11/5/2011</a:t>
             </a:fld>
             <a:endParaRPr lang="en-US"/>
           </a:p>
@@ -3137,7 +3137,7 @@
             <a:fld id="{936BC739-4DDC-4C6E-B585-4FAA5E6E3267}" type="datetimeFigureOut">
               <a:rPr lang="en-US" smtClean="0"/>
               <a:pPr/>
-              <a:t>11/4/2011</a:t>
+              <a:t>11/5/2011</a:t>
             </a:fld>
             <a:endParaRPr lang="en-US"/>
           </a:p>
@@ -3411,7 +3411,7 @@
             <a:fld id="{936BC739-4DDC-4C6E-B585-4FAA5E6E3267}" type="datetimeFigureOut">
               <a:rPr lang="en-US" smtClean="0"/>
               <a:pPr/>
-              <a:t>11/4/2011</a:t>
+              <a:t>11/5/2011</a:t>
             </a:fld>
             <a:endParaRPr lang="en-US"/>
           </a:p>
@@ -3661,7 +3661,7 @@
             <a:fld id="{936BC739-4DDC-4C6E-B585-4FAA5E6E3267}" type="datetimeFigureOut">
               <a:rPr lang="en-US" smtClean="0"/>
               <a:pPr/>
-              <a:t>11/4/2011</a:t>
+              <a:t>11/5/2011</a:t>
             </a:fld>
             <a:endParaRPr lang="en-US"/>
           </a:p>
@@ -3871,7 +3871,7 @@
             <a:fld id="{936BC739-4DDC-4C6E-B585-4FAA5E6E3267}" type="datetimeFigureOut">
               <a:rPr lang="en-US" smtClean="0"/>
               <a:pPr/>
-              <a:t>11/4/2011</a:t>
+              <a:t>11/5/2011</a:t>
             </a:fld>
             <a:endParaRPr lang="en-US"/>
           </a:p>
@@ -4950,6 +4950,53 @@
           </a:p>
         </p:txBody>
       </p:sp>
+      <p:sp>
+        <p:nvSpPr>
+          <p:cNvPr id="8" name="TextBox 7"/>
+          <p:cNvSpPr txBox="1"/>
+          <p:nvPr/>
+        </p:nvSpPr>
+        <p:spPr>
+          <a:xfrm>
+            <a:off x="762000" y="2438400"/>
+            <a:ext cx="4092787" cy="646331"/>
+          </a:xfrm>
+          <a:prstGeom prst="rect">
+            <a:avLst/>
+          </a:prstGeom>
+          <a:noFill/>
+        </p:spPr>
+        <p:txBody>
+          <a:bodyPr wrap="none" rtlCol="0">
+            <a:spAutoFit/>
+          </a:bodyPr>
+          <a:lstStyle/>
+          <a:p>
+            <a:pPr>
+              <a:buFont typeface="Arial" pitchFamily="34" charset="0"/>
+              <a:buChar char="•"/>
+            </a:pPr>
+            <a:r>
+              <a:rPr lang="en-US" dirty="0" smtClean="0">
+                <a:latin typeface="Times New Roman" pitchFamily="18" charset="0"/>
+              </a:rPr>
+              <a:t>Implements the system as browser </a:t>
+            </a:r>
+            <a:r>
+              <a:rPr lang="en-US" dirty="0" err="1" smtClean="0">
+                <a:latin typeface="Times New Roman" pitchFamily="18" charset="0"/>
+              </a:rPr>
+              <a:t>plugin</a:t>
+            </a:r>
+            <a:endParaRPr lang="en-US" dirty="0" smtClean="0">
+              <a:latin typeface="Times New Roman" pitchFamily="18" charset="0"/>
+            </a:endParaRPr>
+          </a:p>
+          <a:p>
+            <a:endParaRPr lang="nb-NO" dirty="0"/>
+          </a:p>
+        </p:txBody>
+      </p:sp>
     </p:spTree>
   </p:cSld>
   <p:clrMapOvr>
@@ -5582,7 +5629,7 @@
         <p:spPr>
           <a:xfrm>
             <a:off x="1066800" y="2514600"/>
-            <a:ext cx="6858000" cy="1815882"/>
+            <a:ext cx="6858000" cy="1569660"/>
           </a:xfrm>
           <a:prstGeom prst="rect">
             <a:avLst/>
@@ -5666,30 +5713,6 @@
               </a:lnSpc>
             </a:pPr>
             <a:endParaRPr lang="en-US" sz="2000" dirty="0" smtClean="0">
-              <a:latin typeface="Times New Roman" pitchFamily="18" charset="0"/>
-            </a:endParaRPr>
-          </a:p>
-          <a:p>
-            <a:pPr>
-              <a:lnSpc>
-                <a:spcPct val="80000"/>
-              </a:lnSpc>
-              <a:buFont typeface="Arial" pitchFamily="34" charset="0"/>
-              <a:buChar char="•"/>
-            </a:pPr>
-            <a:r>
-              <a:rPr lang="en-US" sz="2000" dirty="0" smtClean="0">
-                <a:latin typeface="Times New Roman" pitchFamily="18" charset="0"/>
-              </a:rPr>
-              <a:t>Implements the system as browser </a:t>
-            </a:r>
-            <a:r>
-              <a:rPr lang="en-US" sz="2000" dirty="0" err="1" smtClean="0">
-                <a:latin typeface="Times New Roman" pitchFamily="18" charset="0"/>
-              </a:rPr>
-              <a:t>plugin</a:t>
-            </a:r>
-            <a:endParaRPr lang="en-US" sz="2000" dirty="0">
               <a:latin typeface="Times New Roman" pitchFamily="18" charset="0"/>
             </a:endParaRPr>
           </a:p>
@@ -6089,9 +6112,35 @@
           </a:p>
         </p:txBody>
       </p:sp>
+      <p:sp>
+        <p:nvSpPr>
+          <p:cNvPr id="8" name="TextBox 7"/>
+          <p:cNvSpPr txBox="1"/>
+          <p:nvPr/>
+        </p:nvSpPr>
+        <p:spPr>
+          <a:xfrm>
+            <a:off x="2895600" y="3276600"/>
+            <a:ext cx="184731" cy="369332"/>
+          </a:xfrm>
+          <a:prstGeom prst="rect">
+            <a:avLst/>
+          </a:prstGeom>
+          <a:noFill/>
+        </p:spPr>
+        <p:txBody>
+          <a:bodyPr wrap="none" rtlCol="0">
+            <a:spAutoFit/>
+          </a:bodyPr>
+          <a:lstStyle/>
+          <a:p>
+            <a:endParaRPr lang="nb-NO" dirty="0"/>
+          </a:p>
+        </p:txBody>
+      </p:sp>
       <p:pic>
         <p:nvPicPr>
-          <p:cNvPr id="11" name="Picture 2"/>
+          <p:cNvPr id="2" name="Picture 2"/>
           <p:cNvPicPr>
             <a:picLocks noChangeAspect="1" noChangeArrowheads="1"/>
           </p:cNvPicPr>
@@ -6106,8 +6155,8 @@
         </p:blipFill>
         <p:spPr bwMode="auto">
           <a:xfrm>
-            <a:off x="1295400" y="2209800"/>
-            <a:ext cx="5521325" cy="3663950"/>
+            <a:off x="1219200" y="2133600"/>
+            <a:ext cx="5562600" cy="3962400"/>
           </a:xfrm>
           <a:prstGeom prst="rect">
             <a:avLst/>
@@ -6119,7 +6168,6 @@
             <a:headEnd/>
             <a:tailEnd/>
           </a:ln>
-          <a:effectLst/>
         </p:spPr>
       </p:pic>
     </p:spTree>
@@ -6628,103 +6676,9 @@
           </a:p>
         </p:txBody>
       </p:sp>
-      <p:sp>
-        <p:nvSpPr>
-          <p:cNvPr id="10" name="Rectangle 3"/>
-          <p:cNvSpPr txBox="1">
-            <a:spLocks noChangeArrowheads="1"/>
-          </p:cNvSpPr>
-          <p:nvPr/>
-        </p:nvSpPr>
-        <p:spPr>
-          <a:xfrm>
-            <a:off x="1335088" y="2170113"/>
-            <a:ext cx="7772400" cy="4114800"/>
-          </a:xfrm>
-          <a:prstGeom prst="rect">
-            <a:avLst/>
-          </a:prstGeom>
-        </p:spPr>
-        <p:txBody>
-          <a:bodyPr vert="horz" lIns="91440" tIns="45720" rIns="91440" bIns="45720" rtlCol="0">
-            <a:normAutofit/>
-          </a:bodyPr>
-          <a:lstStyle/>
-          <a:p>
-            <a:pPr marL="0" marR="0" lvl="0" indent="0" algn="ctr" defTabSz="914400" rtl="0" eaLnBrk="1" fontAlgn="auto" latinLnBrk="0" hangingPunct="1">
-              <a:lnSpc>
-                <a:spcPct val="90000"/>
-              </a:lnSpc>
-              <a:spcBef>
-                <a:spcPct val="20000"/>
-              </a:spcBef>
-              <a:spcAft>
-                <a:spcPts val="0"/>
-              </a:spcAft>
-              <a:buClrTx/>
-              <a:buSzTx/>
-              <a:buFont typeface="Wingdings" pitchFamily="2" charset="2"/>
-              <a:buNone/>
-              <a:tabLst/>
-              <a:defRPr/>
-            </a:pPr>
-            <a:endParaRPr kumimoji="0" lang="en-US" sz="2400" b="0" i="0" u="none" strike="noStrike" kern="1200" cap="none" spc="0" normalizeH="0" baseline="0" noProof="0" smtClean="0">
-              <a:ln>
-                <a:noFill/>
-              </a:ln>
-              <a:solidFill>
-                <a:schemeClr val="tx1">
-                  <a:tint val="75000"/>
-                </a:schemeClr>
-              </a:solidFill>
-              <a:effectLst/>
-              <a:uLnTx/>
-              <a:uFillTx/>
-              <a:latin typeface="Times New Roman" pitchFamily="18" charset="0"/>
-              <a:ea typeface="+mn-ea"/>
-              <a:cs typeface="+mn-cs"/>
-            </a:endParaRPr>
-          </a:p>
-          <a:p>
-            <a:pPr marL="1828800" marR="0" lvl="4" indent="0" algn="ctr" defTabSz="914400" rtl="0" eaLnBrk="1" fontAlgn="auto" latinLnBrk="0" hangingPunct="1">
-              <a:lnSpc>
-                <a:spcPct val="90000"/>
-              </a:lnSpc>
-              <a:spcBef>
-                <a:spcPct val="20000"/>
-              </a:spcBef>
-              <a:spcAft>
-                <a:spcPts val="0"/>
-              </a:spcAft>
-              <a:buClrTx/>
-              <a:buSzTx/>
-              <a:buFont typeface="Wingdings" pitchFamily="2" charset="2"/>
-              <a:buNone/>
-              <a:tabLst/>
-              <a:defRPr/>
-            </a:pPr>
-            <a:endParaRPr kumimoji="0" lang="en-US" sz="1800" b="0" i="0" u="none" strike="noStrike" kern="1200" cap="none" spc="0" normalizeH="0" baseline="0" noProof="0" dirty="0">
-              <a:ln>
-                <a:noFill/>
-              </a:ln>
-              <a:solidFill>
-                <a:schemeClr val="tx1">
-                  <a:tint val="75000"/>
-                </a:schemeClr>
-              </a:solidFill>
-              <a:effectLst/>
-              <a:uLnTx/>
-              <a:uFillTx/>
-              <a:latin typeface="Times New Roman" pitchFamily="18" charset="0"/>
-              <a:ea typeface="+mn-ea"/>
-              <a:cs typeface="+mn-cs"/>
-            </a:endParaRPr>
-          </a:p>
-        </p:txBody>
-      </p:sp>
       <p:pic>
         <p:nvPicPr>
-          <p:cNvPr id="11" name="Picture 4" descr="C:\Users\Aman\Costumer-Driven-Project\report\DesignReport\uml diagrams\flowchart.png"/>
+          <p:cNvPr id="2" name="Picture 2" descr="C:\Users\Aman\Costumer-Driven-Project\report\DesignReport\uml diagrams\flowchart.png"/>
           <p:cNvPicPr>
             <a:picLocks noChangeAspect="1" noChangeArrowheads="1"/>
           </p:cNvPicPr>
@@ -6739,8 +6693,8 @@
         </p:blipFill>
         <p:spPr bwMode="auto">
           <a:xfrm>
-            <a:off x="1600200" y="2286000"/>
-            <a:ext cx="5486400" cy="3962400"/>
+            <a:off x="990600" y="2286000"/>
+            <a:ext cx="6019800" cy="3810000"/>
           </a:xfrm>
           <a:prstGeom prst="rect">
             <a:avLst/>

--- a/report/DesignReport/Presentation1.pptx
+++ b/report/DesignReport/Presentation1.pptx
@@ -5,7 +5,7 @@
     <p:sldMasterId id="2147483648" r:id="rId1"/>
   </p:sldMasterIdLst>
   <p:notesMasterIdLst>
-    <p:notesMasterId r:id="rId14"/>
+    <p:notesMasterId r:id="rId17"/>
   </p:notesMasterIdLst>
   <p:sldIdLst>
     <p:sldId id="256" r:id="rId2"/>
@@ -18,8 +18,11 @@
     <p:sldId id="263" r:id="rId9"/>
     <p:sldId id="264" r:id="rId10"/>
     <p:sldId id="265" r:id="rId11"/>
-    <p:sldId id="266" r:id="rId12"/>
-    <p:sldId id="267" r:id="rId13"/>
+    <p:sldId id="269" r:id="rId12"/>
+    <p:sldId id="270" r:id="rId13"/>
+    <p:sldId id="268" r:id="rId14"/>
+    <p:sldId id="266" r:id="rId15"/>
+    <p:sldId id="267" r:id="rId16"/>
   </p:sldIdLst>
   <p:sldSz cx="9144000" cy="6858000" type="screen4x3"/>
   <p:notesSz cx="6858000" cy="9144000"/>
@@ -204,7 +207,7 @@
             <a:fld id="{D3FA4D68-0C65-4A9B-94D6-CEB301447A54}" type="datetimeFigureOut">
               <a:rPr lang="nb-NO" smtClean="0"/>
               <a:pPr/>
-              <a:t>05.11.2011</a:t>
+              <a:t>06.11.2011</a:t>
             </a:fld>
             <a:endParaRPr lang="nb-NO"/>
           </a:p>
@@ -634,6 +637,252 @@
 </p:notes>
 </file>
 
+<file path=ppt/notesSlides/notesSlide11.xml><?xml version="1.0" encoding="utf-8"?>
+<p:notes xmlns:a="http://schemas.openxmlformats.org/drawingml/2006/main" xmlns:r="http://schemas.openxmlformats.org/officeDocument/2006/relationships" xmlns:p="http://schemas.openxmlformats.org/presentationml/2006/main">
+  <p:cSld>
+    <p:spTree>
+      <p:nvGrpSpPr>
+        <p:cNvPr id="1" name=""/>
+        <p:cNvGrpSpPr/>
+        <p:nvPr/>
+      </p:nvGrpSpPr>
+      <p:grpSpPr>
+        <a:xfrm>
+          <a:off x="0" y="0"/>
+          <a:ext cx="0" cy="0"/>
+          <a:chOff x="0" y="0"/>
+          <a:chExt cx="0" cy="0"/>
+        </a:xfrm>
+      </p:grpSpPr>
+      <p:sp>
+        <p:nvSpPr>
+          <p:cNvPr id="2" name="Slide Image Placeholder 1"/>
+          <p:cNvSpPr>
+            <a:spLocks noGrp="1" noRot="1" noChangeAspect="1"/>
+          </p:cNvSpPr>
+          <p:nvPr>
+            <p:ph type="sldImg"/>
+          </p:nvPr>
+        </p:nvSpPr>
+        <p:spPr/>
+      </p:sp>
+      <p:sp>
+        <p:nvSpPr>
+          <p:cNvPr id="3" name="Notes Placeholder 2"/>
+          <p:cNvSpPr>
+            <a:spLocks noGrp="1"/>
+          </p:cNvSpPr>
+          <p:nvPr>
+            <p:ph type="body" idx="1"/>
+          </p:nvPr>
+        </p:nvSpPr>
+        <p:spPr/>
+        <p:txBody>
+          <a:bodyPr>
+            <a:normAutofit/>
+          </a:bodyPr>
+          <a:lstStyle/>
+          <a:p>
+            <a:endParaRPr lang="nb-NO" dirty="0"/>
+          </a:p>
+        </p:txBody>
+      </p:sp>
+      <p:sp>
+        <p:nvSpPr>
+          <p:cNvPr id="4" name="Slide Number Placeholder 3"/>
+          <p:cNvSpPr>
+            <a:spLocks noGrp="1"/>
+          </p:cNvSpPr>
+          <p:nvPr>
+            <p:ph type="sldNum" sz="quarter" idx="10"/>
+          </p:nvPr>
+        </p:nvSpPr>
+        <p:spPr/>
+        <p:txBody>
+          <a:bodyPr/>
+          <a:lstStyle/>
+          <a:p>
+            <a:fld id="{F3A828CE-9294-44F0-A1DF-388494478F7B}" type="slidenum">
+              <a:rPr lang="nb-NO" smtClean="0"/>
+              <a:pPr/>
+              <a:t>13</a:t>
+            </a:fld>
+            <a:endParaRPr lang="nb-NO"/>
+          </a:p>
+        </p:txBody>
+      </p:sp>
+    </p:spTree>
+  </p:cSld>
+  <p:clrMapOvr>
+    <a:masterClrMapping/>
+  </p:clrMapOvr>
+</p:notes>
+</file>
+
+<file path=ppt/notesSlides/notesSlide12.xml><?xml version="1.0" encoding="utf-8"?>
+<p:notes xmlns:a="http://schemas.openxmlformats.org/drawingml/2006/main" xmlns:r="http://schemas.openxmlformats.org/officeDocument/2006/relationships" xmlns:p="http://schemas.openxmlformats.org/presentationml/2006/main">
+  <p:cSld>
+    <p:spTree>
+      <p:nvGrpSpPr>
+        <p:cNvPr id="1" name=""/>
+        <p:cNvGrpSpPr/>
+        <p:nvPr/>
+      </p:nvGrpSpPr>
+      <p:grpSpPr>
+        <a:xfrm>
+          <a:off x="0" y="0"/>
+          <a:ext cx="0" cy="0"/>
+          <a:chOff x="0" y="0"/>
+          <a:chExt cx="0" cy="0"/>
+        </a:xfrm>
+      </p:grpSpPr>
+      <p:sp>
+        <p:nvSpPr>
+          <p:cNvPr id="2" name="Slide Image Placeholder 1"/>
+          <p:cNvSpPr>
+            <a:spLocks noGrp="1" noRot="1" noChangeAspect="1"/>
+          </p:cNvSpPr>
+          <p:nvPr>
+            <p:ph type="sldImg"/>
+          </p:nvPr>
+        </p:nvSpPr>
+        <p:spPr/>
+      </p:sp>
+      <p:sp>
+        <p:nvSpPr>
+          <p:cNvPr id="3" name="Notes Placeholder 2"/>
+          <p:cNvSpPr>
+            <a:spLocks noGrp="1"/>
+          </p:cNvSpPr>
+          <p:nvPr>
+            <p:ph type="body" idx="1"/>
+          </p:nvPr>
+        </p:nvSpPr>
+        <p:spPr/>
+        <p:txBody>
+          <a:bodyPr>
+            <a:normAutofit/>
+          </a:bodyPr>
+          <a:lstStyle/>
+          <a:p>
+            <a:endParaRPr lang="nb-NO" dirty="0"/>
+          </a:p>
+        </p:txBody>
+      </p:sp>
+      <p:sp>
+        <p:nvSpPr>
+          <p:cNvPr id="4" name="Slide Number Placeholder 3"/>
+          <p:cNvSpPr>
+            <a:spLocks noGrp="1"/>
+          </p:cNvSpPr>
+          <p:nvPr>
+            <p:ph type="sldNum" sz="quarter" idx="10"/>
+          </p:nvPr>
+        </p:nvSpPr>
+        <p:spPr/>
+        <p:txBody>
+          <a:bodyPr/>
+          <a:lstStyle/>
+          <a:p>
+            <a:fld id="{F3A828CE-9294-44F0-A1DF-388494478F7B}" type="slidenum">
+              <a:rPr lang="nb-NO" smtClean="0"/>
+              <a:pPr/>
+              <a:t>14</a:t>
+            </a:fld>
+            <a:endParaRPr lang="nb-NO"/>
+          </a:p>
+        </p:txBody>
+      </p:sp>
+    </p:spTree>
+  </p:cSld>
+  <p:clrMapOvr>
+    <a:masterClrMapping/>
+  </p:clrMapOvr>
+</p:notes>
+</file>
+
+<file path=ppt/notesSlides/notesSlide13.xml><?xml version="1.0" encoding="utf-8"?>
+<p:notes xmlns:a="http://schemas.openxmlformats.org/drawingml/2006/main" xmlns:r="http://schemas.openxmlformats.org/officeDocument/2006/relationships" xmlns:p="http://schemas.openxmlformats.org/presentationml/2006/main">
+  <p:cSld>
+    <p:spTree>
+      <p:nvGrpSpPr>
+        <p:cNvPr id="1" name=""/>
+        <p:cNvGrpSpPr/>
+        <p:nvPr/>
+      </p:nvGrpSpPr>
+      <p:grpSpPr>
+        <a:xfrm>
+          <a:off x="0" y="0"/>
+          <a:ext cx="0" cy="0"/>
+          <a:chOff x="0" y="0"/>
+          <a:chExt cx="0" cy="0"/>
+        </a:xfrm>
+      </p:grpSpPr>
+      <p:sp>
+        <p:nvSpPr>
+          <p:cNvPr id="2" name="Slide Image Placeholder 1"/>
+          <p:cNvSpPr>
+            <a:spLocks noGrp="1" noRot="1" noChangeAspect="1"/>
+          </p:cNvSpPr>
+          <p:nvPr>
+            <p:ph type="sldImg"/>
+          </p:nvPr>
+        </p:nvSpPr>
+        <p:spPr/>
+      </p:sp>
+      <p:sp>
+        <p:nvSpPr>
+          <p:cNvPr id="3" name="Notes Placeholder 2"/>
+          <p:cNvSpPr>
+            <a:spLocks noGrp="1"/>
+          </p:cNvSpPr>
+          <p:nvPr>
+            <p:ph type="body" idx="1"/>
+          </p:nvPr>
+        </p:nvSpPr>
+        <p:spPr/>
+        <p:txBody>
+          <a:bodyPr>
+            <a:normAutofit/>
+          </a:bodyPr>
+          <a:lstStyle/>
+          <a:p>
+            <a:endParaRPr lang="nb-NO" dirty="0"/>
+          </a:p>
+        </p:txBody>
+      </p:sp>
+      <p:sp>
+        <p:nvSpPr>
+          <p:cNvPr id="4" name="Slide Number Placeholder 3"/>
+          <p:cNvSpPr>
+            <a:spLocks noGrp="1"/>
+          </p:cNvSpPr>
+          <p:nvPr>
+            <p:ph type="sldNum" sz="quarter" idx="10"/>
+          </p:nvPr>
+        </p:nvSpPr>
+        <p:spPr/>
+        <p:txBody>
+          <a:bodyPr/>
+          <a:lstStyle/>
+          <a:p>
+            <a:fld id="{F3A828CE-9294-44F0-A1DF-388494478F7B}" type="slidenum">
+              <a:rPr lang="nb-NO" smtClean="0"/>
+              <a:pPr/>
+              <a:t>15</a:t>
+            </a:fld>
+            <a:endParaRPr lang="nb-NO"/>
+          </a:p>
+        </p:txBody>
+      </p:sp>
+    </p:spTree>
+  </p:cSld>
+  <p:clrMapOvr>
+    <a:masterClrMapping/>
+  </p:clrMapOvr>
+</p:notes>
+</file>
+
 <file path=ppt/notesSlides/notesSlide2.xml><?xml version="1.0" encoding="utf-8"?>
 <p:notes xmlns:a="http://schemas.openxmlformats.org/drawingml/2006/main" xmlns:r="http://schemas.openxmlformats.org/officeDocument/2006/relationships" xmlns:p="http://schemas.openxmlformats.org/presentationml/2006/main">
   <p:cSld>
@@ -1472,7 +1721,7 @@
             <a:fld id="{936BC739-4DDC-4C6E-B585-4FAA5E6E3267}" type="datetimeFigureOut">
               <a:rPr lang="en-US" smtClean="0"/>
               <a:pPr/>
-              <a:t>11/5/2011</a:t>
+              <a:t>11/6/2011</a:t>
             </a:fld>
             <a:endParaRPr lang="en-US"/>
           </a:p>
@@ -1639,7 +1888,7 @@
             <a:fld id="{936BC739-4DDC-4C6E-B585-4FAA5E6E3267}" type="datetimeFigureOut">
               <a:rPr lang="en-US" smtClean="0"/>
               <a:pPr/>
-              <a:t>11/5/2011</a:t>
+              <a:t>11/6/2011</a:t>
             </a:fld>
             <a:endParaRPr lang="en-US"/>
           </a:p>
@@ -1816,7 +2065,7 @@
             <a:fld id="{936BC739-4DDC-4C6E-B585-4FAA5E6E3267}" type="datetimeFigureOut">
               <a:rPr lang="en-US" smtClean="0"/>
               <a:pPr/>
-              <a:t>11/5/2011</a:t>
+              <a:t>11/6/2011</a:t>
             </a:fld>
             <a:endParaRPr lang="en-US"/>
           </a:p>
@@ -1983,7 +2232,7 @@
             <a:fld id="{936BC739-4DDC-4C6E-B585-4FAA5E6E3267}" type="datetimeFigureOut">
               <a:rPr lang="en-US" smtClean="0"/>
               <a:pPr/>
-              <a:t>11/5/2011</a:t>
+              <a:t>11/6/2011</a:t>
             </a:fld>
             <a:endParaRPr lang="en-US"/>
           </a:p>
@@ -2226,7 +2475,7 @@
             <a:fld id="{936BC739-4DDC-4C6E-B585-4FAA5E6E3267}" type="datetimeFigureOut">
               <a:rPr lang="en-US" smtClean="0"/>
               <a:pPr/>
-              <a:t>11/5/2011</a:t>
+              <a:t>11/6/2011</a:t>
             </a:fld>
             <a:endParaRPr lang="en-US"/>
           </a:p>
@@ -2511,7 +2760,7 @@
             <a:fld id="{936BC739-4DDC-4C6E-B585-4FAA5E6E3267}" type="datetimeFigureOut">
               <a:rPr lang="en-US" smtClean="0"/>
               <a:pPr/>
-              <a:t>11/5/2011</a:t>
+              <a:t>11/6/2011</a:t>
             </a:fld>
             <a:endParaRPr lang="en-US"/>
           </a:p>
@@ -2930,7 +3179,7 @@
             <a:fld id="{936BC739-4DDC-4C6E-B585-4FAA5E6E3267}" type="datetimeFigureOut">
               <a:rPr lang="en-US" smtClean="0"/>
               <a:pPr/>
-              <a:t>11/5/2011</a:t>
+              <a:t>11/6/2011</a:t>
             </a:fld>
             <a:endParaRPr lang="en-US"/>
           </a:p>
@@ -3045,7 +3294,7 @@
             <a:fld id="{936BC739-4DDC-4C6E-B585-4FAA5E6E3267}" type="datetimeFigureOut">
               <a:rPr lang="en-US" smtClean="0"/>
               <a:pPr/>
-              <a:t>11/5/2011</a:t>
+              <a:t>11/6/2011</a:t>
             </a:fld>
             <a:endParaRPr lang="en-US"/>
           </a:p>
@@ -3137,7 +3386,7 @@
             <a:fld id="{936BC739-4DDC-4C6E-B585-4FAA5E6E3267}" type="datetimeFigureOut">
               <a:rPr lang="en-US" smtClean="0"/>
               <a:pPr/>
-              <a:t>11/5/2011</a:t>
+              <a:t>11/6/2011</a:t>
             </a:fld>
             <a:endParaRPr lang="en-US"/>
           </a:p>
@@ -3411,7 +3660,7 @@
             <a:fld id="{936BC739-4DDC-4C6E-B585-4FAA5E6E3267}" type="datetimeFigureOut">
               <a:rPr lang="en-US" smtClean="0"/>
               <a:pPr/>
-              <a:t>11/5/2011</a:t>
+              <a:t>11/6/2011</a:t>
             </a:fld>
             <a:endParaRPr lang="en-US"/>
           </a:p>
@@ -3661,7 +3910,7 @@
             <a:fld id="{936BC739-4DDC-4C6E-B585-4FAA5E6E3267}" type="datetimeFigureOut">
               <a:rPr lang="en-US" smtClean="0"/>
               <a:pPr/>
-              <a:t>11/5/2011</a:t>
+              <a:t>11/6/2011</a:t>
             </a:fld>
             <a:endParaRPr lang="en-US"/>
           </a:p>
@@ -3871,7 +4120,7 @@
             <a:fld id="{936BC739-4DDC-4C6E-B585-4FAA5E6E3267}" type="datetimeFigureOut">
               <a:rPr lang="en-US" smtClean="0"/>
               <a:pPr/>
-              <a:t>11/5/2011</a:t>
+              <a:t>11/6/2011</a:t>
             </a:fld>
             <a:endParaRPr lang="en-US"/>
           </a:p>
@@ -4747,12 +4996,13 @@
           <a:lstStyle/>
           <a:p>
             <a:r>
-              <a:rPr lang="nb-NO" sz="4400" dirty="0" smtClean="0">
+              <a:rPr lang="en-US" sz="4400" dirty="0" smtClean="0">
                 <a:solidFill>
                   <a:schemeClr val="tx2"/>
                 </a:solidFill>
+                <a:latin typeface="Comic Sans MS" pitchFamily="66" charset="0"/>
               </a:rPr>
-              <a:t>Results</a:t>
+              <a:t>Algorithms</a:t>
             </a:r>
             <a:endParaRPr lang="nb-NO" sz="4400" dirty="0">
               <a:solidFill>
@@ -4795,6 +5045,71 @@
           </a:p>
         </p:txBody>
       </p:sp>
+      <p:sp>
+        <p:nvSpPr>
+          <p:cNvPr id="8" name="TextBox 7"/>
+          <p:cNvSpPr txBox="1"/>
+          <p:nvPr/>
+        </p:nvSpPr>
+        <p:spPr>
+          <a:xfrm>
+            <a:off x="1219200" y="2438400"/>
+            <a:ext cx="5666824" cy="1015663"/>
+          </a:xfrm>
+          <a:prstGeom prst="rect">
+            <a:avLst/>
+          </a:prstGeom>
+          <a:noFill/>
+        </p:spPr>
+        <p:txBody>
+          <a:bodyPr wrap="square" rtlCol="0">
+            <a:spAutoFit/>
+          </a:bodyPr>
+          <a:lstStyle/>
+          <a:p>
+            <a:endParaRPr lang="en-US" sz="2400" dirty="0" smtClean="0">
+              <a:latin typeface="Times New Roman" pitchFamily="18" charset="0"/>
+            </a:endParaRPr>
+          </a:p>
+          <a:p>
+            <a:pPr>
+              <a:buNone/>
+            </a:pPr>
+            <a:endParaRPr lang="en-US" dirty="0" smtClean="0">
+              <a:latin typeface="Times New Roman" pitchFamily="18" charset="0"/>
+            </a:endParaRPr>
+          </a:p>
+          <a:p>
+            <a:endParaRPr lang="nb-NO" dirty="0"/>
+          </a:p>
+        </p:txBody>
+      </p:sp>
+      <p:pic>
+        <p:nvPicPr>
+          <p:cNvPr id="2" name="Picture 2" descr="C:\Users\Aman\Costumer-Driven-Project\report\DesignReport\uml diagrams\cbr.png"/>
+          <p:cNvPicPr>
+            <a:picLocks noChangeAspect="1" noChangeArrowheads="1"/>
+          </p:cNvPicPr>
+          <p:nvPr/>
+        </p:nvPicPr>
+        <p:blipFill>
+          <a:blip r:embed="rId4" cstate="print"/>
+          <a:srcRect/>
+          <a:stretch>
+            <a:fillRect/>
+          </a:stretch>
+        </p:blipFill>
+        <p:spPr bwMode="auto">
+          <a:xfrm>
+            <a:off x="457200" y="2286000"/>
+            <a:ext cx="7924800" cy="3733800"/>
+          </a:xfrm>
+          <a:prstGeom prst="rect">
+            <a:avLst/>
+          </a:prstGeom>
+          <a:noFill/>
+        </p:spPr>
+      </p:pic>
     </p:spTree>
   </p:cSld>
   <p:clrMapOvr>
@@ -4811,6 +5126,623 @@
 </file>
 
 <file path=ppt/slides/slide12.xml><?xml version="1.0" encoding="utf-8"?>
+<p:sld xmlns:a="http://schemas.openxmlformats.org/drawingml/2006/main" xmlns:r="http://schemas.openxmlformats.org/officeDocument/2006/relationships" xmlns:p="http://schemas.openxmlformats.org/presentationml/2006/main">
+  <p:cSld>
+    <p:spTree>
+      <p:nvGrpSpPr>
+        <p:cNvPr id="1" name=""/>
+        <p:cNvGrpSpPr/>
+        <p:nvPr/>
+      </p:nvGrpSpPr>
+      <p:grpSpPr>
+        <a:xfrm>
+          <a:off x="0" y="0"/>
+          <a:ext cx="0" cy="0"/>
+          <a:chOff x="0" y="0"/>
+          <a:chExt cx="0" cy="0"/>
+        </a:xfrm>
+      </p:grpSpPr>
+      <p:pic>
+        <p:nvPicPr>
+          <p:cNvPr id="1026" name="Picture 2" descr="C:\Users\Administrator\Desktop\Presentation1.jpg"/>
+          <p:cNvPicPr>
+            <a:picLocks noChangeAspect="1" noChangeArrowheads="1"/>
+          </p:cNvPicPr>
+          <p:nvPr/>
+        </p:nvPicPr>
+        <p:blipFill>
+          <a:blip r:embed="rId3" cstate="print"/>
+          <a:srcRect/>
+          <a:stretch>
+            <a:fillRect/>
+          </a:stretch>
+        </p:blipFill>
+        <p:spPr bwMode="auto">
+          <a:xfrm>
+            <a:off x="0" y="-152400"/>
+            <a:ext cx="9144000" cy="6858000"/>
+          </a:xfrm>
+          <a:prstGeom prst="rect">
+            <a:avLst/>
+          </a:prstGeom>
+          <a:noFill/>
+        </p:spPr>
+      </p:pic>
+      <p:sp>
+        <p:nvSpPr>
+          <p:cNvPr id="5" name="TextBox 4"/>
+          <p:cNvSpPr txBox="1"/>
+          <p:nvPr/>
+        </p:nvSpPr>
+        <p:spPr>
+          <a:xfrm>
+            <a:off x="533400" y="2057400"/>
+            <a:ext cx="6781800" cy="369332"/>
+          </a:xfrm>
+          <a:prstGeom prst="rect">
+            <a:avLst/>
+          </a:prstGeom>
+          <a:noFill/>
+        </p:spPr>
+        <p:txBody>
+          <a:bodyPr wrap="square" rtlCol="0">
+            <a:spAutoFit/>
+          </a:bodyPr>
+          <a:lstStyle/>
+          <a:p>
+            <a:endParaRPr lang="en-US"/>
+          </a:p>
+        </p:txBody>
+      </p:sp>
+      <p:sp>
+        <p:nvSpPr>
+          <p:cNvPr id="6" name="TextBox 5"/>
+          <p:cNvSpPr txBox="1"/>
+          <p:nvPr/>
+        </p:nvSpPr>
+        <p:spPr>
+          <a:xfrm>
+            <a:off x="762000" y="1219200"/>
+            <a:ext cx="6553200" cy="769441"/>
+          </a:xfrm>
+          <a:prstGeom prst="rect">
+            <a:avLst/>
+          </a:prstGeom>
+          <a:noFill/>
+        </p:spPr>
+        <p:txBody>
+          <a:bodyPr wrap="square" rtlCol="0">
+            <a:spAutoFit/>
+          </a:bodyPr>
+          <a:lstStyle/>
+          <a:p>
+            <a:r>
+              <a:rPr lang="en-US" sz="4400" dirty="0" smtClean="0">
+                <a:solidFill>
+                  <a:schemeClr val="tx2"/>
+                </a:solidFill>
+                <a:latin typeface="Comic Sans MS" pitchFamily="66" charset="0"/>
+              </a:rPr>
+              <a:t>Data Storage</a:t>
+            </a:r>
+            <a:endParaRPr lang="nb-NO" sz="4400" dirty="0">
+              <a:solidFill>
+                <a:schemeClr val="tx2"/>
+              </a:solidFill>
+            </a:endParaRPr>
+          </a:p>
+        </p:txBody>
+      </p:sp>
+      <p:sp>
+        <p:nvSpPr>
+          <p:cNvPr id="7" name="TextBox 6"/>
+          <p:cNvSpPr txBox="1"/>
+          <p:nvPr/>
+        </p:nvSpPr>
+        <p:spPr>
+          <a:xfrm>
+            <a:off x="1066800" y="2514600"/>
+            <a:ext cx="6858000" cy="338554"/>
+          </a:xfrm>
+          <a:prstGeom prst="rect">
+            <a:avLst/>
+          </a:prstGeom>
+          <a:noFill/>
+        </p:spPr>
+        <p:txBody>
+          <a:bodyPr wrap="square" rtlCol="0">
+            <a:spAutoFit/>
+          </a:bodyPr>
+          <a:lstStyle/>
+          <a:p>
+            <a:pPr>
+              <a:lnSpc>
+                <a:spcPct val="80000"/>
+              </a:lnSpc>
+            </a:pPr>
+            <a:endParaRPr lang="en-US" sz="2000" dirty="0">
+              <a:latin typeface="Times New Roman" pitchFamily="18" charset="0"/>
+            </a:endParaRPr>
+          </a:p>
+        </p:txBody>
+      </p:sp>
+      <p:sp>
+        <p:nvSpPr>
+          <p:cNvPr id="8" name="TextBox 7"/>
+          <p:cNvSpPr txBox="1"/>
+          <p:nvPr/>
+        </p:nvSpPr>
+        <p:spPr>
+          <a:xfrm>
+            <a:off x="1219200" y="2438400"/>
+            <a:ext cx="5666824" cy="1015663"/>
+          </a:xfrm>
+          <a:prstGeom prst="rect">
+            <a:avLst/>
+          </a:prstGeom>
+          <a:noFill/>
+        </p:spPr>
+        <p:txBody>
+          <a:bodyPr wrap="square" rtlCol="0">
+            <a:spAutoFit/>
+          </a:bodyPr>
+          <a:lstStyle/>
+          <a:p>
+            <a:endParaRPr lang="en-US" sz="2400" dirty="0" smtClean="0">
+              <a:latin typeface="Times New Roman" pitchFamily="18" charset="0"/>
+            </a:endParaRPr>
+          </a:p>
+          <a:p>
+            <a:pPr>
+              <a:buNone/>
+            </a:pPr>
+            <a:endParaRPr lang="en-US" dirty="0" smtClean="0">
+              <a:latin typeface="Times New Roman" pitchFamily="18" charset="0"/>
+            </a:endParaRPr>
+          </a:p>
+          <a:p>
+            <a:endParaRPr lang="nb-NO" dirty="0"/>
+          </a:p>
+        </p:txBody>
+      </p:sp>
+      <p:pic>
+        <p:nvPicPr>
+          <p:cNvPr id="2050" name="Picture 2" descr="C:\Users\Aman\Costumer-Driven-Project\report\DesignReport\uml diagrams\pd.png"/>
+          <p:cNvPicPr>
+            <a:picLocks noChangeAspect="1" noChangeArrowheads="1"/>
+          </p:cNvPicPr>
+          <p:nvPr/>
+        </p:nvPicPr>
+        <p:blipFill>
+          <a:blip r:embed="rId4" cstate="print"/>
+          <a:srcRect/>
+          <a:stretch>
+            <a:fillRect/>
+          </a:stretch>
+        </p:blipFill>
+        <p:spPr bwMode="auto">
+          <a:xfrm>
+            <a:off x="533400" y="2362200"/>
+            <a:ext cx="8001000" cy="3809999"/>
+          </a:xfrm>
+          <a:prstGeom prst="rect">
+            <a:avLst/>
+          </a:prstGeom>
+          <a:noFill/>
+        </p:spPr>
+      </p:pic>
+    </p:spTree>
+  </p:cSld>
+  <p:clrMapOvr>
+    <a:masterClrMapping/>
+  </p:clrMapOvr>
+  <p:timing>
+    <p:tnLst>
+      <p:par>
+        <p:cTn id="1" dur="indefinite" restart="never" nodeType="tmRoot"/>
+      </p:par>
+    </p:tnLst>
+  </p:timing>
+</p:sld>
+</file>
+
+<file path=ppt/slides/slide13.xml><?xml version="1.0" encoding="utf-8"?>
+<p:sld xmlns:a="http://schemas.openxmlformats.org/drawingml/2006/main" xmlns:r="http://schemas.openxmlformats.org/officeDocument/2006/relationships" xmlns:p="http://schemas.openxmlformats.org/presentationml/2006/main">
+  <p:cSld>
+    <p:spTree>
+      <p:nvGrpSpPr>
+        <p:cNvPr id="1" name=""/>
+        <p:cNvGrpSpPr/>
+        <p:nvPr/>
+      </p:nvGrpSpPr>
+      <p:grpSpPr>
+        <a:xfrm>
+          <a:off x="0" y="0"/>
+          <a:ext cx="0" cy="0"/>
+          <a:chOff x="0" y="0"/>
+          <a:chExt cx="0" cy="0"/>
+        </a:xfrm>
+      </p:grpSpPr>
+      <p:pic>
+        <p:nvPicPr>
+          <p:cNvPr id="1026" name="Picture 2" descr="C:\Users\Administrator\Desktop\Presentation1.jpg"/>
+          <p:cNvPicPr>
+            <a:picLocks noChangeAspect="1" noChangeArrowheads="1"/>
+          </p:cNvPicPr>
+          <p:nvPr/>
+        </p:nvPicPr>
+        <p:blipFill>
+          <a:blip r:embed="rId3" cstate="print"/>
+          <a:srcRect/>
+          <a:stretch>
+            <a:fillRect/>
+          </a:stretch>
+        </p:blipFill>
+        <p:spPr bwMode="auto">
+          <a:xfrm>
+            <a:off x="0" y="-152400"/>
+            <a:ext cx="9144000" cy="6858000"/>
+          </a:xfrm>
+          <a:prstGeom prst="rect">
+            <a:avLst/>
+          </a:prstGeom>
+          <a:noFill/>
+        </p:spPr>
+      </p:pic>
+      <p:sp>
+        <p:nvSpPr>
+          <p:cNvPr id="5" name="TextBox 4"/>
+          <p:cNvSpPr txBox="1"/>
+          <p:nvPr/>
+        </p:nvSpPr>
+        <p:spPr>
+          <a:xfrm>
+            <a:off x="533400" y="2057400"/>
+            <a:ext cx="6781800" cy="369332"/>
+          </a:xfrm>
+          <a:prstGeom prst="rect">
+            <a:avLst/>
+          </a:prstGeom>
+          <a:noFill/>
+        </p:spPr>
+        <p:txBody>
+          <a:bodyPr wrap="square" rtlCol="0">
+            <a:spAutoFit/>
+          </a:bodyPr>
+          <a:lstStyle/>
+          <a:p>
+            <a:endParaRPr lang="en-US"/>
+          </a:p>
+        </p:txBody>
+      </p:sp>
+      <p:sp>
+        <p:nvSpPr>
+          <p:cNvPr id="6" name="TextBox 5"/>
+          <p:cNvSpPr txBox="1"/>
+          <p:nvPr/>
+        </p:nvSpPr>
+        <p:spPr>
+          <a:xfrm>
+            <a:off x="762000" y="1219200"/>
+            <a:ext cx="6553200" cy="769441"/>
+          </a:xfrm>
+          <a:prstGeom prst="rect">
+            <a:avLst/>
+          </a:prstGeom>
+          <a:noFill/>
+        </p:spPr>
+        <p:txBody>
+          <a:bodyPr wrap="square" rtlCol="0">
+            <a:spAutoFit/>
+          </a:bodyPr>
+          <a:lstStyle/>
+          <a:p>
+            <a:r>
+              <a:rPr lang="en-US" sz="4400" dirty="0" smtClean="0">
+                <a:solidFill>
+                  <a:schemeClr val="tx2"/>
+                </a:solidFill>
+                <a:latin typeface="Comic Sans MS" pitchFamily="66" charset="0"/>
+              </a:rPr>
+              <a:t>T</a:t>
+            </a:r>
+            <a:r>
+              <a:rPr lang="en-US" sz="4400" dirty="0" smtClean="0">
+                <a:solidFill>
+                  <a:schemeClr val="tx2"/>
+                </a:solidFill>
+                <a:latin typeface="Comic Sans MS" pitchFamily="66" charset="0"/>
+              </a:rPr>
+              <a:t>esting</a:t>
+            </a:r>
+            <a:endParaRPr lang="nb-NO" sz="4400" dirty="0">
+              <a:solidFill>
+                <a:schemeClr val="tx2"/>
+              </a:solidFill>
+            </a:endParaRPr>
+          </a:p>
+        </p:txBody>
+      </p:sp>
+      <p:sp>
+        <p:nvSpPr>
+          <p:cNvPr id="7" name="TextBox 6"/>
+          <p:cNvSpPr txBox="1"/>
+          <p:nvPr/>
+        </p:nvSpPr>
+        <p:spPr>
+          <a:xfrm>
+            <a:off x="1066800" y="2514600"/>
+            <a:ext cx="6858000" cy="338554"/>
+          </a:xfrm>
+          <a:prstGeom prst="rect">
+            <a:avLst/>
+          </a:prstGeom>
+          <a:noFill/>
+        </p:spPr>
+        <p:txBody>
+          <a:bodyPr wrap="square" rtlCol="0">
+            <a:spAutoFit/>
+          </a:bodyPr>
+          <a:lstStyle/>
+          <a:p>
+            <a:pPr>
+              <a:lnSpc>
+                <a:spcPct val="80000"/>
+              </a:lnSpc>
+            </a:pPr>
+            <a:endParaRPr lang="en-US" sz="2000" dirty="0">
+              <a:latin typeface="Times New Roman" pitchFamily="18" charset="0"/>
+            </a:endParaRPr>
+          </a:p>
+        </p:txBody>
+      </p:sp>
+      <p:sp>
+        <p:nvSpPr>
+          <p:cNvPr id="8" name="TextBox 7"/>
+          <p:cNvSpPr txBox="1"/>
+          <p:nvPr/>
+        </p:nvSpPr>
+        <p:spPr>
+          <a:xfrm>
+            <a:off x="1219200" y="2438400"/>
+            <a:ext cx="5666824" cy="1754326"/>
+          </a:xfrm>
+          <a:prstGeom prst="rect">
+            <a:avLst/>
+          </a:prstGeom>
+          <a:noFill/>
+        </p:spPr>
+        <p:txBody>
+          <a:bodyPr wrap="square" rtlCol="0">
+            <a:spAutoFit/>
+          </a:bodyPr>
+          <a:lstStyle/>
+          <a:p>
+            <a:pPr>
+              <a:buFont typeface="Arial" pitchFamily="34" charset="0"/>
+              <a:buChar char="•"/>
+            </a:pPr>
+            <a:r>
+              <a:rPr lang="en-US" sz="2400" dirty="0" smtClean="0">
+                <a:latin typeface="Times New Roman" pitchFamily="18" charset="0"/>
+              </a:rPr>
+              <a:t>Unit Testing</a:t>
+            </a:r>
+          </a:p>
+          <a:p>
+            <a:pPr>
+              <a:buFont typeface="Arial" pitchFamily="34" charset="0"/>
+              <a:buChar char="•"/>
+            </a:pPr>
+            <a:r>
+              <a:rPr lang="en-US" sz="2400" dirty="0" smtClean="0">
+                <a:latin typeface="Times New Roman" pitchFamily="18" charset="0"/>
+              </a:rPr>
+              <a:t> </a:t>
+            </a:r>
+            <a:r>
+              <a:rPr lang="en-US" sz="2400" dirty="0" smtClean="0">
+                <a:latin typeface="Times New Roman" pitchFamily="18" charset="0"/>
+              </a:rPr>
+              <a:t>Interface Testing</a:t>
+            </a:r>
+            <a:endParaRPr lang="en-US" sz="2400" dirty="0" smtClean="0">
+              <a:latin typeface="Times New Roman" pitchFamily="18" charset="0"/>
+            </a:endParaRPr>
+          </a:p>
+          <a:p>
+            <a:pPr>
+              <a:buFont typeface="Arial" pitchFamily="34" charset="0"/>
+              <a:buChar char="•"/>
+            </a:pPr>
+            <a:endParaRPr lang="en-US" sz="2400" dirty="0" smtClean="0">
+              <a:latin typeface="Times New Roman" pitchFamily="18" charset="0"/>
+            </a:endParaRPr>
+          </a:p>
+          <a:p>
+            <a:pPr>
+              <a:buNone/>
+            </a:pPr>
+            <a:endParaRPr lang="en-US" dirty="0" smtClean="0">
+              <a:latin typeface="Times New Roman" pitchFamily="18" charset="0"/>
+            </a:endParaRPr>
+          </a:p>
+          <a:p>
+            <a:endParaRPr lang="nb-NO" dirty="0"/>
+          </a:p>
+        </p:txBody>
+      </p:sp>
+    </p:spTree>
+  </p:cSld>
+  <p:clrMapOvr>
+    <a:masterClrMapping/>
+  </p:clrMapOvr>
+  <p:timing>
+    <p:tnLst>
+      <p:par>
+        <p:cTn id="1" dur="indefinite" restart="never" nodeType="tmRoot"/>
+      </p:par>
+    </p:tnLst>
+  </p:timing>
+</p:sld>
+</file>
+
+<file path=ppt/slides/slide14.xml><?xml version="1.0" encoding="utf-8"?>
+<p:sld xmlns:a="http://schemas.openxmlformats.org/drawingml/2006/main" xmlns:r="http://schemas.openxmlformats.org/officeDocument/2006/relationships" xmlns:p="http://schemas.openxmlformats.org/presentationml/2006/main">
+  <p:cSld>
+    <p:spTree>
+      <p:nvGrpSpPr>
+        <p:cNvPr id="1" name=""/>
+        <p:cNvGrpSpPr/>
+        <p:nvPr/>
+      </p:nvGrpSpPr>
+      <p:grpSpPr>
+        <a:xfrm>
+          <a:off x="0" y="0"/>
+          <a:ext cx="0" cy="0"/>
+          <a:chOff x="0" y="0"/>
+          <a:chExt cx="0" cy="0"/>
+        </a:xfrm>
+      </p:grpSpPr>
+      <p:pic>
+        <p:nvPicPr>
+          <p:cNvPr id="1026" name="Picture 2" descr="C:\Users\Administrator\Desktop\Presentation1.jpg"/>
+          <p:cNvPicPr>
+            <a:picLocks noChangeAspect="1" noChangeArrowheads="1"/>
+          </p:cNvPicPr>
+          <p:nvPr/>
+        </p:nvPicPr>
+        <p:blipFill>
+          <a:blip r:embed="rId3" cstate="print"/>
+          <a:srcRect/>
+          <a:stretch>
+            <a:fillRect/>
+          </a:stretch>
+        </p:blipFill>
+        <p:spPr bwMode="auto">
+          <a:xfrm>
+            <a:off x="0" y="-152400"/>
+            <a:ext cx="9144000" cy="6858000"/>
+          </a:xfrm>
+          <a:prstGeom prst="rect">
+            <a:avLst/>
+          </a:prstGeom>
+          <a:noFill/>
+        </p:spPr>
+      </p:pic>
+      <p:sp>
+        <p:nvSpPr>
+          <p:cNvPr id="5" name="TextBox 4"/>
+          <p:cNvSpPr txBox="1"/>
+          <p:nvPr/>
+        </p:nvSpPr>
+        <p:spPr>
+          <a:xfrm>
+            <a:off x="533400" y="2057400"/>
+            <a:ext cx="6781800" cy="369332"/>
+          </a:xfrm>
+          <a:prstGeom prst="rect">
+            <a:avLst/>
+          </a:prstGeom>
+          <a:noFill/>
+        </p:spPr>
+        <p:txBody>
+          <a:bodyPr wrap="square" rtlCol="0">
+            <a:spAutoFit/>
+          </a:bodyPr>
+          <a:lstStyle/>
+          <a:p>
+            <a:endParaRPr lang="en-US"/>
+          </a:p>
+        </p:txBody>
+      </p:sp>
+      <p:sp>
+        <p:nvSpPr>
+          <p:cNvPr id="6" name="TextBox 5"/>
+          <p:cNvSpPr txBox="1"/>
+          <p:nvPr/>
+        </p:nvSpPr>
+        <p:spPr>
+          <a:xfrm>
+            <a:off x="762000" y="1219200"/>
+            <a:ext cx="6553200" cy="769441"/>
+          </a:xfrm>
+          <a:prstGeom prst="rect">
+            <a:avLst/>
+          </a:prstGeom>
+          <a:noFill/>
+        </p:spPr>
+        <p:txBody>
+          <a:bodyPr wrap="square" rtlCol="0">
+            <a:spAutoFit/>
+          </a:bodyPr>
+          <a:lstStyle/>
+          <a:p>
+            <a:r>
+              <a:rPr lang="nb-NO" sz="4400" dirty="0" smtClean="0">
+                <a:solidFill>
+                  <a:schemeClr val="tx2"/>
+                </a:solidFill>
+              </a:rPr>
+              <a:t>Results</a:t>
+            </a:r>
+            <a:endParaRPr lang="nb-NO" sz="4400" dirty="0">
+              <a:solidFill>
+                <a:schemeClr val="tx2"/>
+              </a:solidFill>
+            </a:endParaRPr>
+          </a:p>
+        </p:txBody>
+      </p:sp>
+      <p:sp>
+        <p:nvSpPr>
+          <p:cNvPr id="7" name="TextBox 6"/>
+          <p:cNvSpPr txBox="1"/>
+          <p:nvPr/>
+        </p:nvSpPr>
+        <p:spPr>
+          <a:xfrm>
+            <a:off x="1066800" y="2514600"/>
+            <a:ext cx="6858000" cy="338554"/>
+          </a:xfrm>
+          <a:prstGeom prst="rect">
+            <a:avLst/>
+          </a:prstGeom>
+          <a:noFill/>
+        </p:spPr>
+        <p:txBody>
+          <a:bodyPr wrap="square" rtlCol="0">
+            <a:spAutoFit/>
+          </a:bodyPr>
+          <a:lstStyle/>
+          <a:p>
+            <a:pPr>
+              <a:lnSpc>
+                <a:spcPct val="80000"/>
+              </a:lnSpc>
+            </a:pPr>
+            <a:endParaRPr lang="en-US" sz="2000" dirty="0">
+              <a:latin typeface="Times New Roman" pitchFamily="18" charset="0"/>
+            </a:endParaRPr>
+          </a:p>
+        </p:txBody>
+      </p:sp>
+    </p:spTree>
+  </p:cSld>
+  <p:clrMapOvr>
+    <a:masterClrMapping/>
+  </p:clrMapOvr>
+  <p:timing>
+    <p:tnLst>
+      <p:par>
+        <p:cTn id="1" dur="indefinite" restart="never" nodeType="tmRoot"/>
+      </p:par>
+    </p:tnLst>
+  </p:timing>
+</p:sld>
+</file>
+
+<file path=ppt/slides/slide15.xml><?xml version="1.0" encoding="utf-8"?>
 <p:sld xmlns:a="http://schemas.openxmlformats.org/drawingml/2006/main" xmlns:r="http://schemas.openxmlformats.org/officeDocument/2006/relationships" xmlns:p="http://schemas.openxmlformats.org/presentationml/2006/main">
   <p:cSld>
     <p:spTree>

--- a/report/DesignReport/Presentation1.pptx
+++ b/report/DesignReport/Presentation1.pptx
@@ -5,24 +5,26 @@
     <p:sldMasterId id="2147483648" r:id="rId1"/>
   </p:sldMasterIdLst>
   <p:notesMasterIdLst>
-    <p:notesMasterId r:id="rId17"/>
+    <p:notesMasterId r:id="rId19"/>
   </p:notesMasterIdLst>
   <p:sldIdLst>
     <p:sldId id="256" r:id="rId2"/>
     <p:sldId id="257" r:id="rId3"/>
-    <p:sldId id="258" r:id="rId4"/>
-    <p:sldId id="259" r:id="rId5"/>
-    <p:sldId id="260" r:id="rId6"/>
-    <p:sldId id="261" r:id="rId7"/>
-    <p:sldId id="262" r:id="rId8"/>
-    <p:sldId id="263" r:id="rId9"/>
-    <p:sldId id="264" r:id="rId10"/>
-    <p:sldId id="265" r:id="rId11"/>
-    <p:sldId id="269" r:id="rId12"/>
-    <p:sldId id="270" r:id="rId13"/>
-    <p:sldId id="268" r:id="rId14"/>
-    <p:sldId id="266" r:id="rId15"/>
-    <p:sldId id="267" r:id="rId16"/>
+    <p:sldId id="274" r:id="rId4"/>
+    <p:sldId id="258" r:id="rId5"/>
+    <p:sldId id="259" r:id="rId6"/>
+    <p:sldId id="272" r:id="rId7"/>
+    <p:sldId id="260" r:id="rId8"/>
+    <p:sldId id="261" r:id="rId9"/>
+    <p:sldId id="262" r:id="rId10"/>
+    <p:sldId id="263" r:id="rId11"/>
+    <p:sldId id="264" r:id="rId12"/>
+    <p:sldId id="265" r:id="rId13"/>
+    <p:sldId id="273" r:id="rId14"/>
+    <p:sldId id="270" r:id="rId15"/>
+    <p:sldId id="268" r:id="rId16"/>
+    <p:sldId id="266" r:id="rId17"/>
+    <p:sldId id="267" r:id="rId18"/>
   </p:sldIdLst>
   <p:sldSz cx="9144000" cy="6858000" type="screen4x3"/>
   <p:notesSz cx="6858000" cy="9144000"/>
@@ -124,6 +126,3576 @@
 </p:presentation>
 </file>
 
+<file path=ppt/commentAuthors.xml><?xml version="1.0" encoding="utf-8"?>
+<p:cmAuthorLst xmlns:a="http://schemas.openxmlformats.org/drawingml/2006/main" xmlns:r="http://schemas.openxmlformats.org/officeDocument/2006/relationships" xmlns:p="http://schemas.openxmlformats.org/presentationml/2006/main">
+  <p:cmAuthor id="0" name="Tosin Oyetoyan" initials="" lastIdx="3" clrIdx="0"/>
+</p:cmAuthorLst>
+</file>
+
+<file path=ppt/comments/comment1.xml><?xml version="1.0" encoding="utf-8"?>
+<p:cmLst xmlns:a="http://schemas.openxmlformats.org/drawingml/2006/main" xmlns:r="http://schemas.openxmlformats.org/officeDocument/2006/relationships" xmlns:p="http://schemas.openxmlformats.org/presentationml/2006/main">
+  <p:cm authorId="0" dt="2011-11-07T21:43:43.637" idx="1">
+    <p:pos x="5760" y="0"/>
+    <p:text>Content or Agenda will be a better caption here</p:text>
+  </p:cm>
+</p:cmLst>
+</file>
+
+<file path=ppt/comments/comment2.xml><?xml version="1.0" encoding="utf-8"?>
+<p:cmLst xmlns:a="http://schemas.openxmlformats.org/drawingml/2006/main" xmlns:r="http://schemas.openxmlformats.org/officeDocument/2006/relationships" xmlns:p="http://schemas.openxmlformats.org/presentationml/2006/main">
+  <p:cm authorId="0" dt="2011-11-07T21:43:43.637" idx="3">
+    <p:pos x="5760" y="0"/>
+    <p:text>Content or Agenda will be a better caption here</p:text>
+  </p:cm>
+</p:cmLst>
+</file>
+
+<file path=ppt/comments/comment3.xml><?xml version="1.0" encoding="utf-8"?>
+<p:cmLst xmlns:a="http://schemas.openxmlformats.org/drawingml/2006/main" xmlns:r="http://schemas.openxmlformats.org/officeDocument/2006/relationships" xmlns:p="http://schemas.openxmlformats.org/presentationml/2006/main">
+  <p:cm authorId="0" dt="2011-11-07T21:50:54.531" idx="2">
+    <p:pos x="5561" y="-63"/>
+    <p:text>1. 
+Pls. write CBR in full..
+</p:text>
+  </p:cm>
+</p:cmLst>
+</file>
+
+<file path=ppt/diagrams/colors1.xml><?xml version="1.0" encoding="utf-8"?>
+<dgm:colorsDef xmlns:dgm="http://schemas.openxmlformats.org/drawingml/2006/diagram" xmlns:a="http://schemas.openxmlformats.org/drawingml/2006/main" uniqueId="urn:microsoft.com/office/officeart/2005/8/colors/accent1_2">
+  <dgm:title val=""/>
+  <dgm:desc val=""/>
+  <dgm:catLst>
+    <dgm:cat type="accent1" pri="11200"/>
+  </dgm:catLst>
+  <dgm:styleLbl name="node0">
+    <dgm:fillClrLst meth="repeat">
+      <a:schemeClr val="accent1"/>
+    </dgm:fillClrLst>
+    <dgm:linClrLst meth="repeat">
+      <a:schemeClr val="lt1"/>
+    </dgm:linClrLst>
+    <dgm:effectClrLst/>
+    <dgm:txLinClrLst/>
+    <dgm:txFillClrLst/>
+    <dgm:txEffectClrLst/>
+  </dgm:styleLbl>
+  <dgm:styleLbl name="alignNode1">
+    <dgm:fillClrLst meth="repeat">
+      <a:schemeClr val="accent1"/>
+    </dgm:fillClrLst>
+    <dgm:linClrLst meth="repeat">
+      <a:schemeClr val="accent1"/>
+    </dgm:linClrLst>
+    <dgm:effectClrLst/>
+    <dgm:txLinClrLst/>
+    <dgm:txFillClrLst/>
+    <dgm:txEffectClrLst/>
+  </dgm:styleLbl>
+  <dgm:styleLbl name="node1">
+    <dgm:fillClrLst meth="repeat">
+      <a:schemeClr val="accent1"/>
+    </dgm:fillClrLst>
+    <dgm:linClrLst meth="repeat">
+      <a:schemeClr val="lt1"/>
+    </dgm:linClrLst>
+    <dgm:effectClrLst/>
+    <dgm:txLinClrLst/>
+    <dgm:txFillClrLst/>
+    <dgm:txEffectClrLst/>
+  </dgm:styleLbl>
+  <dgm:styleLbl name="lnNode1">
+    <dgm:fillClrLst meth="repeat">
+      <a:schemeClr val="accent1"/>
+    </dgm:fillClrLst>
+    <dgm:linClrLst meth="repeat">
+      <a:schemeClr val="lt1"/>
+    </dgm:linClrLst>
+    <dgm:effectClrLst/>
+    <dgm:txLinClrLst/>
+    <dgm:txFillClrLst/>
+    <dgm:txEffectClrLst/>
+  </dgm:styleLbl>
+  <dgm:styleLbl name="vennNode1">
+    <dgm:fillClrLst meth="repeat">
+      <a:schemeClr val="accent1">
+        <a:alpha val="50000"/>
+      </a:schemeClr>
+    </dgm:fillClrLst>
+    <dgm:linClrLst meth="repeat">
+      <a:schemeClr val="lt1"/>
+    </dgm:linClrLst>
+    <dgm:effectClrLst/>
+    <dgm:txLinClrLst/>
+    <dgm:txFillClrLst/>
+    <dgm:txEffectClrLst/>
+  </dgm:styleLbl>
+  <dgm:styleLbl name="node2">
+    <dgm:fillClrLst meth="repeat">
+      <a:schemeClr val="accent1"/>
+    </dgm:fillClrLst>
+    <dgm:linClrLst meth="repeat">
+      <a:schemeClr val="lt1"/>
+    </dgm:linClrLst>
+    <dgm:effectClrLst/>
+    <dgm:txLinClrLst/>
+    <dgm:txFillClrLst/>
+    <dgm:txEffectClrLst/>
+  </dgm:styleLbl>
+  <dgm:styleLbl name="node3">
+    <dgm:fillClrLst meth="repeat">
+      <a:schemeClr val="accent1"/>
+    </dgm:fillClrLst>
+    <dgm:linClrLst meth="repeat">
+      <a:schemeClr val="lt1"/>
+    </dgm:linClrLst>
+    <dgm:effectClrLst/>
+    <dgm:txLinClrLst/>
+    <dgm:txFillClrLst/>
+    <dgm:txEffectClrLst/>
+  </dgm:styleLbl>
+  <dgm:styleLbl name="node4">
+    <dgm:fillClrLst meth="repeat">
+      <a:schemeClr val="accent1"/>
+    </dgm:fillClrLst>
+    <dgm:linClrLst meth="repeat">
+      <a:schemeClr val="lt1"/>
+    </dgm:linClrLst>
+    <dgm:effectClrLst/>
+    <dgm:txLinClrLst/>
+    <dgm:txFillClrLst/>
+    <dgm:txEffectClrLst/>
+  </dgm:styleLbl>
+  <dgm:styleLbl name="fgImgPlace1">
+    <dgm:fillClrLst meth="repeat">
+      <a:schemeClr val="accent1">
+        <a:tint val="50000"/>
+      </a:schemeClr>
+    </dgm:fillClrLst>
+    <dgm:linClrLst meth="repeat">
+      <a:schemeClr val="lt1"/>
+    </dgm:linClrLst>
+    <dgm:effectClrLst/>
+    <dgm:txLinClrLst/>
+    <dgm:txFillClrLst meth="repeat">
+      <a:schemeClr val="lt1"/>
+    </dgm:txFillClrLst>
+    <dgm:txEffectClrLst/>
+  </dgm:styleLbl>
+  <dgm:styleLbl name="alignImgPlace1">
+    <dgm:fillClrLst meth="repeat">
+      <a:schemeClr val="accent1">
+        <a:tint val="50000"/>
+      </a:schemeClr>
+    </dgm:fillClrLst>
+    <dgm:linClrLst meth="repeat">
+      <a:schemeClr val="lt1"/>
+    </dgm:linClrLst>
+    <dgm:effectClrLst/>
+    <dgm:txLinClrLst/>
+    <dgm:txFillClrLst meth="repeat">
+      <a:schemeClr val="lt1"/>
+    </dgm:txFillClrLst>
+    <dgm:txEffectClrLst/>
+  </dgm:styleLbl>
+  <dgm:styleLbl name="bgImgPlace1">
+    <dgm:fillClrLst meth="repeat">
+      <a:schemeClr val="accent1">
+        <a:tint val="50000"/>
+      </a:schemeClr>
+    </dgm:fillClrLst>
+    <dgm:linClrLst meth="repeat">
+      <a:schemeClr val="lt1"/>
+    </dgm:linClrLst>
+    <dgm:effectClrLst/>
+    <dgm:txLinClrLst/>
+    <dgm:txFillClrLst meth="repeat">
+      <a:schemeClr val="lt1"/>
+    </dgm:txFillClrLst>
+    <dgm:txEffectClrLst/>
+  </dgm:styleLbl>
+  <dgm:styleLbl name="sibTrans2D1">
+    <dgm:fillClrLst meth="repeat">
+      <a:schemeClr val="accent1">
+        <a:tint val="60000"/>
+      </a:schemeClr>
+    </dgm:fillClrLst>
+    <dgm:linClrLst meth="repeat">
+      <a:schemeClr val="accent1">
+        <a:tint val="60000"/>
+      </a:schemeClr>
+    </dgm:linClrLst>
+    <dgm:effectClrLst/>
+    <dgm:txLinClrLst/>
+    <dgm:txFillClrLst/>
+    <dgm:txEffectClrLst/>
+  </dgm:styleLbl>
+  <dgm:styleLbl name="fgSibTrans2D1">
+    <dgm:fillClrLst meth="repeat">
+      <a:schemeClr val="accent1">
+        <a:tint val="60000"/>
+      </a:schemeClr>
+    </dgm:fillClrLst>
+    <dgm:linClrLst meth="repeat">
+      <a:schemeClr val="accent1">
+        <a:tint val="60000"/>
+      </a:schemeClr>
+    </dgm:linClrLst>
+    <dgm:effectClrLst/>
+    <dgm:txLinClrLst/>
+    <dgm:txFillClrLst/>
+    <dgm:txEffectClrLst/>
+  </dgm:styleLbl>
+  <dgm:styleLbl name="bgSibTrans2D1">
+    <dgm:fillClrLst meth="repeat">
+      <a:schemeClr val="accent1">
+        <a:tint val="60000"/>
+      </a:schemeClr>
+    </dgm:fillClrLst>
+    <dgm:linClrLst meth="repeat">
+      <a:schemeClr val="accent1">
+        <a:tint val="60000"/>
+      </a:schemeClr>
+    </dgm:linClrLst>
+    <dgm:effectClrLst/>
+    <dgm:txLinClrLst/>
+    <dgm:txFillClrLst/>
+    <dgm:txEffectClrLst/>
+  </dgm:styleLbl>
+  <dgm:styleLbl name="sibTrans1D1">
+    <dgm:fillClrLst meth="repeat">
+      <a:schemeClr val="accent1"/>
+    </dgm:fillClrLst>
+    <dgm:linClrLst meth="repeat">
+      <a:schemeClr val="accent1"/>
+    </dgm:linClrLst>
+    <dgm:effectClrLst/>
+    <dgm:txLinClrLst/>
+    <dgm:txFillClrLst meth="repeat">
+      <a:schemeClr val="tx1"/>
+    </dgm:txFillClrLst>
+    <dgm:txEffectClrLst/>
+  </dgm:styleLbl>
+  <dgm:styleLbl name="callout">
+    <dgm:fillClrLst meth="repeat">
+      <a:schemeClr val="accent1"/>
+    </dgm:fillClrLst>
+    <dgm:linClrLst meth="repeat">
+      <a:schemeClr val="accent1">
+        <a:tint val="50000"/>
+      </a:schemeClr>
+    </dgm:linClrLst>
+    <dgm:effectClrLst/>
+    <dgm:txLinClrLst/>
+    <dgm:txFillClrLst meth="repeat">
+      <a:schemeClr val="tx1"/>
+    </dgm:txFillClrLst>
+    <dgm:txEffectClrLst/>
+  </dgm:styleLbl>
+  <dgm:styleLbl name="asst0">
+    <dgm:fillClrLst meth="repeat">
+      <a:schemeClr val="accent1"/>
+    </dgm:fillClrLst>
+    <dgm:linClrLst meth="repeat">
+      <a:schemeClr val="lt1"/>
+    </dgm:linClrLst>
+    <dgm:effectClrLst/>
+    <dgm:txLinClrLst/>
+    <dgm:txFillClrLst/>
+    <dgm:txEffectClrLst/>
+  </dgm:styleLbl>
+  <dgm:styleLbl name="asst1">
+    <dgm:fillClrLst meth="repeat">
+      <a:schemeClr val="accent1"/>
+    </dgm:fillClrLst>
+    <dgm:linClrLst meth="repeat">
+      <a:schemeClr val="lt1"/>
+    </dgm:linClrLst>
+    <dgm:effectClrLst/>
+    <dgm:txLinClrLst/>
+    <dgm:txFillClrLst/>
+    <dgm:txEffectClrLst/>
+  </dgm:styleLbl>
+  <dgm:styleLbl name="asst2">
+    <dgm:fillClrLst meth="repeat">
+      <a:schemeClr val="accent1"/>
+    </dgm:fillClrLst>
+    <dgm:linClrLst meth="repeat">
+      <a:schemeClr val="lt1"/>
+    </dgm:linClrLst>
+    <dgm:effectClrLst/>
+    <dgm:txLinClrLst/>
+    <dgm:txFillClrLst/>
+    <dgm:txEffectClrLst/>
+  </dgm:styleLbl>
+  <dgm:styleLbl name="asst3">
+    <dgm:fillClrLst meth="repeat">
+      <a:schemeClr val="accent1"/>
+    </dgm:fillClrLst>
+    <dgm:linClrLst meth="repeat">
+      <a:schemeClr val="lt1"/>
+    </dgm:linClrLst>
+    <dgm:effectClrLst/>
+    <dgm:txLinClrLst/>
+    <dgm:txFillClrLst/>
+    <dgm:txEffectClrLst/>
+  </dgm:styleLbl>
+  <dgm:styleLbl name="asst4">
+    <dgm:fillClrLst meth="repeat">
+      <a:schemeClr val="accent1"/>
+    </dgm:fillClrLst>
+    <dgm:linClrLst meth="repeat">
+      <a:schemeClr val="lt1"/>
+    </dgm:linClrLst>
+    <dgm:effectClrLst/>
+    <dgm:txLinClrLst/>
+    <dgm:txFillClrLst/>
+    <dgm:txEffectClrLst/>
+  </dgm:styleLbl>
+  <dgm:styleLbl name="parChTrans2D1">
+    <dgm:fillClrLst meth="repeat">
+      <a:schemeClr val="accent1">
+        <a:tint val="60000"/>
+      </a:schemeClr>
+    </dgm:fillClrLst>
+    <dgm:linClrLst meth="repeat">
+      <a:schemeClr val="accent1">
+        <a:tint val="60000"/>
+      </a:schemeClr>
+    </dgm:linClrLst>
+    <dgm:effectClrLst/>
+    <dgm:txLinClrLst/>
+    <dgm:txFillClrLst meth="repeat">
+      <a:schemeClr val="lt1"/>
+    </dgm:txFillClrLst>
+    <dgm:txEffectClrLst/>
+  </dgm:styleLbl>
+  <dgm:styleLbl name="parChTrans2D2">
+    <dgm:fillClrLst meth="repeat">
+      <a:schemeClr val="accent1"/>
+    </dgm:fillClrLst>
+    <dgm:linClrLst meth="repeat">
+      <a:schemeClr val="accent1"/>
+    </dgm:linClrLst>
+    <dgm:effectClrLst/>
+    <dgm:txLinClrLst/>
+    <dgm:txFillClrLst meth="repeat">
+      <a:schemeClr val="lt1"/>
+    </dgm:txFillClrLst>
+    <dgm:txEffectClrLst/>
+  </dgm:styleLbl>
+  <dgm:styleLbl name="parChTrans2D3">
+    <dgm:fillClrLst meth="repeat">
+      <a:schemeClr val="accent1"/>
+    </dgm:fillClrLst>
+    <dgm:linClrLst meth="repeat">
+      <a:schemeClr val="accent1"/>
+    </dgm:linClrLst>
+    <dgm:effectClrLst/>
+    <dgm:txLinClrLst/>
+    <dgm:txFillClrLst meth="repeat">
+      <a:schemeClr val="lt1"/>
+    </dgm:txFillClrLst>
+    <dgm:txEffectClrLst/>
+  </dgm:styleLbl>
+  <dgm:styleLbl name="parChTrans2D4">
+    <dgm:fillClrLst meth="repeat">
+      <a:schemeClr val="accent1"/>
+    </dgm:fillClrLst>
+    <dgm:linClrLst meth="repeat">
+      <a:schemeClr val="accent1"/>
+    </dgm:linClrLst>
+    <dgm:effectClrLst/>
+    <dgm:txLinClrLst/>
+    <dgm:txFillClrLst meth="repeat">
+      <a:schemeClr val="lt1"/>
+    </dgm:txFillClrLst>
+    <dgm:txEffectClrLst/>
+  </dgm:styleLbl>
+  <dgm:styleLbl name="parChTrans1D1">
+    <dgm:fillClrLst meth="repeat">
+      <a:schemeClr val="accent1"/>
+    </dgm:fillClrLst>
+    <dgm:linClrLst meth="repeat">
+      <a:schemeClr val="accent1">
+        <a:shade val="60000"/>
+      </a:schemeClr>
+    </dgm:linClrLst>
+    <dgm:effectClrLst/>
+    <dgm:txLinClrLst/>
+    <dgm:txFillClrLst meth="repeat">
+      <a:schemeClr val="tx1"/>
+    </dgm:txFillClrLst>
+    <dgm:txEffectClrLst/>
+  </dgm:styleLbl>
+  <dgm:styleLbl name="parChTrans1D2">
+    <dgm:fillClrLst meth="repeat">
+      <a:schemeClr val="accent1"/>
+    </dgm:fillClrLst>
+    <dgm:linClrLst meth="repeat">
+      <a:schemeClr val="accent1">
+        <a:shade val="60000"/>
+      </a:schemeClr>
+    </dgm:linClrLst>
+    <dgm:effectClrLst/>
+    <dgm:txLinClrLst/>
+    <dgm:txFillClrLst meth="repeat">
+      <a:schemeClr val="tx1"/>
+    </dgm:txFillClrLst>
+    <dgm:txEffectClrLst/>
+  </dgm:styleLbl>
+  <dgm:styleLbl name="parChTrans1D3">
+    <dgm:fillClrLst meth="repeat">
+      <a:schemeClr val="accent1"/>
+    </dgm:fillClrLst>
+    <dgm:linClrLst meth="repeat">
+      <a:schemeClr val="accent1">
+        <a:shade val="80000"/>
+      </a:schemeClr>
+    </dgm:linClrLst>
+    <dgm:effectClrLst/>
+    <dgm:txLinClrLst/>
+    <dgm:txFillClrLst meth="repeat">
+      <a:schemeClr val="tx1"/>
+    </dgm:txFillClrLst>
+    <dgm:txEffectClrLst/>
+  </dgm:styleLbl>
+  <dgm:styleLbl name="parChTrans1D4">
+    <dgm:fillClrLst meth="repeat">
+      <a:schemeClr val="accent1"/>
+    </dgm:fillClrLst>
+    <dgm:linClrLst meth="repeat">
+      <a:schemeClr val="accent1">
+        <a:shade val="80000"/>
+      </a:schemeClr>
+    </dgm:linClrLst>
+    <dgm:effectClrLst/>
+    <dgm:txLinClrLst/>
+    <dgm:txFillClrLst meth="repeat">
+      <a:schemeClr val="tx1"/>
+    </dgm:txFillClrLst>
+    <dgm:txEffectClrLst/>
+  </dgm:styleLbl>
+  <dgm:styleLbl name="fgAcc1">
+    <dgm:fillClrLst meth="repeat">
+      <a:schemeClr val="lt1">
+        <a:alpha val="90000"/>
+      </a:schemeClr>
+    </dgm:fillClrLst>
+    <dgm:linClrLst meth="repeat">
+      <a:schemeClr val="accent1"/>
+    </dgm:linClrLst>
+    <dgm:effectClrLst/>
+    <dgm:txLinClrLst/>
+    <dgm:txFillClrLst meth="repeat">
+      <a:schemeClr val="dk1"/>
+    </dgm:txFillClrLst>
+    <dgm:txEffectClrLst/>
+  </dgm:styleLbl>
+  <dgm:styleLbl name="conFgAcc1">
+    <dgm:fillClrLst meth="repeat">
+      <a:schemeClr val="lt1">
+        <a:alpha val="90000"/>
+      </a:schemeClr>
+    </dgm:fillClrLst>
+    <dgm:linClrLst meth="repeat">
+      <a:schemeClr val="accent1"/>
+    </dgm:linClrLst>
+    <dgm:effectClrLst/>
+    <dgm:txLinClrLst/>
+    <dgm:txFillClrLst meth="repeat">
+      <a:schemeClr val="dk1"/>
+    </dgm:txFillClrLst>
+    <dgm:txEffectClrLst/>
+  </dgm:styleLbl>
+  <dgm:styleLbl name="alignAcc1">
+    <dgm:fillClrLst meth="repeat">
+      <a:schemeClr val="lt1">
+        <a:alpha val="90000"/>
+      </a:schemeClr>
+    </dgm:fillClrLst>
+    <dgm:linClrLst meth="repeat">
+      <a:schemeClr val="accent1"/>
+    </dgm:linClrLst>
+    <dgm:effectClrLst/>
+    <dgm:txLinClrLst/>
+    <dgm:txFillClrLst meth="repeat">
+      <a:schemeClr val="dk1"/>
+    </dgm:txFillClrLst>
+    <dgm:txEffectClrLst/>
+  </dgm:styleLbl>
+  <dgm:styleLbl name="trAlignAcc1">
+    <dgm:fillClrLst meth="repeat">
+      <a:schemeClr val="lt1">
+        <a:alpha val="40000"/>
+      </a:schemeClr>
+    </dgm:fillClrLst>
+    <dgm:linClrLst meth="repeat">
+      <a:schemeClr val="accent1"/>
+    </dgm:linClrLst>
+    <dgm:effectClrLst/>
+    <dgm:txLinClrLst/>
+    <dgm:txFillClrLst meth="repeat">
+      <a:schemeClr val="dk1"/>
+    </dgm:txFillClrLst>
+    <dgm:txEffectClrLst/>
+  </dgm:styleLbl>
+  <dgm:styleLbl name="bgAcc1">
+    <dgm:fillClrLst meth="repeat">
+      <a:schemeClr val="lt1">
+        <a:alpha val="90000"/>
+      </a:schemeClr>
+    </dgm:fillClrLst>
+    <dgm:linClrLst meth="repeat">
+      <a:schemeClr val="accent1"/>
+    </dgm:linClrLst>
+    <dgm:effectClrLst/>
+    <dgm:txLinClrLst/>
+    <dgm:txFillClrLst meth="repeat">
+      <a:schemeClr val="dk1"/>
+    </dgm:txFillClrLst>
+    <dgm:txEffectClrLst/>
+  </dgm:styleLbl>
+  <dgm:styleLbl name="solidFgAcc1">
+    <dgm:fillClrLst meth="repeat">
+      <a:schemeClr val="lt1"/>
+    </dgm:fillClrLst>
+    <dgm:linClrLst meth="repeat">
+      <a:schemeClr val="accent1"/>
+    </dgm:linClrLst>
+    <dgm:effectClrLst/>
+    <dgm:txLinClrLst/>
+    <dgm:txFillClrLst meth="repeat">
+      <a:schemeClr val="dk1"/>
+    </dgm:txFillClrLst>
+    <dgm:txEffectClrLst/>
+  </dgm:styleLbl>
+  <dgm:styleLbl name="solidAlignAcc1">
+    <dgm:fillClrLst meth="repeat">
+      <a:schemeClr val="lt1"/>
+    </dgm:fillClrLst>
+    <dgm:linClrLst meth="repeat">
+      <a:schemeClr val="accent1"/>
+    </dgm:linClrLst>
+    <dgm:effectClrLst/>
+    <dgm:txLinClrLst/>
+    <dgm:txFillClrLst meth="repeat">
+      <a:schemeClr val="dk1"/>
+    </dgm:txFillClrLst>
+    <dgm:txEffectClrLst/>
+  </dgm:styleLbl>
+  <dgm:styleLbl name="solidBgAcc1">
+    <dgm:fillClrLst meth="repeat">
+      <a:schemeClr val="lt1"/>
+    </dgm:fillClrLst>
+    <dgm:linClrLst meth="repeat">
+      <a:schemeClr val="accent1"/>
+    </dgm:linClrLst>
+    <dgm:effectClrLst/>
+    <dgm:txLinClrLst/>
+    <dgm:txFillClrLst meth="repeat">
+      <a:schemeClr val="dk1"/>
+    </dgm:txFillClrLst>
+    <dgm:txEffectClrLst/>
+  </dgm:styleLbl>
+  <dgm:styleLbl name="fgAccFollowNode1">
+    <dgm:fillClrLst meth="repeat">
+      <a:schemeClr val="accent1">
+        <a:alpha val="90000"/>
+        <a:tint val="40000"/>
+      </a:schemeClr>
+    </dgm:fillClrLst>
+    <dgm:linClrLst meth="repeat">
+      <a:schemeClr val="accent1">
+        <a:alpha val="90000"/>
+        <a:tint val="40000"/>
+      </a:schemeClr>
+    </dgm:linClrLst>
+    <dgm:effectClrLst/>
+    <dgm:txLinClrLst/>
+    <dgm:txFillClrLst meth="repeat">
+      <a:schemeClr val="dk1"/>
+    </dgm:txFillClrLst>
+    <dgm:txEffectClrLst/>
+  </dgm:styleLbl>
+  <dgm:styleLbl name="alignAccFollowNode1">
+    <dgm:fillClrLst meth="repeat">
+      <a:schemeClr val="accent1">
+        <a:alpha val="90000"/>
+        <a:tint val="40000"/>
+      </a:schemeClr>
+    </dgm:fillClrLst>
+    <dgm:linClrLst meth="repeat">
+      <a:schemeClr val="accent1">
+        <a:alpha val="90000"/>
+        <a:tint val="40000"/>
+      </a:schemeClr>
+    </dgm:linClrLst>
+    <dgm:effectClrLst/>
+    <dgm:txLinClrLst/>
+    <dgm:txFillClrLst meth="repeat">
+      <a:schemeClr val="dk1"/>
+    </dgm:txFillClrLst>
+    <dgm:txEffectClrLst/>
+  </dgm:styleLbl>
+  <dgm:styleLbl name="bgAccFollowNode1">
+    <dgm:fillClrLst meth="repeat">
+      <a:schemeClr val="accent1">
+        <a:alpha val="90000"/>
+        <a:tint val="40000"/>
+      </a:schemeClr>
+    </dgm:fillClrLst>
+    <dgm:linClrLst meth="repeat">
+      <a:schemeClr val="accent1">
+        <a:alpha val="90000"/>
+        <a:tint val="40000"/>
+      </a:schemeClr>
+    </dgm:linClrLst>
+    <dgm:effectClrLst/>
+    <dgm:txLinClrLst/>
+    <dgm:txFillClrLst meth="repeat">
+      <a:schemeClr val="dk1"/>
+    </dgm:txFillClrLst>
+    <dgm:txEffectClrLst/>
+  </dgm:styleLbl>
+  <dgm:styleLbl name="fgAcc0">
+    <dgm:fillClrLst meth="repeat">
+      <a:schemeClr val="lt1">
+        <a:alpha val="90000"/>
+      </a:schemeClr>
+    </dgm:fillClrLst>
+    <dgm:linClrLst meth="repeat">
+      <a:schemeClr val="accent1"/>
+    </dgm:linClrLst>
+    <dgm:effectClrLst/>
+    <dgm:txLinClrLst/>
+    <dgm:txFillClrLst meth="repeat">
+      <a:schemeClr val="dk1"/>
+    </dgm:txFillClrLst>
+    <dgm:txEffectClrLst/>
+  </dgm:styleLbl>
+  <dgm:styleLbl name="fgAcc2">
+    <dgm:fillClrLst meth="repeat">
+      <a:schemeClr val="lt1">
+        <a:alpha val="90000"/>
+      </a:schemeClr>
+    </dgm:fillClrLst>
+    <dgm:linClrLst meth="repeat">
+      <a:schemeClr val="accent1"/>
+    </dgm:linClrLst>
+    <dgm:effectClrLst/>
+    <dgm:txLinClrLst/>
+    <dgm:txFillClrLst meth="repeat">
+      <a:schemeClr val="dk1"/>
+    </dgm:txFillClrLst>
+    <dgm:txEffectClrLst/>
+  </dgm:styleLbl>
+  <dgm:styleLbl name="fgAcc3">
+    <dgm:fillClrLst meth="repeat">
+      <a:schemeClr val="lt1">
+        <a:alpha val="90000"/>
+      </a:schemeClr>
+    </dgm:fillClrLst>
+    <dgm:linClrLst meth="repeat">
+      <a:schemeClr val="accent1"/>
+    </dgm:linClrLst>
+    <dgm:effectClrLst/>
+    <dgm:txLinClrLst/>
+    <dgm:txFillClrLst meth="repeat">
+      <a:schemeClr val="dk1"/>
+    </dgm:txFillClrLst>
+    <dgm:txEffectClrLst/>
+  </dgm:styleLbl>
+  <dgm:styleLbl name="fgAcc4">
+    <dgm:fillClrLst meth="repeat">
+      <a:schemeClr val="lt1">
+        <a:alpha val="90000"/>
+      </a:schemeClr>
+    </dgm:fillClrLst>
+    <dgm:linClrLst meth="repeat">
+      <a:schemeClr val="accent1"/>
+    </dgm:linClrLst>
+    <dgm:effectClrLst/>
+    <dgm:txLinClrLst/>
+    <dgm:txFillClrLst meth="repeat">
+      <a:schemeClr val="dk1"/>
+    </dgm:txFillClrLst>
+    <dgm:txEffectClrLst/>
+  </dgm:styleLbl>
+  <dgm:styleLbl name="bgShp">
+    <dgm:fillClrLst meth="repeat">
+      <a:schemeClr val="accent1">
+        <a:tint val="40000"/>
+      </a:schemeClr>
+    </dgm:fillClrLst>
+    <dgm:linClrLst meth="repeat">
+      <a:schemeClr val="accent1"/>
+    </dgm:linClrLst>
+    <dgm:effectClrLst/>
+    <dgm:txLinClrLst/>
+    <dgm:txFillClrLst meth="repeat">
+      <a:schemeClr val="dk1"/>
+    </dgm:txFillClrLst>
+    <dgm:txEffectClrLst/>
+  </dgm:styleLbl>
+  <dgm:styleLbl name="dkBgShp">
+    <dgm:fillClrLst meth="repeat">
+      <a:schemeClr val="accent1">
+        <a:shade val="80000"/>
+      </a:schemeClr>
+    </dgm:fillClrLst>
+    <dgm:linClrLst meth="repeat">
+      <a:schemeClr val="accent1"/>
+    </dgm:linClrLst>
+    <dgm:effectClrLst/>
+    <dgm:txLinClrLst/>
+    <dgm:txFillClrLst meth="repeat">
+      <a:schemeClr val="lt1"/>
+    </dgm:txFillClrLst>
+    <dgm:txEffectClrLst/>
+  </dgm:styleLbl>
+  <dgm:styleLbl name="trBgShp">
+    <dgm:fillClrLst meth="repeat">
+      <a:schemeClr val="accent1">
+        <a:tint val="50000"/>
+        <a:alpha val="40000"/>
+      </a:schemeClr>
+    </dgm:fillClrLst>
+    <dgm:linClrLst meth="repeat">
+      <a:schemeClr val="accent1"/>
+    </dgm:linClrLst>
+    <dgm:effectClrLst/>
+    <dgm:txLinClrLst/>
+    <dgm:txFillClrLst meth="repeat">
+      <a:schemeClr val="lt1"/>
+    </dgm:txFillClrLst>
+    <dgm:txEffectClrLst/>
+  </dgm:styleLbl>
+  <dgm:styleLbl name="fgShp">
+    <dgm:fillClrLst meth="repeat">
+      <a:schemeClr val="accent1">
+        <a:tint val="60000"/>
+      </a:schemeClr>
+    </dgm:fillClrLst>
+    <dgm:linClrLst meth="repeat">
+      <a:schemeClr val="lt1"/>
+    </dgm:linClrLst>
+    <dgm:effectClrLst/>
+    <dgm:txLinClrLst/>
+    <dgm:txFillClrLst meth="repeat">
+      <a:schemeClr val="dk1"/>
+    </dgm:txFillClrLst>
+    <dgm:txEffectClrLst/>
+  </dgm:styleLbl>
+  <dgm:styleLbl name="revTx">
+    <dgm:fillClrLst meth="repeat">
+      <a:schemeClr val="lt1">
+        <a:alpha val="0"/>
+      </a:schemeClr>
+    </dgm:fillClrLst>
+    <dgm:linClrLst meth="repeat">
+      <a:schemeClr val="dk1">
+        <a:alpha val="0"/>
+      </a:schemeClr>
+    </dgm:linClrLst>
+    <dgm:effectClrLst/>
+    <dgm:txLinClrLst/>
+    <dgm:txFillClrLst meth="repeat">
+      <a:schemeClr val="tx1"/>
+    </dgm:txFillClrLst>
+    <dgm:txEffectClrLst/>
+  </dgm:styleLbl>
+</dgm:colorsDef>
+</file>
+
+<file path=ppt/diagrams/data1.xml><?xml version="1.0" encoding="utf-8"?>
+<dgm:dataModel xmlns:dgm="http://schemas.openxmlformats.org/drawingml/2006/diagram" xmlns:a="http://schemas.openxmlformats.org/drawingml/2006/main">
+  <dgm:ptLst>
+    <dgm:pt modelId="{737765AC-FB72-5748-B10C-4C7C1B84AB92}" type="doc">
+      <dgm:prSet loTypeId="urn:microsoft.com/office/officeart/2005/8/layout/hierarchy1" loCatId="" qsTypeId="urn:microsoft.com/office/officeart/2005/8/quickstyle/simple4" qsCatId="simple" csTypeId="urn:microsoft.com/office/officeart/2005/8/colors/accent1_2" csCatId="accent1" phldr="1"/>
+      <dgm:spPr/>
+      <dgm:t>
+        <a:bodyPr/>
+        <a:lstStyle/>
+        <a:p>
+          <a:endParaRPr lang="en-US"/>
+        </a:p>
+      </dgm:t>
+    </dgm:pt>
+    <dgm:pt modelId="{E11F3E1C-001E-884E-B9B4-9CC242E1C207}">
+      <dgm:prSet phldrT="[Text]"/>
+      <dgm:spPr/>
+      <dgm:t>
+        <a:bodyPr/>
+        <a:lstStyle/>
+        <a:p>
+          <a:r>
+            <a:rPr lang="en-US" dirty="0" smtClean="0"/>
+            <a:t>CBR</a:t>
+          </a:r>
+          <a:endParaRPr lang="en-US" dirty="0"/>
+        </a:p>
+      </dgm:t>
+    </dgm:pt>
+    <dgm:pt modelId="{E4784C4E-23FE-A04B-9DB5-4655C1EA4979}" type="parTrans" cxnId="{D251DC0F-2C6D-5245-9D25-3FA40CB6C0D6}">
+      <dgm:prSet/>
+      <dgm:spPr/>
+      <dgm:t>
+        <a:bodyPr/>
+        <a:lstStyle/>
+        <a:p>
+          <a:endParaRPr lang="en-US"/>
+        </a:p>
+      </dgm:t>
+    </dgm:pt>
+    <dgm:pt modelId="{9C1ABFF9-689F-5B49-9642-87813C88C5B8}" type="sibTrans" cxnId="{D251DC0F-2C6D-5245-9D25-3FA40CB6C0D6}">
+      <dgm:prSet/>
+      <dgm:spPr/>
+      <dgm:t>
+        <a:bodyPr/>
+        <a:lstStyle/>
+        <a:p>
+          <a:endParaRPr lang="en-US"/>
+        </a:p>
+      </dgm:t>
+    </dgm:pt>
+    <dgm:pt modelId="{F86C4DEE-ADC3-7D49-ACFC-E41E97E3CF8F}">
+      <dgm:prSet phldrT="[Text]"/>
+      <dgm:spPr/>
+      <dgm:t>
+        <a:bodyPr/>
+        <a:lstStyle/>
+        <a:p>
+          <a:r>
+            <a:rPr lang="en-US" dirty="0" smtClean="0"/>
+            <a:t>Conclusion Algorithm </a:t>
+          </a:r>
+          <a:endParaRPr lang="en-US" dirty="0"/>
+        </a:p>
+      </dgm:t>
+    </dgm:pt>
+    <dgm:pt modelId="{18425073-315E-2444-A926-A3DB6316A64D}" type="sibTrans" cxnId="{BDF7C390-965A-6B4D-9995-09EA7E44687B}">
+      <dgm:prSet/>
+      <dgm:spPr/>
+      <dgm:t>
+        <a:bodyPr/>
+        <a:lstStyle/>
+        <a:p>
+          <a:endParaRPr lang="en-US"/>
+        </a:p>
+      </dgm:t>
+    </dgm:pt>
+    <dgm:pt modelId="{DB281667-0079-5B46-942F-569C9F02212C}" type="parTrans" cxnId="{BDF7C390-965A-6B4D-9995-09EA7E44687B}">
+      <dgm:prSet/>
+      <dgm:spPr/>
+      <dgm:t>
+        <a:bodyPr/>
+        <a:lstStyle/>
+        <a:p>
+          <a:endParaRPr lang="en-US"/>
+        </a:p>
+      </dgm:t>
+    </dgm:pt>
+    <dgm:pt modelId="{D272D768-177E-394E-A7BF-75B845776541}">
+      <dgm:prSet phldrT="[Text]"/>
+      <dgm:spPr/>
+      <dgm:t>
+        <a:bodyPr/>
+        <a:lstStyle/>
+        <a:p>
+          <a:r>
+            <a:rPr lang="en-US" dirty="0" smtClean="0"/>
+            <a:t>Reduction Algorithm</a:t>
+          </a:r>
+          <a:endParaRPr lang="en-US" dirty="0"/>
+        </a:p>
+      </dgm:t>
+    </dgm:pt>
+    <dgm:pt modelId="{CB3D00D1-7ADB-6E40-8687-1B539D3C3055}" type="sibTrans" cxnId="{710B4D9E-60F6-3849-B829-702EF2BA4871}">
+      <dgm:prSet/>
+      <dgm:spPr/>
+      <dgm:t>
+        <a:bodyPr/>
+        <a:lstStyle/>
+        <a:p>
+          <a:endParaRPr lang="en-US"/>
+        </a:p>
+      </dgm:t>
+    </dgm:pt>
+    <dgm:pt modelId="{4AFE6B13-BC22-B844-8ACE-DBCAE2487C91}" type="parTrans" cxnId="{710B4D9E-60F6-3849-B829-702EF2BA4871}">
+      <dgm:prSet/>
+      <dgm:spPr/>
+      <dgm:t>
+        <a:bodyPr/>
+        <a:lstStyle/>
+        <a:p>
+          <a:endParaRPr lang="en-US"/>
+        </a:p>
+      </dgm:t>
+    </dgm:pt>
+    <dgm:pt modelId="{B67BBDC9-1176-F642-89AF-E77A49D7A080}">
+      <dgm:prSet phldrT="[Text]"/>
+      <dgm:spPr/>
+      <dgm:t>
+        <a:bodyPr/>
+        <a:lstStyle/>
+        <a:p>
+          <a:r>
+            <a:rPr lang="en-US" dirty="0" smtClean="0"/>
+            <a:t>Learn Algorithm</a:t>
+          </a:r>
+          <a:endParaRPr lang="en-US" dirty="0"/>
+        </a:p>
+      </dgm:t>
+    </dgm:pt>
+    <dgm:pt modelId="{25DCCF89-39AE-2246-92FC-0F5874BAF6AC}" type="parTrans" cxnId="{A87DB9AD-C69C-0B41-A626-57BE63D3624F}">
+      <dgm:prSet/>
+      <dgm:spPr/>
+      <dgm:t>
+        <a:bodyPr/>
+        <a:lstStyle/>
+        <a:p>
+          <a:endParaRPr lang="en-US"/>
+        </a:p>
+      </dgm:t>
+    </dgm:pt>
+    <dgm:pt modelId="{96973B83-058F-1346-89FD-DD80169D4811}" type="sibTrans" cxnId="{A87DB9AD-C69C-0B41-A626-57BE63D3624F}">
+      <dgm:prSet/>
+      <dgm:spPr/>
+      <dgm:t>
+        <a:bodyPr/>
+        <a:lstStyle/>
+        <a:p>
+          <a:endParaRPr lang="en-US"/>
+        </a:p>
+      </dgm:t>
+    </dgm:pt>
+    <dgm:pt modelId="{3223AAEA-8946-304D-82CE-A4981BE96B6A}" type="pres">
+      <dgm:prSet presAssocID="{737765AC-FB72-5748-B10C-4C7C1B84AB92}" presName="hierChild1" presStyleCnt="0">
+        <dgm:presLayoutVars>
+          <dgm:chPref val="1"/>
+          <dgm:dir/>
+          <dgm:animOne val="branch"/>
+          <dgm:animLvl val="lvl"/>
+          <dgm:resizeHandles/>
+        </dgm:presLayoutVars>
+      </dgm:prSet>
+      <dgm:spPr/>
+      <dgm:t>
+        <a:bodyPr/>
+        <a:lstStyle/>
+        <a:p>
+          <a:endParaRPr lang="nb-NO"/>
+        </a:p>
+      </dgm:t>
+    </dgm:pt>
+    <dgm:pt modelId="{357E2DF8-10FE-234B-B3C0-8EE24B276B20}" type="pres">
+      <dgm:prSet presAssocID="{E11F3E1C-001E-884E-B9B4-9CC242E1C207}" presName="hierRoot1" presStyleCnt="0"/>
+      <dgm:spPr/>
+    </dgm:pt>
+    <dgm:pt modelId="{3BDA0631-4628-C741-9E1A-6D2DD6E4D9AB}" type="pres">
+      <dgm:prSet presAssocID="{E11F3E1C-001E-884E-B9B4-9CC242E1C207}" presName="composite" presStyleCnt="0"/>
+      <dgm:spPr/>
+    </dgm:pt>
+    <dgm:pt modelId="{3EA2FCF7-4A5B-A147-B2E5-D308757E2964}" type="pres">
+      <dgm:prSet presAssocID="{E11F3E1C-001E-884E-B9B4-9CC242E1C207}" presName="background" presStyleLbl="node0" presStyleIdx="0" presStyleCnt="1"/>
+      <dgm:spPr/>
+    </dgm:pt>
+    <dgm:pt modelId="{B1916927-71A2-184F-997E-814435F7E7C3}" type="pres">
+      <dgm:prSet presAssocID="{E11F3E1C-001E-884E-B9B4-9CC242E1C207}" presName="text" presStyleLbl="fgAcc0" presStyleIdx="0" presStyleCnt="1">
+        <dgm:presLayoutVars>
+          <dgm:chPref val="3"/>
+        </dgm:presLayoutVars>
+      </dgm:prSet>
+      <dgm:spPr/>
+      <dgm:t>
+        <a:bodyPr/>
+        <a:lstStyle/>
+        <a:p>
+          <a:endParaRPr lang="nb-NO"/>
+        </a:p>
+      </dgm:t>
+    </dgm:pt>
+    <dgm:pt modelId="{92E160CB-7EE2-F54D-9BCD-29CAEDDD4398}" type="pres">
+      <dgm:prSet presAssocID="{E11F3E1C-001E-884E-B9B4-9CC242E1C207}" presName="hierChild2" presStyleCnt="0"/>
+      <dgm:spPr/>
+    </dgm:pt>
+    <dgm:pt modelId="{F29F9BA7-AFC9-FA4D-A272-2B0F5C3FB822}" type="pres">
+      <dgm:prSet presAssocID="{DB281667-0079-5B46-942F-569C9F02212C}" presName="Name10" presStyleLbl="parChTrans1D2" presStyleIdx="0" presStyleCnt="3"/>
+      <dgm:spPr/>
+      <dgm:t>
+        <a:bodyPr/>
+        <a:lstStyle/>
+        <a:p>
+          <a:endParaRPr lang="nb-NO"/>
+        </a:p>
+      </dgm:t>
+    </dgm:pt>
+    <dgm:pt modelId="{D9517ADD-BB42-6743-BCD3-AF9E62C6219D}" type="pres">
+      <dgm:prSet presAssocID="{F86C4DEE-ADC3-7D49-ACFC-E41E97E3CF8F}" presName="hierRoot2" presStyleCnt="0"/>
+      <dgm:spPr/>
+    </dgm:pt>
+    <dgm:pt modelId="{2015FF21-4C68-DE4D-B24C-E972DF40E1C1}" type="pres">
+      <dgm:prSet presAssocID="{F86C4DEE-ADC3-7D49-ACFC-E41E97E3CF8F}" presName="composite2" presStyleCnt="0"/>
+      <dgm:spPr/>
+    </dgm:pt>
+    <dgm:pt modelId="{1E7CB98A-736F-FE43-8939-0F4F011B0B30}" type="pres">
+      <dgm:prSet presAssocID="{F86C4DEE-ADC3-7D49-ACFC-E41E97E3CF8F}" presName="background2" presStyleLbl="node2" presStyleIdx="0" presStyleCnt="3"/>
+      <dgm:spPr/>
+    </dgm:pt>
+    <dgm:pt modelId="{D7E5E75A-2F4E-7646-B1F0-9B5A13F80B89}" type="pres">
+      <dgm:prSet presAssocID="{F86C4DEE-ADC3-7D49-ACFC-E41E97E3CF8F}" presName="text2" presStyleLbl="fgAcc2" presStyleIdx="0" presStyleCnt="3">
+        <dgm:presLayoutVars>
+          <dgm:chPref val="3"/>
+        </dgm:presLayoutVars>
+      </dgm:prSet>
+      <dgm:spPr/>
+      <dgm:t>
+        <a:bodyPr/>
+        <a:lstStyle/>
+        <a:p>
+          <a:endParaRPr lang="en-US"/>
+        </a:p>
+      </dgm:t>
+    </dgm:pt>
+    <dgm:pt modelId="{1F00A418-FCBC-C347-89EC-431AA8C9C399}" type="pres">
+      <dgm:prSet presAssocID="{F86C4DEE-ADC3-7D49-ACFC-E41E97E3CF8F}" presName="hierChild3" presStyleCnt="0"/>
+      <dgm:spPr/>
+    </dgm:pt>
+    <dgm:pt modelId="{4946E402-A070-7F44-886E-ADF4D83D5A92}" type="pres">
+      <dgm:prSet presAssocID="{4AFE6B13-BC22-B844-8ACE-DBCAE2487C91}" presName="Name10" presStyleLbl="parChTrans1D2" presStyleIdx="1" presStyleCnt="3"/>
+      <dgm:spPr/>
+      <dgm:t>
+        <a:bodyPr/>
+        <a:lstStyle/>
+        <a:p>
+          <a:endParaRPr lang="nb-NO"/>
+        </a:p>
+      </dgm:t>
+    </dgm:pt>
+    <dgm:pt modelId="{BB02F9EC-943E-114A-925F-D7CAA7A02024}" type="pres">
+      <dgm:prSet presAssocID="{D272D768-177E-394E-A7BF-75B845776541}" presName="hierRoot2" presStyleCnt="0"/>
+      <dgm:spPr/>
+    </dgm:pt>
+    <dgm:pt modelId="{7EFC836C-65A8-5341-8979-E84001E0E105}" type="pres">
+      <dgm:prSet presAssocID="{D272D768-177E-394E-A7BF-75B845776541}" presName="composite2" presStyleCnt="0"/>
+      <dgm:spPr/>
+    </dgm:pt>
+    <dgm:pt modelId="{24EAFA50-69A9-9E45-8CDB-299E343B726B}" type="pres">
+      <dgm:prSet presAssocID="{D272D768-177E-394E-A7BF-75B845776541}" presName="background2" presStyleLbl="node2" presStyleIdx="1" presStyleCnt="3"/>
+      <dgm:spPr/>
+    </dgm:pt>
+    <dgm:pt modelId="{9E41880B-CC4F-A34B-9848-743D3197F954}" type="pres">
+      <dgm:prSet presAssocID="{D272D768-177E-394E-A7BF-75B845776541}" presName="text2" presStyleLbl="fgAcc2" presStyleIdx="1" presStyleCnt="3">
+        <dgm:presLayoutVars>
+          <dgm:chPref val="3"/>
+        </dgm:presLayoutVars>
+      </dgm:prSet>
+      <dgm:spPr/>
+      <dgm:t>
+        <a:bodyPr/>
+        <a:lstStyle/>
+        <a:p>
+          <a:endParaRPr lang="en-US"/>
+        </a:p>
+      </dgm:t>
+    </dgm:pt>
+    <dgm:pt modelId="{DEC00320-AB4F-B24D-B88E-A6BAE65911AA}" type="pres">
+      <dgm:prSet presAssocID="{D272D768-177E-394E-A7BF-75B845776541}" presName="hierChild3" presStyleCnt="0"/>
+      <dgm:spPr/>
+    </dgm:pt>
+    <dgm:pt modelId="{F318F3C4-949B-F64D-9E29-8FDCB2343706}" type="pres">
+      <dgm:prSet presAssocID="{25DCCF89-39AE-2246-92FC-0F5874BAF6AC}" presName="Name10" presStyleLbl="parChTrans1D2" presStyleIdx="2" presStyleCnt="3"/>
+      <dgm:spPr/>
+      <dgm:t>
+        <a:bodyPr/>
+        <a:lstStyle/>
+        <a:p>
+          <a:endParaRPr lang="nb-NO"/>
+        </a:p>
+      </dgm:t>
+    </dgm:pt>
+    <dgm:pt modelId="{01A8419B-63BC-7D4D-95F5-662D6773F992}" type="pres">
+      <dgm:prSet presAssocID="{B67BBDC9-1176-F642-89AF-E77A49D7A080}" presName="hierRoot2" presStyleCnt="0"/>
+      <dgm:spPr/>
+    </dgm:pt>
+    <dgm:pt modelId="{3EC9E034-AB96-1D46-A907-8B5A2BC179BE}" type="pres">
+      <dgm:prSet presAssocID="{B67BBDC9-1176-F642-89AF-E77A49D7A080}" presName="composite2" presStyleCnt="0"/>
+      <dgm:spPr/>
+    </dgm:pt>
+    <dgm:pt modelId="{6848F936-7C5B-834A-86A5-A38A1CB9F8A3}" type="pres">
+      <dgm:prSet presAssocID="{B67BBDC9-1176-F642-89AF-E77A49D7A080}" presName="background2" presStyleLbl="node2" presStyleIdx="2" presStyleCnt="3"/>
+      <dgm:spPr/>
+    </dgm:pt>
+    <dgm:pt modelId="{BCAC5743-EF4E-B342-BD27-822C4B791A22}" type="pres">
+      <dgm:prSet presAssocID="{B67BBDC9-1176-F642-89AF-E77A49D7A080}" presName="text2" presStyleLbl="fgAcc2" presStyleIdx="2" presStyleCnt="3">
+        <dgm:presLayoutVars>
+          <dgm:chPref val="3"/>
+        </dgm:presLayoutVars>
+      </dgm:prSet>
+      <dgm:spPr/>
+      <dgm:t>
+        <a:bodyPr/>
+        <a:lstStyle/>
+        <a:p>
+          <a:endParaRPr lang="nb-NO"/>
+        </a:p>
+      </dgm:t>
+    </dgm:pt>
+    <dgm:pt modelId="{C4859783-EF7D-074E-A8E0-95BE432D7B20}" type="pres">
+      <dgm:prSet presAssocID="{B67BBDC9-1176-F642-89AF-E77A49D7A080}" presName="hierChild3" presStyleCnt="0"/>
+      <dgm:spPr/>
+    </dgm:pt>
+  </dgm:ptLst>
+  <dgm:cxnLst>
+    <dgm:cxn modelId="{BDF7C390-965A-6B4D-9995-09EA7E44687B}" srcId="{E11F3E1C-001E-884E-B9B4-9CC242E1C207}" destId="{F86C4DEE-ADC3-7D49-ACFC-E41E97E3CF8F}" srcOrd="0" destOrd="0" parTransId="{DB281667-0079-5B46-942F-569C9F02212C}" sibTransId="{18425073-315E-2444-A926-A3DB6316A64D}"/>
+    <dgm:cxn modelId="{07E9CDAE-69F9-AD46-8C11-69A6834D35B4}" type="presOf" srcId="{737765AC-FB72-5748-B10C-4C7C1B84AB92}" destId="{3223AAEA-8946-304D-82CE-A4981BE96B6A}" srcOrd="0" destOrd="0" presId="urn:microsoft.com/office/officeart/2005/8/layout/hierarchy1"/>
+    <dgm:cxn modelId="{3D3AA99D-0349-6B45-86FF-E5278368845A}" type="presOf" srcId="{B67BBDC9-1176-F642-89AF-E77A49D7A080}" destId="{BCAC5743-EF4E-B342-BD27-822C4B791A22}" srcOrd="0" destOrd="0" presId="urn:microsoft.com/office/officeart/2005/8/layout/hierarchy1"/>
+    <dgm:cxn modelId="{8BC50F7B-528D-8D45-9EDA-FF38C0EE796C}" type="presOf" srcId="{4AFE6B13-BC22-B844-8ACE-DBCAE2487C91}" destId="{4946E402-A070-7F44-886E-ADF4D83D5A92}" srcOrd="0" destOrd="0" presId="urn:microsoft.com/office/officeart/2005/8/layout/hierarchy1"/>
+    <dgm:cxn modelId="{BA515D41-A137-3A42-9141-C1255347C7F2}" type="presOf" srcId="{DB281667-0079-5B46-942F-569C9F02212C}" destId="{F29F9BA7-AFC9-FA4D-A272-2B0F5C3FB822}" srcOrd="0" destOrd="0" presId="urn:microsoft.com/office/officeart/2005/8/layout/hierarchy1"/>
+    <dgm:cxn modelId="{D251DC0F-2C6D-5245-9D25-3FA40CB6C0D6}" srcId="{737765AC-FB72-5748-B10C-4C7C1B84AB92}" destId="{E11F3E1C-001E-884E-B9B4-9CC242E1C207}" srcOrd="0" destOrd="0" parTransId="{E4784C4E-23FE-A04B-9DB5-4655C1EA4979}" sibTransId="{9C1ABFF9-689F-5B49-9642-87813C88C5B8}"/>
+    <dgm:cxn modelId="{06886E1B-6286-9C4E-B164-A9E69C5B735E}" type="presOf" srcId="{D272D768-177E-394E-A7BF-75B845776541}" destId="{9E41880B-CC4F-A34B-9848-743D3197F954}" srcOrd="0" destOrd="0" presId="urn:microsoft.com/office/officeart/2005/8/layout/hierarchy1"/>
+    <dgm:cxn modelId="{710B4D9E-60F6-3849-B829-702EF2BA4871}" srcId="{E11F3E1C-001E-884E-B9B4-9CC242E1C207}" destId="{D272D768-177E-394E-A7BF-75B845776541}" srcOrd="1" destOrd="0" parTransId="{4AFE6B13-BC22-B844-8ACE-DBCAE2487C91}" sibTransId="{CB3D00D1-7ADB-6E40-8687-1B539D3C3055}"/>
+    <dgm:cxn modelId="{8F8014C3-3836-5947-98BB-939319EDE2D3}" type="presOf" srcId="{E11F3E1C-001E-884E-B9B4-9CC242E1C207}" destId="{B1916927-71A2-184F-997E-814435F7E7C3}" srcOrd="0" destOrd="0" presId="urn:microsoft.com/office/officeart/2005/8/layout/hierarchy1"/>
+    <dgm:cxn modelId="{5C19EEC1-C5CD-D146-8CD0-25963898CC87}" type="presOf" srcId="{F86C4DEE-ADC3-7D49-ACFC-E41E97E3CF8F}" destId="{D7E5E75A-2F4E-7646-B1F0-9B5A13F80B89}" srcOrd="0" destOrd="0" presId="urn:microsoft.com/office/officeart/2005/8/layout/hierarchy1"/>
+    <dgm:cxn modelId="{A87DB9AD-C69C-0B41-A626-57BE63D3624F}" srcId="{E11F3E1C-001E-884E-B9B4-9CC242E1C207}" destId="{B67BBDC9-1176-F642-89AF-E77A49D7A080}" srcOrd="2" destOrd="0" parTransId="{25DCCF89-39AE-2246-92FC-0F5874BAF6AC}" sibTransId="{96973B83-058F-1346-89FD-DD80169D4811}"/>
+    <dgm:cxn modelId="{28A93E29-B618-2F47-A9C5-FCE415C29E1A}" type="presOf" srcId="{25DCCF89-39AE-2246-92FC-0F5874BAF6AC}" destId="{F318F3C4-949B-F64D-9E29-8FDCB2343706}" srcOrd="0" destOrd="0" presId="urn:microsoft.com/office/officeart/2005/8/layout/hierarchy1"/>
+    <dgm:cxn modelId="{8032094F-9C11-7649-8C11-CE60DCCC57A3}" type="presParOf" srcId="{3223AAEA-8946-304D-82CE-A4981BE96B6A}" destId="{357E2DF8-10FE-234B-B3C0-8EE24B276B20}" srcOrd="0" destOrd="0" presId="urn:microsoft.com/office/officeart/2005/8/layout/hierarchy1"/>
+    <dgm:cxn modelId="{22321DDE-1D7C-C34B-A795-45D491CC34A0}" type="presParOf" srcId="{357E2DF8-10FE-234B-B3C0-8EE24B276B20}" destId="{3BDA0631-4628-C741-9E1A-6D2DD6E4D9AB}" srcOrd="0" destOrd="0" presId="urn:microsoft.com/office/officeart/2005/8/layout/hierarchy1"/>
+    <dgm:cxn modelId="{F5A4F07A-BCF2-D14F-9F07-9E0619417E8E}" type="presParOf" srcId="{3BDA0631-4628-C741-9E1A-6D2DD6E4D9AB}" destId="{3EA2FCF7-4A5B-A147-B2E5-D308757E2964}" srcOrd="0" destOrd="0" presId="urn:microsoft.com/office/officeart/2005/8/layout/hierarchy1"/>
+    <dgm:cxn modelId="{44FB504C-1066-964C-9DA4-E6A847209ADD}" type="presParOf" srcId="{3BDA0631-4628-C741-9E1A-6D2DD6E4D9AB}" destId="{B1916927-71A2-184F-997E-814435F7E7C3}" srcOrd="1" destOrd="0" presId="urn:microsoft.com/office/officeart/2005/8/layout/hierarchy1"/>
+    <dgm:cxn modelId="{8E96D0C0-1C2B-8D43-97AA-1B661DE1D394}" type="presParOf" srcId="{357E2DF8-10FE-234B-B3C0-8EE24B276B20}" destId="{92E160CB-7EE2-F54D-9BCD-29CAEDDD4398}" srcOrd="1" destOrd="0" presId="urn:microsoft.com/office/officeart/2005/8/layout/hierarchy1"/>
+    <dgm:cxn modelId="{0EA101C4-838A-F743-80AC-D24989CC4B7B}" type="presParOf" srcId="{92E160CB-7EE2-F54D-9BCD-29CAEDDD4398}" destId="{F29F9BA7-AFC9-FA4D-A272-2B0F5C3FB822}" srcOrd="0" destOrd="0" presId="urn:microsoft.com/office/officeart/2005/8/layout/hierarchy1"/>
+    <dgm:cxn modelId="{F4AAB894-5D8E-6540-A4B3-695C94FF7EBD}" type="presParOf" srcId="{92E160CB-7EE2-F54D-9BCD-29CAEDDD4398}" destId="{D9517ADD-BB42-6743-BCD3-AF9E62C6219D}" srcOrd="1" destOrd="0" presId="urn:microsoft.com/office/officeart/2005/8/layout/hierarchy1"/>
+    <dgm:cxn modelId="{3B58A46C-C90A-4646-8CF1-B46771ACFF15}" type="presParOf" srcId="{D9517ADD-BB42-6743-BCD3-AF9E62C6219D}" destId="{2015FF21-4C68-DE4D-B24C-E972DF40E1C1}" srcOrd="0" destOrd="0" presId="urn:microsoft.com/office/officeart/2005/8/layout/hierarchy1"/>
+    <dgm:cxn modelId="{370587DD-A9B9-EF43-8F82-06A7A29726A3}" type="presParOf" srcId="{2015FF21-4C68-DE4D-B24C-E972DF40E1C1}" destId="{1E7CB98A-736F-FE43-8939-0F4F011B0B30}" srcOrd="0" destOrd="0" presId="urn:microsoft.com/office/officeart/2005/8/layout/hierarchy1"/>
+    <dgm:cxn modelId="{FFDB14FD-4851-DC4C-933A-3FD063A9354E}" type="presParOf" srcId="{2015FF21-4C68-DE4D-B24C-E972DF40E1C1}" destId="{D7E5E75A-2F4E-7646-B1F0-9B5A13F80B89}" srcOrd="1" destOrd="0" presId="urn:microsoft.com/office/officeart/2005/8/layout/hierarchy1"/>
+    <dgm:cxn modelId="{545EDD30-72AB-9A4F-B68F-74194851A022}" type="presParOf" srcId="{D9517ADD-BB42-6743-BCD3-AF9E62C6219D}" destId="{1F00A418-FCBC-C347-89EC-431AA8C9C399}" srcOrd="1" destOrd="0" presId="urn:microsoft.com/office/officeart/2005/8/layout/hierarchy1"/>
+    <dgm:cxn modelId="{9B957D0C-18EE-5549-B992-D9D970A1DDC9}" type="presParOf" srcId="{92E160CB-7EE2-F54D-9BCD-29CAEDDD4398}" destId="{4946E402-A070-7F44-886E-ADF4D83D5A92}" srcOrd="2" destOrd="0" presId="urn:microsoft.com/office/officeart/2005/8/layout/hierarchy1"/>
+    <dgm:cxn modelId="{47CA24D2-30ED-0F47-8A60-71ACB60C0FA8}" type="presParOf" srcId="{92E160CB-7EE2-F54D-9BCD-29CAEDDD4398}" destId="{BB02F9EC-943E-114A-925F-D7CAA7A02024}" srcOrd="3" destOrd="0" presId="urn:microsoft.com/office/officeart/2005/8/layout/hierarchy1"/>
+    <dgm:cxn modelId="{D1954103-249E-3840-8D39-AC7D378952DA}" type="presParOf" srcId="{BB02F9EC-943E-114A-925F-D7CAA7A02024}" destId="{7EFC836C-65A8-5341-8979-E84001E0E105}" srcOrd="0" destOrd="0" presId="urn:microsoft.com/office/officeart/2005/8/layout/hierarchy1"/>
+    <dgm:cxn modelId="{84ED89AB-22D3-E64A-91BC-11EF96E16215}" type="presParOf" srcId="{7EFC836C-65A8-5341-8979-E84001E0E105}" destId="{24EAFA50-69A9-9E45-8CDB-299E343B726B}" srcOrd="0" destOrd="0" presId="urn:microsoft.com/office/officeart/2005/8/layout/hierarchy1"/>
+    <dgm:cxn modelId="{7D063301-0403-2149-A871-CFEAAF7C4323}" type="presParOf" srcId="{7EFC836C-65A8-5341-8979-E84001E0E105}" destId="{9E41880B-CC4F-A34B-9848-743D3197F954}" srcOrd="1" destOrd="0" presId="urn:microsoft.com/office/officeart/2005/8/layout/hierarchy1"/>
+    <dgm:cxn modelId="{CDF32C2C-23E7-9E4B-ADD5-21E9E64B7EFA}" type="presParOf" srcId="{BB02F9EC-943E-114A-925F-D7CAA7A02024}" destId="{DEC00320-AB4F-B24D-B88E-A6BAE65911AA}" srcOrd="1" destOrd="0" presId="urn:microsoft.com/office/officeart/2005/8/layout/hierarchy1"/>
+    <dgm:cxn modelId="{AF88FEFE-3F06-0A49-BD4B-7DB0075A4903}" type="presParOf" srcId="{92E160CB-7EE2-F54D-9BCD-29CAEDDD4398}" destId="{F318F3C4-949B-F64D-9E29-8FDCB2343706}" srcOrd="4" destOrd="0" presId="urn:microsoft.com/office/officeart/2005/8/layout/hierarchy1"/>
+    <dgm:cxn modelId="{0106282C-5964-F44D-9E5A-A77D5B3E632E}" type="presParOf" srcId="{92E160CB-7EE2-F54D-9BCD-29CAEDDD4398}" destId="{01A8419B-63BC-7D4D-95F5-662D6773F992}" srcOrd="5" destOrd="0" presId="urn:microsoft.com/office/officeart/2005/8/layout/hierarchy1"/>
+    <dgm:cxn modelId="{6A06217A-1CCB-3040-ABD5-995E209392FC}" type="presParOf" srcId="{01A8419B-63BC-7D4D-95F5-662D6773F992}" destId="{3EC9E034-AB96-1D46-A907-8B5A2BC179BE}" srcOrd="0" destOrd="0" presId="urn:microsoft.com/office/officeart/2005/8/layout/hierarchy1"/>
+    <dgm:cxn modelId="{F94B7CA0-8103-9F4B-8605-AB8F9B7CAE32}" type="presParOf" srcId="{3EC9E034-AB96-1D46-A907-8B5A2BC179BE}" destId="{6848F936-7C5B-834A-86A5-A38A1CB9F8A3}" srcOrd="0" destOrd="0" presId="urn:microsoft.com/office/officeart/2005/8/layout/hierarchy1"/>
+    <dgm:cxn modelId="{6EE466DF-52CF-1149-955C-A4F6937018DC}" type="presParOf" srcId="{3EC9E034-AB96-1D46-A907-8B5A2BC179BE}" destId="{BCAC5743-EF4E-B342-BD27-822C4B791A22}" srcOrd="1" destOrd="0" presId="urn:microsoft.com/office/officeart/2005/8/layout/hierarchy1"/>
+    <dgm:cxn modelId="{9404CEEE-11E6-7247-A7DD-114ED68B8D4D}" type="presParOf" srcId="{01A8419B-63BC-7D4D-95F5-662D6773F992}" destId="{C4859783-EF7D-074E-A8E0-95BE432D7B20}" srcOrd="1" destOrd="0" presId="urn:microsoft.com/office/officeart/2005/8/layout/hierarchy1"/>
+  </dgm:cxnLst>
+  <dgm:bg/>
+  <dgm:whole/>
+  <dgm:extLst>
+    <a:ext uri="http://schemas.microsoft.com/office/drawing/2008/diagram">
+      <dsp:dataModelExt xmlns:dsp="http://schemas.microsoft.com/office/drawing/2008/diagram" xmlns="" relId="rId6" minVer="http://schemas.openxmlformats.org/drawingml/2006/diagram"/>
+    </a:ext>
+  </dgm:extLst>
+</dgm:dataModel>
+</file>
+
+<file path=ppt/diagrams/drawing1.xml><?xml version="1.0" encoding="utf-8"?>
+<dsp:drawing xmlns:dgm="http://schemas.openxmlformats.org/drawingml/2006/diagram" xmlns:a="http://schemas.openxmlformats.org/drawingml/2006/main" xmlns:dsp="http://schemas.microsoft.com/office/drawing/2008/diagram">
+  <dsp:spTree>
+    <dsp:nvGrpSpPr>
+      <dsp:cNvPr id="0" name=""/>
+      <dsp:cNvGrpSpPr/>
+    </dsp:nvGrpSpPr>
+    <dsp:grpSpPr/>
+    <dsp:sp modelId="{F318F3C4-949B-F64D-9E29-8FDCB2343706}">
+      <dsp:nvSpPr>
+        <dsp:cNvPr id="0" name=""/>
+        <dsp:cNvSpPr/>
+      </dsp:nvSpPr>
+      <dsp:spPr>
+        <a:xfrm>
+          <a:off x="3986212" y="1804245"/>
+          <a:ext cx="2828925" cy="673155"/>
+        </a:xfrm>
+        <a:custGeom>
+          <a:avLst/>
+          <a:gdLst/>
+          <a:ahLst/>
+          <a:cxnLst/>
+          <a:rect l="0" t="0" r="0" b="0"/>
+          <a:pathLst>
+            <a:path>
+              <a:moveTo>
+                <a:pt x="0" y="0"/>
+              </a:moveTo>
+              <a:lnTo>
+                <a:pt x="0" y="458735"/>
+              </a:lnTo>
+              <a:lnTo>
+                <a:pt x="2828925" y="458735"/>
+              </a:lnTo>
+              <a:lnTo>
+                <a:pt x="2828925" y="673155"/>
+              </a:lnTo>
+            </a:path>
+          </a:pathLst>
+        </a:custGeom>
+        <a:noFill/>
+        <a:ln w="9525" cap="flat" cmpd="sng" algn="ctr">
+          <a:solidFill>
+            <a:schemeClr val="accent1">
+              <a:shade val="60000"/>
+              <a:hueOff val="0"/>
+              <a:satOff val="0"/>
+              <a:lumOff val="0"/>
+              <a:alphaOff val="0"/>
+            </a:schemeClr>
+          </a:solidFill>
+          <a:prstDash val="solid"/>
+        </a:ln>
+        <a:effectLst/>
+      </dsp:spPr>
+      <dsp:style>
+        <a:lnRef idx="1">
+          <a:scrgbClr r="0" g="0" b="0"/>
+        </a:lnRef>
+        <a:fillRef idx="0">
+          <a:scrgbClr r="0" g="0" b="0"/>
+        </a:fillRef>
+        <a:effectRef idx="0">
+          <a:scrgbClr r="0" g="0" b="0"/>
+        </a:effectRef>
+        <a:fontRef idx="minor"/>
+      </dsp:style>
+    </dsp:sp>
+    <dsp:sp modelId="{4946E402-A070-7F44-886E-ADF4D83D5A92}">
+      <dsp:nvSpPr>
+        <dsp:cNvPr id="0" name=""/>
+        <dsp:cNvSpPr/>
+      </dsp:nvSpPr>
+      <dsp:spPr>
+        <a:xfrm>
+          <a:off x="3940492" y="1804245"/>
+          <a:ext cx="91440" cy="673155"/>
+        </a:xfrm>
+        <a:custGeom>
+          <a:avLst/>
+          <a:gdLst/>
+          <a:ahLst/>
+          <a:cxnLst/>
+          <a:rect l="0" t="0" r="0" b="0"/>
+          <a:pathLst>
+            <a:path>
+              <a:moveTo>
+                <a:pt x="45720" y="0"/>
+              </a:moveTo>
+              <a:lnTo>
+                <a:pt x="45720" y="673155"/>
+              </a:lnTo>
+            </a:path>
+          </a:pathLst>
+        </a:custGeom>
+        <a:noFill/>
+        <a:ln w="9525" cap="flat" cmpd="sng" algn="ctr">
+          <a:solidFill>
+            <a:schemeClr val="accent1">
+              <a:shade val="60000"/>
+              <a:hueOff val="0"/>
+              <a:satOff val="0"/>
+              <a:lumOff val="0"/>
+              <a:alphaOff val="0"/>
+            </a:schemeClr>
+          </a:solidFill>
+          <a:prstDash val="solid"/>
+        </a:ln>
+        <a:effectLst/>
+      </dsp:spPr>
+      <dsp:style>
+        <a:lnRef idx="1">
+          <a:scrgbClr r="0" g="0" b="0"/>
+        </a:lnRef>
+        <a:fillRef idx="0">
+          <a:scrgbClr r="0" g="0" b="0"/>
+        </a:fillRef>
+        <a:effectRef idx="0">
+          <a:scrgbClr r="0" g="0" b="0"/>
+        </a:effectRef>
+        <a:fontRef idx="minor"/>
+      </dsp:style>
+    </dsp:sp>
+    <dsp:sp modelId="{F29F9BA7-AFC9-FA4D-A272-2B0F5C3FB822}">
+      <dsp:nvSpPr>
+        <dsp:cNvPr id="0" name=""/>
+        <dsp:cNvSpPr/>
+      </dsp:nvSpPr>
+      <dsp:spPr>
+        <a:xfrm>
+          <a:off x="1157287" y="1804245"/>
+          <a:ext cx="2828925" cy="673155"/>
+        </a:xfrm>
+        <a:custGeom>
+          <a:avLst/>
+          <a:gdLst/>
+          <a:ahLst/>
+          <a:cxnLst/>
+          <a:rect l="0" t="0" r="0" b="0"/>
+          <a:pathLst>
+            <a:path>
+              <a:moveTo>
+                <a:pt x="2828925" y="0"/>
+              </a:moveTo>
+              <a:lnTo>
+                <a:pt x="2828925" y="458735"/>
+              </a:lnTo>
+              <a:lnTo>
+                <a:pt x="0" y="458735"/>
+              </a:lnTo>
+              <a:lnTo>
+                <a:pt x="0" y="673155"/>
+              </a:lnTo>
+            </a:path>
+          </a:pathLst>
+        </a:custGeom>
+        <a:noFill/>
+        <a:ln w="9525" cap="flat" cmpd="sng" algn="ctr">
+          <a:solidFill>
+            <a:schemeClr val="accent1">
+              <a:shade val="60000"/>
+              <a:hueOff val="0"/>
+              <a:satOff val="0"/>
+              <a:lumOff val="0"/>
+              <a:alphaOff val="0"/>
+            </a:schemeClr>
+          </a:solidFill>
+          <a:prstDash val="solid"/>
+        </a:ln>
+        <a:effectLst/>
+      </dsp:spPr>
+      <dsp:style>
+        <a:lnRef idx="1">
+          <a:scrgbClr r="0" g="0" b="0"/>
+        </a:lnRef>
+        <a:fillRef idx="0">
+          <a:scrgbClr r="0" g="0" b="0"/>
+        </a:fillRef>
+        <a:effectRef idx="0">
+          <a:scrgbClr r="0" g="0" b="0"/>
+        </a:effectRef>
+        <a:fontRef idx="minor"/>
+      </dsp:style>
+    </dsp:sp>
+    <dsp:sp modelId="{3EA2FCF7-4A5B-A147-B2E5-D308757E2964}">
+      <dsp:nvSpPr>
+        <dsp:cNvPr id="0" name=""/>
+        <dsp:cNvSpPr/>
+      </dsp:nvSpPr>
+      <dsp:spPr>
+        <a:xfrm>
+          <a:off x="2828924" y="334490"/>
+          <a:ext cx="2314575" cy="1469755"/>
+        </a:xfrm>
+        <a:prstGeom prst="roundRect">
+          <a:avLst>
+            <a:gd name="adj" fmla="val 10000"/>
+          </a:avLst>
+        </a:prstGeom>
+        <a:gradFill rotWithShape="0">
+          <a:gsLst>
+            <a:gs pos="0">
+              <a:schemeClr val="accent1">
+                <a:hueOff val="0"/>
+                <a:satOff val="0"/>
+                <a:lumOff val="0"/>
+                <a:alphaOff val="0"/>
+                <a:shade val="51000"/>
+                <a:satMod val="130000"/>
+              </a:schemeClr>
+            </a:gs>
+            <a:gs pos="80000">
+              <a:schemeClr val="accent1">
+                <a:hueOff val="0"/>
+                <a:satOff val="0"/>
+                <a:lumOff val="0"/>
+                <a:alphaOff val="0"/>
+                <a:shade val="93000"/>
+                <a:satMod val="130000"/>
+              </a:schemeClr>
+            </a:gs>
+            <a:gs pos="100000">
+              <a:schemeClr val="accent1">
+                <a:hueOff val="0"/>
+                <a:satOff val="0"/>
+                <a:lumOff val="0"/>
+                <a:alphaOff val="0"/>
+                <a:shade val="94000"/>
+                <a:satMod val="135000"/>
+              </a:schemeClr>
+            </a:gs>
+          </a:gsLst>
+          <a:lin ang="16200000" scaled="0"/>
+        </a:gradFill>
+        <a:ln>
+          <a:noFill/>
+        </a:ln>
+        <a:effectLst>
+          <a:outerShdw blurRad="40000" dist="23000" dir="5400000" rotWithShape="0">
+            <a:srgbClr val="000000">
+              <a:alpha val="35000"/>
+            </a:srgbClr>
+          </a:outerShdw>
+        </a:effectLst>
+      </dsp:spPr>
+      <dsp:style>
+        <a:lnRef idx="0">
+          <a:scrgbClr r="0" g="0" b="0"/>
+        </a:lnRef>
+        <a:fillRef idx="3">
+          <a:scrgbClr r="0" g="0" b="0"/>
+        </a:fillRef>
+        <a:effectRef idx="2">
+          <a:scrgbClr r="0" g="0" b="0"/>
+        </a:effectRef>
+        <a:fontRef idx="minor">
+          <a:schemeClr val="lt1"/>
+        </a:fontRef>
+      </dsp:style>
+    </dsp:sp>
+    <dsp:sp modelId="{B1916927-71A2-184F-997E-814435F7E7C3}">
+      <dsp:nvSpPr>
+        <dsp:cNvPr id="0" name=""/>
+        <dsp:cNvSpPr/>
+      </dsp:nvSpPr>
+      <dsp:spPr>
+        <a:xfrm>
+          <a:off x="3086099" y="578806"/>
+          <a:ext cx="2314575" cy="1469755"/>
+        </a:xfrm>
+        <a:prstGeom prst="roundRect">
+          <a:avLst>
+            <a:gd name="adj" fmla="val 10000"/>
+          </a:avLst>
+        </a:prstGeom>
+        <a:solidFill>
+          <a:schemeClr val="lt1">
+            <a:alpha val="90000"/>
+            <a:hueOff val="0"/>
+            <a:satOff val="0"/>
+            <a:lumOff val="0"/>
+            <a:alphaOff val="0"/>
+          </a:schemeClr>
+        </a:solidFill>
+        <a:ln w="9525" cap="flat" cmpd="sng" algn="ctr">
+          <a:solidFill>
+            <a:schemeClr val="accent1">
+              <a:hueOff val="0"/>
+              <a:satOff val="0"/>
+              <a:lumOff val="0"/>
+              <a:alphaOff val="0"/>
+            </a:schemeClr>
+          </a:solidFill>
+          <a:prstDash val="solid"/>
+        </a:ln>
+        <a:effectLst/>
+      </dsp:spPr>
+      <dsp:style>
+        <a:lnRef idx="1">
+          <a:scrgbClr r="0" g="0" b="0"/>
+        </a:lnRef>
+        <a:fillRef idx="1">
+          <a:scrgbClr r="0" g="0" b="0"/>
+        </a:fillRef>
+        <a:effectRef idx="0">
+          <a:scrgbClr r="0" g="0" b="0"/>
+        </a:effectRef>
+        <a:fontRef idx="minor"/>
+      </dsp:style>
+      <dsp:txBody>
+        <a:bodyPr spcFirstLastPara="0" vert="horz" wrap="square" lIns="129540" tIns="129540" rIns="129540" bIns="129540" numCol="1" spcCol="1270" anchor="ctr" anchorCtr="0">
+          <a:noAutofit/>
+        </a:bodyPr>
+        <a:lstStyle/>
+        <a:p>
+          <a:pPr lvl="0" algn="ctr" defTabSz="1511300">
+            <a:lnSpc>
+              <a:spcPct val="90000"/>
+            </a:lnSpc>
+            <a:spcBef>
+              <a:spcPct val="0"/>
+            </a:spcBef>
+            <a:spcAft>
+              <a:spcPct val="35000"/>
+            </a:spcAft>
+          </a:pPr>
+          <a:r>
+            <a:rPr lang="en-US" sz="3400" kern="1200" dirty="0" smtClean="0"/>
+            <a:t>CBR</a:t>
+          </a:r>
+          <a:endParaRPr lang="en-US" sz="3400" kern="1200" dirty="0"/>
+        </a:p>
+      </dsp:txBody>
+      <dsp:txXfrm>
+        <a:off x="3086099" y="578806"/>
+        <a:ext cx="2314575" cy="1469755"/>
+      </dsp:txXfrm>
+    </dsp:sp>
+    <dsp:sp modelId="{1E7CB98A-736F-FE43-8939-0F4F011B0B30}">
+      <dsp:nvSpPr>
+        <dsp:cNvPr id="0" name=""/>
+        <dsp:cNvSpPr/>
+      </dsp:nvSpPr>
+      <dsp:spPr>
+        <a:xfrm>
+          <a:off x="0" y="2477401"/>
+          <a:ext cx="2314575" cy="1469755"/>
+        </a:xfrm>
+        <a:prstGeom prst="roundRect">
+          <a:avLst>
+            <a:gd name="adj" fmla="val 10000"/>
+          </a:avLst>
+        </a:prstGeom>
+        <a:gradFill rotWithShape="0">
+          <a:gsLst>
+            <a:gs pos="0">
+              <a:schemeClr val="accent1">
+                <a:hueOff val="0"/>
+                <a:satOff val="0"/>
+                <a:lumOff val="0"/>
+                <a:alphaOff val="0"/>
+                <a:shade val="51000"/>
+                <a:satMod val="130000"/>
+              </a:schemeClr>
+            </a:gs>
+            <a:gs pos="80000">
+              <a:schemeClr val="accent1">
+                <a:hueOff val="0"/>
+                <a:satOff val="0"/>
+                <a:lumOff val="0"/>
+                <a:alphaOff val="0"/>
+                <a:shade val="93000"/>
+                <a:satMod val="130000"/>
+              </a:schemeClr>
+            </a:gs>
+            <a:gs pos="100000">
+              <a:schemeClr val="accent1">
+                <a:hueOff val="0"/>
+                <a:satOff val="0"/>
+                <a:lumOff val="0"/>
+                <a:alphaOff val="0"/>
+                <a:shade val="94000"/>
+                <a:satMod val="135000"/>
+              </a:schemeClr>
+            </a:gs>
+          </a:gsLst>
+          <a:lin ang="16200000" scaled="0"/>
+        </a:gradFill>
+        <a:ln>
+          <a:noFill/>
+        </a:ln>
+        <a:effectLst>
+          <a:outerShdw blurRad="40000" dist="23000" dir="5400000" rotWithShape="0">
+            <a:srgbClr val="000000">
+              <a:alpha val="35000"/>
+            </a:srgbClr>
+          </a:outerShdw>
+        </a:effectLst>
+      </dsp:spPr>
+      <dsp:style>
+        <a:lnRef idx="0">
+          <a:scrgbClr r="0" g="0" b="0"/>
+        </a:lnRef>
+        <a:fillRef idx="3">
+          <a:scrgbClr r="0" g="0" b="0"/>
+        </a:fillRef>
+        <a:effectRef idx="2">
+          <a:scrgbClr r="0" g="0" b="0"/>
+        </a:effectRef>
+        <a:fontRef idx="minor">
+          <a:schemeClr val="lt1"/>
+        </a:fontRef>
+      </dsp:style>
+    </dsp:sp>
+    <dsp:sp modelId="{D7E5E75A-2F4E-7646-B1F0-9B5A13F80B89}">
+      <dsp:nvSpPr>
+        <dsp:cNvPr id="0" name=""/>
+        <dsp:cNvSpPr/>
+      </dsp:nvSpPr>
+      <dsp:spPr>
+        <a:xfrm>
+          <a:off x="257174" y="2721717"/>
+          <a:ext cx="2314575" cy="1469755"/>
+        </a:xfrm>
+        <a:prstGeom prst="roundRect">
+          <a:avLst>
+            <a:gd name="adj" fmla="val 10000"/>
+          </a:avLst>
+        </a:prstGeom>
+        <a:solidFill>
+          <a:schemeClr val="lt1">
+            <a:alpha val="90000"/>
+            <a:hueOff val="0"/>
+            <a:satOff val="0"/>
+            <a:lumOff val="0"/>
+            <a:alphaOff val="0"/>
+          </a:schemeClr>
+        </a:solidFill>
+        <a:ln w="9525" cap="flat" cmpd="sng" algn="ctr">
+          <a:solidFill>
+            <a:schemeClr val="accent1">
+              <a:hueOff val="0"/>
+              <a:satOff val="0"/>
+              <a:lumOff val="0"/>
+              <a:alphaOff val="0"/>
+            </a:schemeClr>
+          </a:solidFill>
+          <a:prstDash val="solid"/>
+        </a:ln>
+        <a:effectLst/>
+      </dsp:spPr>
+      <dsp:style>
+        <a:lnRef idx="1">
+          <a:scrgbClr r="0" g="0" b="0"/>
+        </a:lnRef>
+        <a:fillRef idx="1">
+          <a:scrgbClr r="0" g="0" b="0"/>
+        </a:fillRef>
+        <a:effectRef idx="0">
+          <a:scrgbClr r="0" g="0" b="0"/>
+        </a:effectRef>
+        <a:fontRef idx="minor"/>
+      </dsp:style>
+      <dsp:txBody>
+        <a:bodyPr spcFirstLastPara="0" vert="horz" wrap="square" lIns="129540" tIns="129540" rIns="129540" bIns="129540" numCol="1" spcCol="1270" anchor="ctr" anchorCtr="0">
+          <a:noAutofit/>
+        </a:bodyPr>
+        <a:lstStyle/>
+        <a:p>
+          <a:pPr lvl="0" algn="ctr" defTabSz="1511300">
+            <a:lnSpc>
+              <a:spcPct val="90000"/>
+            </a:lnSpc>
+            <a:spcBef>
+              <a:spcPct val="0"/>
+            </a:spcBef>
+            <a:spcAft>
+              <a:spcPct val="35000"/>
+            </a:spcAft>
+          </a:pPr>
+          <a:r>
+            <a:rPr lang="en-US" sz="3400" kern="1200" dirty="0" smtClean="0"/>
+            <a:t>Conclusion Algorithm </a:t>
+          </a:r>
+          <a:endParaRPr lang="en-US" sz="3400" kern="1200" dirty="0"/>
+        </a:p>
+      </dsp:txBody>
+      <dsp:txXfrm>
+        <a:off x="257174" y="2721717"/>
+        <a:ext cx="2314575" cy="1469755"/>
+      </dsp:txXfrm>
+    </dsp:sp>
+    <dsp:sp modelId="{24EAFA50-69A9-9E45-8CDB-299E343B726B}">
+      <dsp:nvSpPr>
+        <dsp:cNvPr id="0" name=""/>
+        <dsp:cNvSpPr/>
+      </dsp:nvSpPr>
+      <dsp:spPr>
+        <a:xfrm>
+          <a:off x="2828924" y="2477401"/>
+          <a:ext cx="2314575" cy="1469755"/>
+        </a:xfrm>
+        <a:prstGeom prst="roundRect">
+          <a:avLst>
+            <a:gd name="adj" fmla="val 10000"/>
+          </a:avLst>
+        </a:prstGeom>
+        <a:gradFill rotWithShape="0">
+          <a:gsLst>
+            <a:gs pos="0">
+              <a:schemeClr val="accent1">
+                <a:hueOff val="0"/>
+                <a:satOff val="0"/>
+                <a:lumOff val="0"/>
+                <a:alphaOff val="0"/>
+                <a:shade val="51000"/>
+                <a:satMod val="130000"/>
+              </a:schemeClr>
+            </a:gs>
+            <a:gs pos="80000">
+              <a:schemeClr val="accent1">
+                <a:hueOff val="0"/>
+                <a:satOff val="0"/>
+                <a:lumOff val="0"/>
+                <a:alphaOff val="0"/>
+                <a:shade val="93000"/>
+                <a:satMod val="130000"/>
+              </a:schemeClr>
+            </a:gs>
+            <a:gs pos="100000">
+              <a:schemeClr val="accent1">
+                <a:hueOff val="0"/>
+                <a:satOff val="0"/>
+                <a:lumOff val="0"/>
+                <a:alphaOff val="0"/>
+                <a:shade val="94000"/>
+                <a:satMod val="135000"/>
+              </a:schemeClr>
+            </a:gs>
+          </a:gsLst>
+          <a:lin ang="16200000" scaled="0"/>
+        </a:gradFill>
+        <a:ln>
+          <a:noFill/>
+        </a:ln>
+        <a:effectLst>
+          <a:outerShdw blurRad="40000" dist="23000" dir="5400000" rotWithShape="0">
+            <a:srgbClr val="000000">
+              <a:alpha val="35000"/>
+            </a:srgbClr>
+          </a:outerShdw>
+        </a:effectLst>
+      </dsp:spPr>
+      <dsp:style>
+        <a:lnRef idx="0">
+          <a:scrgbClr r="0" g="0" b="0"/>
+        </a:lnRef>
+        <a:fillRef idx="3">
+          <a:scrgbClr r="0" g="0" b="0"/>
+        </a:fillRef>
+        <a:effectRef idx="2">
+          <a:scrgbClr r="0" g="0" b="0"/>
+        </a:effectRef>
+        <a:fontRef idx="minor">
+          <a:schemeClr val="lt1"/>
+        </a:fontRef>
+      </dsp:style>
+    </dsp:sp>
+    <dsp:sp modelId="{9E41880B-CC4F-A34B-9848-743D3197F954}">
+      <dsp:nvSpPr>
+        <dsp:cNvPr id="0" name=""/>
+        <dsp:cNvSpPr/>
+      </dsp:nvSpPr>
+      <dsp:spPr>
+        <a:xfrm>
+          <a:off x="3086099" y="2721717"/>
+          <a:ext cx="2314575" cy="1469755"/>
+        </a:xfrm>
+        <a:prstGeom prst="roundRect">
+          <a:avLst>
+            <a:gd name="adj" fmla="val 10000"/>
+          </a:avLst>
+        </a:prstGeom>
+        <a:solidFill>
+          <a:schemeClr val="lt1">
+            <a:alpha val="90000"/>
+            <a:hueOff val="0"/>
+            <a:satOff val="0"/>
+            <a:lumOff val="0"/>
+            <a:alphaOff val="0"/>
+          </a:schemeClr>
+        </a:solidFill>
+        <a:ln w="9525" cap="flat" cmpd="sng" algn="ctr">
+          <a:solidFill>
+            <a:schemeClr val="accent1">
+              <a:hueOff val="0"/>
+              <a:satOff val="0"/>
+              <a:lumOff val="0"/>
+              <a:alphaOff val="0"/>
+            </a:schemeClr>
+          </a:solidFill>
+          <a:prstDash val="solid"/>
+        </a:ln>
+        <a:effectLst/>
+      </dsp:spPr>
+      <dsp:style>
+        <a:lnRef idx="1">
+          <a:scrgbClr r="0" g="0" b="0"/>
+        </a:lnRef>
+        <a:fillRef idx="1">
+          <a:scrgbClr r="0" g="0" b="0"/>
+        </a:fillRef>
+        <a:effectRef idx="0">
+          <a:scrgbClr r="0" g="0" b="0"/>
+        </a:effectRef>
+        <a:fontRef idx="minor"/>
+      </dsp:style>
+      <dsp:txBody>
+        <a:bodyPr spcFirstLastPara="0" vert="horz" wrap="square" lIns="129540" tIns="129540" rIns="129540" bIns="129540" numCol="1" spcCol="1270" anchor="ctr" anchorCtr="0">
+          <a:noAutofit/>
+        </a:bodyPr>
+        <a:lstStyle/>
+        <a:p>
+          <a:pPr lvl="0" algn="ctr" defTabSz="1511300">
+            <a:lnSpc>
+              <a:spcPct val="90000"/>
+            </a:lnSpc>
+            <a:spcBef>
+              <a:spcPct val="0"/>
+            </a:spcBef>
+            <a:spcAft>
+              <a:spcPct val="35000"/>
+            </a:spcAft>
+          </a:pPr>
+          <a:r>
+            <a:rPr lang="en-US" sz="3400" kern="1200" dirty="0" smtClean="0"/>
+            <a:t>Reduction Algorithm</a:t>
+          </a:r>
+          <a:endParaRPr lang="en-US" sz="3400" kern="1200" dirty="0"/>
+        </a:p>
+      </dsp:txBody>
+      <dsp:txXfrm>
+        <a:off x="3086099" y="2721717"/>
+        <a:ext cx="2314575" cy="1469755"/>
+      </dsp:txXfrm>
+    </dsp:sp>
+    <dsp:sp modelId="{6848F936-7C5B-834A-86A5-A38A1CB9F8A3}">
+      <dsp:nvSpPr>
+        <dsp:cNvPr id="0" name=""/>
+        <dsp:cNvSpPr/>
+      </dsp:nvSpPr>
+      <dsp:spPr>
+        <a:xfrm>
+          <a:off x="5657850" y="2477401"/>
+          <a:ext cx="2314575" cy="1469755"/>
+        </a:xfrm>
+        <a:prstGeom prst="roundRect">
+          <a:avLst>
+            <a:gd name="adj" fmla="val 10000"/>
+          </a:avLst>
+        </a:prstGeom>
+        <a:gradFill rotWithShape="0">
+          <a:gsLst>
+            <a:gs pos="0">
+              <a:schemeClr val="accent1">
+                <a:hueOff val="0"/>
+                <a:satOff val="0"/>
+                <a:lumOff val="0"/>
+                <a:alphaOff val="0"/>
+                <a:shade val="51000"/>
+                <a:satMod val="130000"/>
+              </a:schemeClr>
+            </a:gs>
+            <a:gs pos="80000">
+              <a:schemeClr val="accent1">
+                <a:hueOff val="0"/>
+                <a:satOff val="0"/>
+                <a:lumOff val="0"/>
+                <a:alphaOff val="0"/>
+                <a:shade val="93000"/>
+                <a:satMod val="130000"/>
+              </a:schemeClr>
+            </a:gs>
+            <a:gs pos="100000">
+              <a:schemeClr val="accent1">
+                <a:hueOff val="0"/>
+                <a:satOff val="0"/>
+                <a:lumOff val="0"/>
+                <a:alphaOff val="0"/>
+                <a:shade val="94000"/>
+                <a:satMod val="135000"/>
+              </a:schemeClr>
+            </a:gs>
+          </a:gsLst>
+          <a:lin ang="16200000" scaled="0"/>
+        </a:gradFill>
+        <a:ln>
+          <a:noFill/>
+        </a:ln>
+        <a:effectLst>
+          <a:outerShdw blurRad="40000" dist="23000" dir="5400000" rotWithShape="0">
+            <a:srgbClr val="000000">
+              <a:alpha val="35000"/>
+            </a:srgbClr>
+          </a:outerShdw>
+        </a:effectLst>
+      </dsp:spPr>
+      <dsp:style>
+        <a:lnRef idx="0">
+          <a:scrgbClr r="0" g="0" b="0"/>
+        </a:lnRef>
+        <a:fillRef idx="3">
+          <a:scrgbClr r="0" g="0" b="0"/>
+        </a:fillRef>
+        <a:effectRef idx="2">
+          <a:scrgbClr r="0" g="0" b="0"/>
+        </a:effectRef>
+        <a:fontRef idx="minor">
+          <a:schemeClr val="lt1"/>
+        </a:fontRef>
+      </dsp:style>
+    </dsp:sp>
+    <dsp:sp modelId="{BCAC5743-EF4E-B342-BD27-822C4B791A22}">
+      <dsp:nvSpPr>
+        <dsp:cNvPr id="0" name=""/>
+        <dsp:cNvSpPr/>
+      </dsp:nvSpPr>
+      <dsp:spPr>
+        <a:xfrm>
+          <a:off x="5915024" y="2721717"/>
+          <a:ext cx="2314575" cy="1469755"/>
+        </a:xfrm>
+        <a:prstGeom prst="roundRect">
+          <a:avLst>
+            <a:gd name="adj" fmla="val 10000"/>
+          </a:avLst>
+        </a:prstGeom>
+        <a:solidFill>
+          <a:schemeClr val="lt1">
+            <a:alpha val="90000"/>
+            <a:hueOff val="0"/>
+            <a:satOff val="0"/>
+            <a:lumOff val="0"/>
+            <a:alphaOff val="0"/>
+          </a:schemeClr>
+        </a:solidFill>
+        <a:ln w="9525" cap="flat" cmpd="sng" algn="ctr">
+          <a:solidFill>
+            <a:schemeClr val="accent1">
+              <a:hueOff val="0"/>
+              <a:satOff val="0"/>
+              <a:lumOff val="0"/>
+              <a:alphaOff val="0"/>
+            </a:schemeClr>
+          </a:solidFill>
+          <a:prstDash val="solid"/>
+        </a:ln>
+        <a:effectLst/>
+      </dsp:spPr>
+      <dsp:style>
+        <a:lnRef idx="1">
+          <a:scrgbClr r="0" g="0" b="0"/>
+        </a:lnRef>
+        <a:fillRef idx="1">
+          <a:scrgbClr r="0" g="0" b="0"/>
+        </a:fillRef>
+        <a:effectRef idx="0">
+          <a:scrgbClr r="0" g="0" b="0"/>
+        </a:effectRef>
+        <a:fontRef idx="minor"/>
+      </dsp:style>
+      <dsp:txBody>
+        <a:bodyPr spcFirstLastPara="0" vert="horz" wrap="square" lIns="129540" tIns="129540" rIns="129540" bIns="129540" numCol="1" spcCol="1270" anchor="ctr" anchorCtr="0">
+          <a:noAutofit/>
+        </a:bodyPr>
+        <a:lstStyle/>
+        <a:p>
+          <a:pPr lvl="0" algn="ctr" defTabSz="1511300">
+            <a:lnSpc>
+              <a:spcPct val="90000"/>
+            </a:lnSpc>
+            <a:spcBef>
+              <a:spcPct val="0"/>
+            </a:spcBef>
+            <a:spcAft>
+              <a:spcPct val="35000"/>
+            </a:spcAft>
+          </a:pPr>
+          <a:r>
+            <a:rPr lang="en-US" sz="3400" kern="1200" dirty="0" smtClean="0"/>
+            <a:t>Learn Algorithm</a:t>
+          </a:r>
+          <a:endParaRPr lang="en-US" sz="3400" kern="1200" dirty="0"/>
+        </a:p>
+      </dsp:txBody>
+      <dsp:txXfrm>
+        <a:off x="5915024" y="2721717"/>
+        <a:ext cx="2314575" cy="1469755"/>
+      </dsp:txXfrm>
+    </dsp:sp>
+  </dsp:spTree>
+</dsp:drawing>
+</file>
+
+<file path=ppt/diagrams/layout1.xml><?xml version="1.0" encoding="utf-8"?>
+<dgm:layoutDef xmlns:dgm="http://schemas.openxmlformats.org/drawingml/2006/diagram" xmlns:a="http://schemas.openxmlformats.org/drawingml/2006/main" uniqueId="urn:microsoft.com/office/officeart/2005/8/layout/hierarchy1">
+  <dgm:title val=""/>
+  <dgm:desc val=""/>
+  <dgm:catLst>
+    <dgm:cat type="hierarchy" pri="2000"/>
+  </dgm:catLst>
+  <dgm:sampData>
+    <dgm:dataModel>
+      <dgm:ptLst>
+        <dgm:pt modelId="0" type="doc"/>
+        <dgm:pt modelId="1">
+          <dgm:prSet phldr="1"/>
+        </dgm:pt>
+        <dgm:pt modelId="2">
+          <dgm:prSet phldr="1"/>
+        </dgm:pt>
+        <dgm:pt modelId="21">
+          <dgm:prSet phldr="1"/>
+        </dgm:pt>
+        <dgm:pt modelId="22">
+          <dgm:prSet phldr="1"/>
+        </dgm:pt>
+        <dgm:pt modelId="3">
+          <dgm:prSet phldr="1"/>
+        </dgm:pt>
+        <dgm:pt modelId="31">
+          <dgm:prSet phldr="1"/>
+        </dgm:pt>
+      </dgm:ptLst>
+      <dgm:cxnLst>
+        <dgm:cxn modelId="4" srcId="0" destId="1" srcOrd="0" destOrd="0"/>
+        <dgm:cxn modelId="5" srcId="1" destId="2" srcOrd="0" destOrd="0"/>
+        <dgm:cxn modelId="6" srcId="1" destId="3" srcOrd="1" destOrd="0"/>
+        <dgm:cxn modelId="23" srcId="2" destId="21" srcOrd="0" destOrd="0"/>
+        <dgm:cxn modelId="24" srcId="2" destId="22" srcOrd="1" destOrd="0"/>
+        <dgm:cxn modelId="33" srcId="3" destId="31" srcOrd="0" destOrd="0"/>
+      </dgm:cxnLst>
+      <dgm:bg/>
+      <dgm:whole/>
+    </dgm:dataModel>
+  </dgm:sampData>
+  <dgm:styleData>
+    <dgm:dataModel>
+      <dgm:ptLst>
+        <dgm:pt modelId="0" type="doc"/>
+        <dgm:pt modelId="1"/>
+        <dgm:pt modelId="11"/>
+        <dgm:pt modelId="12"/>
+      </dgm:ptLst>
+      <dgm:cxnLst>
+        <dgm:cxn modelId="2" srcId="0" destId="1" srcOrd="0" destOrd="0"/>
+        <dgm:cxn modelId="13" srcId="1" destId="11" srcOrd="0" destOrd="0"/>
+        <dgm:cxn modelId="14" srcId="1" destId="12" srcOrd="1" destOrd="0"/>
+      </dgm:cxnLst>
+      <dgm:bg/>
+      <dgm:whole/>
+    </dgm:dataModel>
+  </dgm:styleData>
+  <dgm:clrData>
+    <dgm:dataModel>
+      <dgm:ptLst>
+        <dgm:pt modelId="0" type="doc"/>
+        <dgm:pt modelId="1"/>
+        <dgm:pt modelId="2"/>
+        <dgm:pt modelId="21"/>
+        <dgm:pt modelId="211"/>
+        <dgm:pt modelId="3"/>
+        <dgm:pt modelId="31"/>
+        <dgm:pt modelId="311"/>
+      </dgm:ptLst>
+      <dgm:cxnLst>
+        <dgm:cxn modelId="4" srcId="0" destId="1" srcOrd="0" destOrd="0"/>
+        <dgm:cxn modelId="5" srcId="1" destId="2" srcOrd="0" destOrd="0"/>
+        <dgm:cxn modelId="6" srcId="1" destId="3" srcOrd="1" destOrd="0"/>
+        <dgm:cxn modelId="23" srcId="2" destId="21" srcOrd="0" destOrd="0"/>
+        <dgm:cxn modelId="24" srcId="21" destId="211" srcOrd="0" destOrd="0"/>
+        <dgm:cxn modelId="33" srcId="3" destId="31" srcOrd="0" destOrd="0"/>
+        <dgm:cxn modelId="34" srcId="31" destId="311" srcOrd="0" destOrd="0"/>
+      </dgm:cxnLst>
+      <dgm:bg/>
+      <dgm:whole/>
+    </dgm:dataModel>
+  </dgm:clrData>
+  <dgm:layoutNode name="hierChild1">
+    <dgm:varLst>
+      <dgm:chPref val="1"/>
+      <dgm:dir/>
+      <dgm:animOne val="branch"/>
+      <dgm:animLvl val="lvl"/>
+      <dgm:resizeHandles/>
+    </dgm:varLst>
+    <dgm:choose name="Name0">
+      <dgm:if name="Name1" func="var" arg="dir" op="equ" val="norm">
+        <dgm:alg type="hierChild">
+          <dgm:param type="linDir" val="fromL"/>
+        </dgm:alg>
+      </dgm:if>
+      <dgm:else name="Name2">
+        <dgm:alg type="hierChild">
+          <dgm:param type="linDir" val="fromR"/>
+        </dgm:alg>
+      </dgm:else>
+    </dgm:choose>
+    <dgm:shape xmlns:r="http://schemas.openxmlformats.org/officeDocument/2006/relationships" r:blip="">
+      <dgm:adjLst/>
+    </dgm:shape>
+    <dgm:presOf/>
+    <dgm:constrLst>
+      <dgm:constr type="primFontSz" for="des" ptType="node" op="equ" val="65"/>
+      <dgm:constr type="w" for="des" forName="composite" refType="w"/>
+      <dgm:constr type="h" for="des" forName="composite" refType="w" refFor="des" refForName="composite" fact="0.667"/>
+      <dgm:constr type="w" for="des" forName="composite2" refType="w" refFor="des" refForName="composite"/>
+      <dgm:constr type="h" for="des" forName="composite2" refType="h" refFor="des" refForName="composite"/>
+      <dgm:constr type="w" for="des" forName="composite3" refType="w" refFor="des" refForName="composite"/>
+      <dgm:constr type="h" for="des" forName="composite3" refType="h" refFor="des" refForName="composite"/>
+      <dgm:constr type="w" for="des" forName="composite4" refType="w" refFor="des" refForName="composite"/>
+      <dgm:constr type="h" for="des" forName="composite4" refType="h" refFor="des" refForName="composite"/>
+      <dgm:constr type="w" for="des" forName="composite5" refType="w" refFor="des" refForName="composite"/>
+      <dgm:constr type="h" for="des" forName="composite5" refType="h" refFor="des" refForName="composite"/>
+      <dgm:constr type="sibSp" refType="w" refFor="des" refForName="composite" fact="0.1"/>
+      <dgm:constr type="sibSp" for="des" forName="hierChild2" refType="sibSp"/>
+      <dgm:constr type="sibSp" for="des" forName="hierChild3" refType="sibSp"/>
+      <dgm:constr type="sibSp" for="des" forName="hierChild4" refType="sibSp"/>
+      <dgm:constr type="sibSp" for="des" forName="hierChild5" refType="sibSp"/>
+      <dgm:constr type="sibSp" for="des" forName="hierChild6" refType="sibSp"/>
+      <dgm:constr type="sp" for="des" forName="hierRoot1" refType="h" refFor="des" refForName="composite" fact="0.25"/>
+      <dgm:constr type="sp" for="des" forName="hierRoot2" refType="sp" refFor="des" refForName="hierRoot1"/>
+      <dgm:constr type="sp" for="des" forName="hierRoot3" refType="sp" refFor="des" refForName="hierRoot1"/>
+      <dgm:constr type="sp" for="des" forName="hierRoot4" refType="sp" refFor="des" refForName="hierRoot1"/>
+      <dgm:constr type="sp" for="des" forName="hierRoot5" refType="sp" refFor="des" refForName="hierRoot1"/>
+    </dgm:constrLst>
+    <dgm:ruleLst/>
+    <dgm:forEach name="Name3" axis="ch">
+      <dgm:forEach name="Name4" axis="self" ptType="node">
+        <dgm:layoutNode name="hierRoot1">
+          <dgm:alg type="hierRoot"/>
+          <dgm:shape xmlns:r="http://schemas.openxmlformats.org/officeDocument/2006/relationships" r:blip="">
+            <dgm:adjLst/>
+          </dgm:shape>
+          <dgm:presOf/>
+          <dgm:constrLst>
+            <dgm:constr type="bendDist" for="des" ptType="parTrans" refType="sp" fact="0.5"/>
+          </dgm:constrLst>
+          <dgm:ruleLst/>
+          <dgm:layoutNode name="composite">
+            <dgm:alg type="composite"/>
+            <dgm:shape xmlns:r="http://schemas.openxmlformats.org/officeDocument/2006/relationships" r:blip="">
+              <dgm:adjLst/>
+            </dgm:shape>
+            <dgm:presOf/>
+            <dgm:constrLst>
+              <dgm:constr type="w" for="ch" forName="background" refType="w" fact="0.9"/>
+              <dgm:constr type="h" for="ch" forName="background" refType="w" refFor="ch" refForName="background" fact="0.635"/>
+              <dgm:constr type="t" for="ch" forName="background"/>
+              <dgm:constr type="l" for="ch" forName="background"/>
+              <dgm:constr type="w" for="ch" forName="text" refType="w" fact="0.9"/>
+              <dgm:constr type="h" for="ch" forName="text" refType="w" refFor="ch" refForName="text" fact="0.635"/>
+              <dgm:constr type="t" for="ch" forName="text" refType="w" fact="0.095"/>
+              <dgm:constr type="l" for="ch" forName="text" refType="w" fact="0.1"/>
+            </dgm:constrLst>
+            <dgm:ruleLst/>
+            <dgm:layoutNode name="background" styleLbl="node0" moveWith="text">
+              <dgm:alg type="sp"/>
+              <dgm:shape xmlns:r="http://schemas.openxmlformats.org/officeDocument/2006/relationships" type="roundRect" r:blip="">
+                <dgm:adjLst>
+                  <dgm:adj idx="1" val="0.1"/>
+                </dgm:adjLst>
+              </dgm:shape>
+              <dgm:presOf/>
+              <dgm:constrLst/>
+              <dgm:ruleLst/>
+            </dgm:layoutNode>
+            <dgm:layoutNode name="text" styleLbl="fgAcc0">
+              <dgm:varLst>
+                <dgm:chPref val="3"/>
+              </dgm:varLst>
+              <dgm:alg type="tx"/>
+              <dgm:shape xmlns:r="http://schemas.openxmlformats.org/officeDocument/2006/relationships" type="roundRect" r:blip="">
+                <dgm:adjLst>
+                  <dgm:adj idx="1" val="0.1"/>
+                </dgm:adjLst>
+              </dgm:shape>
+              <dgm:presOf axis="self"/>
+              <dgm:constrLst>
+                <dgm:constr type="tMarg" refType="primFontSz" fact="0.3"/>
+                <dgm:constr type="bMarg" refType="primFontSz" fact="0.3"/>
+                <dgm:constr type="lMarg" refType="primFontSz" fact="0.3"/>
+                <dgm:constr type="rMarg" refType="primFontSz" fact="0.3"/>
+              </dgm:constrLst>
+              <dgm:ruleLst>
+                <dgm:rule type="primFontSz" val="5" fact="NaN" max="NaN"/>
+              </dgm:ruleLst>
+            </dgm:layoutNode>
+          </dgm:layoutNode>
+          <dgm:layoutNode name="hierChild2">
+            <dgm:choose name="Name5">
+              <dgm:if name="Name6" func="var" arg="dir" op="equ" val="norm">
+                <dgm:alg type="hierChild">
+                  <dgm:param type="linDir" val="fromL"/>
+                </dgm:alg>
+              </dgm:if>
+              <dgm:else name="Name7">
+                <dgm:alg type="hierChild">
+                  <dgm:param type="linDir" val="fromR"/>
+                </dgm:alg>
+              </dgm:else>
+            </dgm:choose>
+            <dgm:shape xmlns:r="http://schemas.openxmlformats.org/officeDocument/2006/relationships" r:blip="">
+              <dgm:adjLst/>
+            </dgm:shape>
+            <dgm:presOf/>
+            <dgm:constrLst/>
+            <dgm:ruleLst/>
+            <dgm:forEach name="Name8" axis="ch">
+              <dgm:forEach name="Name9" axis="self" ptType="parTrans" cnt="1">
+                <dgm:layoutNode name="Name10">
+                  <dgm:alg type="conn">
+                    <dgm:param type="dim" val="1D"/>
+                    <dgm:param type="endSty" val="noArr"/>
+                    <dgm:param type="connRout" val="bend"/>
+                    <dgm:param type="bendPt" val="end"/>
+                    <dgm:param type="begPts" val="bCtr"/>
+                    <dgm:param type="endPts" val="tCtr"/>
+                    <dgm:param type="srcNode" val="background"/>
+                    <dgm:param type="dstNode" val="background2"/>
+                  </dgm:alg>
+                  <dgm:shape xmlns:r="http://schemas.openxmlformats.org/officeDocument/2006/relationships" type="conn" r:blip="" zOrderOff="-999">
+                    <dgm:adjLst/>
+                  </dgm:shape>
+                  <dgm:presOf axis="self"/>
+                  <dgm:constrLst>
+                    <dgm:constr type="begPad"/>
+                    <dgm:constr type="endPad"/>
+                  </dgm:constrLst>
+                  <dgm:ruleLst/>
+                </dgm:layoutNode>
+              </dgm:forEach>
+              <dgm:forEach name="Name11" axis="self" ptType="node">
+                <dgm:layoutNode name="hierRoot2">
+                  <dgm:alg type="hierRoot"/>
+                  <dgm:shape xmlns:r="http://schemas.openxmlformats.org/officeDocument/2006/relationships" r:blip="">
+                    <dgm:adjLst/>
+                  </dgm:shape>
+                  <dgm:presOf/>
+                  <dgm:constrLst>
+                    <dgm:constr type="bendDist" for="des" ptType="parTrans" refType="sp" fact="0.5"/>
+                  </dgm:constrLst>
+                  <dgm:ruleLst/>
+                  <dgm:layoutNode name="composite2">
+                    <dgm:alg type="composite"/>
+                    <dgm:shape xmlns:r="http://schemas.openxmlformats.org/officeDocument/2006/relationships" r:blip="">
+                      <dgm:adjLst/>
+                    </dgm:shape>
+                    <dgm:presOf/>
+                    <dgm:constrLst>
+                      <dgm:constr type="w" for="ch" forName="background2" refType="w" fact="0.9"/>
+                      <dgm:constr type="h" for="ch" forName="background2" refType="w" refFor="ch" refForName="background2" fact="0.635"/>
+                      <dgm:constr type="t" for="ch" forName="background2"/>
+                      <dgm:constr type="l" for="ch" forName="background2"/>
+                      <dgm:constr type="w" for="ch" forName="text2" refType="w" fact="0.9"/>
+                      <dgm:constr type="h" for="ch" forName="text2" refType="w" refFor="ch" refForName="text2" fact="0.635"/>
+                      <dgm:constr type="t" for="ch" forName="text2" refType="w" fact="0.095"/>
+                      <dgm:constr type="l" for="ch" forName="text2" refType="w" fact="0.1"/>
+                    </dgm:constrLst>
+                    <dgm:ruleLst/>
+                    <dgm:layoutNode name="background2" moveWith="text2">
+                      <dgm:alg type="sp"/>
+                      <dgm:shape xmlns:r="http://schemas.openxmlformats.org/officeDocument/2006/relationships" type="roundRect" r:blip="">
+                        <dgm:adjLst>
+                          <dgm:adj idx="1" val="0.1"/>
+                        </dgm:adjLst>
+                      </dgm:shape>
+                      <dgm:presOf/>
+                      <dgm:constrLst/>
+                      <dgm:ruleLst/>
+                    </dgm:layoutNode>
+                    <dgm:layoutNode name="text2" styleLbl="fgAcc2">
+                      <dgm:varLst>
+                        <dgm:chPref val="3"/>
+                      </dgm:varLst>
+                      <dgm:alg type="tx"/>
+                      <dgm:shape xmlns:r="http://schemas.openxmlformats.org/officeDocument/2006/relationships" type="roundRect" r:blip="">
+                        <dgm:adjLst>
+                          <dgm:adj idx="1" val="0.1"/>
+                        </dgm:adjLst>
+                      </dgm:shape>
+                      <dgm:presOf axis="self"/>
+                      <dgm:constrLst>
+                        <dgm:constr type="tMarg" refType="primFontSz" fact="0.3"/>
+                        <dgm:constr type="bMarg" refType="primFontSz" fact="0.3"/>
+                        <dgm:constr type="lMarg" refType="primFontSz" fact="0.3"/>
+                        <dgm:constr type="rMarg" refType="primFontSz" fact="0.3"/>
+                      </dgm:constrLst>
+                      <dgm:ruleLst>
+                        <dgm:rule type="primFontSz" val="5" fact="NaN" max="NaN"/>
+                      </dgm:ruleLst>
+                    </dgm:layoutNode>
+                  </dgm:layoutNode>
+                  <dgm:layoutNode name="hierChild3">
+                    <dgm:choose name="Name12">
+                      <dgm:if name="Name13" func="var" arg="dir" op="equ" val="norm">
+                        <dgm:alg type="hierChild">
+                          <dgm:param type="linDir" val="fromL"/>
+                        </dgm:alg>
+                      </dgm:if>
+                      <dgm:else name="Name14">
+                        <dgm:alg type="hierChild">
+                          <dgm:param type="linDir" val="fromR"/>
+                        </dgm:alg>
+                      </dgm:else>
+                    </dgm:choose>
+                    <dgm:shape xmlns:r="http://schemas.openxmlformats.org/officeDocument/2006/relationships" r:blip="">
+                      <dgm:adjLst/>
+                    </dgm:shape>
+                    <dgm:presOf/>
+                    <dgm:constrLst/>
+                    <dgm:ruleLst/>
+                    <dgm:forEach name="Name15" axis="ch">
+                      <dgm:forEach name="Name16" axis="self" ptType="parTrans" cnt="1">
+                        <dgm:layoutNode name="Name17">
+                          <dgm:alg type="conn">
+                            <dgm:param type="dim" val="1D"/>
+                            <dgm:param type="endSty" val="noArr"/>
+                            <dgm:param type="connRout" val="bend"/>
+                            <dgm:param type="bendPt" val="end"/>
+                            <dgm:param type="begPts" val="bCtr"/>
+                            <dgm:param type="endPts" val="tCtr"/>
+                            <dgm:param type="srcNode" val="background2"/>
+                            <dgm:param type="dstNode" val="background3"/>
+                          </dgm:alg>
+                          <dgm:shape xmlns:r="http://schemas.openxmlformats.org/officeDocument/2006/relationships" type="conn" r:blip="" zOrderOff="-999">
+                            <dgm:adjLst/>
+                          </dgm:shape>
+                          <dgm:presOf axis="self"/>
+                          <dgm:constrLst>
+                            <dgm:constr type="begPad"/>
+                            <dgm:constr type="endPad"/>
+                          </dgm:constrLst>
+                          <dgm:ruleLst/>
+                        </dgm:layoutNode>
+                      </dgm:forEach>
+                      <dgm:forEach name="Name18" axis="self" ptType="node">
+                        <dgm:layoutNode name="hierRoot3">
+                          <dgm:alg type="hierRoot"/>
+                          <dgm:shape xmlns:r="http://schemas.openxmlformats.org/officeDocument/2006/relationships" r:blip="">
+                            <dgm:adjLst/>
+                          </dgm:shape>
+                          <dgm:presOf/>
+                          <dgm:constrLst>
+                            <dgm:constr type="bendDist" for="des" ptType="parTrans" refType="sp" fact="0.5"/>
+                          </dgm:constrLst>
+                          <dgm:ruleLst/>
+                          <dgm:layoutNode name="composite3">
+                            <dgm:alg type="composite"/>
+                            <dgm:shape xmlns:r="http://schemas.openxmlformats.org/officeDocument/2006/relationships" r:blip="">
+                              <dgm:adjLst/>
+                            </dgm:shape>
+                            <dgm:presOf/>
+                            <dgm:constrLst>
+                              <dgm:constr type="w" for="ch" forName="background3" refType="w" fact="0.9"/>
+                              <dgm:constr type="h" for="ch" forName="background3" refType="w" refFor="ch" refForName="background3" fact="0.635"/>
+                              <dgm:constr type="t" for="ch" forName="background3"/>
+                              <dgm:constr type="l" for="ch" forName="background3"/>
+                              <dgm:constr type="w" for="ch" forName="text3" refType="w" fact="0.9"/>
+                              <dgm:constr type="h" for="ch" forName="text3" refType="w" refFor="ch" refForName="text3" fact="0.635"/>
+                              <dgm:constr type="t" for="ch" forName="text3" refType="w" fact="0.095"/>
+                              <dgm:constr type="l" for="ch" forName="text3" refType="w" fact="0.1"/>
+                            </dgm:constrLst>
+                            <dgm:ruleLst/>
+                            <dgm:layoutNode name="background3" moveWith="text3">
+                              <dgm:alg type="sp"/>
+                              <dgm:shape xmlns:r="http://schemas.openxmlformats.org/officeDocument/2006/relationships" type="roundRect" r:blip="">
+                                <dgm:adjLst>
+                                  <dgm:adj idx="1" val="0.1"/>
+                                </dgm:adjLst>
+                              </dgm:shape>
+                              <dgm:presOf/>
+                              <dgm:constrLst/>
+                              <dgm:ruleLst/>
+                            </dgm:layoutNode>
+                            <dgm:layoutNode name="text3" styleLbl="fgAcc3">
+                              <dgm:varLst>
+                                <dgm:chPref val="3"/>
+                              </dgm:varLst>
+                              <dgm:alg type="tx"/>
+                              <dgm:shape xmlns:r="http://schemas.openxmlformats.org/officeDocument/2006/relationships" type="roundRect" r:blip="">
+                                <dgm:adjLst>
+                                  <dgm:adj idx="1" val="0.1"/>
+                                </dgm:adjLst>
+                              </dgm:shape>
+                              <dgm:presOf axis="self"/>
+                              <dgm:constrLst>
+                                <dgm:constr type="tMarg" refType="primFontSz" fact="0.3"/>
+                                <dgm:constr type="bMarg" refType="primFontSz" fact="0.3"/>
+                                <dgm:constr type="lMarg" refType="primFontSz" fact="0.3"/>
+                                <dgm:constr type="rMarg" refType="primFontSz" fact="0.3"/>
+                              </dgm:constrLst>
+                              <dgm:ruleLst>
+                                <dgm:rule type="primFontSz" val="5" fact="NaN" max="NaN"/>
+                              </dgm:ruleLst>
+                            </dgm:layoutNode>
+                          </dgm:layoutNode>
+                          <dgm:layoutNode name="hierChild4">
+                            <dgm:choose name="Name19">
+                              <dgm:if name="Name20" func="var" arg="dir" op="equ" val="norm">
+                                <dgm:alg type="hierChild">
+                                  <dgm:param type="linDir" val="fromL"/>
+                                </dgm:alg>
+                              </dgm:if>
+                              <dgm:else name="Name21">
+                                <dgm:alg type="hierChild">
+                                  <dgm:param type="linDir" val="fromR"/>
+                                </dgm:alg>
+                              </dgm:else>
+                            </dgm:choose>
+                            <dgm:shape xmlns:r="http://schemas.openxmlformats.org/officeDocument/2006/relationships" r:blip="">
+                              <dgm:adjLst/>
+                            </dgm:shape>
+                            <dgm:presOf/>
+                            <dgm:constrLst/>
+                            <dgm:ruleLst/>
+                            <dgm:forEach name="repeat" axis="ch">
+                              <dgm:forEach name="Name22" axis="self" ptType="parTrans" cnt="1">
+                                <dgm:layoutNode name="Name23">
+                                  <dgm:choose name="Name24">
+                                    <dgm:if name="Name25" axis="self" func="depth" op="lte" val="4">
+                                      <dgm:alg type="conn">
+                                        <dgm:param type="dim" val="1D"/>
+                                        <dgm:param type="endSty" val="noArr"/>
+                                        <dgm:param type="connRout" val="bend"/>
+                                        <dgm:param type="bendPt" val="end"/>
+                                        <dgm:param type="begPts" val="bCtr"/>
+                                        <dgm:param type="endPts" val="tCtr"/>
+                                        <dgm:param type="srcNode" val="background3"/>
+                                        <dgm:param type="dstNode" val="background4"/>
+                                      </dgm:alg>
+                                    </dgm:if>
+                                    <dgm:else name="Name26">
+                                      <dgm:alg type="conn">
+                                        <dgm:param type="dim" val="1D"/>
+                                        <dgm:param type="endSty" val="noArr"/>
+                                        <dgm:param type="connRout" val="bend"/>
+                                        <dgm:param type="bendPt" val="end"/>
+                                        <dgm:param type="begPts" val="bCtr"/>
+                                        <dgm:param type="endPts" val="tCtr"/>
+                                        <dgm:param type="srcNode" val="background4"/>
+                                        <dgm:param type="dstNode" val="background4"/>
+                                      </dgm:alg>
+                                    </dgm:else>
+                                  </dgm:choose>
+                                  <dgm:shape xmlns:r="http://schemas.openxmlformats.org/officeDocument/2006/relationships" type="conn" r:blip="" zOrderOff="-999">
+                                    <dgm:adjLst/>
+                                  </dgm:shape>
+                                  <dgm:presOf axis="self"/>
+                                  <dgm:constrLst>
+                                    <dgm:constr type="begPad"/>
+                                    <dgm:constr type="endPad"/>
+                                  </dgm:constrLst>
+                                  <dgm:ruleLst/>
+                                </dgm:layoutNode>
+                              </dgm:forEach>
+                              <dgm:forEach name="Name27" axis="self" ptType="node">
+                                <dgm:layoutNode name="hierRoot4">
+                                  <dgm:alg type="hierRoot"/>
+                                  <dgm:shape xmlns:r="http://schemas.openxmlformats.org/officeDocument/2006/relationships" r:blip="">
+                                    <dgm:adjLst/>
+                                  </dgm:shape>
+                                  <dgm:presOf/>
+                                  <dgm:constrLst>
+                                    <dgm:constr type="bendDist" for="des" ptType="parTrans" refType="sp" fact="0.5"/>
+                                  </dgm:constrLst>
+                                  <dgm:ruleLst/>
+                                  <dgm:layoutNode name="composite4">
+                                    <dgm:alg type="composite"/>
+                                    <dgm:shape xmlns:r="http://schemas.openxmlformats.org/officeDocument/2006/relationships" r:blip="">
+                                      <dgm:adjLst/>
+                                    </dgm:shape>
+                                    <dgm:presOf/>
+                                    <dgm:constrLst>
+                                      <dgm:constr type="w" for="ch" forName="background4" refType="w" fact="0.9"/>
+                                      <dgm:constr type="h" for="ch" forName="background4" refType="w" refFor="ch" refForName="background4" fact="0.635"/>
+                                      <dgm:constr type="t" for="ch" forName="background4"/>
+                                      <dgm:constr type="l" for="ch" forName="background4"/>
+                                      <dgm:constr type="w" for="ch" forName="text4" refType="w" fact="0.9"/>
+                                      <dgm:constr type="h" for="ch" forName="text4" refType="w" refFor="ch" refForName="text4" fact="0.635"/>
+                                      <dgm:constr type="t" for="ch" forName="text4" refType="w" fact="0.095"/>
+                                      <dgm:constr type="l" for="ch" forName="text4" refType="w" fact="0.1"/>
+                                    </dgm:constrLst>
+                                    <dgm:ruleLst/>
+                                    <dgm:layoutNode name="background4" moveWith="text4">
+                                      <dgm:alg type="sp"/>
+                                      <dgm:shape xmlns:r="http://schemas.openxmlformats.org/officeDocument/2006/relationships" type="roundRect" r:blip="">
+                                        <dgm:adjLst>
+                                          <dgm:adj idx="1" val="0.1"/>
+                                        </dgm:adjLst>
+                                      </dgm:shape>
+                                      <dgm:presOf/>
+                                      <dgm:constrLst/>
+                                      <dgm:ruleLst/>
+                                    </dgm:layoutNode>
+                                    <dgm:layoutNode name="text4" styleLbl="fgAcc4">
+                                      <dgm:varLst>
+                                        <dgm:chPref val="3"/>
+                                      </dgm:varLst>
+                                      <dgm:alg type="tx"/>
+                                      <dgm:shape xmlns:r="http://schemas.openxmlformats.org/officeDocument/2006/relationships" type="roundRect" r:blip="">
+                                        <dgm:adjLst>
+                                          <dgm:adj idx="1" val="0.1"/>
+                                        </dgm:adjLst>
+                                      </dgm:shape>
+                                      <dgm:presOf axis="self"/>
+                                      <dgm:constrLst>
+                                        <dgm:constr type="tMarg" refType="primFontSz" fact="0.3"/>
+                                        <dgm:constr type="bMarg" refType="primFontSz" fact="0.3"/>
+                                        <dgm:constr type="lMarg" refType="primFontSz" fact="0.3"/>
+                                        <dgm:constr type="rMarg" refType="primFontSz" fact="0.3"/>
+                                      </dgm:constrLst>
+                                      <dgm:ruleLst>
+                                        <dgm:rule type="primFontSz" val="5" fact="NaN" max="NaN"/>
+                                      </dgm:ruleLst>
+                                    </dgm:layoutNode>
+                                  </dgm:layoutNode>
+                                  <dgm:layoutNode name="hierChild5">
+                                    <dgm:choose name="Name28">
+                                      <dgm:if name="Name29" func="var" arg="dir" op="equ" val="norm">
+                                        <dgm:alg type="hierChild">
+                                          <dgm:param type="linDir" val="fromL"/>
+                                        </dgm:alg>
+                                      </dgm:if>
+                                      <dgm:else name="Name30">
+                                        <dgm:alg type="hierChild">
+                                          <dgm:param type="linDir" val="fromR"/>
+                                        </dgm:alg>
+                                      </dgm:else>
+                                    </dgm:choose>
+                                    <dgm:shape xmlns:r="http://schemas.openxmlformats.org/officeDocument/2006/relationships" r:blip="">
+                                      <dgm:adjLst/>
+                                    </dgm:shape>
+                                    <dgm:presOf/>
+                                    <dgm:constrLst/>
+                                    <dgm:ruleLst/>
+                                    <dgm:forEach name="Name31" ref="repeat"/>
+                                  </dgm:layoutNode>
+                                </dgm:layoutNode>
+                              </dgm:forEach>
+                            </dgm:forEach>
+                          </dgm:layoutNode>
+                        </dgm:layoutNode>
+                      </dgm:forEach>
+                    </dgm:forEach>
+                  </dgm:layoutNode>
+                </dgm:layoutNode>
+              </dgm:forEach>
+            </dgm:forEach>
+          </dgm:layoutNode>
+        </dgm:layoutNode>
+      </dgm:forEach>
+    </dgm:forEach>
+  </dgm:layoutNode>
+</dgm:layoutDef>
+</file>
+
+<file path=ppt/diagrams/quickStyle1.xml><?xml version="1.0" encoding="utf-8"?>
+<dgm:styleDef xmlns:dgm="http://schemas.openxmlformats.org/drawingml/2006/diagram" xmlns:a="http://schemas.openxmlformats.org/drawingml/2006/main" uniqueId="urn:microsoft.com/office/officeart/2005/8/quickstyle/simple4">
+  <dgm:title val=""/>
+  <dgm:desc val=""/>
+  <dgm:catLst>
+    <dgm:cat type="simple" pri="10400"/>
+  </dgm:catLst>
+  <dgm:scene3d>
+    <a:camera prst="orthographicFront"/>
+    <a:lightRig rig="threePt" dir="t"/>
+  </dgm:scene3d>
+  <dgm:styleLbl name="node0">
+    <dgm:scene3d>
+      <a:camera prst="orthographicFront"/>
+      <a:lightRig rig="threePt" dir="t"/>
+    </dgm:scene3d>
+    <dgm:sp3d/>
+    <dgm:txPr/>
+    <dgm:style>
+      <a:lnRef idx="0">
+        <a:scrgbClr r="0" g="0" b="0"/>
+      </a:lnRef>
+      <a:fillRef idx="3">
+        <a:scrgbClr r="0" g="0" b="0"/>
+      </a:fillRef>
+      <a:effectRef idx="2">
+        <a:scrgbClr r="0" g="0" b="0"/>
+      </a:effectRef>
+      <a:fontRef idx="minor">
+        <a:schemeClr val="lt1"/>
+      </a:fontRef>
+    </dgm:style>
+  </dgm:styleLbl>
+  <dgm:styleLbl name="lnNode1">
+    <dgm:scene3d>
+      <a:camera prst="orthographicFront"/>
+      <a:lightRig rig="threePt" dir="t"/>
+    </dgm:scene3d>
+    <dgm:sp3d/>
+    <dgm:txPr/>
+    <dgm:style>
+      <a:lnRef idx="1">
+        <a:scrgbClr r="0" g="0" b="0"/>
+      </a:lnRef>
+      <a:fillRef idx="3">
+        <a:scrgbClr r="0" g="0" b="0"/>
+      </a:fillRef>
+      <a:effectRef idx="2">
+        <a:scrgbClr r="0" g="0" b="0"/>
+      </a:effectRef>
+      <a:fontRef idx="minor">
+        <a:schemeClr val="lt1"/>
+      </a:fontRef>
+    </dgm:style>
+  </dgm:styleLbl>
+  <dgm:styleLbl name="vennNode1">
+    <dgm:scene3d>
+      <a:camera prst="orthographicFront"/>
+      <a:lightRig rig="threePt" dir="t"/>
+    </dgm:scene3d>
+    <dgm:sp3d/>
+    <dgm:txPr/>
+    <dgm:style>
+      <a:lnRef idx="0">
+        <a:scrgbClr r="0" g="0" b="0"/>
+      </a:lnRef>
+      <a:fillRef idx="3">
+        <a:scrgbClr r="0" g="0" b="0"/>
+      </a:fillRef>
+      <a:effectRef idx="0">
+        <a:scrgbClr r="0" g="0" b="0"/>
+      </a:effectRef>
+      <a:fontRef idx="minor">
+        <a:schemeClr val="tx1"/>
+      </a:fontRef>
+    </dgm:style>
+  </dgm:styleLbl>
+  <dgm:styleLbl name="alignNode1">
+    <dgm:scene3d>
+      <a:camera prst="orthographicFront"/>
+      <a:lightRig rig="threePt" dir="t"/>
+    </dgm:scene3d>
+    <dgm:sp3d/>
+    <dgm:txPr/>
+    <dgm:style>
+      <a:lnRef idx="1">
+        <a:scrgbClr r="0" g="0" b="0"/>
+      </a:lnRef>
+      <a:fillRef idx="3">
+        <a:scrgbClr r="0" g="0" b="0"/>
+      </a:fillRef>
+      <a:effectRef idx="2">
+        <a:scrgbClr r="0" g="0" b="0"/>
+      </a:effectRef>
+      <a:fontRef idx="minor">
+        <a:schemeClr val="lt1"/>
+      </a:fontRef>
+    </dgm:style>
+  </dgm:styleLbl>
+  <dgm:styleLbl name="node1">
+    <dgm:scene3d>
+      <a:camera prst="orthographicFront"/>
+      <a:lightRig rig="threePt" dir="t"/>
+    </dgm:scene3d>
+    <dgm:sp3d/>
+    <dgm:txPr/>
+    <dgm:style>
+      <a:lnRef idx="0">
+        <a:scrgbClr r="0" g="0" b="0"/>
+      </a:lnRef>
+      <a:fillRef idx="3">
+        <a:scrgbClr r="0" g="0" b="0"/>
+      </a:fillRef>
+      <a:effectRef idx="2">
+        <a:scrgbClr r="0" g="0" b="0"/>
+      </a:effectRef>
+      <a:fontRef idx="minor">
+        <a:schemeClr val="lt1"/>
+      </a:fontRef>
+    </dgm:style>
+  </dgm:styleLbl>
+  <dgm:styleLbl name="node2">
+    <dgm:scene3d>
+      <a:camera prst="orthographicFront"/>
+      <a:lightRig rig="threePt" dir="t"/>
+    </dgm:scene3d>
+    <dgm:sp3d/>
+    <dgm:txPr/>
+    <dgm:style>
+      <a:lnRef idx="0">
+        <a:scrgbClr r="0" g="0" b="0"/>
+      </a:lnRef>
+      <a:fillRef idx="3">
+        <a:scrgbClr r="0" g="0" b="0"/>
+      </a:fillRef>
+      <a:effectRef idx="2">
+        <a:scrgbClr r="0" g="0" b="0"/>
+      </a:effectRef>
+      <a:fontRef idx="minor">
+        <a:schemeClr val="lt1"/>
+      </a:fontRef>
+    </dgm:style>
+  </dgm:styleLbl>
+  <dgm:styleLbl name="node3">
+    <dgm:scene3d>
+      <a:camera prst="orthographicFront"/>
+      <a:lightRig rig="threePt" dir="t"/>
+    </dgm:scene3d>
+    <dgm:sp3d/>
+    <dgm:txPr/>
+    <dgm:style>
+      <a:lnRef idx="0">
+        <a:scrgbClr r="0" g="0" b="0"/>
+      </a:lnRef>
+      <a:fillRef idx="3">
+        <a:scrgbClr r="0" g="0" b="0"/>
+      </a:fillRef>
+      <a:effectRef idx="2">
+        <a:scrgbClr r="0" g="0" b="0"/>
+      </a:effectRef>
+      <a:fontRef idx="minor">
+        <a:schemeClr val="lt1"/>
+      </a:fontRef>
+    </dgm:style>
+  </dgm:styleLbl>
+  <dgm:styleLbl name="node4">
+    <dgm:scene3d>
+      <a:camera prst="orthographicFront"/>
+      <a:lightRig rig="threePt" dir="t"/>
+    </dgm:scene3d>
+    <dgm:sp3d/>
+    <dgm:txPr/>
+    <dgm:style>
+      <a:lnRef idx="0">
+        <a:scrgbClr r="0" g="0" b="0"/>
+      </a:lnRef>
+      <a:fillRef idx="3">
+        <a:scrgbClr r="0" g="0" b="0"/>
+      </a:fillRef>
+      <a:effectRef idx="2">
+        <a:scrgbClr r="0" g="0" b="0"/>
+      </a:effectRef>
+      <a:fontRef idx="minor">
+        <a:schemeClr val="lt1"/>
+      </a:fontRef>
+    </dgm:style>
+  </dgm:styleLbl>
+  <dgm:styleLbl name="fgImgPlace1">
+    <dgm:scene3d>
+      <a:camera prst="orthographicFront"/>
+      <a:lightRig rig="threePt" dir="t"/>
+    </dgm:scene3d>
+    <dgm:sp3d/>
+    <dgm:txPr/>
+    <dgm:style>
+      <a:lnRef idx="0">
+        <a:scrgbClr r="0" g="0" b="0"/>
+      </a:lnRef>
+      <a:fillRef idx="1">
+        <a:scrgbClr r="0" g="0" b="0"/>
+      </a:fillRef>
+      <a:effectRef idx="2">
+        <a:scrgbClr r="0" g="0" b="0"/>
+      </a:effectRef>
+      <a:fontRef idx="minor"/>
+    </dgm:style>
+  </dgm:styleLbl>
+  <dgm:styleLbl name="alignImgPlace1">
+    <dgm:scene3d>
+      <a:camera prst="orthographicFront"/>
+      <a:lightRig rig="threePt" dir="t"/>
+    </dgm:scene3d>
+    <dgm:sp3d/>
+    <dgm:txPr/>
+    <dgm:style>
+      <a:lnRef idx="0">
+        <a:scrgbClr r="0" g="0" b="0"/>
+      </a:lnRef>
+      <a:fillRef idx="1">
+        <a:scrgbClr r="0" g="0" b="0"/>
+      </a:fillRef>
+      <a:effectRef idx="2">
+        <a:scrgbClr r="0" g="0" b="0"/>
+      </a:effectRef>
+      <a:fontRef idx="minor"/>
+    </dgm:style>
+  </dgm:styleLbl>
+  <dgm:styleLbl name="bgImgPlace1">
+    <dgm:scene3d>
+      <a:camera prst="orthographicFront"/>
+      <a:lightRig rig="threePt" dir="t"/>
+    </dgm:scene3d>
+    <dgm:sp3d/>
+    <dgm:txPr/>
+    <dgm:style>
+      <a:lnRef idx="0">
+        <a:scrgbClr r="0" g="0" b="0"/>
+      </a:lnRef>
+      <a:fillRef idx="1">
+        <a:scrgbClr r="0" g="0" b="0"/>
+      </a:fillRef>
+      <a:effectRef idx="2">
+        <a:scrgbClr r="0" g="0" b="0"/>
+      </a:effectRef>
+      <a:fontRef idx="minor"/>
+    </dgm:style>
+  </dgm:styleLbl>
+  <dgm:styleLbl name="sibTrans2D1">
+    <dgm:scene3d>
+      <a:camera prst="orthographicFront"/>
+      <a:lightRig rig="threePt" dir="t"/>
+    </dgm:scene3d>
+    <dgm:sp3d/>
+    <dgm:txPr/>
+    <dgm:style>
+      <a:lnRef idx="0">
+        <a:scrgbClr r="0" g="0" b="0"/>
+      </a:lnRef>
+      <a:fillRef idx="3">
+        <a:scrgbClr r="0" g="0" b="0"/>
+      </a:fillRef>
+      <a:effectRef idx="2">
+        <a:scrgbClr r="0" g="0" b="0"/>
+      </a:effectRef>
+      <a:fontRef idx="minor">
+        <a:schemeClr val="lt1"/>
+      </a:fontRef>
+    </dgm:style>
+  </dgm:styleLbl>
+  <dgm:styleLbl name="fgSibTrans2D1">
+    <dgm:scene3d>
+      <a:camera prst="orthographicFront"/>
+      <a:lightRig rig="threePt" dir="t"/>
+    </dgm:scene3d>
+    <dgm:sp3d/>
+    <dgm:txPr/>
+    <dgm:style>
+      <a:lnRef idx="0">
+        <a:scrgbClr r="0" g="0" b="0"/>
+      </a:lnRef>
+      <a:fillRef idx="3">
+        <a:scrgbClr r="0" g="0" b="0"/>
+      </a:fillRef>
+      <a:effectRef idx="2">
+        <a:scrgbClr r="0" g="0" b="0"/>
+      </a:effectRef>
+      <a:fontRef idx="minor">
+        <a:schemeClr val="lt1"/>
+      </a:fontRef>
+    </dgm:style>
+  </dgm:styleLbl>
+  <dgm:styleLbl name="bgSibTrans2D1">
+    <dgm:scene3d>
+      <a:camera prst="orthographicFront"/>
+      <a:lightRig rig="threePt" dir="t"/>
+    </dgm:scene3d>
+    <dgm:sp3d/>
+    <dgm:txPr/>
+    <dgm:style>
+      <a:lnRef idx="0">
+        <a:scrgbClr r="0" g="0" b="0"/>
+      </a:lnRef>
+      <a:fillRef idx="3">
+        <a:scrgbClr r="0" g="0" b="0"/>
+      </a:fillRef>
+      <a:effectRef idx="2">
+        <a:scrgbClr r="0" g="0" b="0"/>
+      </a:effectRef>
+      <a:fontRef idx="minor">
+        <a:schemeClr val="lt1"/>
+      </a:fontRef>
+    </dgm:style>
+  </dgm:styleLbl>
+  <dgm:styleLbl name="sibTrans1D1">
+    <dgm:scene3d>
+      <a:camera prst="orthographicFront"/>
+      <a:lightRig rig="threePt" dir="t"/>
+    </dgm:scene3d>
+    <dgm:sp3d/>
+    <dgm:txPr/>
+    <dgm:style>
+      <a:lnRef idx="1">
+        <a:scrgbClr r="0" g="0" b="0"/>
+      </a:lnRef>
+      <a:fillRef idx="0">
+        <a:scrgbClr r="0" g="0" b="0"/>
+      </a:fillRef>
+      <a:effectRef idx="0">
+        <a:scrgbClr r="0" g="0" b="0"/>
+      </a:effectRef>
+      <a:fontRef idx="minor"/>
+    </dgm:style>
+  </dgm:styleLbl>
+  <dgm:styleLbl name="callout">
+    <dgm:scene3d>
+      <a:camera prst="orthographicFront"/>
+      <a:lightRig rig="threePt" dir="t"/>
+    </dgm:scene3d>
+    <dgm:sp3d/>
+    <dgm:txPr/>
+    <dgm:style>
+      <a:lnRef idx="2">
+        <a:scrgbClr r="0" g="0" b="0"/>
+      </a:lnRef>
+      <a:fillRef idx="1">
+        <a:scrgbClr r="0" g="0" b="0"/>
+      </a:fillRef>
+      <a:effectRef idx="1">
+        <a:scrgbClr r="0" g="0" b="0"/>
+      </a:effectRef>
+      <a:fontRef idx="minor"/>
+    </dgm:style>
+  </dgm:styleLbl>
+  <dgm:styleLbl name="asst0">
+    <dgm:scene3d>
+      <a:camera prst="orthographicFront"/>
+      <a:lightRig rig="threePt" dir="t"/>
+    </dgm:scene3d>
+    <dgm:sp3d/>
+    <dgm:txPr/>
+    <dgm:style>
+      <a:lnRef idx="0">
+        <a:scrgbClr r="0" g="0" b="0"/>
+      </a:lnRef>
+      <a:fillRef idx="3">
+        <a:scrgbClr r="0" g="0" b="0"/>
+      </a:fillRef>
+      <a:effectRef idx="2">
+        <a:scrgbClr r="0" g="0" b="0"/>
+      </a:effectRef>
+      <a:fontRef idx="minor">
+        <a:schemeClr val="lt1"/>
+      </a:fontRef>
+    </dgm:style>
+  </dgm:styleLbl>
+  <dgm:styleLbl name="asst1">
+    <dgm:scene3d>
+      <a:camera prst="orthographicFront"/>
+      <a:lightRig rig="threePt" dir="t"/>
+    </dgm:scene3d>
+    <dgm:sp3d/>
+    <dgm:txPr/>
+    <dgm:style>
+      <a:lnRef idx="0">
+        <a:scrgbClr r="0" g="0" b="0"/>
+      </a:lnRef>
+      <a:fillRef idx="3">
+        <a:scrgbClr r="0" g="0" b="0"/>
+      </a:fillRef>
+      <a:effectRef idx="2">
+        <a:scrgbClr r="0" g="0" b="0"/>
+      </a:effectRef>
+      <a:fontRef idx="minor">
+        <a:schemeClr val="lt1"/>
+      </a:fontRef>
+    </dgm:style>
+  </dgm:styleLbl>
+  <dgm:styleLbl name="asst2">
+    <dgm:scene3d>
+      <a:camera prst="orthographicFront"/>
+      <a:lightRig rig="threePt" dir="t"/>
+    </dgm:scene3d>
+    <dgm:sp3d/>
+    <dgm:txPr/>
+    <dgm:style>
+      <a:lnRef idx="0">
+        <a:scrgbClr r="0" g="0" b="0"/>
+      </a:lnRef>
+      <a:fillRef idx="3">
+        <a:scrgbClr r="0" g="0" b="0"/>
+      </a:fillRef>
+      <a:effectRef idx="2">
+        <a:scrgbClr r="0" g="0" b="0"/>
+      </a:effectRef>
+      <a:fontRef idx="minor">
+        <a:schemeClr val="lt1"/>
+      </a:fontRef>
+    </dgm:style>
+  </dgm:styleLbl>
+  <dgm:styleLbl name="asst3">
+    <dgm:scene3d>
+      <a:camera prst="orthographicFront"/>
+      <a:lightRig rig="threePt" dir="t"/>
+    </dgm:scene3d>
+    <dgm:sp3d/>
+    <dgm:txPr/>
+    <dgm:style>
+      <a:lnRef idx="0">
+        <a:scrgbClr r="0" g="0" b="0"/>
+      </a:lnRef>
+      <a:fillRef idx="3">
+        <a:scrgbClr r="0" g="0" b="0"/>
+      </a:fillRef>
+      <a:effectRef idx="2">
+        <a:scrgbClr r="0" g="0" b="0"/>
+      </a:effectRef>
+      <a:fontRef idx="minor">
+        <a:schemeClr val="lt1"/>
+      </a:fontRef>
+    </dgm:style>
+  </dgm:styleLbl>
+  <dgm:styleLbl name="asst4">
+    <dgm:scene3d>
+      <a:camera prst="orthographicFront"/>
+      <a:lightRig rig="threePt" dir="t"/>
+    </dgm:scene3d>
+    <dgm:sp3d/>
+    <dgm:txPr/>
+    <dgm:style>
+      <a:lnRef idx="0">
+        <a:scrgbClr r="0" g="0" b="0"/>
+      </a:lnRef>
+      <a:fillRef idx="3">
+        <a:scrgbClr r="0" g="0" b="0"/>
+      </a:fillRef>
+      <a:effectRef idx="2">
+        <a:scrgbClr r="0" g="0" b="0"/>
+      </a:effectRef>
+      <a:fontRef idx="minor">
+        <a:schemeClr val="lt1"/>
+      </a:fontRef>
+    </dgm:style>
+  </dgm:styleLbl>
+  <dgm:styleLbl name="parChTrans2D1">
+    <dgm:scene3d>
+      <a:camera prst="orthographicFront"/>
+      <a:lightRig rig="threePt" dir="t"/>
+    </dgm:scene3d>
+    <dgm:sp3d/>
+    <dgm:txPr/>
+    <dgm:style>
+      <a:lnRef idx="0">
+        <a:scrgbClr r="0" g="0" b="0"/>
+      </a:lnRef>
+      <a:fillRef idx="3">
+        <a:scrgbClr r="0" g="0" b="0"/>
+      </a:fillRef>
+      <a:effectRef idx="2">
+        <a:scrgbClr r="0" g="0" b="0"/>
+      </a:effectRef>
+      <a:fontRef idx="minor">
+        <a:schemeClr val="lt1"/>
+      </a:fontRef>
+    </dgm:style>
+  </dgm:styleLbl>
+  <dgm:styleLbl name="parChTrans2D2">
+    <dgm:scene3d>
+      <a:camera prst="orthographicFront"/>
+      <a:lightRig rig="threePt" dir="t"/>
+    </dgm:scene3d>
+    <dgm:sp3d/>
+    <dgm:txPr/>
+    <dgm:style>
+      <a:lnRef idx="0">
+        <a:scrgbClr r="0" g="0" b="0"/>
+      </a:lnRef>
+      <a:fillRef idx="3">
+        <a:scrgbClr r="0" g="0" b="0"/>
+      </a:fillRef>
+      <a:effectRef idx="2">
+        <a:scrgbClr r="0" g="0" b="0"/>
+      </a:effectRef>
+      <a:fontRef idx="minor">
+        <a:schemeClr val="lt1"/>
+      </a:fontRef>
+    </dgm:style>
+  </dgm:styleLbl>
+  <dgm:styleLbl name="parChTrans2D3">
+    <dgm:scene3d>
+      <a:camera prst="orthographicFront"/>
+      <a:lightRig rig="threePt" dir="t"/>
+    </dgm:scene3d>
+    <dgm:sp3d/>
+    <dgm:txPr/>
+    <dgm:style>
+      <a:lnRef idx="1">
+        <a:scrgbClr r="0" g="0" b="0"/>
+      </a:lnRef>
+      <a:fillRef idx="3">
+        <a:scrgbClr r="0" g="0" b="0"/>
+      </a:fillRef>
+      <a:effectRef idx="2">
+        <a:scrgbClr r="0" g="0" b="0"/>
+      </a:effectRef>
+      <a:fontRef idx="minor">
+        <a:schemeClr val="lt1"/>
+      </a:fontRef>
+    </dgm:style>
+  </dgm:styleLbl>
+  <dgm:styleLbl name="parChTrans2D4">
+    <dgm:scene3d>
+      <a:camera prst="orthographicFront"/>
+      <a:lightRig rig="threePt" dir="t"/>
+    </dgm:scene3d>
+    <dgm:sp3d/>
+    <dgm:txPr/>
+    <dgm:style>
+      <a:lnRef idx="1">
+        <a:scrgbClr r="0" g="0" b="0"/>
+      </a:lnRef>
+      <a:fillRef idx="3">
+        <a:scrgbClr r="0" g="0" b="0"/>
+      </a:fillRef>
+      <a:effectRef idx="2">
+        <a:scrgbClr r="0" g="0" b="0"/>
+      </a:effectRef>
+      <a:fontRef idx="minor">
+        <a:schemeClr val="lt1"/>
+      </a:fontRef>
+    </dgm:style>
+  </dgm:styleLbl>
+  <dgm:styleLbl name="parChTrans1D1">
+    <dgm:scene3d>
+      <a:camera prst="orthographicFront"/>
+      <a:lightRig rig="threePt" dir="t"/>
+    </dgm:scene3d>
+    <dgm:sp3d/>
+    <dgm:txPr/>
+    <dgm:style>
+      <a:lnRef idx="1">
+        <a:scrgbClr r="0" g="0" b="0"/>
+      </a:lnRef>
+      <a:fillRef idx="0">
+        <a:scrgbClr r="0" g="0" b="0"/>
+      </a:fillRef>
+      <a:effectRef idx="0">
+        <a:scrgbClr r="0" g="0" b="0"/>
+      </a:effectRef>
+      <a:fontRef idx="minor"/>
+    </dgm:style>
+  </dgm:styleLbl>
+  <dgm:styleLbl name="parChTrans1D2">
+    <dgm:scene3d>
+      <a:camera prst="orthographicFront"/>
+      <a:lightRig rig="threePt" dir="t"/>
+    </dgm:scene3d>
+    <dgm:sp3d/>
+    <dgm:txPr/>
+    <dgm:style>
+      <a:lnRef idx="1">
+        <a:scrgbClr r="0" g="0" b="0"/>
+      </a:lnRef>
+      <a:fillRef idx="0">
+        <a:scrgbClr r="0" g="0" b="0"/>
+      </a:fillRef>
+      <a:effectRef idx="0">
+        <a:scrgbClr r="0" g="0" b="0"/>
+      </a:effectRef>
+      <a:fontRef idx="minor"/>
+    </dgm:style>
+  </dgm:styleLbl>
+  <dgm:styleLbl name="parChTrans1D3">
+    <dgm:scene3d>
+      <a:camera prst="orthographicFront"/>
+      <a:lightRig rig="threePt" dir="t"/>
+    </dgm:scene3d>
+    <dgm:sp3d/>
+    <dgm:txPr/>
+    <dgm:style>
+      <a:lnRef idx="1">
+        <a:scrgbClr r="0" g="0" b="0"/>
+      </a:lnRef>
+      <a:fillRef idx="0">
+        <a:scrgbClr r="0" g="0" b="0"/>
+      </a:fillRef>
+      <a:effectRef idx="0">
+        <a:scrgbClr r="0" g="0" b="0"/>
+      </a:effectRef>
+      <a:fontRef idx="minor"/>
+    </dgm:style>
+  </dgm:styleLbl>
+  <dgm:styleLbl name="parChTrans1D4">
+    <dgm:scene3d>
+      <a:camera prst="orthographicFront"/>
+      <a:lightRig rig="threePt" dir="t"/>
+    </dgm:scene3d>
+    <dgm:sp3d/>
+    <dgm:txPr/>
+    <dgm:style>
+      <a:lnRef idx="1">
+        <a:scrgbClr r="0" g="0" b="0"/>
+      </a:lnRef>
+      <a:fillRef idx="0">
+        <a:scrgbClr r="0" g="0" b="0"/>
+      </a:fillRef>
+      <a:effectRef idx="0">
+        <a:scrgbClr r="0" g="0" b="0"/>
+      </a:effectRef>
+      <a:fontRef idx="minor"/>
+    </dgm:style>
+  </dgm:styleLbl>
+  <dgm:styleLbl name="fgAcc1">
+    <dgm:scene3d>
+      <a:camera prst="orthographicFront"/>
+      <a:lightRig rig="threePt" dir="t"/>
+    </dgm:scene3d>
+    <dgm:sp3d/>
+    <dgm:txPr/>
+    <dgm:style>
+      <a:lnRef idx="1">
+        <a:scrgbClr r="0" g="0" b="0"/>
+      </a:lnRef>
+      <a:fillRef idx="1">
+        <a:scrgbClr r="0" g="0" b="0"/>
+      </a:fillRef>
+      <a:effectRef idx="0">
+        <a:scrgbClr r="0" g="0" b="0"/>
+      </a:effectRef>
+      <a:fontRef idx="minor"/>
+    </dgm:style>
+  </dgm:styleLbl>
+  <dgm:styleLbl name="conFgAcc1">
+    <dgm:scene3d>
+      <a:camera prst="orthographicFront"/>
+      <a:lightRig rig="threePt" dir="t"/>
+    </dgm:scene3d>
+    <dgm:sp3d/>
+    <dgm:txPr/>
+    <dgm:style>
+      <a:lnRef idx="1">
+        <a:scrgbClr r="0" g="0" b="0"/>
+      </a:lnRef>
+      <a:fillRef idx="1">
+        <a:scrgbClr r="0" g="0" b="0"/>
+      </a:fillRef>
+      <a:effectRef idx="0">
+        <a:scrgbClr r="0" g="0" b="0"/>
+      </a:effectRef>
+      <a:fontRef idx="minor"/>
+    </dgm:style>
+  </dgm:styleLbl>
+  <dgm:styleLbl name="alignAcc1">
+    <dgm:scene3d>
+      <a:camera prst="orthographicFront"/>
+      <a:lightRig rig="threePt" dir="t"/>
+    </dgm:scene3d>
+    <dgm:sp3d/>
+    <dgm:txPr/>
+    <dgm:style>
+      <a:lnRef idx="1">
+        <a:scrgbClr r="0" g="0" b="0"/>
+      </a:lnRef>
+      <a:fillRef idx="1">
+        <a:scrgbClr r="0" g="0" b="0"/>
+      </a:fillRef>
+      <a:effectRef idx="0">
+        <a:scrgbClr r="0" g="0" b="0"/>
+      </a:effectRef>
+      <a:fontRef idx="minor"/>
+    </dgm:style>
+  </dgm:styleLbl>
+  <dgm:styleLbl name="trAlignAcc1">
+    <dgm:scene3d>
+      <a:camera prst="orthographicFront"/>
+      <a:lightRig rig="threePt" dir="t"/>
+    </dgm:scene3d>
+    <dgm:sp3d/>
+    <dgm:txPr/>
+    <dgm:style>
+      <a:lnRef idx="1">
+        <a:scrgbClr r="0" g="0" b="0"/>
+      </a:lnRef>
+      <a:fillRef idx="1">
+        <a:scrgbClr r="0" g="0" b="0"/>
+      </a:fillRef>
+      <a:effectRef idx="0">
+        <a:scrgbClr r="0" g="0" b="0"/>
+      </a:effectRef>
+      <a:fontRef idx="minor"/>
+    </dgm:style>
+  </dgm:styleLbl>
+  <dgm:styleLbl name="bgAcc1">
+    <dgm:scene3d>
+      <a:camera prst="orthographicFront"/>
+      <a:lightRig rig="threePt" dir="t"/>
+    </dgm:scene3d>
+    <dgm:sp3d/>
+    <dgm:txPr/>
+    <dgm:style>
+      <a:lnRef idx="1">
+        <a:scrgbClr r="0" g="0" b="0"/>
+      </a:lnRef>
+      <a:fillRef idx="1">
+        <a:scrgbClr r="0" g="0" b="0"/>
+      </a:fillRef>
+      <a:effectRef idx="0">
+        <a:scrgbClr r="0" g="0" b="0"/>
+      </a:effectRef>
+      <a:fontRef idx="minor"/>
+    </dgm:style>
+  </dgm:styleLbl>
+  <dgm:styleLbl name="solidFgAcc1">
+    <dgm:scene3d>
+      <a:camera prst="orthographicFront"/>
+      <a:lightRig rig="threePt" dir="t"/>
+    </dgm:scene3d>
+    <dgm:sp3d/>
+    <dgm:txPr/>
+    <dgm:style>
+      <a:lnRef idx="1">
+        <a:scrgbClr r="0" g="0" b="0"/>
+      </a:lnRef>
+      <a:fillRef idx="1">
+        <a:scrgbClr r="0" g="0" b="0"/>
+      </a:fillRef>
+      <a:effectRef idx="0">
+        <a:scrgbClr r="0" g="0" b="0"/>
+      </a:effectRef>
+      <a:fontRef idx="minor"/>
+    </dgm:style>
+  </dgm:styleLbl>
+  <dgm:styleLbl name="solidAlignAcc1">
+    <dgm:scene3d>
+      <a:camera prst="orthographicFront"/>
+      <a:lightRig rig="threePt" dir="t"/>
+    </dgm:scene3d>
+    <dgm:sp3d/>
+    <dgm:txPr/>
+    <dgm:style>
+      <a:lnRef idx="1">
+        <a:scrgbClr r="0" g="0" b="0"/>
+      </a:lnRef>
+      <a:fillRef idx="1">
+        <a:scrgbClr r="0" g="0" b="0"/>
+      </a:fillRef>
+      <a:effectRef idx="0">
+        <a:scrgbClr r="0" g="0" b="0"/>
+      </a:effectRef>
+      <a:fontRef idx="minor"/>
+    </dgm:style>
+  </dgm:styleLbl>
+  <dgm:styleLbl name="solidBgAcc1">
+    <dgm:scene3d>
+      <a:camera prst="orthographicFront"/>
+      <a:lightRig rig="threePt" dir="t"/>
+    </dgm:scene3d>
+    <dgm:sp3d/>
+    <dgm:txPr/>
+    <dgm:style>
+      <a:lnRef idx="1">
+        <a:scrgbClr r="0" g="0" b="0"/>
+      </a:lnRef>
+      <a:fillRef idx="1">
+        <a:scrgbClr r="0" g="0" b="0"/>
+      </a:fillRef>
+      <a:effectRef idx="0">
+        <a:scrgbClr r="0" g="0" b="0"/>
+      </a:effectRef>
+      <a:fontRef idx="minor"/>
+    </dgm:style>
+  </dgm:styleLbl>
+  <dgm:styleLbl name="fgAccFollowNode1">
+    <dgm:scene3d>
+      <a:camera prst="orthographicFront"/>
+      <a:lightRig rig="threePt" dir="t"/>
+    </dgm:scene3d>
+    <dgm:sp3d/>
+    <dgm:txPr/>
+    <dgm:style>
+      <a:lnRef idx="1">
+        <a:scrgbClr r="0" g="0" b="0"/>
+      </a:lnRef>
+      <a:fillRef idx="1">
+        <a:scrgbClr r="0" g="0" b="0"/>
+      </a:fillRef>
+      <a:effectRef idx="0">
+        <a:scrgbClr r="0" g="0" b="0"/>
+      </a:effectRef>
+      <a:fontRef idx="minor"/>
+    </dgm:style>
+  </dgm:styleLbl>
+  <dgm:styleLbl name="alignAccFollowNode1">
+    <dgm:scene3d>
+      <a:camera prst="orthographicFront"/>
+      <a:lightRig rig="threePt" dir="t"/>
+    </dgm:scene3d>
+    <dgm:sp3d/>
+    <dgm:txPr/>
+    <dgm:style>
+      <a:lnRef idx="1">
+        <a:scrgbClr r="0" g="0" b="0"/>
+      </a:lnRef>
+      <a:fillRef idx="1">
+        <a:scrgbClr r="0" g="0" b="0"/>
+      </a:fillRef>
+      <a:effectRef idx="0">
+        <a:scrgbClr r="0" g="0" b="0"/>
+      </a:effectRef>
+      <a:fontRef idx="minor"/>
+    </dgm:style>
+  </dgm:styleLbl>
+  <dgm:styleLbl name="bgAccFollowNode1">
+    <dgm:scene3d>
+      <a:camera prst="orthographicFront"/>
+      <a:lightRig rig="threePt" dir="t"/>
+    </dgm:scene3d>
+    <dgm:sp3d/>
+    <dgm:txPr/>
+    <dgm:style>
+      <a:lnRef idx="1">
+        <a:scrgbClr r="0" g="0" b="0"/>
+      </a:lnRef>
+      <a:fillRef idx="1">
+        <a:scrgbClr r="0" g="0" b="0"/>
+      </a:fillRef>
+      <a:effectRef idx="0">
+        <a:scrgbClr r="0" g="0" b="0"/>
+      </a:effectRef>
+      <a:fontRef idx="minor"/>
+    </dgm:style>
+  </dgm:styleLbl>
+  <dgm:styleLbl name="fgAcc0">
+    <dgm:scene3d>
+      <a:camera prst="orthographicFront"/>
+      <a:lightRig rig="threePt" dir="t"/>
+    </dgm:scene3d>
+    <dgm:sp3d/>
+    <dgm:txPr/>
+    <dgm:style>
+      <a:lnRef idx="1">
+        <a:scrgbClr r="0" g="0" b="0"/>
+      </a:lnRef>
+      <a:fillRef idx="1">
+        <a:scrgbClr r="0" g="0" b="0"/>
+      </a:fillRef>
+      <a:effectRef idx="0">
+        <a:scrgbClr r="0" g="0" b="0"/>
+      </a:effectRef>
+      <a:fontRef idx="minor"/>
+    </dgm:style>
+  </dgm:styleLbl>
+  <dgm:styleLbl name="fgAcc2">
+    <dgm:scene3d>
+      <a:camera prst="orthographicFront"/>
+      <a:lightRig rig="threePt" dir="t"/>
+    </dgm:scene3d>
+    <dgm:sp3d/>
+    <dgm:txPr/>
+    <dgm:style>
+      <a:lnRef idx="1">
+        <a:scrgbClr r="0" g="0" b="0"/>
+      </a:lnRef>
+      <a:fillRef idx="1">
+        <a:scrgbClr r="0" g="0" b="0"/>
+      </a:fillRef>
+      <a:effectRef idx="0">
+        <a:scrgbClr r="0" g="0" b="0"/>
+      </a:effectRef>
+      <a:fontRef idx="minor"/>
+    </dgm:style>
+  </dgm:styleLbl>
+  <dgm:styleLbl name="fgAcc3">
+    <dgm:scene3d>
+      <a:camera prst="orthographicFront"/>
+      <a:lightRig rig="threePt" dir="t"/>
+    </dgm:scene3d>
+    <dgm:sp3d/>
+    <dgm:txPr/>
+    <dgm:style>
+      <a:lnRef idx="1">
+        <a:scrgbClr r="0" g="0" b="0"/>
+      </a:lnRef>
+      <a:fillRef idx="1">
+        <a:scrgbClr r="0" g="0" b="0"/>
+      </a:fillRef>
+      <a:effectRef idx="0">
+        <a:scrgbClr r="0" g="0" b="0"/>
+      </a:effectRef>
+      <a:fontRef idx="minor"/>
+    </dgm:style>
+  </dgm:styleLbl>
+  <dgm:styleLbl name="fgAcc4">
+    <dgm:scene3d>
+      <a:camera prst="orthographicFront"/>
+      <a:lightRig rig="threePt" dir="t"/>
+    </dgm:scene3d>
+    <dgm:sp3d/>
+    <dgm:txPr/>
+    <dgm:style>
+      <a:lnRef idx="1">
+        <a:scrgbClr r="0" g="0" b="0"/>
+      </a:lnRef>
+      <a:fillRef idx="1">
+        <a:scrgbClr r="0" g="0" b="0"/>
+      </a:fillRef>
+      <a:effectRef idx="0">
+        <a:scrgbClr r="0" g="0" b="0"/>
+      </a:effectRef>
+      <a:fontRef idx="minor"/>
+    </dgm:style>
+  </dgm:styleLbl>
+  <dgm:styleLbl name="bgShp">
+    <dgm:scene3d>
+      <a:camera prst="orthographicFront"/>
+      <a:lightRig rig="threePt" dir="t"/>
+    </dgm:scene3d>
+    <dgm:sp3d/>
+    <dgm:txPr/>
+    <dgm:style>
+      <a:lnRef idx="0">
+        <a:scrgbClr r="0" g="0" b="0"/>
+      </a:lnRef>
+      <a:fillRef idx="1">
+        <a:scrgbClr r="0" g="0" b="0"/>
+      </a:fillRef>
+      <a:effectRef idx="2">
+        <a:scrgbClr r="0" g="0" b="0"/>
+      </a:effectRef>
+      <a:fontRef idx="minor"/>
+    </dgm:style>
+  </dgm:styleLbl>
+  <dgm:styleLbl name="dkBgShp">
+    <dgm:scene3d>
+      <a:camera prst="orthographicFront"/>
+      <a:lightRig rig="threePt" dir="t"/>
+    </dgm:scene3d>
+    <dgm:sp3d/>
+    <dgm:txPr/>
+    <dgm:style>
+      <a:lnRef idx="0">
+        <a:scrgbClr r="0" g="0" b="0"/>
+      </a:lnRef>
+      <a:fillRef idx="1">
+        <a:scrgbClr r="0" g="0" b="0"/>
+      </a:fillRef>
+      <a:effectRef idx="2">
+        <a:scrgbClr r="0" g="0" b="0"/>
+      </a:effectRef>
+      <a:fontRef idx="minor"/>
+    </dgm:style>
+  </dgm:styleLbl>
+  <dgm:styleLbl name="trBgShp">
+    <dgm:scene3d>
+      <a:camera prst="orthographicFront"/>
+      <a:lightRig rig="threePt" dir="t"/>
+    </dgm:scene3d>
+    <dgm:sp3d/>
+    <dgm:txPr/>
+    <dgm:style>
+      <a:lnRef idx="0">
+        <a:scrgbClr r="0" g="0" b="0"/>
+      </a:lnRef>
+      <a:fillRef idx="1">
+        <a:scrgbClr r="0" g="0" b="0"/>
+      </a:fillRef>
+      <a:effectRef idx="0">
+        <a:scrgbClr r="0" g="0" b="0"/>
+      </a:effectRef>
+      <a:fontRef idx="minor"/>
+    </dgm:style>
+  </dgm:styleLbl>
+  <dgm:styleLbl name="fgShp">
+    <dgm:scene3d>
+      <a:camera prst="orthographicFront"/>
+      <a:lightRig rig="threePt" dir="t"/>
+    </dgm:scene3d>
+    <dgm:sp3d/>
+    <dgm:txPr/>
+    <dgm:style>
+      <a:lnRef idx="0">
+        <a:scrgbClr r="0" g="0" b="0"/>
+      </a:lnRef>
+      <a:fillRef idx="3">
+        <a:scrgbClr r="0" g="0" b="0"/>
+      </a:fillRef>
+      <a:effectRef idx="2">
+        <a:scrgbClr r="0" g="0" b="0"/>
+      </a:effectRef>
+      <a:fontRef idx="minor"/>
+    </dgm:style>
+  </dgm:styleLbl>
+  <dgm:styleLbl name="revTx">
+    <dgm:scene3d>
+      <a:camera prst="orthographicFront"/>
+      <a:lightRig rig="threePt" dir="t"/>
+    </dgm:scene3d>
+    <dgm:sp3d/>
+    <dgm:txPr/>
+    <dgm:style>
+      <a:lnRef idx="0">
+        <a:scrgbClr r="0" g="0" b="0"/>
+      </a:lnRef>
+      <a:fillRef idx="0">
+        <a:scrgbClr r="0" g="0" b="0"/>
+      </a:fillRef>
+      <a:effectRef idx="0">
+        <a:scrgbClr r="0" g="0" b="0"/>
+      </a:effectRef>
+      <a:fontRef idx="minor"/>
+    </dgm:style>
+  </dgm:styleLbl>
+</dgm:styleDef>
+</file>
+
 <file path=ppt/notesMasters/notesMaster1.xml><?xml version="1.0" encoding="utf-8"?>
 <p:notesMaster xmlns:a="http://schemas.openxmlformats.org/drawingml/2006/main" xmlns:r="http://schemas.openxmlformats.org/officeDocument/2006/relationships" xmlns:p="http://schemas.openxmlformats.org/presentationml/2006/main">
   <p:cSld>
@@ -207,7 +3779,7 @@
             <a:fld id="{D3FA4D68-0C65-4A9B-94D6-CEB301447A54}" type="datetimeFigureOut">
               <a:rPr lang="nb-NO" smtClean="0"/>
               <a:pPr/>
-              <a:t>06.11.2011</a:t>
+              <a:t>09.11.2011</a:t>
             </a:fld>
             <a:endParaRPr lang="nb-NO"/>
           </a:p>
@@ -376,6 +3948,11 @@
         </p:txBody>
       </p:sp>
     </p:spTree>
+    <p:extLst>
+      <p:ext uri="{BB962C8B-B14F-4D97-AF65-F5344CB8AC3E}">
+        <p14:creationId xmlns:p14="http://schemas.microsoft.com/office/powerpoint/2010/main" xmlns="" val="1330388465"/>
+      </p:ext>
+    </p:extLst>
   </p:cSld>
   <p:clrMap bg1="lt1" tx1="dk1" bg2="lt2" tx2="dk2" accent1="accent1" accent2="accent2" accent3="accent3" accent4="accent4" accent5="accent5" accent6="accent6" hlink="hlink" folHlink="folHlink"/>
   <p:notesStyle>
@@ -541,7 +4118,7 @@
             <a:fld id="{F3A828CE-9294-44F0-A1DF-388494478F7B}" type="slidenum">
               <a:rPr lang="nb-NO" smtClean="0"/>
               <a:pPr/>
-              <a:t>3</a:t>
+              <a:t>4</a:t>
             </a:fld>
             <a:endParaRPr lang="nb-NO"/>
           </a:p>
@@ -623,7 +4200,7 @@
             <a:fld id="{F3A828CE-9294-44F0-A1DF-388494478F7B}" type="slidenum">
               <a:rPr lang="nb-NO" smtClean="0"/>
               <a:pPr/>
-              <a:t>12</a:t>
+              <a:t>15</a:t>
             </a:fld>
             <a:endParaRPr lang="nb-NO"/>
           </a:p>
@@ -705,7 +4282,7 @@
             <a:fld id="{F3A828CE-9294-44F0-A1DF-388494478F7B}" type="slidenum">
               <a:rPr lang="nb-NO" smtClean="0"/>
               <a:pPr/>
-              <a:t>13</a:t>
+              <a:t>16</a:t>
             </a:fld>
             <a:endParaRPr lang="nb-NO"/>
           </a:p>
@@ -787,89 +4364,7 @@
             <a:fld id="{F3A828CE-9294-44F0-A1DF-388494478F7B}" type="slidenum">
               <a:rPr lang="nb-NO" smtClean="0"/>
               <a:pPr/>
-              <a:t>14</a:t>
-            </a:fld>
-            <a:endParaRPr lang="nb-NO"/>
-          </a:p>
-        </p:txBody>
-      </p:sp>
-    </p:spTree>
-  </p:cSld>
-  <p:clrMapOvr>
-    <a:masterClrMapping/>
-  </p:clrMapOvr>
-</p:notes>
-</file>
-
-<file path=ppt/notesSlides/notesSlide13.xml><?xml version="1.0" encoding="utf-8"?>
-<p:notes xmlns:a="http://schemas.openxmlformats.org/drawingml/2006/main" xmlns:r="http://schemas.openxmlformats.org/officeDocument/2006/relationships" xmlns:p="http://schemas.openxmlformats.org/presentationml/2006/main">
-  <p:cSld>
-    <p:spTree>
-      <p:nvGrpSpPr>
-        <p:cNvPr id="1" name=""/>
-        <p:cNvGrpSpPr/>
-        <p:nvPr/>
-      </p:nvGrpSpPr>
-      <p:grpSpPr>
-        <a:xfrm>
-          <a:off x="0" y="0"/>
-          <a:ext cx="0" cy="0"/>
-          <a:chOff x="0" y="0"/>
-          <a:chExt cx="0" cy="0"/>
-        </a:xfrm>
-      </p:grpSpPr>
-      <p:sp>
-        <p:nvSpPr>
-          <p:cNvPr id="2" name="Slide Image Placeholder 1"/>
-          <p:cNvSpPr>
-            <a:spLocks noGrp="1" noRot="1" noChangeAspect="1"/>
-          </p:cNvSpPr>
-          <p:nvPr>
-            <p:ph type="sldImg"/>
-          </p:nvPr>
-        </p:nvSpPr>
-        <p:spPr/>
-      </p:sp>
-      <p:sp>
-        <p:nvSpPr>
-          <p:cNvPr id="3" name="Notes Placeholder 2"/>
-          <p:cNvSpPr>
-            <a:spLocks noGrp="1"/>
-          </p:cNvSpPr>
-          <p:nvPr>
-            <p:ph type="body" idx="1"/>
-          </p:nvPr>
-        </p:nvSpPr>
-        <p:spPr/>
-        <p:txBody>
-          <a:bodyPr>
-            <a:normAutofit/>
-          </a:bodyPr>
-          <a:lstStyle/>
-          <a:p>
-            <a:endParaRPr lang="nb-NO" dirty="0"/>
-          </a:p>
-        </p:txBody>
-      </p:sp>
-      <p:sp>
-        <p:nvSpPr>
-          <p:cNvPr id="4" name="Slide Number Placeholder 3"/>
-          <p:cNvSpPr>
-            <a:spLocks noGrp="1"/>
-          </p:cNvSpPr>
-          <p:nvPr>
-            <p:ph type="sldNum" sz="quarter" idx="10"/>
-          </p:nvPr>
-        </p:nvSpPr>
-        <p:spPr/>
-        <p:txBody>
-          <a:bodyPr/>
-          <a:lstStyle/>
-          <a:p>
-            <a:fld id="{F3A828CE-9294-44F0-A1DF-388494478F7B}" type="slidenum">
-              <a:rPr lang="nb-NO" smtClean="0"/>
-              <a:pPr/>
-              <a:t>15</a:t>
+              <a:t>17</a:t>
             </a:fld>
             <a:endParaRPr lang="nb-NO"/>
           </a:p>
@@ -951,7 +4446,7 @@
             <a:fld id="{F3A828CE-9294-44F0-A1DF-388494478F7B}" type="slidenum">
               <a:rPr lang="nb-NO" smtClean="0"/>
               <a:pPr/>
-              <a:t>4</a:t>
+              <a:t>5</a:t>
             </a:fld>
             <a:endParaRPr lang="nb-NO"/>
           </a:p>
@@ -1033,7 +4528,7 @@
             <a:fld id="{F3A828CE-9294-44F0-A1DF-388494478F7B}" type="slidenum">
               <a:rPr lang="nb-NO" smtClean="0"/>
               <a:pPr/>
-              <a:t>5</a:t>
+              <a:t>7</a:t>
             </a:fld>
             <a:endParaRPr lang="nb-NO"/>
           </a:p>
@@ -1115,7 +4610,7 @@
             <a:fld id="{F3A828CE-9294-44F0-A1DF-388494478F7B}" type="slidenum">
               <a:rPr lang="nb-NO" smtClean="0"/>
               <a:pPr/>
-              <a:t>6</a:t>
+              <a:t>8</a:t>
             </a:fld>
             <a:endParaRPr lang="nb-NO"/>
           </a:p>
@@ -1197,7 +4692,7 @@
             <a:fld id="{F3A828CE-9294-44F0-A1DF-388494478F7B}" type="slidenum">
               <a:rPr lang="nb-NO" smtClean="0"/>
               <a:pPr/>
-              <a:t>7</a:t>
+              <a:t>9</a:t>
             </a:fld>
             <a:endParaRPr lang="nb-NO"/>
           </a:p>
@@ -1279,7 +4774,7 @@
             <a:fld id="{F3A828CE-9294-44F0-A1DF-388494478F7B}" type="slidenum">
               <a:rPr lang="nb-NO" smtClean="0"/>
               <a:pPr/>
-              <a:t>8</a:t>
+              <a:t>10</a:t>
             </a:fld>
             <a:endParaRPr lang="nb-NO"/>
           </a:p>
@@ -1361,7 +4856,7 @@
             <a:fld id="{F3A828CE-9294-44F0-A1DF-388494478F7B}" type="slidenum">
               <a:rPr lang="nb-NO" smtClean="0"/>
               <a:pPr/>
-              <a:t>9</a:t>
+              <a:t>11</a:t>
             </a:fld>
             <a:endParaRPr lang="nb-NO"/>
           </a:p>
@@ -1443,7 +4938,7 @@
             <a:fld id="{F3A828CE-9294-44F0-A1DF-388494478F7B}" type="slidenum">
               <a:rPr lang="nb-NO" smtClean="0"/>
               <a:pPr/>
-              <a:t>10</a:t>
+              <a:t>12</a:t>
             </a:fld>
             <a:endParaRPr lang="nb-NO"/>
           </a:p>
@@ -1525,7 +5020,7 @@
             <a:fld id="{F3A828CE-9294-44F0-A1DF-388494478F7B}" type="slidenum">
               <a:rPr lang="nb-NO" smtClean="0"/>
               <a:pPr/>
-              <a:t>11</a:t>
+              <a:t>14</a:t>
             </a:fld>
             <a:endParaRPr lang="nb-NO"/>
           </a:p>
@@ -1721,7 +5216,7 @@
             <a:fld id="{936BC739-4DDC-4C6E-B585-4FAA5E6E3267}" type="datetimeFigureOut">
               <a:rPr lang="en-US" smtClean="0"/>
               <a:pPr/>
-              <a:t>11/6/2011</a:t>
+              <a:t>11/9/2011</a:t>
             </a:fld>
             <a:endParaRPr lang="en-US"/>
           </a:p>
@@ -1888,7 +5383,7 @@
             <a:fld id="{936BC739-4DDC-4C6E-B585-4FAA5E6E3267}" type="datetimeFigureOut">
               <a:rPr lang="en-US" smtClean="0"/>
               <a:pPr/>
-              <a:t>11/6/2011</a:t>
+              <a:t>11/9/2011</a:t>
             </a:fld>
             <a:endParaRPr lang="en-US"/>
           </a:p>
@@ -2065,7 +5560,7 @@
             <a:fld id="{936BC739-4DDC-4C6E-B585-4FAA5E6E3267}" type="datetimeFigureOut">
               <a:rPr lang="en-US" smtClean="0"/>
               <a:pPr/>
-              <a:t>11/6/2011</a:t>
+              <a:t>11/9/2011</a:t>
             </a:fld>
             <a:endParaRPr lang="en-US"/>
           </a:p>
@@ -2232,7 +5727,7 @@
             <a:fld id="{936BC739-4DDC-4C6E-B585-4FAA5E6E3267}" type="datetimeFigureOut">
               <a:rPr lang="en-US" smtClean="0"/>
               <a:pPr/>
-              <a:t>11/6/2011</a:t>
+              <a:t>11/9/2011</a:t>
             </a:fld>
             <a:endParaRPr lang="en-US"/>
           </a:p>
@@ -2475,7 +5970,7 @@
             <a:fld id="{936BC739-4DDC-4C6E-B585-4FAA5E6E3267}" type="datetimeFigureOut">
               <a:rPr lang="en-US" smtClean="0"/>
               <a:pPr/>
-              <a:t>11/6/2011</a:t>
+              <a:t>11/9/2011</a:t>
             </a:fld>
             <a:endParaRPr lang="en-US"/>
           </a:p>
@@ -2760,7 +6255,7 @@
             <a:fld id="{936BC739-4DDC-4C6E-B585-4FAA5E6E3267}" type="datetimeFigureOut">
               <a:rPr lang="en-US" smtClean="0"/>
               <a:pPr/>
-              <a:t>11/6/2011</a:t>
+              <a:t>11/9/2011</a:t>
             </a:fld>
             <a:endParaRPr lang="en-US"/>
           </a:p>
@@ -3179,7 +6674,7 @@
             <a:fld id="{936BC739-4DDC-4C6E-B585-4FAA5E6E3267}" type="datetimeFigureOut">
               <a:rPr lang="en-US" smtClean="0"/>
               <a:pPr/>
-              <a:t>11/6/2011</a:t>
+              <a:t>11/9/2011</a:t>
             </a:fld>
             <a:endParaRPr lang="en-US"/>
           </a:p>
@@ -3294,7 +6789,7 @@
             <a:fld id="{936BC739-4DDC-4C6E-B585-4FAA5E6E3267}" type="datetimeFigureOut">
               <a:rPr lang="en-US" smtClean="0"/>
               <a:pPr/>
-              <a:t>11/6/2011</a:t>
+              <a:t>11/9/2011</a:t>
             </a:fld>
             <a:endParaRPr lang="en-US"/>
           </a:p>
@@ -3386,7 +6881,7 @@
             <a:fld id="{936BC739-4DDC-4C6E-B585-4FAA5E6E3267}" type="datetimeFigureOut">
               <a:rPr lang="en-US" smtClean="0"/>
               <a:pPr/>
-              <a:t>11/6/2011</a:t>
+              <a:t>11/9/2011</a:t>
             </a:fld>
             <a:endParaRPr lang="en-US"/>
           </a:p>
@@ -3660,7 +7155,7 @@
             <a:fld id="{936BC739-4DDC-4C6E-B585-4FAA5E6E3267}" type="datetimeFigureOut">
               <a:rPr lang="en-US" smtClean="0"/>
               <a:pPr/>
-              <a:t>11/6/2011</a:t>
+              <a:t>11/9/2011</a:t>
             </a:fld>
             <a:endParaRPr lang="en-US"/>
           </a:p>
@@ -3910,7 +7405,7 @@
             <a:fld id="{936BC739-4DDC-4C6E-B585-4FAA5E6E3267}" type="datetimeFigureOut">
               <a:rPr lang="en-US" smtClean="0"/>
               <a:pPr/>
-              <a:t>11/6/2011</a:t>
+              <a:t>11/9/2011</a:t>
             </a:fld>
             <a:endParaRPr lang="en-US"/>
           </a:p>
@@ -4120,7 +7615,7 @@
             <a:fld id="{936BC739-4DDC-4C6E-B585-4FAA5E6E3267}" type="datetimeFigureOut">
               <a:rPr lang="en-US" smtClean="0"/>
               <a:pPr/>
-              <a:t>11/6/2011</a:t>
+              <a:t>11/9/2011</a:t>
             </a:fld>
             <a:endParaRPr lang="en-US"/>
           </a:p>
@@ -4755,8 +8250,8 @@
         </p:nvSpPr>
         <p:spPr>
           <a:xfrm>
-            <a:off x="762000" y="1219200"/>
-            <a:ext cx="6553200" cy="769441"/>
+            <a:off x="457200" y="0"/>
+            <a:ext cx="6553200" cy="2800767"/>
           </a:xfrm>
           <a:prstGeom prst="rect">
             <a:avLst/>
@@ -4776,7 +8271,7 @@
                 </a:solidFill>
                 <a:latin typeface="Comic Sans MS" pitchFamily="66" charset="0"/>
               </a:rPr>
-              <a:t>Implementation</a:t>
+              <a:t> Architecture?? This is flow diagram. You need a good diagram detailing your implementation</a:t>
             </a:r>
             <a:endParaRPr lang="nb-NO" sz="4400" dirty="0">
               <a:solidFill>
@@ -4828,7 +8323,7 @@
         <p:spPr>
           <a:xfrm>
             <a:off x="1219200" y="2438400"/>
-            <a:ext cx="5666824" cy="1754326"/>
+            <a:ext cx="5666824" cy="369332"/>
           </a:xfrm>
           <a:prstGeom prst="rect">
             <a:avLst/>
@@ -4841,54 +8336,130 @@
           </a:bodyPr>
           <a:lstStyle/>
           <a:p>
-            <a:pPr>
-              <a:buFont typeface="Arial" pitchFamily="34" charset="0"/>
-              <a:buChar char="•"/>
+            <a:endParaRPr lang="nb-NO" dirty="0"/>
+          </a:p>
+        </p:txBody>
+      </p:sp>
+      <p:sp>
+        <p:nvSpPr>
+          <p:cNvPr id="9" name="Rectangle 3"/>
+          <p:cNvSpPr txBox="1">
+            <a:spLocks noChangeArrowheads="1"/>
+          </p:cNvSpPr>
+          <p:nvPr/>
+        </p:nvSpPr>
+        <p:spPr>
+          <a:xfrm>
+            <a:off x="1182688" y="2017713"/>
+            <a:ext cx="7772400" cy="4114800"/>
+          </a:xfrm>
+          <a:prstGeom prst="rect">
+            <a:avLst/>
+          </a:prstGeom>
+        </p:spPr>
+        <p:txBody>
+          <a:bodyPr vert="horz" lIns="91440" tIns="45720" rIns="91440" bIns="45720" rtlCol="0">
+            <a:normAutofit/>
+          </a:bodyPr>
+          <a:lstStyle/>
+          <a:p>
+            <a:pPr marL="0" marR="0" lvl="0" indent="0" algn="ctr" defTabSz="914400" rtl="0" eaLnBrk="1" fontAlgn="auto" latinLnBrk="0" hangingPunct="1">
+              <a:lnSpc>
+                <a:spcPct val="90000"/>
+              </a:lnSpc>
+              <a:spcBef>
+                <a:spcPct val="20000"/>
+              </a:spcBef>
+              <a:spcAft>
+                <a:spcPts val="0"/>
+              </a:spcAft>
+              <a:buClrTx/>
+              <a:buSzTx/>
+              <a:buFont typeface="Wingdings" pitchFamily="2" charset="2"/>
+              <a:buNone/>
+              <a:tabLst/>
+              <a:defRPr/>
             </a:pPr>
-            <a:r>
-              <a:rPr lang="en-US" sz="2400" dirty="0" smtClean="0">
-                <a:latin typeface="Times New Roman" pitchFamily="18" charset="0"/>
-              </a:rPr>
-              <a:t>Algorithms</a:t>
-            </a:r>
-          </a:p>
-          <a:p>
-            <a:pPr>
-              <a:buFont typeface="Arial" pitchFamily="34" charset="0"/>
-              <a:buChar char="•"/>
+            <a:endParaRPr kumimoji="0" lang="en-US" sz="2400" b="0" i="0" u="none" strike="noStrike" kern="1200" cap="none" spc="0" normalizeH="0" baseline="0" noProof="0" smtClean="0">
+              <a:ln>
+                <a:noFill/>
+              </a:ln>
+              <a:solidFill>
+                <a:schemeClr val="tx1">
+                  <a:tint val="75000"/>
+                </a:schemeClr>
+              </a:solidFill>
+              <a:effectLst/>
+              <a:uLnTx/>
+              <a:uFillTx/>
+              <a:latin typeface="Times New Roman" pitchFamily="18" charset="0"/>
+              <a:ea typeface="+mn-ea"/>
+              <a:cs typeface="+mn-cs"/>
+            </a:endParaRPr>
+          </a:p>
+          <a:p>
+            <a:pPr marL="1828800" marR="0" lvl="4" indent="0" algn="ctr" defTabSz="914400" rtl="0" eaLnBrk="1" fontAlgn="auto" latinLnBrk="0" hangingPunct="1">
+              <a:lnSpc>
+                <a:spcPct val="90000"/>
+              </a:lnSpc>
+              <a:spcBef>
+                <a:spcPct val="20000"/>
+              </a:spcBef>
+              <a:spcAft>
+                <a:spcPts val="0"/>
+              </a:spcAft>
+              <a:buClrTx/>
+              <a:buSzTx/>
+              <a:buFont typeface="Wingdings" pitchFamily="2" charset="2"/>
+              <a:buNone/>
+              <a:tabLst/>
+              <a:defRPr/>
             </a:pPr>
-            <a:r>
-              <a:rPr lang="en-US" sz="2400" dirty="0" smtClean="0">
-                <a:latin typeface="Times New Roman" pitchFamily="18" charset="0"/>
-              </a:rPr>
-              <a:t>Data Storage</a:t>
-            </a:r>
-          </a:p>
-          <a:p>
-            <a:pPr>
-              <a:buFont typeface="Arial" pitchFamily="34" charset="0"/>
-              <a:buChar char="•"/>
-            </a:pPr>
-            <a:r>
-              <a:rPr lang="en-US" sz="2400" dirty="0" smtClean="0">
-                <a:latin typeface="Times New Roman" pitchFamily="18" charset="0"/>
-              </a:rPr>
-              <a:t>User Interface</a:t>
-            </a:r>
-          </a:p>
-          <a:p>
-            <a:pPr>
-              <a:buNone/>
-            </a:pPr>
-            <a:endParaRPr lang="en-US" dirty="0" smtClean="0">
+            <a:endParaRPr kumimoji="0" lang="en-US" sz="1800" b="0" i="0" u="none" strike="noStrike" kern="1200" cap="none" spc="0" normalizeH="0" baseline="0" noProof="0" dirty="0">
+              <a:ln>
+                <a:noFill/>
+              </a:ln>
+              <a:solidFill>
+                <a:schemeClr val="tx1">
+                  <a:tint val="75000"/>
+                </a:schemeClr>
+              </a:solidFill>
+              <a:effectLst/>
+              <a:uLnTx/>
+              <a:uFillTx/>
               <a:latin typeface="Times New Roman" pitchFamily="18" charset="0"/>
+              <a:ea typeface="+mn-ea"/>
+              <a:cs typeface="+mn-cs"/>
             </a:endParaRPr>
           </a:p>
-          <a:p>
-            <a:endParaRPr lang="nb-NO" dirty="0"/>
-          </a:p>
-        </p:txBody>
-      </p:sp>
+        </p:txBody>
+      </p:sp>
+      <p:pic>
+        <p:nvPicPr>
+          <p:cNvPr id="2" name="Picture 2" descr="C:\Users\Aman\Costumer-Driven-Project\report\DesignReport\uml diagrams\flowchart.png"/>
+          <p:cNvPicPr>
+            <a:picLocks noChangeAspect="1" noChangeArrowheads="1"/>
+          </p:cNvPicPr>
+          <p:nvPr/>
+        </p:nvPicPr>
+        <p:blipFill>
+          <a:blip r:embed="rId4" cstate="print"/>
+          <a:srcRect/>
+          <a:stretch>
+            <a:fillRect/>
+          </a:stretch>
+        </p:blipFill>
+        <p:spPr bwMode="auto">
+          <a:xfrm>
+            <a:off x="990600" y="2819400"/>
+            <a:ext cx="6019800" cy="3810000"/>
+          </a:xfrm>
+          <a:prstGeom prst="rect">
+            <a:avLst/>
+          </a:prstGeom>
+          <a:noFill/>
+        </p:spPr>
+      </p:pic>
     </p:spTree>
   </p:cSld>
   <p:clrMapOvr>
@@ -5002,7 +8573,7 @@
                 </a:solidFill>
                 <a:latin typeface="Comic Sans MS" pitchFamily="66" charset="0"/>
               </a:rPr>
-              <a:t>Algorithms</a:t>
+              <a:t>System Overview</a:t>
             </a:r>
             <a:endParaRPr lang="nb-NO" sz="4400" dirty="0">
               <a:solidFill>
@@ -5054,7 +8625,7 @@
         <p:spPr>
           <a:xfrm>
             <a:off x="1219200" y="2438400"/>
-            <a:ext cx="5666824" cy="1015663"/>
+            <a:ext cx="5666824" cy="369332"/>
           </a:xfrm>
           <a:prstGeom prst="rect">
             <a:avLst/>
@@ -5067,18 +8638,219 @@
           </a:bodyPr>
           <a:lstStyle/>
           <a:p>
-            <a:endParaRPr lang="en-US" sz="2400" dirty="0" smtClean="0">
+            <a:endParaRPr lang="nb-NO" dirty="0"/>
+          </a:p>
+        </p:txBody>
+      </p:sp>
+      <p:sp>
+        <p:nvSpPr>
+          <p:cNvPr id="9" name="Rectangle 3"/>
+          <p:cNvSpPr txBox="1">
+            <a:spLocks noChangeArrowheads="1"/>
+          </p:cNvSpPr>
+          <p:nvPr/>
+        </p:nvSpPr>
+        <p:spPr>
+          <a:xfrm>
+            <a:off x="1182688" y="2017713"/>
+            <a:ext cx="7772400" cy="4114800"/>
+          </a:xfrm>
+          <a:prstGeom prst="rect">
+            <a:avLst/>
+          </a:prstGeom>
+        </p:spPr>
+        <p:txBody>
+          <a:bodyPr vert="horz" lIns="91440" tIns="45720" rIns="91440" bIns="45720" rtlCol="0">
+            <a:normAutofit/>
+          </a:bodyPr>
+          <a:lstStyle/>
+          <a:p>
+            <a:pPr marL="0" marR="0" lvl="0" indent="0" algn="ctr" defTabSz="914400" rtl="0" eaLnBrk="1" fontAlgn="auto" latinLnBrk="0" hangingPunct="1">
+              <a:lnSpc>
+                <a:spcPct val="90000"/>
+              </a:lnSpc>
+              <a:spcBef>
+                <a:spcPct val="20000"/>
+              </a:spcBef>
+              <a:spcAft>
+                <a:spcPts val="0"/>
+              </a:spcAft>
+              <a:buClrTx/>
+              <a:buSzTx/>
+              <a:buFont typeface="Wingdings" pitchFamily="2" charset="2"/>
+              <a:buNone/>
+              <a:tabLst/>
+              <a:defRPr/>
+            </a:pPr>
+            <a:endParaRPr kumimoji="0" lang="en-US" sz="2400" b="0" i="0" u="none" strike="noStrike" kern="1200" cap="none" spc="0" normalizeH="0" baseline="0" noProof="0" smtClean="0">
+              <a:ln>
+                <a:noFill/>
+              </a:ln>
+              <a:solidFill>
+                <a:schemeClr val="tx1">
+                  <a:tint val="75000"/>
+                </a:schemeClr>
+              </a:solidFill>
+              <a:effectLst/>
+              <a:uLnTx/>
+              <a:uFillTx/>
               <a:latin typeface="Times New Roman" pitchFamily="18" charset="0"/>
+              <a:ea typeface="+mn-ea"/>
+              <a:cs typeface="+mn-cs"/>
             </a:endParaRPr>
           </a:p>
           <a:p>
-            <a:pPr>
+            <a:pPr marL="1828800" marR="0" lvl="4" indent="0" algn="ctr" defTabSz="914400" rtl="0" eaLnBrk="1" fontAlgn="auto" latinLnBrk="0" hangingPunct="1">
+              <a:lnSpc>
+                <a:spcPct val="90000"/>
+              </a:lnSpc>
+              <a:spcBef>
+                <a:spcPct val="20000"/>
+              </a:spcBef>
+              <a:spcAft>
+                <a:spcPts val="0"/>
+              </a:spcAft>
+              <a:buClrTx/>
+              <a:buSzTx/>
+              <a:buFont typeface="Wingdings" pitchFamily="2" charset="2"/>
               <a:buNone/>
+              <a:tabLst/>
+              <a:defRPr/>
             </a:pPr>
-            <a:endParaRPr lang="en-US" dirty="0" smtClean="0">
+            <a:endParaRPr kumimoji="0" lang="en-US" sz="1800" b="0" i="0" u="none" strike="noStrike" kern="1200" cap="none" spc="0" normalizeH="0" baseline="0" noProof="0" dirty="0">
+              <a:ln>
+                <a:noFill/>
+              </a:ln>
+              <a:solidFill>
+                <a:schemeClr val="tx1">
+                  <a:tint val="75000"/>
+                </a:schemeClr>
+              </a:solidFill>
+              <a:effectLst/>
+              <a:uLnTx/>
+              <a:uFillTx/>
               <a:latin typeface="Times New Roman" pitchFamily="18" charset="0"/>
+              <a:ea typeface="+mn-ea"/>
+              <a:cs typeface="+mn-cs"/>
             </a:endParaRPr>
           </a:p>
+        </p:txBody>
+      </p:sp>
+      <p:sp>
+        <p:nvSpPr>
+          <p:cNvPr id="10" name="Rectangle 3"/>
+          <p:cNvSpPr txBox="1">
+            <a:spLocks noChangeArrowheads="1"/>
+          </p:cNvSpPr>
+          <p:nvPr/>
+        </p:nvSpPr>
+        <p:spPr>
+          <a:xfrm>
+            <a:off x="1335088" y="2170113"/>
+            <a:ext cx="7772400" cy="4114800"/>
+          </a:xfrm>
+          <a:prstGeom prst="rect">
+            <a:avLst/>
+          </a:prstGeom>
+        </p:spPr>
+        <p:txBody>
+          <a:bodyPr vert="horz" lIns="91440" tIns="45720" rIns="91440" bIns="45720" rtlCol="0">
+            <a:normAutofit/>
+          </a:bodyPr>
+          <a:lstStyle/>
+          <a:p>
+            <a:pPr marL="0" marR="0" lvl="0" indent="0" algn="ctr" defTabSz="914400" rtl="0" eaLnBrk="1" fontAlgn="auto" latinLnBrk="0" hangingPunct="1">
+              <a:lnSpc>
+                <a:spcPct val="90000"/>
+              </a:lnSpc>
+              <a:spcBef>
+                <a:spcPct val="20000"/>
+              </a:spcBef>
+              <a:spcAft>
+                <a:spcPts val="0"/>
+              </a:spcAft>
+              <a:buClrTx/>
+              <a:buSzTx/>
+              <a:buFont typeface="Wingdings" pitchFamily="2" charset="2"/>
+              <a:buNone/>
+              <a:tabLst/>
+              <a:defRPr/>
+            </a:pPr>
+            <a:endParaRPr kumimoji="0" lang="en-US" sz="2400" b="0" i="0" u="none" strike="noStrike" kern="1200" cap="none" spc="0" normalizeH="0" baseline="0" noProof="0" smtClean="0">
+              <a:ln>
+                <a:noFill/>
+              </a:ln>
+              <a:solidFill>
+                <a:schemeClr val="tx1">
+                  <a:tint val="75000"/>
+                </a:schemeClr>
+              </a:solidFill>
+              <a:effectLst/>
+              <a:uLnTx/>
+              <a:uFillTx/>
+              <a:latin typeface="Times New Roman" pitchFamily="18" charset="0"/>
+              <a:ea typeface="+mn-ea"/>
+              <a:cs typeface="+mn-cs"/>
+            </a:endParaRPr>
+          </a:p>
+          <a:p>
+            <a:pPr marL="1828800" marR="0" lvl="4" indent="0" algn="ctr" defTabSz="914400" rtl="0" eaLnBrk="1" fontAlgn="auto" latinLnBrk="0" hangingPunct="1">
+              <a:lnSpc>
+                <a:spcPct val="90000"/>
+              </a:lnSpc>
+              <a:spcBef>
+                <a:spcPct val="20000"/>
+              </a:spcBef>
+              <a:spcAft>
+                <a:spcPts val="0"/>
+              </a:spcAft>
+              <a:buClrTx/>
+              <a:buSzTx/>
+              <a:buFont typeface="Wingdings" pitchFamily="2" charset="2"/>
+              <a:buNone/>
+              <a:tabLst/>
+              <a:defRPr/>
+            </a:pPr>
+            <a:endParaRPr kumimoji="0" lang="en-US" sz="1800" b="0" i="0" u="none" strike="noStrike" kern="1200" cap="none" spc="0" normalizeH="0" baseline="0" noProof="0" dirty="0">
+              <a:ln>
+                <a:noFill/>
+              </a:ln>
+              <a:solidFill>
+                <a:schemeClr val="tx1">
+                  <a:tint val="75000"/>
+                </a:schemeClr>
+              </a:solidFill>
+              <a:effectLst/>
+              <a:uLnTx/>
+              <a:uFillTx/>
+              <a:latin typeface="Times New Roman" pitchFamily="18" charset="0"/>
+              <a:ea typeface="+mn-ea"/>
+              <a:cs typeface="+mn-cs"/>
+            </a:endParaRPr>
+          </a:p>
+        </p:txBody>
+      </p:sp>
+      <p:sp>
+        <p:nvSpPr>
+          <p:cNvPr id="12" name="TextBox 11"/>
+          <p:cNvSpPr txBox="1"/>
+          <p:nvPr/>
+        </p:nvSpPr>
+        <p:spPr>
+          <a:xfrm>
+            <a:off x="3124200" y="3352800"/>
+            <a:ext cx="184731" cy="369332"/>
+          </a:xfrm>
+          <a:prstGeom prst="rect">
+            <a:avLst/>
+          </a:prstGeom>
+          <a:noFill/>
+        </p:spPr>
+        <p:txBody>
+          <a:bodyPr wrap="none" rtlCol="0">
+            <a:spAutoFit/>
+          </a:bodyPr>
+          <a:lstStyle/>
           <a:p>
             <a:endParaRPr lang="nb-NO" dirty="0"/>
           </a:p>
@@ -5086,7 +8858,7 @@
       </p:sp>
       <p:pic>
         <p:nvPicPr>
-          <p:cNvPr id="2" name="Picture 2" descr="C:\Users\Aman\Costumer-Driven-Project\report\DesignReport\uml diagrams\cbr.png"/>
+          <p:cNvPr id="2" name="Picture 2" descr="C:\Users\Aman\Costumer-Driven-Project\report\DesignReport\uml diagrams\Case.png"/>
           <p:cNvPicPr>
             <a:picLocks noChangeAspect="1" noChangeArrowheads="1"/>
           </p:cNvPicPr>
@@ -5101,8 +8873,8 @@
         </p:blipFill>
         <p:spPr bwMode="auto">
           <a:xfrm>
-            <a:off x="457200" y="2286000"/>
-            <a:ext cx="7924800" cy="3733800"/>
+            <a:off x="1524000" y="2209800"/>
+            <a:ext cx="5881687" cy="3733800"/>
           </a:xfrm>
           <a:prstGeom prst="rect">
             <a:avLst/>
@@ -5223,7 +8995,7 @@
                 </a:solidFill>
                 <a:latin typeface="Comic Sans MS" pitchFamily="66" charset="0"/>
               </a:rPr>
-              <a:t>Data Storage</a:t>
+              <a:t>Implementation</a:t>
             </a:r>
             <a:endParaRPr lang="nb-NO" sz="4400" dirty="0">
               <a:solidFill>
@@ -5275,7 +9047,7 @@
         <p:spPr>
           <a:xfrm>
             <a:off x="1219200" y="2438400"/>
-            <a:ext cx="5666824" cy="1015663"/>
+            <a:ext cx="5666824" cy="1754326"/>
           </a:xfrm>
           <a:prstGeom prst="rect">
             <a:avLst/>
@@ -5288,9 +9060,40 @@
           </a:bodyPr>
           <a:lstStyle/>
           <a:p>
-            <a:endParaRPr lang="en-US" sz="2400" dirty="0" smtClean="0">
-              <a:latin typeface="Times New Roman" pitchFamily="18" charset="0"/>
-            </a:endParaRPr>
+            <a:pPr>
+              <a:buFont typeface="Arial" pitchFamily="34" charset="0"/>
+              <a:buChar char="•"/>
+            </a:pPr>
+            <a:r>
+              <a:rPr lang="en-US" sz="2400" dirty="0" smtClean="0">
+                <a:latin typeface="Times New Roman" pitchFamily="18" charset="0"/>
+              </a:rPr>
+              <a:t>Algorithms</a:t>
+            </a:r>
+          </a:p>
+          <a:p>
+            <a:pPr>
+              <a:buFont typeface="Arial" pitchFamily="34" charset="0"/>
+              <a:buChar char="•"/>
+            </a:pPr>
+            <a:r>
+              <a:rPr lang="en-US" sz="2400" dirty="0" smtClean="0">
+                <a:latin typeface="Times New Roman" pitchFamily="18" charset="0"/>
+              </a:rPr>
+              <a:t>Data Storage</a:t>
+            </a:r>
+          </a:p>
+          <a:p>
+            <a:pPr>
+              <a:buFont typeface="Arial" pitchFamily="34" charset="0"/>
+              <a:buChar char="•"/>
+            </a:pPr>
+            <a:r>
+              <a:rPr lang="en-US" sz="2400" dirty="0" smtClean="0">
+                <a:latin typeface="Times New Roman" pitchFamily="18" charset="0"/>
+              </a:rPr>
+              <a:t>User Interface</a:t>
+            </a:r>
           </a:p>
           <a:p>
             <a:pPr>
@@ -5305,32 +9108,6 @@
           </a:p>
         </p:txBody>
       </p:sp>
-      <p:pic>
-        <p:nvPicPr>
-          <p:cNvPr id="2050" name="Picture 2" descr="C:\Users\Aman\Costumer-Driven-Project\report\DesignReport\uml diagrams\pd.png"/>
-          <p:cNvPicPr>
-            <a:picLocks noChangeAspect="1" noChangeArrowheads="1"/>
-          </p:cNvPicPr>
-          <p:nvPr/>
-        </p:nvPicPr>
-        <p:blipFill>
-          <a:blip r:embed="rId4" cstate="print"/>
-          <a:srcRect/>
-          <a:stretch>
-            <a:fillRect/>
-          </a:stretch>
-        </p:blipFill>
-        <p:spPr bwMode="auto">
-          <a:xfrm>
-            <a:off x="533400" y="2362200"/>
-            <a:ext cx="8001000" cy="3809999"/>
-          </a:xfrm>
-          <a:prstGeom prst="rect">
-            <a:avLst/>
-          </a:prstGeom>
-          <a:noFill/>
-        </p:spPr>
-      </p:pic>
     </p:spTree>
   </p:cSld>
   <p:clrMapOvr>
@@ -5363,216 +9140,77 @@
           <a:chExt cx="0" cy="0"/>
         </a:xfrm>
       </p:grpSpPr>
-      <p:pic>
-        <p:nvPicPr>
-          <p:cNvPr id="1026" name="Picture 2" descr="C:\Users\Administrator\Desktop\Presentation1.jpg"/>
-          <p:cNvPicPr>
-            <a:picLocks noChangeAspect="1" noChangeArrowheads="1"/>
-          </p:cNvPicPr>
-          <p:nvPr/>
-        </p:nvPicPr>
-        <p:blipFill>
-          <a:blip r:embed="rId3" cstate="print"/>
-          <a:srcRect/>
-          <a:stretch>
-            <a:fillRect/>
-          </a:stretch>
-        </p:blipFill>
-        <p:spPr bwMode="auto">
-          <a:xfrm>
-            <a:off x="0" y="-152400"/>
-            <a:ext cx="9144000" cy="6858000"/>
-          </a:xfrm>
-          <a:prstGeom prst="rect">
-            <a:avLst/>
-          </a:prstGeom>
-          <a:noFill/>
-        </p:spPr>
-      </p:pic>
-      <p:sp>
-        <p:nvSpPr>
-          <p:cNvPr id="5" name="TextBox 4"/>
-          <p:cNvSpPr txBox="1"/>
-          <p:nvPr/>
+      <p:sp>
+        <p:nvSpPr>
+          <p:cNvPr id="2" name="Title 1"/>
+          <p:cNvSpPr>
+            <a:spLocks noGrp="1"/>
+          </p:cNvSpPr>
+          <p:nvPr>
+            <p:ph type="title"/>
+          </p:nvPr>
         </p:nvSpPr>
         <p:spPr>
           <a:xfrm>
-            <a:off x="533400" y="2057400"/>
-            <a:ext cx="6781800" cy="369332"/>
+            <a:off x="381000" y="304800"/>
+            <a:ext cx="8229600" cy="1143000"/>
           </a:xfrm>
-          <a:prstGeom prst="rect">
-            <a:avLst/>
-          </a:prstGeom>
-          <a:noFill/>
         </p:spPr>
         <p:txBody>
-          <a:bodyPr wrap="square" rtlCol="0">
-            <a:spAutoFit/>
+          <a:bodyPr>
+            <a:normAutofit/>
           </a:bodyPr>
           <a:lstStyle/>
           <a:p>
-            <a:endParaRPr lang="en-US"/>
-          </a:p>
-        </p:txBody>
-      </p:sp>
-      <p:sp>
-        <p:nvSpPr>
-          <p:cNvPr id="6" name="TextBox 5"/>
-          <p:cNvSpPr txBox="1"/>
-          <p:nvPr/>
-        </p:nvSpPr>
-        <p:spPr>
-          <a:xfrm>
-            <a:off x="762000" y="1219200"/>
-            <a:ext cx="6553200" cy="769441"/>
-          </a:xfrm>
-          <a:prstGeom prst="rect">
-            <a:avLst/>
-          </a:prstGeom>
-          <a:noFill/>
-        </p:spPr>
-        <p:txBody>
-          <a:bodyPr wrap="square" rtlCol="0">
-            <a:spAutoFit/>
-          </a:bodyPr>
-          <a:lstStyle/>
-          <a:p>
-            <a:r>
-              <a:rPr lang="en-US" sz="4400" dirty="0" smtClean="0">
+            <a:r>
+              <a:rPr lang="en-US" sz="4000" dirty="0" smtClean="0">
                 <a:solidFill>
                   <a:schemeClr val="tx2"/>
                 </a:solidFill>
                 <a:latin typeface="Comic Sans MS" pitchFamily="66" charset="0"/>
               </a:rPr>
-              <a:t>T</a:t>
-            </a:r>
-            <a:r>
-              <a:rPr lang="en-US" sz="4400" dirty="0" smtClean="0">
-                <a:solidFill>
-                  <a:schemeClr val="tx2"/>
-                </a:solidFill>
-                <a:latin typeface="Comic Sans MS" pitchFamily="66" charset="0"/>
-              </a:rPr>
-              <a:t>esting</a:t>
-            </a:r>
-            <a:endParaRPr lang="nb-NO" sz="4400" dirty="0">
+              <a:t>Algorithms</a:t>
+            </a:r>
+            <a:endParaRPr lang="en-US" sz="4000" dirty="0">
               <a:solidFill>
                 <a:schemeClr val="tx2"/>
               </a:solidFill>
+              <a:latin typeface="Comic Sans MS" pitchFamily="66" charset="0"/>
             </a:endParaRPr>
           </a:p>
         </p:txBody>
       </p:sp>
-      <p:sp>
-        <p:nvSpPr>
-          <p:cNvPr id="7" name="TextBox 6"/>
-          <p:cNvSpPr txBox="1"/>
-          <p:nvPr/>
-        </p:nvSpPr>
-        <p:spPr>
-          <a:xfrm>
-            <a:off x="1066800" y="2514600"/>
-            <a:ext cx="6858000" cy="338554"/>
-          </a:xfrm>
-          <a:prstGeom prst="rect">
-            <a:avLst/>
-          </a:prstGeom>
-          <a:noFill/>
-        </p:spPr>
-        <p:txBody>
-          <a:bodyPr wrap="square" rtlCol="0">
-            <a:spAutoFit/>
-          </a:bodyPr>
-          <a:lstStyle/>
-          <a:p>
-            <a:pPr>
-              <a:lnSpc>
-                <a:spcPct val="80000"/>
-              </a:lnSpc>
-            </a:pPr>
-            <a:endParaRPr lang="en-US" sz="2000" dirty="0">
-              <a:latin typeface="Times New Roman" pitchFamily="18" charset="0"/>
-            </a:endParaRPr>
-          </a:p>
-        </p:txBody>
-      </p:sp>
-      <p:sp>
-        <p:nvSpPr>
-          <p:cNvPr id="8" name="TextBox 7"/>
-          <p:cNvSpPr txBox="1"/>
-          <p:nvPr/>
-        </p:nvSpPr>
-        <p:spPr>
-          <a:xfrm>
-            <a:off x="1219200" y="2438400"/>
-            <a:ext cx="5666824" cy="1754326"/>
-          </a:xfrm>
-          <a:prstGeom prst="rect">
-            <a:avLst/>
-          </a:prstGeom>
-          <a:noFill/>
-        </p:spPr>
-        <p:txBody>
-          <a:bodyPr wrap="square" rtlCol="0">
-            <a:spAutoFit/>
-          </a:bodyPr>
-          <a:lstStyle/>
-          <a:p>
-            <a:pPr>
-              <a:buFont typeface="Arial" pitchFamily="34" charset="0"/>
-              <a:buChar char="•"/>
-            </a:pPr>
-            <a:r>
-              <a:rPr lang="en-US" sz="2400" dirty="0" smtClean="0">
-                <a:latin typeface="Times New Roman" pitchFamily="18" charset="0"/>
-              </a:rPr>
-              <a:t>Unit Testing</a:t>
-            </a:r>
-          </a:p>
-          <a:p>
-            <a:pPr>
-              <a:buFont typeface="Arial" pitchFamily="34" charset="0"/>
-              <a:buChar char="•"/>
-            </a:pPr>
-            <a:r>
-              <a:rPr lang="en-US" sz="2400" dirty="0" smtClean="0">
-                <a:latin typeface="Times New Roman" pitchFamily="18" charset="0"/>
-              </a:rPr>
-              <a:t> </a:t>
-            </a:r>
-            <a:r>
-              <a:rPr lang="en-US" sz="2400" dirty="0" smtClean="0">
-                <a:latin typeface="Times New Roman" pitchFamily="18" charset="0"/>
-              </a:rPr>
-              <a:t>Interface Testing</a:t>
-            </a:r>
-            <a:endParaRPr lang="en-US" sz="2400" dirty="0" smtClean="0">
-              <a:latin typeface="Times New Roman" pitchFamily="18" charset="0"/>
-            </a:endParaRPr>
-          </a:p>
-          <a:p>
-            <a:pPr>
-              <a:buFont typeface="Arial" pitchFamily="34" charset="0"/>
-              <a:buChar char="•"/>
-            </a:pPr>
-            <a:endParaRPr lang="en-US" sz="2400" dirty="0" smtClean="0">
-              <a:latin typeface="Times New Roman" pitchFamily="18" charset="0"/>
-            </a:endParaRPr>
-          </a:p>
-          <a:p>
-            <a:pPr>
-              <a:buNone/>
-            </a:pPr>
-            <a:endParaRPr lang="en-US" dirty="0" smtClean="0">
-              <a:latin typeface="Times New Roman" pitchFamily="18" charset="0"/>
-            </a:endParaRPr>
-          </a:p>
-          <a:p>
-            <a:endParaRPr lang="nb-NO" dirty="0"/>
-          </a:p>
-        </p:txBody>
-      </p:sp>
+      <p:graphicFrame>
+        <p:nvGraphicFramePr>
+          <p:cNvPr id="4" name="Content Placeholder 3"/>
+          <p:cNvGraphicFramePr>
+            <a:graphicFrameLocks noGrp="1"/>
+          </p:cNvGraphicFramePr>
+          <p:nvPr>
+            <p:ph idx="1"/>
+            <p:extLst>
+              <p:ext uri="{D42A27DB-BD31-4B8C-83A1-F6EECF244321}">
+                <p14:modId xmlns:p14="http://schemas.microsoft.com/office/powerpoint/2010/main" xmlns="" val="2648774239"/>
+              </p:ext>
+            </p:extLst>
+          </p:nvPr>
+        </p:nvGraphicFramePr>
+        <p:xfrm>
+          <a:off x="76200" y="1600200"/>
+          <a:ext cx="8229600" cy="4525963"/>
+        </p:xfrm>
+        <a:graphic>
+          <a:graphicData uri="http://schemas.openxmlformats.org/drawingml/2006/diagram">
+            <dgm:relIds xmlns:dgm="http://schemas.openxmlformats.org/drawingml/2006/diagram" xmlns:r="http://schemas.openxmlformats.org/officeDocument/2006/relationships" r:dm="rId2" r:lo="rId3" r:qs="rId4" r:cs="rId5"/>
+          </a:graphicData>
+        </a:graphic>
+      </p:graphicFrame>
     </p:spTree>
+    <p:extLst>
+      <p:ext uri="{BB962C8B-B14F-4D97-AF65-F5344CB8AC3E}">
+        <p14:creationId xmlns:p14="http://schemas.microsoft.com/office/powerpoint/2010/main" xmlns="" val="1272210632"/>
+      </p:ext>
+    </p:extLst>
   </p:cSld>
   <p:clrMapOvr>
     <a:masterClrMapping/>
@@ -5679,12 +9317,13 @@
           <a:lstStyle/>
           <a:p>
             <a:r>
-              <a:rPr lang="nb-NO" sz="4400" dirty="0" smtClean="0">
+              <a:rPr lang="en-US" sz="4400" dirty="0" smtClean="0">
                 <a:solidFill>
                   <a:schemeClr val="tx2"/>
                 </a:solidFill>
+                <a:latin typeface="Comic Sans MS" pitchFamily="66" charset="0"/>
               </a:rPr>
-              <a:t>Results</a:t>
+              <a:t>Data Storage</a:t>
             </a:r>
             <a:endParaRPr lang="nb-NO" sz="4400" dirty="0">
               <a:solidFill>
@@ -5727,6 +9366,71 @@
           </a:p>
         </p:txBody>
       </p:sp>
+      <p:sp>
+        <p:nvSpPr>
+          <p:cNvPr id="8" name="TextBox 7"/>
+          <p:cNvSpPr txBox="1"/>
+          <p:nvPr/>
+        </p:nvSpPr>
+        <p:spPr>
+          <a:xfrm>
+            <a:off x="1219200" y="2438400"/>
+            <a:ext cx="5666824" cy="1015663"/>
+          </a:xfrm>
+          <a:prstGeom prst="rect">
+            <a:avLst/>
+          </a:prstGeom>
+          <a:noFill/>
+        </p:spPr>
+        <p:txBody>
+          <a:bodyPr wrap="square" rtlCol="0">
+            <a:spAutoFit/>
+          </a:bodyPr>
+          <a:lstStyle/>
+          <a:p>
+            <a:endParaRPr lang="en-US" sz="2400" dirty="0" smtClean="0">
+              <a:latin typeface="Times New Roman" pitchFamily="18" charset="0"/>
+            </a:endParaRPr>
+          </a:p>
+          <a:p>
+            <a:pPr>
+              <a:buNone/>
+            </a:pPr>
+            <a:endParaRPr lang="en-US" dirty="0" smtClean="0">
+              <a:latin typeface="Times New Roman" pitchFamily="18" charset="0"/>
+            </a:endParaRPr>
+          </a:p>
+          <a:p>
+            <a:endParaRPr lang="nb-NO" dirty="0"/>
+          </a:p>
+        </p:txBody>
+      </p:sp>
+      <p:pic>
+        <p:nvPicPr>
+          <p:cNvPr id="2050" name="Picture 2" descr="C:\Users\Aman\Costumer-Driven-Project\report\DesignReport\uml diagrams\pd.png"/>
+          <p:cNvPicPr>
+            <a:picLocks noChangeAspect="1" noChangeArrowheads="1"/>
+          </p:cNvPicPr>
+          <p:nvPr/>
+        </p:nvPicPr>
+        <p:blipFill>
+          <a:blip r:embed="rId4" cstate="print"/>
+          <a:srcRect/>
+          <a:stretch>
+            <a:fillRect/>
+          </a:stretch>
+        </p:blipFill>
+        <p:spPr bwMode="auto">
+          <a:xfrm>
+            <a:off x="533400" y="2362200"/>
+            <a:ext cx="8001000" cy="3809999"/>
+          </a:xfrm>
+          <a:prstGeom prst="rect">
+            <a:avLst/>
+          </a:prstGeom>
+          <a:noFill/>
+        </p:spPr>
+      </p:pic>
     </p:spTree>
   </p:cSld>
   <p:clrMapOvr>
@@ -5834,6 +9538,384 @@
           <a:lstStyle/>
           <a:p>
             <a:r>
+              <a:rPr lang="en-US" sz="4400" dirty="0" smtClean="0">
+                <a:solidFill>
+                  <a:schemeClr val="tx2"/>
+                </a:solidFill>
+                <a:latin typeface="Comic Sans MS" pitchFamily="66" charset="0"/>
+              </a:rPr>
+              <a:t>Testing</a:t>
+            </a:r>
+            <a:endParaRPr lang="nb-NO" sz="4400" dirty="0">
+              <a:solidFill>
+                <a:schemeClr val="tx2"/>
+              </a:solidFill>
+            </a:endParaRPr>
+          </a:p>
+        </p:txBody>
+      </p:sp>
+      <p:sp>
+        <p:nvSpPr>
+          <p:cNvPr id="7" name="TextBox 6"/>
+          <p:cNvSpPr txBox="1"/>
+          <p:nvPr/>
+        </p:nvSpPr>
+        <p:spPr>
+          <a:xfrm>
+            <a:off x="1066800" y="2514600"/>
+            <a:ext cx="6858000" cy="338554"/>
+          </a:xfrm>
+          <a:prstGeom prst="rect">
+            <a:avLst/>
+          </a:prstGeom>
+          <a:noFill/>
+        </p:spPr>
+        <p:txBody>
+          <a:bodyPr wrap="square" rtlCol="0">
+            <a:spAutoFit/>
+          </a:bodyPr>
+          <a:lstStyle/>
+          <a:p>
+            <a:pPr>
+              <a:lnSpc>
+                <a:spcPct val="80000"/>
+              </a:lnSpc>
+            </a:pPr>
+            <a:endParaRPr lang="en-US" sz="2000" dirty="0">
+              <a:latin typeface="Times New Roman" pitchFamily="18" charset="0"/>
+            </a:endParaRPr>
+          </a:p>
+        </p:txBody>
+      </p:sp>
+      <p:sp>
+        <p:nvSpPr>
+          <p:cNvPr id="8" name="TextBox 7"/>
+          <p:cNvSpPr txBox="1"/>
+          <p:nvPr/>
+        </p:nvSpPr>
+        <p:spPr>
+          <a:xfrm>
+            <a:off x="1219200" y="2438400"/>
+            <a:ext cx="5666824" cy="1754326"/>
+          </a:xfrm>
+          <a:prstGeom prst="rect">
+            <a:avLst/>
+          </a:prstGeom>
+          <a:noFill/>
+        </p:spPr>
+        <p:txBody>
+          <a:bodyPr wrap="square" rtlCol="0">
+            <a:spAutoFit/>
+          </a:bodyPr>
+          <a:lstStyle/>
+          <a:p>
+            <a:pPr>
+              <a:buFont typeface="Arial" pitchFamily="34" charset="0"/>
+              <a:buChar char="•"/>
+            </a:pPr>
+            <a:r>
+              <a:rPr lang="en-US" sz="2400" dirty="0" smtClean="0">
+                <a:latin typeface="Times New Roman" pitchFamily="18" charset="0"/>
+              </a:rPr>
+              <a:t>Unit Testing</a:t>
+            </a:r>
+          </a:p>
+          <a:p>
+            <a:pPr>
+              <a:buFont typeface="Arial" pitchFamily="34" charset="0"/>
+              <a:buChar char="•"/>
+            </a:pPr>
+            <a:r>
+              <a:rPr lang="en-US" sz="2400" dirty="0" smtClean="0">
+                <a:latin typeface="Times New Roman" pitchFamily="18" charset="0"/>
+              </a:rPr>
+              <a:t> Interface Testing</a:t>
+            </a:r>
+          </a:p>
+          <a:p>
+            <a:pPr>
+              <a:buFont typeface="Arial" pitchFamily="34" charset="0"/>
+              <a:buChar char="•"/>
+            </a:pPr>
+            <a:endParaRPr lang="en-US" sz="2400" dirty="0" smtClean="0">
+              <a:latin typeface="Times New Roman" pitchFamily="18" charset="0"/>
+            </a:endParaRPr>
+          </a:p>
+          <a:p>
+            <a:pPr>
+              <a:buNone/>
+            </a:pPr>
+            <a:endParaRPr lang="en-US" dirty="0" smtClean="0">
+              <a:latin typeface="Times New Roman" pitchFamily="18" charset="0"/>
+            </a:endParaRPr>
+          </a:p>
+          <a:p>
+            <a:endParaRPr lang="nb-NO" dirty="0"/>
+          </a:p>
+        </p:txBody>
+      </p:sp>
+    </p:spTree>
+  </p:cSld>
+  <p:clrMapOvr>
+    <a:masterClrMapping/>
+  </p:clrMapOvr>
+  <p:timing>
+    <p:tnLst>
+      <p:par>
+        <p:cTn id="1" dur="indefinite" restart="never" nodeType="tmRoot"/>
+      </p:par>
+    </p:tnLst>
+  </p:timing>
+</p:sld>
+</file>
+
+<file path=ppt/slides/slide16.xml><?xml version="1.0" encoding="utf-8"?>
+<p:sld xmlns:a="http://schemas.openxmlformats.org/drawingml/2006/main" xmlns:r="http://schemas.openxmlformats.org/officeDocument/2006/relationships" xmlns:p="http://schemas.openxmlformats.org/presentationml/2006/main">
+  <p:cSld>
+    <p:spTree>
+      <p:nvGrpSpPr>
+        <p:cNvPr id="1" name=""/>
+        <p:cNvGrpSpPr/>
+        <p:nvPr/>
+      </p:nvGrpSpPr>
+      <p:grpSpPr>
+        <a:xfrm>
+          <a:off x="0" y="0"/>
+          <a:ext cx="0" cy="0"/>
+          <a:chOff x="0" y="0"/>
+          <a:chExt cx="0" cy="0"/>
+        </a:xfrm>
+      </p:grpSpPr>
+      <p:pic>
+        <p:nvPicPr>
+          <p:cNvPr id="1026" name="Picture 2" descr="C:\Users\Administrator\Desktop\Presentation1.jpg"/>
+          <p:cNvPicPr>
+            <a:picLocks noChangeAspect="1" noChangeArrowheads="1"/>
+          </p:cNvPicPr>
+          <p:nvPr/>
+        </p:nvPicPr>
+        <p:blipFill>
+          <a:blip r:embed="rId3" cstate="print"/>
+          <a:srcRect/>
+          <a:stretch>
+            <a:fillRect/>
+          </a:stretch>
+        </p:blipFill>
+        <p:spPr bwMode="auto">
+          <a:xfrm>
+            <a:off x="0" y="-152400"/>
+            <a:ext cx="9144000" cy="6858000"/>
+          </a:xfrm>
+          <a:prstGeom prst="rect">
+            <a:avLst/>
+          </a:prstGeom>
+          <a:noFill/>
+        </p:spPr>
+      </p:pic>
+      <p:sp>
+        <p:nvSpPr>
+          <p:cNvPr id="5" name="TextBox 4"/>
+          <p:cNvSpPr txBox="1"/>
+          <p:nvPr/>
+        </p:nvSpPr>
+        <p:spPr>
+          <a:xfrm>
+            <a:off x="533400" y="2057400"/>
+            <a:ext cx="6781800" cy="369332"/>
+          </a:xfrm>
+          <a:prstGeom prst="rect">
+            <a:avLst/>
+          </a:prstGeom>
+          <a:noFill/>
+        </p:spPr>
+        <p:txBody>
+          <a:bodyPr wrap="square" rtlCol="0">
+            <a:spAutoFit/>
+          </a:bodyPr>
+          <a:lstStyle/>
+          <a:p>
+            <a:endParaRPr lang="en-US"/>
+          </a:p>
+        </p:txBody>
+      </p:sp>
+      <p:sp>
+        <p:nvSpPr>
+          <p:cNvPr id="6" name="TextBox 5"/>
+          <p:cNvSpPr txBox="1"/>
+          <p:nvPr/>
+        </p:nvSpPr>
+        <p:spPr>
+          <a:xfrm>
+            <a:off x="762000" y="1219200"/>
+            <a:ext cx="6553200" cy="769441"/>
+          </a:xfrm>
+          <a:prstGeom prst="rect">
+            <a:avLst/>
+          </a:prstGeom>
+          <a:noFill/>
+        </p:spPr>
+        <p:txBody>
+          <a:bodyPr wrap="square" rtlCol="0">
+            <a:spAutoFit/>
+          </a:bodyPr>
+          <a:lstStyle/>
+          <a:p>
+            <a:r>
+              <a:rPr lang="nb-NO" sz="4400" dirty="0" smtClean="0">
+                <a:solidFill>
+                  <a:schemeClr val="tx2"/>
+                </a:solidFill>
+              </a:rPr>
+              <a:t>Results</a:t>
+            </a:r>
+            <a:endParaRPr lang="nb-NO" sz="4400" dirty="0">
+              <a:solidFill>
+                <a:schemeClr val="tx2"/>
+              </a:solidFill>
+            </a:endParaRPr>
+          </a:p>
+        </p:txBody>
+      </p:sp>
+      <p:sp>
+        <p:nvSpPr>
+          <p:cNvPr id="7" name="TextBox 6"/>
+          <p:cNvSpPr txBox="1"/>
+          <p:nvPr/>
+        </p:nvSpPr>
+        <p:spPr>
+          <a:xfrm>
+            <a:off x="1066800" y="2514600"/>
+            <a:ext cx="6858000" cy="338554"/>
+          </a:xfrm>
+          <a:prstGeom prst="rect">
+            <a:avLst/>
+          </a:prstGeom>
+          <a:noFill/>
+        </p:spPr>
+        <p:txBody>
+          <a:bodyPr wrap="square" rtlCol="0">
+            <a:spAutoFit/>
+          </a:bodyPr>
+          <a:lstStyle/>
+          <a:p>
+            <a:pPr>
+              <a:lnSpc>
+                <a:spcPct val="80000"/>
+              </a:lnSpc>
+            </a:pPr>
+            <a:endParaRPr lang="en-US" sz="2000" dirty="0">
+              <a:latin typeface="Times New Roman" pitchFamily="18" charset="0"/>
+            </a:endParaRPr>
+          </a:p>
+        </p:txBody>
+      </p:sp>
+    </p:spTree>
+  </p:cSld>
+  <p:clrMapOvr>
+    <a:masterClrMapping/>
+  </p:clrMapOvr>
+  <p:timing>
+    <p:tnLst>
+      <p:par>
+        <p:cTn id="1" dur="indefinite" restart="never" nodeType="tmRoot"/>
+      </p:par>
+    </p:tnLst>
+  </p:timing>
+</p:sld>
+</file>
+
+<file path=ppt/slides/slide17.xml><?xml version="1.0" encoding="utf-8"?>
+<p:sld xmlns:a="http://schemas.openxmlformats.org/drawingml/2006/main" xmlns:r="http://schemas.openxmlformats.org/officeDocument/2006/relationships" xmlns:p="http://schemas.openxmlformats.org/presentationml/2006/main">
+  <p:cSld>
+    <p:spTree>
+      <p:nvGrpSpPr>
+        <p:cNvPr id="1" name=""/>
+        <p:cNvGrpSpPr/>
+        <p:nvPr/>
+      </p:nvGrpSpPr>
+      <p:grpSpPr>
+        <a:xfrm>
+          <a:off x="0" y="0"/>
+          <a:ext cx="0" cy="0"/>
+          <a:chOff x="0" y="0"/>
+          <a:chExt cx="0" cy="0"/>
+        </a:xfrm>
+      </p:grpSpPr>
+      <p:pic>
+        <p:nvPicPr>
+          <p:cNvPr id="1026" name="Picture 2" descr="C:\Users\Administrator\Desktop\Presentation1.jpg"/>
+          <p:cNvPicPr>
+            <a:picLocks noChangeAspect="1" noChangeArrowheads="1"/>
+          </p:cNvPicPr>
+          <p:nvPr/>
+        </p:nvPicPr>
+        <p:blipFill>
+          <a:blip r:embed="rId3" cstate="print"/>
+          <a:srcRect/>
+          <a:stretch>
+            <a:fillRect/>
+          </a:stretch>
+        </p:blipFill>
+        <p:spPr bwMode="auto">
+          <a:xfrm>
+            <a:off x="0" y="-152400"/>
+            <a:ext cx="9144000" cy="6858000"/>
+          </a:xfrm>
+          <a:prstGeom prst="rect">
+            <a:avLst/>
+          </a:prstGeom>
+          <a:noFill/>
+        </p:spPr>
+      </p:pic>
+      <p:sp>
+        <p:nvSpPr>
+          <p:cNvPr id="5" name="TextBox 4"/>
+          <p:cNvSpPr txBox="1"/>
+          <p:nvPr/>
+        </p:nvSpPr>
+        <p:spPr>
+          <a:xfrm>
+            <a:off x="533400" y="2057400"/>
+            <a:ext cx="6781800" cy="369332"/>
+          </a:xfrm>
+          <a:prstGeom prst="rect">
+            <a:avLst/>
+          </a:prstGeom>
+          <a:noFill/>
+        </p:spPr>
+        <p:txBody>
+          <a:bodyPr wrap="square" rtlCol="0">
+            <a:spAutoFit/>
+          </a:bodyPr>
+          <a:lstStyle/>
+          <a:p>
+            <a:endParaRPr lang="en-US"/>
+          </a:p>
+        </p:txBody>
+      </p:sp>
+      <p:sp>
+        <p:nvSpPr>
+          <p:cNvPr id="6" name="TextBox 5"/>
+          <p:cNvSpPr txBox="1"/>
+          <p:nvPr/>
+        </p:nvSpPr>
+        <p:spPr>
+          <a:xfrm>
+            <a:off x="762000" y="1219200"/>
+            <a:ext cx="6553200" cy="769441"/>
+          </a:xfrm>
+          <a:prstGeom prst="rect">
+            <a:avLst/>
+          </a:prstGeom>
+          <a:noFill/>
+        </p:spPr>
+        <p:txBody>
+          <a:bodyPr wrap="square" rtlCol="0">
+            <a:spAutoFit/>
+          </a:bodyPr>
+          <a:lstStyle/>
+          <a:p>
+            <a:r>
               <a:rPr lang="nb-NO" sz="4400" dirty="0" smtClean="0">
                 <a:solidFill>
                   <a:schemeClr val="tx2"/>
@@ -6059,7 +10141,7 @@
         <p:spPr>
           <a:xfrm>
             <a:off x="1066800" y="2286000"/>
-            <a:ext cx="6044732" cy="2585323"/>
+            <a:ext cx="6044732" cy="3693319"/>
           </a:xfrm>
           <a:prstGeom prst="rect">
             <a:avLst/>
@@ -6083,7 +10165,7 @@
               <a:rPr lang="en-US" sz="2000" dirty="0" smtClean="0">
                 <a:latin typeface="Times New Roman" pitchFamily="18" charset="0"/>
               </a:rPr>
-              <a:t>Introduction - AIM and Objectives</a:t>
+              <a:t>Background/Motivation</a:t>
             </a:r>
           </a:p>
           <a:p>
@@ -6098,7 +10180,7 @@
               <a:rPr lang="en-US" sz="2000" dirty="0" smtClean="0">
                 <a:latin typeface="Times New Roman" pitchFamily="18" charset="0"/>
               </a:rPr>
-              <a:t>Approach -  What tools are used</a:t>
+              <a:t>Goals</a:t>
             </a:r>
           </a:p>
           <a:p>
@@ -6113,7 +10195,7 @@
               <a:rPr lang="en-US" sz="2000" dirty="0" smtClean="0">
                 <a:latin typeface="Times New Roman" pitchFamily="18" charset="0"/>
               </a:rPr>
-              <a:t>Architecture</a:t>
+              <a:t>Objectives &amp; Requirements</a:t>
             </a:r>
           </a:p>
           <a:p>
@@ -6128,7 +10210,37 @@
               <a:rPr lang="en-US" sz="2000" dirty="0" smtClean="0">
                 <a:latin typeface="Times New Roman" pitchFamily="18" charset="0"/>
               </a:rPr>
-              <a:t>Implementation</a:t>
+              <a:t>Method &amp; Approach – (pre-study, development model, tools and technology)</a:t>
+            </a:r>
+          </a:p>
+          <a:p>
+            <a:pPr>
+              <a:lnSpc>
+                <a:spcPct val="90000"/>
+              </a:lnSpc>
+              <a:buFont typeface="Arial" pitchFamily="34" charset="0"/>
+              <a:buChar char="•"/>
+            </a:pPr>
+            <a:r>
+              <a:rPr lang="en-US" sz="2000" dirty="0" smtClean="0">
+                <a:latin typeface="Times New Roman" pitchFamily="18" charset="0"/>
+              </a:rPr>
+              <a:t>Architecture (simple diagram detailing your implementation is good enough here)</a:t>
+            </a:r>
+          </a:p>
+          <a:p>
+            <a:pPr>
+              <a:lnSpc>
+                <a:spcPct val="90000"/>
+              </a:lnSpc>
+              <a:buFont typeface="Arial" pitchFamily="34" charset="0"/>
+              <a:buChar char="•"/>
+            </a:pPr>
+            <a:r>
+              <a:rPr lang="en-US" sz="2000" dirty="0" smtClean="0">
+                <a:latin typeface="Times New Roman" pitchFamily="18" charset="0"/>
+              </a:rPr>
+              <a:t>Implementation </a:t>
             </a:r>
           </a:p>
           <a:p>
@@ -6237,7 +10349,7 @@
           <p:nvPr/>
         </p:nvPicPr>
         <p:blipFill>
-          <a:blip r:embed="rId3" cstate="print"/>
+          <a:blip r:embed="rId2" cstate="print"/>
           <a:srcRect/>
           <a:stretch>
             <a:fillRect/>
@@ -6288,8 +10400,8 @@
         </p:nvSpPr>
         <p:spPr>
           <a:xfrm>
-            <a:off x="1752600" y="1143000"/>
-            <a:ext cx="3429000" cy="984885"/>
+            <a:off x="914400" y="1143000"/>
+            <a:ext cx="6019800" cy="984885"/>
           </a:xfrm>
           <a:prstGeom prst="rect">
             <a:avLst/>
@@ -6309,7 +10421,7 @@
                 </a:solidFill>
                 <a:latin typeface="Comic Sans MS" pitchFamily="66" charset="0"/>
               </a:rPr>
-              <a:t>Introduction</a:t>
+              <a:t>Background/Motivation</a:t>
             </a:r>
           </a:p>
           <a:p>
@@ -6325,8 +10437,8 @@
         </p:nvSpPr>
         <p:spPr>
           <a:xfrm>
-            <a:off x="1066800" y="2286001"/>
-            <a:ext cx="6858000" cy="2585323"/>
+            <a:off x="1066800" y="2286000"/>
+            <a:ext cx="6044732" cy="1477328"/>
           </a:xfrm>
           <a:prstGeom prst="rect">
             <a:avLst/>
@@ -6339,83 +10451,39 @@
           </a:bodyPr>
           <a:lstStyle/>
           <a:p>
-            <a:pPr lvl="1" algn="just">
-              <a:lnSpc>
-                <a:spcPct val="80000"/>
-              </a:lnSpc>
-              <a:buFont typeface="Arial" pitchFamily="34" charset="0"/>
-              <a:buChar char="•"/>
-            </a:pPr>
-            <a:r>
-              <a:rPr lang="en-US" sz="2000" dirty="0" smtClean="0">
-                <a:latin typeface="Times New Roman" pitchFamily="18" charset="0"/>
-                <a:cs typeface="Times New Roman" pitchFamily="18" charset="0"/>
-              </a:rPr>
-              <a:t>The aim of project is to implement the key functionality of privacy agent that advises users in making “ Internet Privacy Decision”.</a:t>
-            </a:r>
-          </a:p>
-          <a:p>
-            <a:pPr lvl="1">
-              <a:lnSpc>
-                <a:spcPct val="80000"/>
-              </a:lnSpc>
-              <a:buFont typeface="Wingdings" pitchFamily="2" charset="2"/>
-              <a:buNone/>
-            </a:pPr>
-            <a:endParaRPr lang="en-US" sz="2000" dirty="0" smtClean="0">
-              <a:latin typeface="Times New Roman" pitchFamily="18" charset="0"/>
-              <a:cs typeface="Times New Roman" pitchFamily="18" charset="0"/>
-            </a:endParaRPr>
-          </a:p>
-          <a:p>
-            <a:pPr lvl="1" algn="just">
-              <a:lnSpc>
-                <a:spcPct val="80000"/>
-              </a:lnSpc>
-              <a:buFont typeface="Arial" pitchFamily="34" charset="0"/>
-              <a:buChar char="•"/>
-            </a:pPr>
-            <a:r>
-              <a:rPr lang="en-US" sz="2000" dirty="0" smtClean="0">
-                <a:latin typeface="Times New Roman" pitchFamily="18" charset="0"/>
-                <a:cs typeface="Times New Roman" pitchFamily="18" charset="0"/>
-              </a:rPr>
-              <a:t>The main focus of this project is on developing a framework that allows for testing the CBR privacy agent framework.</a:t>
-            </a:r>
-          </a:p>
-          <a:p>
-            <a:pPr lvl="1">
-              <a:lnSpc>
-                <a:spcPct val="80000"/>
-              </a:lnSpc>
-            </a:pPr>
-            <a:endParaRPr lang="en-US" sz="2000" dirty="0" smtClean="0">
-              <a:latin typeface="Times New Roman" pitchFamily="18" charset="0"/>
-              <a:cs typeface="Times New Roman" pitchFamily="18" charset="0"/>
-            </a:endParaRPr>
-          </a:p>
-          <a:p>
-            <a:pPr lvl="1" algn="just">
-              <a:lnSpc>
-                <a:spcPct val="80000"/>
-              </a:lnSpc>
-              <a:buFont typeface="Arial" pitchFamily="34" charset="0"/>
-              <a:buChar char="•"/>
-            </a:pPr>
-            <a:r>
-              <a:rPr lang="nb-NO" sz="2000" dirty="0" smtClean="0">
-                <a:latin typeface="Times New Roman" pitchFamily="18" charset="0"/>
-                <a:cs typeface="Times New Roman" pitchFamily="18" charset="0"/>
-              </a:rPr>
-              <a:t>Implementing a browser plugin is given a low priority</a:t>
-            </a:r>
-            <a:endParaRPr lang="en-US" sz="2000" dirty="0" smtClean="0">
-              <a:latin typeface="Times New Roman" pitchFamily="18" charset="0"/>
-              <a:cs typeface="Times New Roman" pitchFamily="18" charset="0"/>
-            </a:endParaRPr>
-          </a:p>
-          <a:p>
-            <a:endParaRPr lang="nb-NO" dirty="0"/>
+            <a:r>
+              <a:rPr lang="en-US" dirty="0" smtClean="0"/>
+              <a:t>State the problems with previous privacy control (e.g.)</a:t>
+            </a:r>
+          </a:p>
+          <a:p>
+            <a:pPr lvl="1"/>
+            <a:r>
+              <a:rPr lang="en-US" dirty="0" smtClean="0"/>
+              <a:t>Problem 1</a:t>
+            </a:r>
+          </a:p>
+          <a:p>
+            <a:pPr lvl="1"/>
+            <a:r>
+              <a:rPr lang="en-US" dirty="0" smtClean="0"/>
+              <a:t>Problem 2</a:t>
+            </a:r>
+          </a:p>
+          <a:p>
+            <a:pPr lvl="1"/>
+            <a:r>
+              <a:rPr lang="en-US" dirty="0" smtClean="0"/>
+              <a:t>Problem 3</a:t>
+            </a:r>
+          </a:p>
+          <a:p>
+            <a:pPr lvl="1"/>
+            <a:r>
+              <a:rPr lang="en-US" dirty="0" smtClean="0"/>
+              <a:t>Problem…n</a:t>
+            </a:r>
+            <a:endParaRPr lang="en-US" dirty="0"/>
           </a:p>
         </p:txBody>
       </p:sp>
@@ -6468,7 +10536,7 @@
         </p:blipFill>
         <p:spPr bwMode="auto">
           <a:xfrm>
-            <a:off x="0" y="-152400"/>
+            <a:off x="0" y="0"/>
             <a:ext cx="9144000" cy="6858000"/>
           </a:xfrm>
           <a:prstGeom prst="rect">
@@ -6511,8 +10579,8 @@
         </p:nvSpPr>
         <p:spPr>
           <a:xfrm>
-            <a:off x="1752600" y="1143001"/>
-            <a:ext cx="4191000" cy="984885"/>
+            <a:off x="1752600" y="1143000"/>
+            <a:ext cx="3429000" cy="984885"/>
           </a:xfrm>
           <a:prstGeom prst="rect">
             <a:avLst/>
@@ -6532,20 +10600,8 @@
                 </a:solidFill>
                 <a:latin typeface="Comic Sans MS" pitchFamily="66" charset="0"/>
               </a:rPr>
-              <a:t>Objectives </a:t>
-            </a:r>
-            <a:r>
-              <a:rPr lang="en-US" sz="4000" dirty="0" smtClean="0">
-                <a:latin typeface="Comic Sans MS" pitchFamily="66" charset="0"/>
-              </a:rPr>
-              <a:t>	</a:t>
-            </a:r>
-            <a:endParaRPr lang="en-US" sz="4000" dirty="0" smtClean="0">
-              <a:solidFill>
-                <a:schemeClr val="tx2"/>
-              </a:solidFill>
-              <a:latin typeface="Comic Sans MS" pitchFamily="66" charset="0"/>
-            </a:endParaRPr>
+              <a:t>Goals</a:t>
+            </a:r>
           </a:p>
           <a:p>
             <a:endParaRPr lang="nb-NO" dirty="0"/>
@@ -6560,8 +10616,8 @@
         </p:nvSpPr>
         <p:spPr>
           <a:xfrm>
-            <a:off x="1066800" y="2514600"/>
-            <a:ext cx="6858000" cy="1569660"/>
+            <a:off x="1066800" y="2286001"/>
+            <a:ext cx="6858000" cy="2585323"/>
           </a:xfrm>
           <a:prstGeom prst="rect">
             <a:avLst/>
@@ -6574,7 +10630,7 @@
           </a:bodyPr>
           <a:lstStyle/>
           <a:p>
-            <a:pPr>
+            <a:pPr lvl="1" algn="just">
               <a:lnSpc>
                 <a:spcPct val="80000"/>
               </a:lnSpc>
@@ -6584,22 +10640,53 @@
             <a:r>
               <a:rPr lang="en-US" sz="2000" dirty="0" smtClean="0">
                 <a:latin typeface="Times New Roman" pitchFamily="18" charset="0"/>
+                <a:cs typeface="Times New Roman" pitchFamily="18" charset="0"/>
               </a:rPr>
-              <a:t>Implementing testing framework of CBR based privacy agent.</a:t>
-            </a:r>
-          </a:p>
-          <a:p>
-            <a:pPr>
+              <a:t>The aim of project is to implement the key functionality of privacy agent that advises users in making “ Internet Privacy Decision”.</a:t>
+            </a:r>
+          </a:p>
+          <a:p>
+            <a:pPr lvl="1">
+              <a:lnSpc>
+                <a:spcPct val="80000"/>
+              </a:lnSpc>
+              <a:buFont typeface="Wingdings" pitchFamily="2" charset="2"/>
+              <a:buNone/>
+            </a:pPr>
+            <a:endParaRPr lang="en-US" sz="2000" dirty="0" smtClean="0">
+              <a:latin typeface="Times New Roman" pitchFamily="18" charset="0"/>
+              <a:cs typeface="Times New Roman" pitchFamily="18" charset="0"/>
+            </a:endParaRPr>
+          </a:p>
+          <a:p>
+            <a:pPr lvl="1" algn="just">
+              <a:lnSpc>
+                <a:spcPct val="80000"/>
+              </a:lnSpc>
+              <a:buFont typeface="Arial" pitchFamily="34" charset="0"/>
+              <a:buChar char="•"/>
+            </a:pPr>
+            <a:r>
+              <a:rPr lang="en-US" sz="2000" dirty="0" smtClean="0">
+                <a:latin typeface="Times New Roman" pitchFamily="18" charset="0"/>
+                <a:cs typeface="Times New Roman" pitchFamily="18" charset="0"/>
+              </a:rPr>
+              <a:t>The main focus of this project is on developing a framework that allows for testing the CBR privacy agent framework.</a:t>
+            </a:r>
+          </a:p>
+          <a:p>
+            <a:pPr lvl="1">
               <a:lnSpc>
                 <a:spcPct val="80000"/>
               </a:lnSpc>
             </a:pPr>
             <a:endParaRPr lang="en-US" sz="2000" dirty="0" smtClean="0">
               <a:latin typeface="Times New Roman" pitchFamily="18" charset="0"/>
+              <a:cs typeface="Times New Roman" pitchFamily="18" charset="0"/>
             </a:endParaRPr>
           </a:p>
           <a:p>
-            <a:pPr>
+            <a:pPr lvl="1" algn="just">
               <a:lnSpc>
                 <a:spcPct val="80000"/>
               </a:lnSpc>
@@ -6607,46 +10694,19 @@
               <a:buChar char="•"/>
             </a:pPr>
             <a:r>
-              <a:rPr lang="en-US" sz="2000" dirty="0" smtClean="0">
+              <a:rPr lang="nb-NO" sz="2000" dirty="0" smtClean="0">
                 <a:latin typeface="Times New Roman" pitchFamily="18" charset="0"/>
+                <a:cs typeface="Times New Roman" pitchFamily="18" charset="0"/>
               </a:rPr>
-              <a:t>Implementing community system </a:t>
-            </a:r>
-          </a:p>
-          <a:p>
-            <a:pPr>
-              <a:lnSpc>
-                <a:spcPct val="80000"/>
-              </a:lnSpc>
-            </a:pPr>
+              <a:t>Implementing a browser plugin is given a low priority</a:t>
+            </a:r>
             <a:endParaRPr lang="en-US" sz="2000" dirty="0" smtClean="0">
               <a:latin typeface="Times New Roman" pitchFamily="18" charset="0"/>
+              <a:cs typeface="Times New Roman" pitchFamily="18" charset="0"/>
             </a:endParaRPr>
           </a:p>
           <a:p>
-            <a:pPr>
-              <a:lnSpc>
-                <a:spcPct val="80000"/>
-              </a:lnSpc>
-              <a:buFont typeface="Arial" pitchFamily="34" charset="0"/>
-              <a:buChar char="•"/>
-            </a:pPr>
-            <a:r>
-              <a:rPr lang="en-US" sz="2000" dirty="0" smtClean="0">
-                <a:latin typeface="Times New Roman" pitchFamily="18" charset="0"/>
-              </a:rPr>
-              <a:t>Extend the system to other standards</a:t>
-            </a:r>
-          </a:p>
-          <a:p>
-            <a:pPr>
-              <a:lnSpc>
-                <a:spcPct val="80000"/>
-              </a:lnSpc>
-            </a:pPr>
-            <a:endParaRPr lang="en-US" sz="2000" dirty="0" smtClean="0">
-              <a:latin typeface="Times New Roman" pitchFamily="18" charset="0"/>
-            </a:endParaRPr>
+            <a:endParaRPr lang="nb-NO" dirty="0"/>
           </a:p>
         </p:txBody>
       </p:sp>
@@ -6757,29 +10817,29 @@
           <a:lstStyle/>
           <a:p>
             <a:r>
-              <a:rPr lang="nb-NO" sz="4000" dirty="0" smtClean="0">
-                <a:solidFill>
-                  <a:schemeClr val="tx2"/>
-                </a:solidFill>
-              </a:rPr>
-              <a:t>Preliminary Study</a:t>
-            </a:r>
-            <a:r>
               <a:rPr lang="en-US" sz="4000" dirty="0" smtClean="0">
                 <a:solidFill>
                   <a:schemeClr val="tx2"/>
                 </a:solidFill>
                 <a:latin typeface="Comic Sans MS" pitchFamily="66" charset="0"/>
               </a:rPr>
+              <a:t>Objectives </a:t>
+            </a:r>
+            <a:r>
+              <a:rPr lang="en-US" sz="4000" dirty="0" smtClean="0">
+                <a:latin typeface="Comic Sans MS" pitchFamily="66" charset="0"/>
+              </a:rPr>
               <a:t>	</a:t>
             </a:r>
-          </a:p>
-          <a:p>
-            <a:endParaRPr lang="nb-NO" dirty="0">
+            <a:endParaRPr lang="en-US" sz="4000" dirty="0" smtClean="0">
               <a:solidFill>
                 <a:schemeClr val="tx2"/>
               </a:solidFill>
+              <a:latin typeface="Comic Sans MS" pitchFamily="66" charset="0"/>
             </a:endParaRPr>
+          </a:p>
+          <a:p>
+            <a:endParaRPr lang="nb-NO" dirty="0"/>
           </a:p>
         </p:txBody>
       </p:sp>
@@ -6806,42 +10866,17 @@
           <a:lstStyle/>
           <a:p>
             <a:pPr>
+              <a:lnSpc>
+                <a:spcPct val="80000"/>
+              </a:lnSpc>
               <a:buFont typeface="Arial" pitchFamily="34" charset="0"/>
               <a:buChar char="•"/>
             </a:pPr>
             <a:r>
-              <a:rPr lang="nb-NO" sz="2000" dirty="0" smtClean="0"/>
-              <a:t>P3P</a:t>
-            </a:r>
-          </a:p>
-          <a:p>
-            <a:pPr>
-              <a:buFont typeface="Arial" pitchFamily="34" charset="0"/>
-              <a:buChar char="•"/>
-            </a:pPr>
-            <a:r>
-              <a:rPr lang="nb-NO" sz="2000" dirty="0" smtClean="0"/>
-              <a:t>CBR</a:t>
-            </a:r>
-          </a:p>
-          <a:p>
-            <a:pPr>
-              <a:buFont typeface="Arial" pitchFamily="34" charset="0"/>
-              <a:buChar char="•"/>
-            </a:pPr>
-            <a:r>
-              <a:rPr lang="nb-NO" sz="2000" dirty="0" smtClean="0"/>
-              <a:t>Project Scope</a:t>
-            </a:r>
-          </a:p>
-          <a:p>
-            <a:pPr>
-              <a:buFont typeface="Arial" pitchFamily="34" charset="0"/>
-              <a:buChar char="•"/>
-            </a:pPr>
-            <a:r>
-              <a:rPr lang="nb-NO" sz="2000" dirty="0" smtClean="0"/>
-              <a:t>Development Model</a:t>
+              <a:rPr lang="en-US" sz="2000" dirty="0" smtClean="0">
+                <a:latin typeface="Times New Roman" pitchFamily="18" charset="0"/>
+              </a:rPr>
+              <a:t>Implementing testing framework of CBR based privacy agent.</a:t>
             </a:r>
           </a:p>
           <a:p>
@@ -6850,7 +10885,57 @@
                 <a:spcPct val="80000"/>
               </a:lnSpc>
             </a:pPr>
-            <a:endParaRPr lang="en-US" sz="2000" dirty="0">
+            <a:endParaRPr lang="en-US" sz="2000" dirty="0" smtClean="0">
+              <a:latin typeface="Times New Roman" pitchFamily="18" charset="0"/>
+            </a:endParaRPr>
+          </a:p>
+          <a:p>
+            <a:pPr>
+              <a:lnSpc>
+                <a:spcPct val="80000"/>
+              </a:lnSpc>
+              <a:buFont typeface="Arial" pitchFamily="34" charset="0"/>
+              <a:buChar char="•"/>
+            </a:pPr>
+            <a:r>
+              <a:rPr lang="en-US" sz="2000" dirty="0" smtClean="0">
+                <a:latin typeface="Times New Roman" pitchFamily="18" charset="0"/>
+              </a:rPr>
+              <a:t>Implementing community system </a:t>
+            </a:r>
+          </a:p>
+          <a:p>
+            <a:pPr>
+              <a:lnSpc>
+                <a:spcPct val="80000"/>
+              </a:lnSpc>
+            </a:pPr>
+            <a:endParaRPr lang="en-US" sz="2000" dirty="0" smtClean="0">
+              <a:latin typeface="Times New Roman" pitchFamily="18" charset="0"/>
+            </a:endParaRPr>
+          </a:p>
+          <a:p>
+            <a:pPr>
+              <a:lnSpc>
+                <a:spcPct val="80000"/>
+              </a:lnSpc>
+              <a:buFont typeface="Arial" pitchFamily="34" charset="0"/>
+              <a:buChar char="•"/>
+            </a:pPr>
+            <a:r>
+              <a:rPr lang="en-US" sz="2000" dirty="0" smtClean="0">
+                <a:latin typeface="Times New Roman" pitchFamily="18" charset="0"/>
+              </a:rPr>
+              <a:t>Extend the system to other standards</a:t>
+            </a:r>
+          </a:p>
+          <a:p>
+            <a:pPr>
+              <a:lnSpc>
+                <a:spcPct val="80000"/>
+              </a:lnSpc>
+            </a:pPr>
+            <a:endParaRPr lang="en-US" sz="2000" dirty="0" smtClean="0">
               <a:latin typeface="Times New Roman" pitchFamily="18" charset="0"/>
             </a:endParaRPr>
           </a:p>
@@ -6888,232 +10973,85 @@
           <a:chExt cx="0" cy="0"/>
         </a:xfrm>
       </p:grpSpPr>
-      <p:pic>
-        <p:nvPicPr>
-          <p:cNvPr id="1026" name="Picture 2" descr="C:\Users\Administrator\Desktop\Presentation1.jpg"/>
-          <p:cNvPicPr>
-            <a:picLocks noChangeAspect="1" noChangeArrowheads="1"/>
-          </p:cNvPicPr>
-          <p:nvPr/>
-        </p:nvPicPr>
-        <p:blipFill>
-          <a:blip r:embed="rId3" cstate="print"/>
-          <a:srcRect/>
-          <a:stretch>
-            <a:fillRect/>
-          </a:stretch>
-        </p:blipFill>
-        <p:spPr bwMode="auto">
-          <a:xfrm>
-            <a:off x="0" y="-152400"/>
-            <a:ext cx="9144000" cy="6858000"/>
-          </a:xfrm>
-          <a:prstGeom prst="rect">
-            <a:avLst/>
-          </a:prstGeom>
-          <a:noFill/>
-        </p:spPr>
-      </p:pic>
-      <p:sp>
-        <p:nvSpPr>
-          <p:cNvPr id="5" name="TextBox 4"/>
-          <p:cNvSpPr txBox="1"/>
-          <p:nvPr/>
-        </p:nvSpPr>
-        <p:spPr>
-          <a:xfrm>
-            <a:off x="533400" y="2057400"/>
-            <a:ext cx="6781800" cy="369332"/>
-          </a:xfrm>
-          <a:prstGeom prst="rect">
-            <a:avLst/>
-          </a:prstGeom>
-          <a:noFill/>
-        </p:spPr>
-        <p:txBody>
-          <a:bodyPr wrap="square" rtlCol="0">
-            <a:spAutoFit/>
+      <p:sp>
+        <p:nvSpPr>
+          <p:cNvPr id="2" name="Title 1"/>
+          <p:cNvSpPr>
+            <a:spLocks noGrp="1"/>
+          </p:cNvSpPr>
+          <p:nvPr>
+            <p:ph type="title"/>
+          </p:nvPr>
+        </p:nvSpPr>
+        <p:spPr/>
+        <p:txBody>
+          <a:bodyPr>
+            <a:normAutofit fontScale="90000"/>
           </a:bodyPr>
           <a:lstStyle/>
           <a:p>
-            <a:endParaRPr lang="en-US"/>
-          </a:p>
-        </p:txBody>
-      </p:sp>
-      <p:sp>
-        <p:nvSpPr>
-          <p:cNvPr id="6" name="TextBox 5"/>
-          <p:cNvSpPr txBox="1"/>
-          <p:nvPr/>
-        </p:nvSpPr>
-        <p:spPr>
-          <a:xfrm>
-            <a:off x="1752600" y="1143001"/>
-            <a:ext cx="4191000" cy="769441"/>
-          </a:xfrm>
-          <a:prstGeom prst="rect">
-            <a:avLst/>
-          </a:prstGeom>
-          <a:noFill/>
-        </p:spPr>
-        <p:txBody>
-          <a:bodyPr wrap="square" rtlCol="0">
-            <a:spAutoFit/>
-          </a:bodyPr>
-          <a:lstStyle/>
-          <a:p>
-            <a:r>
-              <a:rPr lang="nb-NO" sz="4400" dirty="0" smtClean="0">
-                <a:solidFill>
-                  <a:schemeClr val="tx2"/>
-                </a:solidFill>
-              </a:rPr>
-              <a:t>CBR Cycle</a:t>
-            </a:r>
-            <a:endParaRPr lang="nb-NO" sz="4400" dirty="0">
-              <a:solidFill>
-                <a:schemeClr val="tx2"/>
-              </a:solidFill>
-            </a:endParaRPr>
-          </a:p>
-        </p:txBody>
-      </p:sp>
-      <p:sp>
-        <p:nvSpPr>
-          <p:cNvPr id="7" name="TextBox 6"/>
-          <p:cNvSpPr txBox="1"/>
-          <p:nvPr/>
-        </p:nvSpPr>
-        <p:spPr>
-          <a:xfrm>
-            <a:off x="1066800" y="2514600"/>
-            <a:ext cx="6858000" cy="338554"/>
-          </a:xfrm>
-          <a:prstGeom prst="rect">
-            <a:avLst/>
-          </a:prstGeom>
-          <a:noFill/>
-        </p:spPr>
-        <p:txBody>
-          <a:bodyPr wrap="square" rtlCol="0">
-            <a:spAutoFit/>
-          </a:bodyPr>
-          <a:lstStyle/>
-          <a:p>
-            <a:pPr>
-              <a:lnSpc>
-                <a:spcPct val="80000"/>
-              </a:lnSpc>
-            </a:pPr>
-            <a:endParaRPr lang="en-US" sz="2000" dirty="0">
-              <a:latin typeface="Times New Roman" pitchFamily="18" charset="0"/>
-            </a:endParaRPr>
-          </a:p>
-        </p:txBody>
-      </p:sp>
-      <p:sp>
-        <p:nvSpPr>
-          <p:cNvPr id="10" name="TextBox 9"/>
-          <p:cNvSpPr txBox="1"/>
-          <p:nvPr/>
-        </p:nvSpPr>
-        <p:spPr>
-          <a:xfrm>
-            <a:off x="685800" y="2590800"/>
-            <a:ext cx="6858000" cy="338554"/>
-          </a:xfrm>
-          <a:prstGeom prst="rect">
-            <a:avLst/>
-          </a:prstGeom>
-          <a:noFill/>
-        </p:spPr>
-        <p:txBody>
-          <a:bodyPr wrap="square" rtlCol="0">
-            <a:spAutoFit/>
-          </a:bodyPr>
-          <a:lstStyle/>
-          <a:p>
-            <a:pPr>
-              <a:lnSpc>
-                <a:spcPct val="80000"/>
-              </a:lnSpc>
-            </a:pPr>
-            <a:endParaRPr lang="en-US" sz="2000" dirty="0">
-              <a:latin typeface="Times New Roman" pitchFamily="18" charset="0"/>
-            </a:endParaRPr>
-          </a:p>
-        </p:txBody>
-      </p:sp>
-      <p:sp>
-        <p:nvSpPr>
-          <p:cNvPr id="8" name="TextBox 7"/>
-          <p:cNvSpPr txBox="1"/>
-          <p:nvPr/>
-        </p:nvSpPr>
-        <p:spPr>
-          <a:xfrm>
-            <a:off x="2895600" y="3276600"/>
-            <a:ext cx="184731" cy="369332"/>
-          </a:xfrm>
-          <a:prstGeom prst="rect">
-            <a:avLst/>
-          </a:prstGeom>
-          <a:noFill/>
-        </p:spPr>
-        <p:txBody>
-          <a:bodyPr wrap="none" rtlCol="0">
-            <a:spAutoFit/>
-          </a:bodyPr>
-          <a:lstStyle/>
-          <a:p>
-            <a:endParaRPr lang="nb-NO" dirty="0"/>
-          </a:p>
-        </p:txBody>
-      </p:sp>
-      <p:pic>
-        <p:nvPicPr>
-          <p:cNvPr id="2" name="Picture 2"/>
-          <p:cNvPicPr>
-            <a:picLocks noChangeAspect="1" noChangeArrowheads="1"/>
-          </p:cNvPicPr>
-          <p:nvPr/>
-        </p:nvPicPr>
-        <p:blipFill>
-          <a:blip r:embed="rId4" cstate="print"/>
-          <a:srcRect/>
-          <a:stretch>
-            <a:fillRect/>
-          </a:stretch>
-        </p:blipFill>
-        <p:spPr bwMode="auto">
-          <a:xfrm>
-            <a:off x="1219200" y="2133600"/>
-            <a:ext cx="5562600" cy="3962400"/>
-          </a:xfrm>
-          <a:prstGeom prst="rect">
-            <a:avLst/>
-          </a:prstGeom>
-          <a:noFill/>
-          <a:ln w="9525">
-            <a:noFill/>
-            <a:miter lim="800000"/>
-            <a:headEnd/>
-            <a:tailEnd/>
-          </a:ln>
-        </p:spPr>
-      </p:pic>
+            <a:r>
+              <a:rPr lang="en-US" dirty="0" smtClean="0"/>
+              <a:t>Requirements (may be merged with objectives)</a:t>
+            </a:r>
+            <a:endParaRPr lang="en-US" dirty="0"/>
+          </a:p>
+        </p:txBody>
+      </p:sp>
+      <p:sp>
+        <p:nvSpPr>
+          <p:cNvPr id="3" name="Content Placeholder 2"/>
+          <p:cNvSpPr>
+            <a:spLocks noGrp="1"/>
+          </p:cNvSpPr>
+          <p:nvPr>
+            <p:ph idx="1"/>
+          </p:nvPr>
+        </p:nvSpPr>
+        <p:spPr/>
+        <p:txBody>
+          <a:bodyPr/>
+          <a:lstStyle/>
+          <a:p>
+            <a:r>
+              <a:rPr lang="en-US" dirty="0" smtClean="0"/>
+              <a:t>High level Requirements for this project are: (e.g.)</a:t>
+            </a:r>
+          </a:p>
+          <a:p>
+            <a:pPr lvl="1"/>
+            <a:r>
+              <a:rPr lang="en-US" dirty="0" smtClean="0"/>
+              <a:t>A framework for implementing/testing future privacy agent algorithms</a:t>
+            </a:r>
+          </a:p>
+          <a:p>
+            <a:pPr lvl="1"/>
+            <a:r>
+              <a:rPr lang="en-US" dirty="0" smtClean="0"/>
+              <a:t>A CLI for testing….</a:t>
+            </a:r>
+          </a:p>
+          <a:p>
+            <a:pPr lvl="1"/>
+            <a:r>
+              <a:rPr lang="en-US" dirty="0" smtClean="0"/>
+              <a:t>A GUI for…..</a:t>
+            </a:r>
+            <a:endParaRPr lang="en-US" dirty="0"/>
+          </a:p>
+        </p:txBody>
+      </p:sp>
     </p:spTree>
+    <p:extLst>
+      <p:ext uri="{BB962C8B-B14F-4D97-AF65-F5344CB8AC3E}">
+        <p14:creationId xmlns:p14="http://schemas.microsoft.com/office/powerpoint/2010/main" xmlns="" val="1178996977"/>
+      </p:ext>
+    </p:extLst>
   </p:cSld>
   <p:clrMapOvr>
     <a:masterClrMapping/>
   </p:clrMapOvr>
-  <p:timing>
-    <p:tnLst>
-      <p:par>
-        <p:cTn id="1" dur="indefinite" restart="never" nodeType="tmRoot"/>
-      </p:par>
-    </p:tnLst>
-  </p:timing>
 </p:sld>
 </file>
 
@@ -7194,8 +11132,8 @@
         </p:nvSpPr>
         <p:spPr>
           <a:xfrm>
-            <a:off x="762000" y="1219200"/>
-            <a:ext cx="6553200" cy="769441"/>
+            <a:off x="1752600" y="1143001"/>
+            <a:ext cx="4191000" cy="984885"/>
           </a:xfrm>
           <a:prstGeom prst="rect">
             <a:avLst/>
@@ -7209,15 +11147,25 @@
           <a:lstStyle/>
           <a:p>
             <a:r>
-              <a:rPr lang="en-US" sz="4400" dirty="0" smtClean="0">
+              <a:rPr lang="nb-NO" sz="4000" dirty="0" smtClean="0">
+                <a:solidFill>
+                  <a:schemeClr val="tx2"/>
+                </a:solidFill>
+              </a:rPr>
+              <a:t>Preliminary Study</a:t>
+            </a:r>
+            <a:r>
+              <a:rPr lang="en-US" sz="4000" dirty="0" smtClean="0">
                 <a:solidFill>
                   <a:schemeClr val="tx2"/>
                 </a:solidFill>
                 <a:latin typeface="Comic Sans MS" pitchFamily="66" charset="0"/>
               </a:rPr>
-              <a:t>Tools and Technologies</a:t>
-            </a:r>
-            <a:endParaRPr lang="nb-NO" sz="4400" dirty="0">
+              <a:t>	</a:t>
+            </a:r>
+          </a:p>
+          <a:p>
+            <a:endParaRPr lang="nb-NO" dirty="0">
               <a:solidFill>
                 <a:schemeClr val="tx2"/>
               </a:solidFill>
@@ -7234,7 +11182,7 @@
         <p:spPr>
           <a:xfrm>
             <a:off x="1066800" y="2514600"/>
-            <a:ext cx="6858000" cy="338554"/>
+            <a:ext cx="6858000" cy="1569660"/>
           </a:xfrm>
           <a:prstGeom prst="rect">
             <a:avLst/>
@@ -7246,6 +11194,46 @@
             <a:spAutoFit/>
           </a:bodyPr>
           <a:lstStyle/>
+          <a:p>
+            <a:pPr>
+              <a:buFont typeface="Arial" pitchFamily="34" charset="0"/>
+              <a:buChar char="•"/>
+            </a:pPr>
+            <a:r>
+              <a:rPr lang="nb-NO" sz="2000" dirty="0" smtClean="0"/>
+              <a:t>P3P</a:t>
+            </a:r>
+          </a:p>
+          <a:p>
+            <a:pPr>
+              <a:buFont typeface="Arial" pitchFamily="34" charset="0"/>
+              <a:buChar char="•"/>
+            </a:pPr>
+            <a:r>
+              <a:rPr lang="nb-NO" sz="2000" dirty="0" smtClean="0"/>
+              <a:t>Case-Based Reasoning (CBR)</a:t>
+            </a:r>
+          </a:p>
+          <a:p>
+            <a:pPr>
+              <a:buFont typeface="Arial" pitchFamily="34" charset="0"/>
+              <a:buChar char="•"/>
+            </a:pPr>
+            <a:r>
+              <a:rPr lang="nb-NO" sz="2000" dirty="0" smtClean="0"/>
+              <a:t>Project Scope</a:t>
+            </a:r>
+          </a:p>
+          <a:p>
+            <a:pPr>
+              <a:buFont typeface="Arial" pitchFamily="34" charset="0"/>
+              <a:buChar char="•"/>
+            </a:pPr>
+            <a:r>
+              <a:rPr lang="nb-NO" sz="2000" dirty="0" smtClean="0"/>
+              <a:t>Development Model</a:t>
+            </a:r>
+          </a:p>
           <a:p>
             <a:pPr>
               <a:lnSpc>
@@ -7255,80 +11243,6 @@
             <a:endParaRPr lang="en-US" sz="2000" dirty="0">
               <a:latin typeface="Times New Roman" pitchFamily="18" charset="0"/>
             </a:endParaRPr>
-          </a:p>
-        </p:txBody>
-      </p:sp>
-      <p:sp>
-        <p:nvSpPr>
-          <p:cNvPr id="8" name="TextBox 7"/>
-          <p:cNvSpPr txBox="1"/>
-          <p:nvPr/>
-        </p:nvSpPr>
-        <p:spPr>
-          <a:xfrm>
-            <a:off x="1219200" y="2438400"/>
-            <a:ext cx="5666824" cy="1846659"/>
-          </a:xfrm>
-          <a:prstGeom prst="rect">
-            <a:avLst/>
-          </a:prstGeom>
-          <a:noFill/>
-        </p:spPr>
-        <p:txBody>
-          <a:bodyPr wrap="square" rtlCol="0">
-            <a:spAutoFit/>
-          </a:bodyPr>
-          <a:lstStyle/>
-          <a:p>
-            <a:pPr>
-              <a:buFont typeface="Arial" pitchFamily="34" charset="0"/>
-              <a:buChar char="•"/>
-            </a:pPr>
-            <a:r>
-              <a:rPr lang="en-US" sz="2400" dirty="0" smtClean="0">
-                <a:latin typeface="Times New Roman" pitchFamily="18" charset="0"/>
-              </a:rPr>
-              <a:t>Document and source code repository</a:t>
-            </a:r>
-          </a:p>
-          <a:p>
-            <a:pPr>
-              <a:buFont typeface="Arial" pitchFamily="34" charset="0"/>
-              <a:buChar char="•"/>
-            </a:pPr>
-            <a:r>
-              <a:rPr lang="en-US" sz="2400" dirty="0" smtClean="0">
-                <a:latin typeface="Times New Roman" pitchFamily="18" charset="0"/>
-              </a:rPr>
-              <a:t>Programming Language</a:t>
-            </a:r>
-          </a:p>
-          <a:p>
-            <a:pPr>
-              <a:buFont typeface="Arial" pitchFamily="34" charset="0"/>
-              <a:buChar char="•"/>
-            </a:pPr>
-            <a:r>
-              <a:rPr lang="en-US" sz="2400" dirty="0" smtClean="0">
-                <a:latin typeface="Times New Roman" pitchFamily="18" charset="0"/>
-              </a:rPr>
-              <a:t>Databases</a:t>
-            </a:r>
-          </a:p>
-          <a:p>
-            <a:pPr>
-              <a:buFont typeface="Arial" pitchFamily="34" charset="0"/>
-              <a:buChar char="•"/>
-            </a:pPr>
-            <a:r>
-              <a:rPr lang="en-US" sz="2400" dirty="0" smtClean="0">
-                <a:latin typeface="Times New Roman" pitchFamily="18" charset="0"/>
-              </a:rPr>
-              <a:t>Third party libraries</a:t>
-            </a:r>
-          </a:p>
-          <a:p>
-            <a:endParaRPr lang="nb-NO" dirty="0"/>
           </a:p>
         </p:txBody>
       </p:sp>
@@ -7424,8 +11338,8 @@
         </p:nvSpPr>
         <p:spPr>
           <a:xfrm>
-            <a:off x="762000" y="1219200"/>
-            <a:ext cx="6553200" cy="769441"/>
+            <a:off x="1295400" y="152400"/>
+            <a:ext cx="4191000" cy="769441"/>
           </a:xfrm>
           <a:prstGeom prst="rect">
             <a:avLst/>
@@ -7439,13 +11353,12 @@
           <a:lstStyle/>
           <a:p>
             <a:r>
-              <a:rPr lang="en-US" sz="4400" dirty="0" smtClean="0">
+              <a:rPr lang="nb-NO" sz="4400" dirty="0" smtClean="0">
                 <a:solidFill>
                   <a:schemeClr val="tx2"/>
                 </a:solidFill>
-                <a:latin typeface="Comic Sans MS" pitchFamily="66" charset="0"/>
               </a:rPr>
-              <a:t> Architecture</a:t>
+              <a:t>CBR Cycle</a:t>
             </a:r>
             <a:endParaRPr lang="nb-NO" sz="4400" dirty="0">
               <a:solidFill>
@@ -7490,14 +11403,14 @@
       </p:sp>
       <p:sp>
         <p:nvSpPr>
-          <p:cNvPr id="8" name="TextBox 7"/>
+          <p:cNvPr id="10" name="TextBox 9"/>
           <p:cNvSpPr txBox="1"/>
           <p:nvPr/>
         </p:nvSpPr>
         <p:spPr>
           <a:xfrm>
-            <a:off x="1219200" y="2438400"/>
-            <a:ext cx="5666824" cy="369332"/>
+            <a:off x="457200" y="1981200"/>
+            <a:ext cx="2743200" cy="1938992"/>
           </a:xfrm>
           <a:prstGeom prst="rect">
             <a:avLst/>
@@ -7510,107 +11423,75 @@
           </a:bodyPr>
           <a:lstStyle/>
           <a:p>
-            <a:endParaRPr lang="nb-NO" dirty="0"/>
-          </a:p>
-        </p:txBody>
-      </p:sp>
-      <p:sp>
-        <p:nvSpPr>
-          <p:cNvPr id="9" name="Rectangle 3"/>
-          <p:cNvSpPr txBox="1">
-            <a:spLocks noChangeArrowheads="1"/>
-          </p:cNvSpPr>
+            <a:r>
+              <a:rPr lang="en-US" sz="2000" baseline="30000" dirty="0"/>
+              <a:t>1. RETRIEVE the most similar case or cases</a:t>
+            </a:r>
+          </a:p>
+          <a:p>
+            <a:r>
+              <a:rPr lang="en-US" sz="2000" baseline="30000" dirty="0"/>
+              <a:t>2. REUSE the information and knowledge in that case</a:t>
+            </a:r>
+          </a:p>
+          <a:p>
+            <a:r>
+              <a:rPr lang="en-US" sz="2000" baseline="30000" dirty="0"/>
+              <a:t>to solve the problem</a:t>
+            </a:r>
+          </a:p>
+          <a:p>
+            <a:r>
+              <a:rPr lang="en-US" sz="2000" baseline="30000" dirty="0"/>
+              <a:t>3. REVISE the proposed solution</a:t>
+            </a:r>
+          </a:p>
+          <a:p>
+            <a:r>
+              <a:rPr lang="en-US" sz="2000" baseline="30000" dirty="0"/>
+              <a:t>4. RETAIN the parts of this experience likely to be</a:t>
+            </a:r>
+          </a:p>
+          <a:p>
+            <a:r>
+              <a:rPr lang="en-US" sz="2000" baseline="30000" dirty="0"/>
+              <a:t>useful for future problem solving</a:t>
+            </a:r>
+            <a:endParaRPr lang="en-US" sz="2000" dirty="0">
+              <a:latin typeface="Times New Roman" pitchFamily="18" charset="0"/>
+            </a:endParaRPr>
+          </a:p>
+        </p:txBody>
+      </p:sp>
+      <p:sp>
+        <p:nvSpPr>
+          <p:cNvPr id="8" name="TextBox 7"/>
+          <p:cNvSpPr txBox="1"/>
           <p:nvPr/>
         </p:nvSpPr>
         <p:spPr>
           <a:xfrm>
-            <a:off x="1182688" y="2017713"/>
-            <a:ext cx="7772400" cy="4114800"/>
+            <a:off x="2895600" y="3276600"/>
+            <a:ext cx="184731" cy="369332"/>
           </a:xfrm>
           <a:prstGeom prst="rect">
             <a:avLst/>
           </a:prstGeom>
+          <a:noFill/>
         </p:spPr>
         <p:txBody>
-          <a:bodyPr vert="horz" lIns="91440" tIns="45720" rIns="91440" bIns="45720" rtlCol="0">
-            <a:normAutofit/>
+          <a:bodyPr wrap="none" rtlCol="0">
+            <a:spAutoFit/>
           </a:bodyPr>
           <a:lstStyle/>
           <a:p>
-            <a:pPr marL="0" marR="0" lvl="0" indent="0" algn="ctr" defTabSz="914400" rtl="0" eaLnBrk="1" fontAlgn="auto" latinLnBrk="0" hangingPunct="1">
-              <a:lnSpc>
-                <a:spcPct val="90000"/>
-              </a:lnSpc>
-              <a:spcBef>
-                <a:spcPct val="20000"/>
-              </a:spcBef>
-              <a:spcAft>
-                <a:spcPts val="0"/>
-              </a:spcAft>
-              <a:buClrTx/>
-              <a:buSzTx/>
-              <a:buFont typeface="Wingdings" pitchFamily="2" charset="2"/>
-              <a:buNone/>
-              <a:tabLst/>
-              <a:defRPr/>
-            </a:pPr>
-            <a:endParaRPr kumimoji="0" lang="en-US" sz="2400" b="0" i="0" u="none" strike="noStrike" kern="1200" cap="none" spc="0" normalizeH="0" baseline="0" noProof="0" smtClean="0">
-              <a:ln>
-                <a:noFill/>
-              </a:ln>
-              <a:solidFill>
-                <a:schemeClr val="tx1">
-                  <a:tint val="75000"/>
-                </a:schemeClr>
-              </a:solidFill>
-              <a:effectLst/>
-              <a:uLnTx/>
-              <a:uFillTx/>
-              <a:latin typeface="Times New Roman" pitchFamily="18" charset="0"/>
-              <a:ea typeface="+mn-ea"/>
-              <a:cs typeface="+mn-cs"/>
-            </a:endParaRPr>
-          </a:p>
-          <a:p>
-            <a:pPr marL="1828800" marR="0" lvl="4" indent="0" algn="ctr" defTabSz="914400" rtl="0" eaLnBrk="1" fontAlgn="auto" latinLnBrk="0" hangingPunct="1">
-              <a:lnSpc>
-                <a:spcPct val="90000"/>
-              </a:lnSpc>
-              <a:spcBef>
-                <a:spcPct val="20000"/>
-              </a:spcBef>
-              <a:spcAft>
-                <a:spcPts val="0"/>
-              </a:spcAft>
-              <a:buClrTx/>
-              <a:buSzTx/>
-              <a:buFont typeface="Wingdings" pitchFamily="2" charset="2"/>
-              <a:buNone/>
-              <a:tabLst/>
-              <a:defRPr/>
-            </a:pPr>
-            <a:endParaRPr kumimoji="0" lang="en-US" sz="1800" b="0" i="0" u="none" strike="noStrike" kern="1200" cap="none" spc="0" normalizeH="0" baseline="0" noProof="0" dirty="0">
-              <a:ln>
-                <a:noFill/>
-              </a:ln>
-              <a:solidFill>
-                <a:schemeClr val="tx1">
-                  <a:tint val="75000"/>
-                </a:schemeClr>
-              </a:solidFill>
-              <a:effectLst/>
-              <a:uLnTx/>
-              <a:uFillTx/>
-              <a:latin typeface="Times New Roman" pitchFamily="18" charset="0"/>
-              <a:ea typeface="+mn-ea"/>
-              <a:cs typeface="+mn-cs"/>
-            </a:endParaRPr>
+            <a:endParaRPr lang="nb-NO" dirty="0"/>
           </a:p>
         </p:txBody>
       </p:sp>
       <p:pic>
         <p:nvPicPr>
-          <p:cNvPr id="2" name="Picture 2" descr="C:\Users\Aman\Costumer-Driven-Project\report\DesignReport\uml diagrams\flowchart.png"/>
+          <p:cNvPr id="2" name="Picture 2"/>
           <p:cNvPicPr>
             <a:picLocks noChangeAspect="1" noChangeArrowheads="1"/>
           </p:cNvPicPr>
@@ -7625,13 +11506,19 @@
         </p:blipFill>
         <p:spPr bwMode="auto">
           <a:xfrm>
-            <a:off x="990600" y="2286000"/>
-            <a:ext cx="6019800" cy="3810000"/>
+            <a:off x="3200400" y="1143000"/>
+            <a:ext cx="5562600" cy="3962400"/>
           </a:xfrm>
           <a:prstGeom prst="rect">
             <a:avLst/>
           </a:prstGeom>
           <a:noFill/>
+          <a:ln w="9525">
+            <a:noFill/>
+            <a:miter lim="800000"/>
+            <a:headEnd/>
+            <a:tailEnd/>
+          </a:ln>
         </p:spPr>
       </p:pic>
     </p:spTree>
@@ -7747,7 +11634,7 @@
                 </a:solidFill>
                 <a:latin typeface="Comic Sans MS" pitchFamily="66" charset="0"/>
               </a:rPr>
-              <a:t>System Overview</a:t>
+              <a:t>Tools and Technologies</a:t>
             </a:r>
             <a:endParaRPr lang="nb-NO" sz="4400" dirty="0">
               <a:solidFill>
@@ -7799,7 +11686,7 @@
         <p:spPr>
           <a:xfrm>
             <a:off x="1219200" y="2438400"/>
-            <a:ext cx="5666824" cy="369332"/>
+            <a:ext cx="5666824" cy="1846659"/>
           </a:xfrm>
           <a:prstGeom prst="rect">
             <a:avLst/>
@@ -7812,250 +11699,58 @@
           </a:bodyPr>
           <a:lstStyle/>
           <a:p>
+            <a:pPr>
+              <a:buFont typeface="Arial" pitchFamily="34" charset="0"/>
+              <a:buChar char="•"/>
+            </a:pPr>
+            <a:r>
+              <a:rPr lang="en-US" sz="2400" dirty="0" smtClean="0">
+                <a:latin typeface="Times New Roman" pitchFamily="18" charset="0"/>
+              </a:rPr>
+              <a:t>Document and source code repository</a:t>
+            </a:r>
+          </a:p>
+          <a:p>
+            <a:pPr>
+              <a:buFont typeface="Arial" pitchFamily="34" charset="0"/>
+              <a:buChar char="•"/>
+            </a:pPr>
+            <a:r>
+              <a:rPr lang="en-US" sz="2400" dirty="0" smtClean="0">
+                <a:latin typeface="Times New Roman" pitchFamily="18" charset="0"/>
+              </a:rPr>
+              <a:t>Programming Language</a:t>
+            </a:r>
+          </a:p>
+          <a:p>
+            <a:pPr>
+              <a:buFont typeface="Arial" pitchFamily="34" charset="0"/>
+              <a:buChar char="•"/>
+            </a:pPr>
+            <a:r>
+              <a:rPr lang="en-US" sz="2400" dirty="0" smtClean="0">
+                <a:latin typeface="Times New Roman" pitchFamily="18" charset="0"/>
+              </a:rPr>
+              <a:t>Databases</a:t>
+            </a:r>
+          </a:p>
+          <a:p>
+            <a:pPr>
+              <a:buFont typeface="Arial" pitchFamily="34" charset="0"/>
+              <a:buChar char="•"/>
+            </a:pPr>
+            <a:r>
+              <a:rPr lang="en-US" sz="2400" dirty="0" smtClean="0">
+                <a:latin typeface="Times New Roman" pitchFamily="18" charset="0"/>
+              </a:rPr>
+              <a:t>Third party libraries</a:t>
+            </a:r>
+          </a:p>
+          <a:p>
             <a:endParaRPr lang="nb-NO" dirty="0"/>
           </a:p>
         </p:txBody>
       </p:sp>
-      <p:sp>
-        <p:nvSpPr>
-          <p:cNvPr id="9" name="Rectangle 3"/>
-          <p:cNvSpPr txBox="1">
-            <a:spLocks noChangeArrowheads="1"/>
-          </p:cNvSpPr>
-          <p:nvPr/>
-        </p:nvSpPr>
-        <p:spPr>
-          <a:xfrm>
-            <a:off x="1182688" y="2017713"/>
-            <a:ext cx="7772400" cy="4114800"/>
-          </a:xfrm>
-          <a:prstGeom prst="rect">
-            <a:avLst/>
-          </a:prstGeom>
-        </p:spPr>
-        <p:txBody>
-          <a:bodyPr vert="horz" lIns="91440" tIns="45720" rIns="91440" bIns="45720" rtlCol="0">
-            <a:normAutofit/>
-          </a:bodyPr>
-          <a:lstStyle/>
-          <a:p>
-            <a:pPr marL="0" marR="0" lvl="0" indent="0" algn="ctr" defTabSz="914400" rtl="0" eaLnBrk="1" fontAlgn="auto" latinLnBrk="0" hangingPunct="1">
-              <a:lnSpc>
-                <a:spcPct val="90000"/>
-              </a:lnSpc>
-              <a:spcBef>
-                <a:spcPct val="20000"/>
-              </a:spcBef>
-              <a:spcAft>
-                <a:spcPts val="0"/>
-              </a:spcAft>
-              <a:buClrTx/>
-              <a:buSzTx/>
-              <a:buFont typeface="Wingdings" pitchFamily="2" charset="2"/>
-              <a:buNone/>
-              <a:tabLst/>
-              <a:defRPr/>
-            </a:pPr>
-            <a:endParaRPr kumimoji="0" lang="en-US" sz="2400" b="0" i="0" u="none" strike="noStrike" kern="1200" cap="none" spc="0" normalizeH="0" baseline="0" noProof="0" smtClean="0">
-              <a:ln>
-                <a:noFill/>
-              </a:ln>
-              <a:solidFill>
-                <a:schemeClr val="tx1">
-                  <a:tint val="75000"/>
-                </a:schemeClr>
-              </a:solidFill>
-              <a:effectLst/>
-              <a:uLnTx/>
-              <a:uFillTx/>
-              <a:latin typeface="Times New Roman" pitchFamily="18" charset="0"/>
-              <a:ea typeface="+mn-ea"/>
-              <a:cs typeface="+mn-cs"/>
-            </a:endParaRPr>
-          </a:p>
-          <a:p>
-            <a:pPr marL="1828800" marR="0" lvl="4" indent="0" algn="ctr" defTabSz="914400" rtl="0" eaLnBrk="1" fontAlgn="auto" latinLnBrk="0" hangingPunct="1">
-              <a:lnSpc>
-                <a:spcPct val="90000"/>
-              </a:lnSpc>
-              <a:spcBef>
-                <a:spcPct val="20000"/>
-              </a:spcBef>
-              <a:spcAft>
-                <a:spcPts val="0"/>
-              </a:spcAft>
-              <a:buClrTx/>
-              <a:buSzTx/>
-              <a:buFont typeface="Wingdings" pitchFamily="2" charset="2"/>
-              <a:buNone/>
-              <a:tabLst/>
-              <a:defRPr/>
-            </a:pPr>
-            <a:endParaRPr kumimoji="0" lang="en-US" sz="1800" b="0" i="0" u="none" strike="noStrike" kern="1200" cap="none" spc="0" normalizeH="0" baseline="0" noProof="0" dirty="0">
-              <a:ln>
-                <a:noFill/>
-              </a:ln>
-              <a:solidFill>
-                <a:schemeClr val="tx1">
-                  <a:tint val="75000"/>
-                </a:schemeClr>
-              </a:solidFill>
-              <a:effectLst/>
-              <a:uLnTx/>
-              <a:uFillTx/>
-              <a:latin typeface="Times New Roman" pitchFamily="18" charset="0"/>
-              <a:ea typeface="+mn-ea"/>
-              <a:cs typeface="+mn-cs"/>
-            </a:endParaRPr>
-          </a:p>
-        </p:txBody>
-      </p:sp>
-      <p:sp>
-        <p:nvSpPr>
-          <p:cNvPr id="10" name="Rectangle 3"/>
-          <p:cNvSpPr txBox="1">
-            <a:spLocks noChangeArrowheads="1"/>
-          </p:cNvSpPr>
-          <p:nvPr/>
-        </p:nvSpPr>
-        <p:spPr>
-          <a:xfrm>
-            <a:off x="1335088" y="2170113"/>
-            <a:ext cx="7772400" cy="4114800"/>
-          </a:xfrm>
-          <a:prstGeom prst="rect">
-            <a:avLst/>
-          </a:prstGeom>
-        </p:spPr>
-        <p:txBody>
-          <a:bodyPr vert="horz" lIns="91440" tIns="45720" rIns="91440" bIns="45720" rtlCol="0">
-            <a:normAutofit/>
-          </a:bodyPr>
-          <a:lstStyle/>
-          <a:p>
-            <a:pPr marL="0" marR="0" lvl="0" indent="0" algn="ctr" defTabSz="914400" rtl="0" eaLnBrk="1" fontAlgn="auto" latinLnBrk="0" hangingPunct="1">
-              <a:lnSpc>
-                <a:spcPct val="90000"/>
-              </a:lnSpc>
-              <a:spcBef>
-                <a:spcPct val="20000"/>
-              </a:spcBef>
-              <a:spcAft>
-                <a:spcPts val="0"/>
-              </a:spcAft>
-              <a:buClrTx/>
-              <a:buSzTx/>
-              <a:buFont typeface="Wingdings" pitchFamily="2" charset="2"/>
-              <a:buNone/>
-              <a:tabLst/>
-              <a:defRPr/>
-            </a:pPr>
-            <a:endParaRPr kumimoji="0" lang="en-US" sz="2400" b="0" i="0" u="none" strike="noStrike" kern="1200" cap="none" spc="0" normalizeH="0" baseline="0" noProof="0" smtClean="0">
-              <a:ln>
-                <a:noFill/>
-              </a:ln>
-              <a:solidFill>
-                <a:schemeClr val="tx1">
-                  <a:tint val="75000"/>
-                </a:schemeClr>
-              </a:solidFill>
-              <a:effectLst/>
-              <a:uLnTx/>
-              <a:uFillTx/>
-              <a:latin typeface="Times New Roman" pitchFamily="18" charset="0"/>
-              <a:ea typeface="+mn-ea"/>
-              <a:cs typeface="+mn-cs"/>
-            </a:endParaRPr>
-          </a:p>
-          <a:p>
-            <a:pPr marL="1828800" marR="0" lvl="4" indent="0" algn="ctr" defTabSz="914400" rtl="0" eaLnBrk="1" fontAlgn="auto" latinLnBrk="0" hangingPunct="1">
-              <a:lnSpc>
-                <a:spcPct val="90000"/>
-              </a:lnSpc>
-              <a:spcBef>
-                <a:spcPct val="20000"/>
-              </a:spcBef>
-              <a:spcAft>
-                <a:spcPts val="0"/>
-              </a:spcAft>
-              <a:buClrTx/>
-              <a:buSzTx/>
-              <a:buFont typeface="Wingdings" pitchFamily="2" charset="2"/>
-              <a:buNone/>
-              <a:tabLst/>
-              <a:defRPr/>
-            </a:pPr>
-            <a:endParaRPr kumimoji="0" lang="en-US" sz="1800" b="0" i="0" u="none" strike="noStrike" kern="1200" cap="none" spc="0" normalizeH="0" baseline="0" noProof="0" dirty="0">
-              <a:ln>
-                <a:noFill/>
-              </a:ln>
-              <a:solidFill>
-                <a:schemeClr val="tx1">
-                  <a:tint val="75000"/>
-                </a:schemeClr>
-              </a:solidFill>
-              <a:effectLst/>
-              <a:uLnTx/>
-              <a:uFillTx/>
-              <a:latin typeface="Times New Roman" pitchFamily="18" charset="0"/>
-              <a:ea typeface="+mn-ea"/>
-              <a:cs typeface="+mn-cs"/>
-            </a:endParaRPr>
-          </a:p>
-        </p:txBody>
-      </p:sp>
-      <p:sp>
-        <p:nvSpPr>
-          <p:cNvPr id="12" name="TextBox 11"/>
-          <p:cNvSpPr txBox="1"/>
-          <p:nvPr/>
-        </p:nvSpPr>
-        <p:spPr>
-          <a:xfrm>
-            <a:off x="3124200" y="3352800"/>
-            <a:ext cx="184731" cy="369332"/>
-          </a:xfrm>
-          <a:prstGeom prst="rect">
-            <a:avLst/>
-          </a:prstGeom>
-          <a:noFill/>
-        </p:spPr>
-        <p:txBody>
-          <a:bodyPr wrap="none" rtlCol="0">
-            <a:spAutoFit/>
-          </a:bodyPr>
-          <a:lstStyle/>
-          <a:p>
-            <a:endParaRPr lang="nb-NO" dirty="0"/>
-          </a:p>
-        </p:txBody>
-      </p:sp>
-      <p:pic>
-        <p:nvPicPr>
-          <p:cNvPr id="2" name="Picture 2" descr="C:\Users\Aman\Costumer-Driven-Project\report\DesignReport\uml diagrams\Case.png"/>
-          <p:cNvPicPr>
-            <a:picLocks noChangeAspect="1" noChangeArrowheads="1"/>
-          </p:cNvPicPr>
-          <p:nvPr/>
-        </p:nvPicPr>
-        <p:blipFill>
-          <a:blip r:embed="rId4" cstate="print"/>
-          <a:srcRect/>
-          <a:stretch>
-            <a:fillRect/>
-          </a:stretch>
-        </p:blipFill>
-        <p:spPr bwMode="auto">
-          <a:xfrm>
-            <a:off x="1524000" y="2209800"/>
-            <a:ext cx="5881687" cy="3733800"/>
-          </a:xfrm>
-          <a:prstGeom prst="rect">
-            <a:avLst/>
-          </a:prstGeom>
-          <a:noFill/>
-        </p:spPr>
-      </p:pic>
     </p:spTree>
   </p:cSld>
   <p:clrMapOvr>

--- a/report/DesignReport/Presentation1.pptx
+++ b/report/DesignReport/Presentation1.pptx
@@ -3950,7 +3950,7 @@
     </p:spTree>
     <p:extLst>
       <p:ext uri="{BB962C8B-B14F-4D97-AF65-F5344CB8AC3E}">
-        <p14:creationId xmlns:p14="http://schemas.microsoft.com/office/powerpoint/2010/main" xmlns="" val="1330388465"/>
+        <p14:creationId xmlns="" xmlns:p14="http://schemas.microsoft.com/office/powerpoint/2010/main" val="1330388465"/>
       </p:ext>
     </p:extLst>
   </p:cSld>
@@ -8316,32 +8316,6 @@
       </p:sp>
       <p:sp>
         <p:nvSpPr>
-          <p:cNvPr id="8" name="TextBox 7"/>
-          <p:cNvSpPr txBox="1"/>
-          <p:nvPr/>
-        </p:nvSpPr>
-        <p:spPr>
-          <a:xfrm>
-            <a:off x="1219200" y="2438400"/>
-            <a:ext cx="5666824" cy="369332"/>
-          </a:xfrm>
-          <a:prstGeom prst="rect">
-            <a:avLst/>
-          </a:prstGeom>
-          <a:noFill/>
-        </p:spPr>
-        <p:txBody>
-          <a:bodyPr wrap="square" rtlCol="0">
-            <a:spAutoFit/>
-          </a:bodyPr>
-          <a:lstStyle/>
-          <a:p>
-            <a:endParaRPr lang="nb-NO" dirty="0"/>
-          </a:p>
-        </p:txBody>
-      </p:sp>
-      <p:sp>
-        <p:nvSpPr>
           <p:cNvPr id="9" name="Rectangle 3"/>
           <p:cNvSpPr txBox="1">
             <a:spLocks noChangeArrowheads="1"/>
@@ -9190,7 +9164,7 @@
             <p:ph idx="1"/>
             <p:extLst>
               <p:ext uri="{D42A27DB-BD31-4B8C-83A1-F6EECF244321}">
-                <p14:modId xmlns:p14="http://schemas.microsoft.com/office/powerpoint/2010/main" xmlns="" val="2648774239"/>
+                <p14:modId xmlns="" xmlns:p14="http://schemas.microsoft.com/office/powerpoint/2010/main" val="2648774239"/>
               </p:ext>
             </p:extLst>
           </p:nvPr>
@@ -9208,7 +9182,7 @@
     </p:spTree>
     <p:extLst>
       <p:ext uri="{BB962C8B-B14F-4D97-AF65-F5344CB8AC3E}">
-        <p14:creationId xmlns:p14="http://schemas.microsoft.com/office/powerpoint/2010/main" xmlns="" val="1272210632"/>
+        <p14:creationId xmlns="" xmlns:p14="http://schemas.microsoft.com/office/powerpoint/2010/main" val="1272210632"/>
       </p:ext>
     </p:extLst>
   </p:cSld>
@@ -10210,7 +10184,19 @@
               <a:rPr lang="en-US" sz="2000" dirty="0" smtClean="0">
                 <a:latin typeface="Times New Roman" pitchFamily="18" charset="0"/>
               </a:rPr>
-              <a:t>Method &amp; Approach – (pre-study, development model, tools and technology)</a:t>
+              <a:t>Method &amp; Approach – (pre-study, development model, </a:t>
+            </a:r>
+            <a:r>
+              <a:rPr lang="en-US" sz="2000" dirty="0" smtClean="0">
+                <a:latin typeface="Times New Roman" pitchFamily="18" charset="0"/>
+              </a:rPr>
+              <a:t>       tools </a:t>
+            </a:r>
+            <a:r>
+              <a:rPr lang="en-US" sz="2000" dirty="0" smtClean="0">
+                <a:latin typeface="Times New Roman" pitchFamily="18" charset="0"/>
+              </a:rPr>
+              <a:t>and technology)</a:t>
             </a:r>
           </a:p>
           <a:p>
@@ -11045,7 +11031,7 @@
     </p:spTree>
     <p:extLst>
       <p:ext uri="{BB962C8B-B14F-4D97-AF65-F5344CB8AC3E}">
-        <p14:creationId xmlns:p14="http://schemas.microsoft.com/office/powerpoint/2010/main" xmlns="" val="1178996977"/>
+        <p14:creationId xmlns="" xmlns:p14="http://schemas.microsoft.com/office/powerpoint/2010/main" val="1178996977"/>
       </p:ext>
     </p:extLst>
   </p:cSld>
